--- a/STM32_DOCS/STM32_CCP.pptx
+++ b/STM32_DOCS/STM32_CCP.pptx
@@ -5,22 +5,33 @@
     <p:sldMasterId id="2147483648" r:id="rId1"/>
   </p:sldMasterIdLst>
   <p:notesMasterIdLst>
-    <p:notesMasterId r:id="rId12"/>
+    <p:notesMasterId r:id="rId23"/>
   </p:notesMasterIdLst>
   <p:handoutMasterIdLst>
-    <p:handoutMasterId r:id="rId13"/>
+    <p:handoutMasterId r:id="rId24"/>
   </p:handoutMasterIdLst>
   <p:sldIdLst>
     <p:sldId id="324" r:id="rId2"/>
     <p:sldId id="312" r:id="rId3"/>
     <p:sldId id="327" r:id="rId4"/>
     <p:sldId id="328" r:id="rId5"/>
-    <p:sldId id="329" r:id="rId6"/>
-    <p:sldId id="330" r:id="rId7"/>
-    <p:sldId id="331" r:id="rId8"/>
-    <p:sldId id="332" r:id="rId9"/>
-    <p:sldId id="333" r:id="rId10"/>
-    <p:sldId id="334" r:id="rId11"/>
+    <p:sldId id="330" r:id="rId6"/>
+    <p:sldId id="342" r:id="rId7"/>
+    <p:sldId id="344" r:id="rId8"/>
+    <p:sldId id="345" r:id="rId9"/>
+    <p:sldId id="331" r:id="rId10"/>
+    <p:sldId id="332" r:id="rId11"/>
+    <p:sldId id="336" r:id="rId12"/>
+    <p:sldId id="335" r:id="rId13"/>
+    <p:sldId id="346" r:id="rId14"/>
+    <p:sldId id="347" r:id="rId15"/>
+    <p:sldId id="334" r:id="rId16"/>
+    <p:sldId id="337" r:id="rId17"/>
+    <p:sldId id="338" r:id="rId18"/>
+    <p:sldId id="343" r:id="rId19"/>
+    <p:sldId id="341" r:id="rId20"/>
+    <p:sldId id="348" r:id="rId21"/>
+    <p:sldId id="349" r:id="rId22"/>
   </p:sldIdLst>
   <p:sldSz cx="12192000" cy="6858000"/>
   <p:notesSz cx="6858000" cy="9144000"/>
@@ -121,7 +132,7 @@
   </p:defaultTextStyle>
   <p:extLst>
     <p:ext uri="{EFAFB233-063F-42B5-8137-9DF3F51BA10A}">
-      <p15:sldGuideLst xmlns="" xmlns:p15="http://schemas.microsoft.com/office/powerpoint/2012/main"/>
+      <p15:sldGuideLst xmlns:p15="http://schemas.microsoft.com/office/powerpoint/2012/main" xmlns=""/>
     </p:ext>
   </p:extLst>
 </p:presentation>
@@ -209,7 +220,7 @@
           <a:p>
             <a:fld id="{FA960776-DD9C-4CA1-B52F-F69555253B23}" type="datetimeFigureOut">
               <a:rPr lang="en-US" smtClean="0"/>
-              <a:t>09-Jul-21</a:t>
+              <a:t>10-Jul-21</a:t>
             </a:fld>
             <a:endParaRPr lang="en-US"/>
           </a:p>
@@ -374,7 +385,7 @@
           <a:p>
             <a:fld id="{117B28C9-C092-4B93-8C1C-CCC07276BB7E}" type="datetimeFigureOut">
               <a:rPr lang="en-US" smtClean="0"/>
-              <a:t>09-Jul-21</a:t>
+              <a:t>10-Jul-21</a:t>
             </a:fld>
             <a:endParaRPr lang="en-US"/>
           </a:p>
@@ -773,7 +784,7 @@
           <a:p>
             <a:fld id="{2A5E2251-59F4-40B9-B589-7FD156F73A80}" type="datetime1">
               <a:rPr lang="en-US" smtClean="0"/>
-              <a:t>09-Jul-21</a:t>
+              <a:t>10-Jul-21</a:t>
             </a:fld>
             <a:endParaRPr lang="en-US"/>
           </a:p>
@@ -947,7 +958,7 @@
           <a:p>
             <a:fld id="{89CF80C3-0E08-48A5-B726-C01769596925}" type="datetime1">
               <a:rPr lang="en-US" smtClean="0"/>
-              <a:t>09-Jul-21</a:t>
+              <a:t>10-Jul-21</a:t>
             </a:fld>
             <a:endParaRPr lang="en-US"/>
           </a:p>
@@ -1131,7 +1142,7 @@
           <a:p>
             <a:fld id="{892E424D-94F6-4CEC-A81F-5E779D7413CC}" type="datetime1">
               <a:rPr lang="en-US" smtClean="0"/>
-              <a:t>09-Jul-21</a:t>
+              <a:t>10-Jul-21</a:t>
             </a:fld>
             <a:endParaRPr lang="en-US"/>
           </a:p>
@@ -1305,7 +1316,7 @@
           <a:p>
             <a:fld id="{97D9D462-B0B7-4ABA-96C7-E930E507E961}" type="datetime1">
               <a:rPr lang="en-US" smtClean="0"/>
-              <a:t>09-Jul-21</a:t>
+              <a:t>10-Jul-21</a:t>
             </a:fld>
             <a:endParaRPr lang="en-US"/>
           </a:p>
@@ -1555,7 +1566,7 @@
           <a:p>
             <a:fld id="{3918557C-03DF-4711-B723-5E38B3E9A1E7}" type="datetime1">
               <a:rPr lang="en-US" smtClean="0"/>
-              <a:t>09-Jul-21</a:t>
+              <a:t>10-Jul-21</a:t>
             </a:fld>
             <a:endParaRPr lang="en-US"/>
           </a:p>
@@ -1791,7 +1802,7 @@
           <a:p>
             <a:fld id="{88336EB4-A409-4FAD-9C75-0FDA2532A29E}" type="datetime1">
               <a:rPr lang="en-US" smtClean="0"/>
-              <a:t>09-Jul-21</a:t>
+              <a:t>10-Jul-21</a:t>
             </a:fld>
             <a:endParaRPr lang="en-US"/>
           </a:p>
@@ -2162,7 +2173,7 @@
           <a:p>
             <a:fld id="{DEDC10B9-38CE-47F4-A584-8AB9D88C77B6}" type="datetime1">
               <a:rPr lang="en-US" smtClean="0"/>
-              <a:t>09-Jul-21</a:t>
+              <a:t>10-Jul-21</a:t>
             </a:fld>
             <a:endParaRPr lang="en-US"/>
           </a:p>
@@ -2284,7 +2295,7 @@
           <a:p>
             <a:fld id="{3555007C-9379-46F8-979B-5F3BF56E7AAF}" type="datetime1">
               <a:rPr lang="en-US" smtClean="0"/>
-              <a:t>09-Jul-21</a:t>
+              <a:t>10-Jul-21</a:t>
             </a:fld>
             <a:endParaRPr lang="en-US"/>
           </a:p>
@@ -2383,7 +2394,7 @@
           <a:p>
             <a:fld id="{DF2E3600-6EBA-4BF3-A90C-7AAC98EC2961}" type="datetime1">
               <a:rPr lang="en-US" smtClean="0"/>
-              <a:t>09-Jul-21</a:t>
+              <a:t>10-Jul-21</a:t>
             </a:fld>
             <a:endParaRPr lang="en-US"/>
           </a:p>
@@ -2664,7 +2675,7 @@
           <a:p>
             <a:fld id="{58C74F0D-A1EF-4991-AA34-322619835400}" type="datetime1">
               <a:rPr lang="en-US" smtClean="0"/>
-              <a:t>09-Jul-21</a:t>
+              <a:t>10-Jul-21</a:t>
             </a:fld>
             <a:endParaRPr lang="en-US"/>
           </a:p>
@@ -2921,7 +2932,7 @@
           <a:p>
             <a:fld id="{B940BCD2-4171-4350-A35E-E8DC82A10A4D}" type="datetime1">
               <a:rPr lang="en-US" smtClean="0"/>
-              <a:t>09-Jul-21</a:t>
+              <a:t>10-Jul-21</a:t>
             </a:fld>
             <a:endParaRPr lang="en-US"/>
           </a:p>
@@ -3138,7 +3149,7 @@
           <a:p>
             <a:fld id="{ABA45DF3-9160-4E03-9CC3-848E1257BAC3}" type="datetime1">
               <a:rPr lang="en-US" smtClean="0"/>
-              <a:t>09-Jul-21</a:t>
+              <a:t>10-Jul-21</a:t>
             </a:fld>
             <a:endParaRPr lang="en-US"/>
           </a:p>
@@ -3616,15 +3627,7 @@
                   <a:schemeClr val="accent1"/>
                 </a:solidFill>
               </a:rPr>
-              <a:t>STM32 </a:t>
-            </a:r>
-            <a:r>
-              <a:rPr lang="en-US" b="1" dirty="0" smtClean="0">
-                <a:solidFill>
-                  <a:schemeClr val="accent1"/>
-                </a:solidFill>
-              </a:rPr>
-              <a:t>CCP</a:t>
+              <a:t>STM32 CCP</a:t>
             </a:r>
             <a:endParaRPr lang="en-IN" b="1" dirty="0">
               <a:solidFill>
@@ -3809,8 +3812,16 @@
                 </a:solidFill>
                 <a:latin typeface="Facto Bold" panose="00000800000000000000" pitchFamily="50" charset="0"/>
               </a:rPr>
-              <a:t>STM32 Timer Classifications</a:t>
-            </a:r>
+              <a:t>Procedure</a:t>
+            </a:r>
+            <a:endParaRPr lang="en-US" sz="2800" b="1" dirty="0" smtClean="0">
+              <a:solidFill>
+                <a:schemeClr val="accent1">
+                  <a:lumMod val="75000"/>
+                </a:schemeClr>
+              </a:solidFill>
+              <a:latin typeface="Facto Bold" panose="00000800000000000000" pitchFamily="50" charset="0"/>
+            </a:endParaRPr>
           </a:p>
         </p:txBody>
       </p:sp>
@@ -3822,8 +3833,8 @@
         </p:nvSpPr>
         <p:spPr>
           <a:xfrm>
-            <a:off x="1003852" y="1767678"/>
-            <a:ext cx="10452371" cy="1268039"/>
+            <a:off x="695326" y="1168012"/>
+            <a:ext cx="10906124" cy="2289858"/>
           </a:xfrm>
           <a:prstGeom prst="rect">
             <a:avLst/>
@@ -3836,74 +3847,203 @@
           </a:bodyPr>
           <a:lstStyle/>
           <a:p>
-            <a:pPr marL="384048" lvl="0" indent="-384048" algn="just">
-              <a:lnSpc>
-                <a:spcPct val="94000"/>
-              </a:lnSpc>
-              <a:spcBef>
-                <a:spcPts val="1000"/>
-              </a:spcBef>
-              <a:spcAft>
-                <a:spcPts val="200"/>
-              </a:spcAft>
-              <a:buFont typeface="Wingdings" panose="05000000000000000000" pitchFamily="2" charset="2"/>
-              <a:buChar char="v"/>
+            <a:pPr marL="457200" lvl="0" indent="-457200">
+              <a:lnSpc>
+                <a:spcPct val="94000"/>
+              </a:lnSpc>
+              <a:spcBef>
+                <a:spcPts val="1000"/>
+              </a:spcBef>
+              <a:spcAft>
+                <a:spcPts val="200"/>
+              </a:spcAft>
+              <a:buFont typeface="+mj-lt"/>
+              <a:buAutoNum type="arabicPeriod"/>
             </a:pPr>
             <a:r>
               <a:rPr lang="en-US" sz="2000" dirty="0" smtClean="0"/>
-              <a:t>Advanced Timers (TIM1 and TIM8)</a:t>
-            </a:r>
-          </a:p>
-          <a:p>
-            <a:pPr marL="384048" lvl="0" indent="-384048" algn="just">
-              <a:lnSpc>
-                <a:spcPct val="94000"/>
-              </a:lnSpc>
-              <a:spcBef>
-                <a:spcPts val="1000"/>
-              </a:spcBef>
-              <a:spcAft>
-                <a:spcPts val="200"/>
-              </a:spcAft>
-              <a:buFont typeface="Wingdings" panose="05000000000000000000" pitchFamily="2" charset="2"/>
-              <a:buChar char="v"/>
-            </a:pPr>
-            <a:r>
-              <a:rPr lang="en-US" sz="2000" dirty="0"/>
-              <a:t>General Purpose Timers (TIM2 to TIM5 and </a:t>
+              <a:t>Select </a:t>
+            </a:r>
+            <a:r>
+              <a:rPr lang="en-US" sz="2000" dirty="0"/>
+              <a:t>the counter clock (internal, external, </a:t>
+            </a:r>
+            <a:r>
+              <a:rPr lang="en-US" sz="2000" dirty="0" err="1"/>
+              <a:t>prescaler</a:t>
             </a:r>
             <a:r>
               <a:rPr lang="en-US" sz="2000" dirty="0" smtClean="0"/>
-              <a:t>TIM9 </a:t>
-            </a:r>
-            <a:r>
-              <a:rPr lang="en-US" sz="2000" dirty="0"/>
-              <a:t>to </a:t>
-            </a:r>
+              <a:t>).</a:t>
+            </a:r>
+          </a:p>
+          <a:p>
+            <a:pPr marL="457200" lvl="0" indent="-457200">
+              <a:lnSpc>
+                <a:spcPct val="94000"/>
+              </a:lnSpc>
+              <a:spcBef>
+                <a:spcPts val="1000"/>
+              </a:spcBef>
+              <a:spcAft>
+                <a:spcPts val="200"/>
+              </a:spcAft>
+              <a:buFont typeface="+mj-lt"/>
+              <a:buAutoNum type="arabicPeriod"/>
+            </a:pPr>
             <a:r>
               <a:rPr lang="en-US" sz="2000" dirty="0" smtClean="0"/>
-              <a:t>TIM14)</a:t>
-            </a:r>
-            <a:endParaRPr lang="en-US" sz="2000" dirty="0"/>
-          </a:p>
-          <a:p>
-            <a:pPr marL="384048" lvl="0" indent="-384048" algn="just">
-              <a:lnSpc>
-                <a:spcPct val="94000"/>
-              </a:lnSpc>
-              <a:spcBef>
-                <a:spcPts val="1000"/>
-              </a:spcBef>
-              <a:spcAft>
-                <a:spcPts val="200"/>
-              </a:spcAft>
-              <a:buFont typeface="Wingdings" panose="05000000000000000000" pitchFamily="2" charset="2"/>
-              <a:buChar char="v"/>
-            </a:pPr>
+              <a:t>Write </a:t>
+            </a:r>
+            <a:r>
+              <a:rPr lang="en-US" sz="2000" dirty="0"/>
+              <a:t>the desired data in the </a:t>
+            </a:r>
+            <a:r>
+              <a:rPr lang="en-US" sz="2000" dirty="0" err="1"/>
+              <a:t>TIMx_ARR</a:t>
+            </a:r>
+            <a:r>
+              <a:rPr lang="en-US" sz="2000" dirty="0"/>
+              <a:t> and </a:t>
+            </a:r>
+            <a:r>
+              <a:rPr lang="en-US" sz="2000" dirty="0" err="1"/>
+              <a:t>TIMx_CCRx</a:t>
+            </a:r>
+            <a:r>
+              <a:rPr lang="en-US" sz="2000" dirty="0"/>
+              <a:t> registers</a:t>
+            </a:r>
             <a:r>
               <a:rPr lang="en-US" sz="2000" dirty="0" smtClean="0"/>
-              <a:t>Basic Timers(TIM6 and TIM7)</a:t>
-            </a:r>
+              <a:t>.</a:t>
+            </a:r>
+          </a:p>
+          <a:p>
+            <a:pPr marL="457200" lvl="0" indent="-457200">
+              <a:lnSpc>
+                <a:spcPct val="94000"/>
+              </a:lnSpc>
+              <a:spcBef>
+                <a:spcPts val="1000"/>
+              </a:spcBef>
+              <a:spcAft>
+                <a:spcPts val="200"/>
+              </a:spcAft>
+              <a:buFont typeface="+mj-lt"/>
+              <a:buAutoNum type="arabicPeriod"/>
+            </a:pPr>
+            <a:r>
+              <a:rPr lang="en-US" sz="2000" dirty="0" smtClean="0"/>
+              <a:t>Select </a:t>
+            </a:r>
+            <a:r>
+              <a:rPr lang="en-US" sz="2000" dirty="0"/>
+              <a:t>the output mode. For example, the user must write </a:t>
+            </a:r>
+            <a:r>
+              <a:rPr lang="en-US" sz="2000" dirty="0" err="1"/>
+              <a:t>OCxM</a:t>
+            </a:r>
+            <a:r>
+              <a:rPr lang="en-US" sz="2000" dirty="0"/>
+              <a:t>=011, </a:t>
+            </a:r>
+            <a:r>
+              <a:rPr lang="en-US" sz="2000" dirty="0" err="1"/>
+              <a:t>OCxPE</a:t>
+            </a:r>
+            <a:r>
+              <a:rPr lang="en-US" sz="2000" dirty="0"/>
+              <a:t>=0,</a:t>
+            </a:r>
+            <a:br>
+              <a:rPr lang="en-US" sz="2000" dirty="0"/>
+            </a:br>
+            <a:r>
+              <a:rPr lang="en-US" sz="2000" dirty="0" err="1"/>
+              <a:t>CCxP</a:t>
+            </a:r>
+            <a:r>
+              <a:rPr lang="en-US" sz="2000" dirty="0"/>
+              <a:t>=0 and </a:t>
+            </a:r>
+            <a:r>
+              <a:rPr lang="en-US" sz="2000" dirty="0" err="1"/>
+              <a:t>CCxE</a:t>
+            </a:r>
+            <a:r>
+              <a:rPr lang="en-US" sz="2000" dirty="0"/>
+              <a:t>=1 to toggle </a:t>
+            </a:r>
+            <a:r>
+              <a:rPr lang="en-US" sz="2000" dirty="0" err="1"/>
+              <a:t>OCx</a:t>
+            </a:r>
+            <a:r>
+              <a:rPr lang="en-US" sz="2000" dirty="0"/>
+              <a:t> output pin when CNT matches </a:t>
+            </a:r>
+            <a:r>
+              <a:rPr lang="en-US" sz="2000" dirty="0" err="1"/>
+              <a:t>CCRx</a:t>
+            </a:r>
+            <a:r>
+              <a:rPr lang="en-US" sz="2000" dirty="0"/>
+              <a:t>, </a:t>
+            </a:r>
+            <a:r>
+              <a:rPr lang="en-US" sz="2000" dirty="0" err="1"/>
+              <a:t>CCRx</a:t>
+            </a:r>
+            <a:r>
+              <a:rPr lang="en-US" sz="2000" dirty="0"/>
+              <a:t/>
+            </a:r>
+            <a:br>
+              <a:rPr lang="en-US" sz="2000" dirty="0"/>
+            </a:br>
+            <a:r>
+              <a:rPr lang="en-US" sz="2000" dirty="0"/>
+              <a:t>preload is not used, </a:t>
+            </a:r>
+            <a:r>
+              <a:rPr lang="en-US" sz="2000" dirty="0" err="1"/>
+              <a:t>OCx</a:t>
+            </a:r>
+            <a:r>
+              <a:rPr lang="en-US" sz="2000" dirty="0"/>
+              <a:t> is enabled and active high</a:t>
+            </a:r>
+            <a:r>
+              <a:rPr lang="en-US" sz="2000" dirty="0" smtClean="0"/>
+              <a:t>.</a:t>
+            </a:r>
+          </a:p>
+          <a:p>
+            <a:pPr marL="457200" lvl="0" indent="-457200">
+              <a:lnSpc>
+                <a:spcPct val="94000"/>
+              </a:lnSpc>
+              <a:spcBef>
+                <a:spcPts val="1000"/>
+              </a:spcBef>
+              <a:spcAft>
+                <a:spcPts val="200"/>
+              </a:spcAft>
+              <a:buFont typeface="+mj-lt"/>
+              <a:buAutoNum type="arabicPeriod"/>
+            </a:pPr>
+            <a:r>
+              <a:rPr lang="en-US" sz="2000" dirty="0" smtClean="0"/>
+              <a:t>Enable </a:t>
+            </a:r>
+            <a:r>
+              <a:rPr lang="en-US" sz="2000" dirty="0"/>
+              <a:t>the counter by setting the CEN bit in the TIMx_CR1 register.</a:t>
+            </a:r>
+            <a:endParaRPr lang="en-US" sz="2000" dirty="0" smtClean="0"/>
           </a:p>
         </p:txBody>
       </p:sp>
@@ -3911,6 +4051,3654 @@
     <p:extLst>
       <p:ext uri="{BB962C8B-B14F-4D97-AF65-F5344CB8AC3E}">
         <p14:creationId xmlns:p14="http://schemas.microsoft.com/office/powerpoint/2010/main" val="1065927405"/>
+      </p:ext>
+    </p:extLst>
+  </p:cSld>
+  <p:clrMapOvr>
+    <a:masterClrMapping/>
+  </p:clrMapOvr>
+  <p:timing>
+    <p:tnLst>
+      <p:par>
+        <p:cTn id="1" dur="indefinite" restart="never" nodeType="tmRoot"/>
+      </p:par>
+    </p:tnLst>
+  </p:timing>
+</p:sld>
+</file>
+
+<file path=ppt/slides/slide11.xml><?xml version="1.0" encoding="utf-8"?>
+<p:sld xmlns:a="http://schemas.openxmlformats.org/drawingml/2006/main" xmlns:r="http://schemas.openxmlformats.org/officeDocument/2006/relationships" xmlns:p="http://schemas.openxmlformats.org/presentationml/2006/main">
+  <p:cSld>
+    <p:spTree>
+      <p:nvGrpSpPr>
+        <p:cNvPr id="1" name=""/>
+        <p:cNvGrpSpPr/>
+        <p:nvPr/>
+      </p:nvGrpSpPr>
+      <p:grpSpPr>
+        <a:xfrm>
+          <a:off x="0" y="0"/>
+          <a:ext cx="0" cy="0"/>
+          <a:chOff x="0" y="0"/>
+          <a:chExt cx="0" cy="0"/>
+        </a:xfrm>
+      </p:grpSpPr>
+      <p:pic>
+        <p:nvPicPr>
+          <p:cNvPr id="2" name="Picture 2" descr="Azetech Solutions | LinkedIn"/>
+          <p:cNvPicPr>
+            <a:picLocks noChangeAspect="1" noChangeArrowheads="1"/>
+          </p:cNvPicPr>
+          <p:nvPr/>
+        </p:nvPicPr>
+        <p:blipFill>
+          <a:blip r:embed="rId2" cstate="print">
+            <a:extLst>
+              <a:ext uri="{28A0092B-C50C-407E-A947-70E740481C1C}">
+                <a14:useLocalDpi xmlns:a14="http://schemas.microsoft.com/office/drawing/2010/main" val="0"/>
+              </a:ext>
+            </a:extLst>
+          </a:blip>
+          <a:srcRect/>
+          <a:stretch>
+            <a:fillRect/>
+          </a:stretch>
+        </p:blipFill>
+        <p:spPr bwMode="auto">
+          <a:xfrm>
+            <a:off x="11456223" y="129648"/>
+            <a:ext cx="536848" cy="536848"/>
+          </a:xfrm>
+          <a:prstGeom prst="rect">
+            <a:avLst/>
+          </a:prstGeom>
+          <a:noFill/>
+          <a:extLst>
+            <a:ext uri="{909E8E84-426E-40DD-AFC4-6F175D3DCCD1}">
+              <a14:hiddenFill xmlns:a14="http://schemas.microsoft.com/office/drawing/2010/main">
+                <a:solidFill>
+                  <a:srgbClr val="FFFFFF"/>
+                </a:solidFill>
+              </a14:hiddenFill>
+            </a:ext>
+          </a:extLst>
+        </p:spPr>
+      </p:pic>
+      <p:sp>
+        <p:nvSpPr>
+          <p:cNvPr id="3" name="Footer Placeholder 2"/>
+          <p:cNvSpPr>
+            <a:spLocks noGrp="1"/>
+          </p:cNvSpPr>
+          <p:nvPr>
+            <p:ph type="ftr" sz="quarter" idx="11"/>
+          </p:nvPr>
+        </p:nvSpPr>
+        <p:spPr/>
+        <p:txBody>
+          <a:bodyPr/>
+          <a:lstStyle/>
+          <a:p>
+            <a:r>
+              <a:rPr lang="en-US" smtClean="0"/>
+              <a:t>Azetech Solution, Coimbatore</a:t>
+            </a:r>
+            <a:endParaRPr lang="en-US"/>
+          </a:p>
+        </p:txBody>
+      </p:sp>
+      <p:sp>
+        <p:nvSpPr>
+          <p:cNvPr id="5" name="Title 4"/>
+          <p:cNvSpPr txBox="1">
+            <a:spLocks/>
+          </p:cNvSpPr>
+          <p:nvPr/>
+        </p:nvSpPr>
+        <p:spPr>
+          <a:xfrm>
+            <a:off x="563010" y="556080"/>
+            <a:ext cx="6636281" cy="611932"/>
+          </a:xfrm>
+          <a:prstGeom prst="rect">
+            <a:avLst/>
+          </a:prstGeom>
+        </p:spPr>
+        <p:txBody>
+          <a:bodyPr vert="horz" lIns="91440" tIns="45720" rIns="91440" bIns="45720" rtlCol="0" anchor="b">
+            <a:noAutofit/>
+          </a:bodyPr>
+          <a:lstStyle>
+            <a:lvl1pPr algn="ctr" defTabSz="914400" rtl="0" eaLnBrk="1" latinLnBrk="0" hangingPunct="1">
+              <a:lnSpc>
+                <a:spcPct val="90000"/>
+              </a:lnSpc>
+              <a:spcBef>
+                <a:spcPct val="0"/>
+              </a:spcBef>
+              <a:buNone/>
+              <a:defRPr sz="6000" kern="1200">
+                <a:solidFill>
+                  <a:schemeClr val="tx1"/>
+                </a:solidFill>
+                <a:latin typeface="+mj-lt"/>
+                <a:ea typeface="+mj-ea"/>
+                <a:cs typeface="+mj-cs"/>
+              </a:defRPr>
+            </a:lvl1pPr>
+          </a:lstStyle>
+          <a:p>
+            <a:pPr algn="l"/>
+            <a:r>
+              <a:rPr lang="en-US" sz="2800" b="1" dirty="0" smtClean="0">
+                <a:solidFill>
+                  <a:schemeClr val="accent1">
+                    <a:lumMod val="75000"/>
+                  </a:schemeClr>
+                </a:solidFill>
+                <a:latin typeface="Facto Bold" panose="00000800000000000000" pitchFamily="50" charset="0"/>
+              </a:rPr>
+              <a:t>Compare Block Diagram</a:t>
+            </a:r>
+            <a:endParaRPr lang="en-US" sz="2800" b="1" dirty="0" smtClean="0">
+              <a:solidFill>
+                <a:schemeClr val="accent1">
+                  <a:lumMod val="75000"/>
+                </a:schemeClr>
+              </a:solidFill>
+              <a:latin typeface="Facto Bold" panose="00000800000000000000" pitchFamily="50" charset="0"/>
+            </a:endParaRPr>
+          </a:p>
+        </p:txBody>
+      </p:sp>
+      <p:pic>
+        <p:nvPicPr>
+          <p:cNvPr id="4" name="Picture 3"/>
+          <p:cNvPicPr>
+            <a:picLocks noChangeAspect="1"/>
+          </p:cNvPicPr>
+          <p:nvPr/>
+        </p:nvPicPr>
+        <p:blipFill>
+          <a:blip r:embed="rId3">
+            <a:extLst>
+              <a:ext uri="{28A0092B-C50C-407E-A947-70E740481C1C}">
+                <a14:useLocalDpi xmlns:a14="http://schemas.microsoft.com/office/drawing/2010/main" val="0"/>
+              </a:ext>
+            </a:extLst>
+          </a:blip>
+          <a:stretch>
+            <a:fillRect/>
+          </a:stretch>
+        </p:blipFill>
+        <p:spPr>
+          <a:xfrm>
+            <a:off x="2057400" y="1658974"/>
+            <a:ext cx="6943725" cy="3403564"/>
+          </a:xfrm>
+          <a:prstGeom prst="rect">
+            <a:avLst/>
+          </a:prstGeom>
+        </p:spPr>
+      </p:pic>
+    </p:spTree>
+    <p:extLst>
+      <p:ext uri="{BB962C8B-B14F-4D97-AF65-F5344CB8AC3E}">
+        <p14:creationId xmlns:p14="http://schemas.microsoft.com/office/powerpoint/2010/main" val="2038105514"/>
+      </p:ext>
+    </p:extLst>
+  </p:cSld>
+  <p:clrMapOvr>
+    <a:masterClrMapping/>
+  </p:clrMapOvr>
+  <p:timing>
+    <p:tnLst>
+      <p:par>
+        <p:cTn id="1" dur="indefinite" restart="never" nodeType="tmRoot"/>
+      </p:par>
+    </p:tnLst>
+  </p:timing>
+</p:sld>
+</file>
+
+<file path=ppt/slides/slide12.xml><?xml version="1.0" encoding="utf-8"?>
+<p:sld xmlns:a="http://schemas.openxmlformats.org/drawingml/2006/main" xmlns:r="http://schemas.openxmlformats.org/officeDocument/2006/relationships" xmlns:p="http://schemas.openxmlformats.org/presentationml/2006/main">
+  <p:cSld>
+    <p:spTree>
+      <p:nvGrpSpPr>
+        <p:cNvPr id="1" name=""/>
+        <p:cNvGrpSpPr/>
+        <p:nvPr/>
+      </p:nvGrpSpPr>
+      <p:grpSpPr>
+        <a:xfrm>
+          <a:off x="0" y="0"/>
+          <a:ext cx="0" cy="0"/>
+          <a:chOff x="0" y="0"/>
+          <a:chExt cx="0" cy="0"/>
+        </a:xfrm>
+      </p:grpSpPr>
+      <p:pic>
+        <p:nvPicPr>
+          <p:cNvPr id="2" name="Picture 2" descr="Azetech Solutions | LinkedIn"/>
+          <p:cNvPicPr>
+            <a:picLocks noChangeAspect="1" noChangeArrowheads="1"/>
+          </p:cNvPicPr>
+          <p:nvPr/>
+        </p:nvPicPr>
+        <p:blipFill>
+          <a:blip r:embed="rId2" cstate="print">
+            <a:extLst>
+              <a:ext uri="{28A0092B-C50C-407E-A947-70E740481C1C}">
+                <a14:useLocalDpi xmlns:a14="http://schemas.microsoft.com/office/drawing/2010/main" val="0"/>
+              </a:ext>
+            </a:extLst>
+          </a:blip>
+          <a:srcRect/>
+          <a:stretch>
+            <a:fillRect/>
+          </a:stretch>
+        </p:blipFill>
+        <p:spPr bwMode="auto">
+          <a:xfrm>
+            <a:off x="11456223" y="129648"/>
+            <a:ext cx="536848" cy="536848"/>
+          </a:xfrm>
+          <a:prstGeom prst="rect">
+            <a:avLst/>
+          </a:prstGeom>
+          <a:noFill/>
+          <a:extLst>
+            <a:ext uri="{909E8E84-426E-40DD-AFC4-6F175D3DCCD1}">
+              <a14:hiddenFill xmlns:a14="http://schemas.microsoft.com/office/drawing/2010/main">
+                <a:solidFill>
+                  <a:srgbClr val="FFFFFF"/>
+                </a:solidFill>
+              </a14:hiddenFill>
+            </a:ext>
+          </a:extLst>
+        </p:spPr>
+      </p:pic>
+      <p:sp>
+        <p:nvSpPr>
+          <p:cNvPr id="3" name="Footer Placeholder 2"/>
+          <p:cNvSpPr>
+            <a:spLocks noGrp="1"/>
+          </p:cNvSpPr>
+          <p:nvPr>
+            <p:ph type="ftr" sz="quarter" idx="11"/>
+          </p:nvPr>
+        </p:nvSpPr>
+        <p:spPr/>
+        <p:txBody>
+          <a:bodyPr/>
+          <a:lstStyle/>
+          <a:p>
+            <a:r>
+              <a:rPr lang="en-US" smtClean="0"/>
+              <a:t>Azetech Solution, Coimbatore</a:t>
+            </a:r>
+            <a:endParaRPr lang="en-US"/>
+          </a:p>
+        </p:txBody>
+      </p:sp>
+      <p:sp>
+        <p:nvSpPr>
+          <p:cNvPr id="5" name="Title 4"/>
+          <p:cNvSpPr txBox="1">
+            <a:spLocks/>
+          </p:cNvSpPr>
+          <p:nvPr/>
+        </p:nvSpPr>
+        <p:spPr>
+          <a:xfrm>
+            <a:off x="563010" y="556080"/>
+            <a:ext cx="9863138" cy="611932"/>
+          </a:xfrm>
+          <a:prstGeom prst="rect">
+            <a:avLst/>
+          </a:prstGeom>
+        </p:spPr>
+        <p:txBody>
+          <a:bodyPr vert="horz" lIns="91440" tIns="45720" rIns="91440" bIns="45720" rtlCol="0" anchor="b">
+            <a:noAutofit/>
+          </a:bodyPr>
+          <a:lstStyle>
+            <a:lvl1pPr algn="ctr" defTabSz="914400" rtl="0" eaLnBrk="1" latinLnBrk="0" hangingPunct="1">
+              <a:lnSpc>
+                <a:spcPct val="90000"/>
+              </a:lnSpc>
+              <a:spcBef>
+                <a:spcPct val="0"/>
+              </a:spcBef>
+              <a:buNone/>
+              <a:defRPr sz="6000" kern="1200">
+                <a:solidFill>
+                  <a:schemeClr val="tx1"/>
+                </a:solidFill>
+                <a:latin typeface="+mj-lt"/>
+                <a:ea typeface="+mj-ea"/>
+                <a:cs typeface="+mj-cs"/>
+              </a:defRPr>
+            </a:lvl1pPr>
+          </a:lstStyle>
+          <a:p>
+            <a:pPr algn="l"/>
+            <a:r>
+              <a:rPr lang="en-US" sz="2800" b="1" dirty="0" smtClean="0">
+                <a:solidFill>
+                  <a:schemeClr val="accent1">
+                    <a:lumMod val="75000"/>
+                  </a:schemeClr>
+                </a:solidFill>
+                <a:latin typeface="Facto Bold" panose="00000800000000000000" pitchFamily="50" charset="0"/>
+              </a:rPr>
+              <a:t>CCP Registers-each 16bit Register</a:t>
+            </a:r>
+            <a:endParaRPr lang="en-US" sz="2800" b="1" dirty="0" smtClean="0">
+              <a:solidFill>
+                <a:schemeClr val="accent1">
+                  <a:lumMod val="75000"/>
+                </a:schemeClr>
+              </a:solidFill>
+              <a:latin typeface="Facto Bold" panose="00000800000000000000" pitchFamily="50" charset="0"/>
+            </a:endParaRPr>
+          </a:p>
+        </p:txBody>
+      </p:sp>
+      <p:sp>
+        <p:nvSpPr>
+          <p:cNvPr id="6" name="TextBox 5"/>
+          <p:cNvSpPr txBox="1"/>
+          <p:nvPr/>
+        </p:nvSpPr>
+        <p:spPr>
+          <a:xfrm>
+            <a:off x="815008" y="1549017"/>
+            <a:ext cx="10452371" cy="2154436"/>
+          </a:xfrm>
+          <a:prstGeom prst="rect">
+            <a:avLst/>
+          </a:prstGeom>
+          <a:noFill/>
+        </p:spPr>
+        <p:txBody>
+          <a:bodyPr wrap="square" rtlCol="0">
+            <a:spAutoFit/>
+          </a:bodyPr>
+          <a:lstStyle/>
+          <a:p>
+            <a:pPr marL="384048" lvl="0" indent="-384048" algn="just">
+              <a:lnSpc>
+                <a:spcPct val="94000"/>
+              </a:lnSpc>
+              <a:spcBef>
+                <a:spcPts val="1000"/>
+              </a:spcBef>
+              <a:spcAft>
+                <a:spcPts val="200"/>
+              </a:spcAft>
+              <a:buFont typeface="Wingdings" panose="05000000000000000000" pitchFamily="2" charset="2"/>
+              <a:buChar char="v"/>
+            </a:pPr>
+            <a:r>
+              <a:rPr lang="en-US" sz="2000" dirty="0" smtClean="0"/>
+              <a:t>TIMx_CR</a:t>
+            </a:r>
+            <a:r>
+              <a:rPr lang="en-US" sz="2000" dirty="0" smtClean="0"/>
+              <a:t>1 		- Timer Control Register</a:t>
+            </a:r>
+          </a:p>
+          <a:p>
+            <a:pPr marL="384048" lvl="0" indent="-384048" algn="just">
+              <a:lnSpc>
+                <a:spcPct val="94000"/>
+              </a:lnSpc>
+              <a:spcBef>
+                <a:spcPts val="1000"/>
+              </a:spcBef>
+              <a:spcAft>
+                <a:spcPts val="200"/>
+              </a:spcAft>
+              <a:buFont typeface="Wingdings" panose="05000000000000000000" pitchFamily="2" charset="2"/>
+              <a:buChar char="v"/>
+            </a:pPr>
+            <a:r>
+              <a:rPr lang="en-US" sz="2000" dirty="0" err="1" smtClean="0"/>
+              <a:t>TIMx_SR</a:t>
+            </a:r>
+            <a:r>
+              <a:rPr lang="en-US" sz="2000" dirty="0" smtClean="0"/>
+              <a:t>		-Timer Status Register</a:t>
+            </a:r>
+          </a:p>
+          <a:p>
+            <a:pPr marL="384048" lvl="0" indent="-384048" algn="just">
+              <a:lnSpc>
+                <a:spcPct val="94000"/>
+              </a:lnSpc>
+              <a:spcBef>
+                <a:spcPts val="1000"/>
+              </a:spcBef>
+              <a:spcAft>
+                <a:spcPts val="200"/>
+              </a:spcAft>
+              <a:buFont typeface="Wingdings" panose="05000000000000000000" pitchFamily="2" charset="2"/>
+              <a:buChar char="v"/>
+            </a:pPr>
+            <a:r>
+              <a:rPr lang="en-US" sz="2000" dirty="0" smtClean="0"/>
+              <a:t>TIMx_CCMR1		-Timer  Capture/Compare Mode Register</a:t>
+            </a:r>
+          </a:p>
+          <a:p>
+            <a:pPr marL="384048" indent="-384048" algn="just">
+              <a:lnSpc>
+                <a:spcPct val="94000"/>
+              </a:lnSpc>
+              <a:spcBef>
+                <a:spcPts val="1000"/>
+              </a:spcBef>
+              <a:spcAft>
+                <a:spcPts val="200"/>
+              </a:spcAft>
+              <a:buFont typeface="Wingdings" panose="05000000000000000000" pitchFamily="2" charset="2"/>
+              <a:buChar char="v"/>
+            </a:pPr>
+            <a:r>
+              <a:rPr lang="en-US" sz="2000" dirty="0" err="1" smtClean="0"/>
+              <a:t>TIMx_CCER</a:t>
+            </a:r>
+            <a:r>
+              <a:rPr lang="en-US" sz="2000" dirty="0" smtClean="0"/>
+              <a:t>		-</a:t>
+            </a:r>
+            <a:r>
+              <a:rPr lang="en-US" sz="2000" dirty="0"/>
+              <a:t>Timer  Capture/Compare </a:t>
+            </a:r>
+            <a:r>
+              <a:rPr lang="en-US" sz="2000" dirty="0" smtClean="0"/>
+              <a:t>Enable Register</a:t>
+            </a:r>
+          </a:p>
+          <a:p>
+            <a:pPr marL="384048" indent="-384048" algn="just">
+              <a:lnSpc>
+                <a:spcPct val="94000"/>
+              </a:lnSpc>
+              <a:spcBef>
+                <a:spcPts val="1000"/>
+              </a:spcBef>
+              <a:spcAft>
+                <a:spcPts val="200"/>
+              </a:spcAft>
+              <a:buFont typeface="Wingdings" panose="05000000000000000000" pitchFamily="2" charset="2"/>
+              <a:buChar char="v"/>
+            </a:pPr>
+            <a:r>
+              <a:rPr lang="en-US" sz="2000" dirty="0" smtClean="0"/>
+              <a:t>TIMx_CCR1		-</a:t>
+            </a:r>
+            <a:r>
+              <a:rPr lang="en-US" sz="2000" dirty="0"/>
+              <a:t>Timer  Capture/Compare </a:t>
+            </a:r>
+            <a:r>
+              <a:rPr lang="en-US" sz="2000" dirty="0" smtClean="0"/>
+              <a:t>Register</a:t>
+            </a:r>
+            <a:endParaRPr lang="en-US" sz="2000" dirty="0"/>
+          </a:p>
+        </p:txBody>
+      </p:sp>
+    </p:spTree>
+    <p:extLst>
+      <p:ext uri="{BB962C8B-B14F-4D97-AF65-F5344CB8AC3E}">
+        <p14:creationId xmlns:p14="http://schemas.microsoft.com/office/powerpoint/2010/main" val="1006636135"/>
+      </p:ext>
+    </p:extLst>
+  </p:cSld>
+  <p:clrMapOvr>
+    <a:masterClrMapping/>
+  </p:clrMapOvr>
+  <p:timing>
+    <p:tnLst>
+      <p:par>
+        <p:cTn id="1" dur="indefinite" restart="never" nodeType="tmRoot"/>
+      </p:par>
+    </p:tnLst>
+  </p:timing>
+</p:sld>
+</file>
+
+<file path=ppt/slides/slide13.xml><?xml version="1.0" encoding="utf-8"?>
+<p:sld xmlns:a="http://schemas.openxmlformats.org/drawingml/2006/main" xmlns:r="http://schemas.openxmlformats.org/officeDocument/2006/relationships" xmlns:p="http://schemas.openxmlformats.org/presentationml/2006/main">
+  <p:cSld>
+    <p:spTree>
+      <p:nvGrpSpPr>
+        <p:cNvPr id="1" name=""/>
+        <p:cNvGrpSpPr/>
+        <p:nvPr/>
+      </p:nvGrpSpPr>
+      <p:grpSpPr>
+        <a:xfrm>
+          <a:off x="0" y="0"/>
+          <a:ext cx="0" cy="0"/>
+          <a:chOff x="0" y="0"/>
+          <a:chExt cx="0" cy="0"/>
+        </a:xfrm>
+      </p:grpSpPr>
+      <p:pic>
+        <p:nvPicPr>
+          <p:cNvPr id="2" name="Picture 2" descr="Azetech Solutions | LinkedIn"/>
+          <p:cNvPicPr>
+            <a:picLocks noChangeAspect="1" noChangeArrowheads="1"/>
+          </p:cNvPicPr>
+          <p:nvPr/>
+        </p:nvPicPr>
+        <p:blipFill>
+          <a:blip r:embed="rId2" cstate="print">
+            <a:extLst>
+              <a:ext uri="{28A0092B-C50C-407E-A947-70E740481C1C}">
+                <a14:useLocalDpi xmlns:a14="http://schemas.microsoft.com/office/drawing/2010/main" val="0"/>
+              </a:ext>
+            </a:extLst>
+          </a:blip>
+          <a:srcRect/>
+          <a:stretch>
+            <a:fillRect/>
+          </a:stretch>
+        </p:blipFill>
+        <p:spPr bwMode="auto">
+          <a:xfrm>
+            <a:off x="11456223" y="129648"/>
+            <a:ext cx="536848" cy="536848"/>
+          </a:xfrm>
+          <a:prstGeom prst="rect">
+            <a:avLst/>
+          </a:prstGeom>
+          <a:noFill/>
+          <a:extLst>
+            <a:ext uri="{909E8E84-426E-40DD-AFC4-6F175D3DCCD1}">
+              <a14:hiddenFill xmlns:a14="http://schemas.microsoft.com/office/drawing/2010/main">
+                <a:solidFill>
+                  <a:srgbClr val="FFFFFF"/>
+                </a:solidFill>
+              </a14:hiddenFill>
+            </a:ext>
+          </a:extLst>
+        </p:spPr>
+      </p:pic>
+      <p:sp>
+        <p:nvSpPr>
+          <p:cNvPr id="3" name="Footer Placeholder 2"/>
+          <p:cNvSpPr>
+            <a:spLocks noGrp="1"/>
+          </p:cNvSpPr>
+          <p:nvPr>
+            <p:ph type="ftr" sz="quarter" idx="11"/>
+          </p:nvPr>
+        </p:nvSpPr>
+        <p:spPr/>
+        <p:txBody>
+          <a:bodyPr/>
+          <a:lstStyle/>
+          <a:p>
+            <a:r>
+              <a:rPr lang="en-US" smtClean="0"/>
+              <a:t>Azetech Solution, Coimbatore</a:t>
+            </a:r>
+            <a:endParaRPr lang="en-US"/>
+          </a:p>
+        </p:txBody>
+      </p:sp>
+      <p:sp>
+        <p:nvSpPr>
+          <p:cNvPr id="5" name="Title 4"/>
+          <p:cNvSpPr txBox="1">
+            <a:spLocks/>
+          </p:cNvSpPr>
+          <p:nvPr/>
+        </p:nvSpPr>
+        <p:spPr>
+          <a:xfrm>
+            <a:off x="563010" y="285750"/>
+            <a:ext cx="6533115" cy="590550"/>
+          </a:xfrm>
+          <a:prstGeom prst="rect">
+            <a:avLst/>
+          </a:prstGeom>
+        </p:spPr>
+        <p:txBody>
+          <a:bodyPr vert="horz" lIns="91440" tIns="45720" rIns="91440" bIns="45720" rtlCol="0" anchor="b">
+            <a:noAutofit/>
+          </a:bodyPr>
+          <a:lstStyle>
+            <a:lvl1pPr algn="ctr" defTabSz="914400" rtl="0" eaLnBrk="1" latinLnBrk="0" hangingPunct="1">
+              <a:lnSpc>
+                <a:spcPct val="90000"/>
+              </a:lnSpc>
+              <a:spcBef>
+                <a:spcPct val="0"/>
+              </a:spcBef>
+              <a:buNone/>
+              <a:defRPr sz="6000" kern="1200">
+                <a:solidFill>
+                  <a:schemeClr val="tx1"/>
+                </a:solidFill>
+                <a:latin typeface="+mj-lt"/>
+                <a:ea typeface="+mj-ea"/>
+                <a:cs typeface="+mj-cs"/>
+              </a:defRPr>
+            </a:lvl1pPr>
+          </a:lstStyle>
+          <a:p>
+            <a:pPr algn="l"/>
+            <a:r>
+              <a:rPr lang="en-US" sz="2800" b="1" dirty="0" smtClean="0">
+                <a:solidFill>
+                  <a:schemeClr val="accent1">
+                    <a:lumMod val="75000"/>
+                  </a:schemeClr>
+                </a:solidFill>
+                <a:latin typeface="Facto Bold" panose="00000800000000000000" pitchFamily="50" charset="0"/>
+              </a:rPr>
+              <a:t>Compare Program</a:t>
+            </a:r>
+            <a:endParaRPr lang="en-US" sz="2800" b="1" dirty="0" smtClean="0">
+              <a:solidFill>
+                <a:schemeClr val="accent1">
+                  <a:lumMod val="75000"/>
+                </a:schemeClr>
+              </a:solidFill>
+              <a:latin typeface="Facto Bold" panose="00000800000000000000" pitchFamily="50" charset="0"/>
+            </a:endParaRPr>
+          </a:p>
+        </p:txBody>
+      </p:sp>
+      <p:sp>
+        <p:nvSpPr>
+          <p:cNvPr id="6" name="TextBox 5"/>
+          <p:cNvSpPr txBox="1"/>
+          <p:nvPr/>
+        </p:nvSpPr>
+        <p:spPr>
+          <a:xfrm>
+            <a:off x="685800" y="1000125"/>
+            <a:ext cx="10903773" cy="5177828"/>
+          </a:xfrm>
+          <a:prstGeom prst="rect">
+            <a:avLst/>
+          </a:prstGeom>
+          <a:noFill/>
+        </p:spPr>
+        <p:txBody>
+          <a:bodyPr wrap="square" rtlCol="0">
+            <a:spAutoFit/>
+          </a:bodyPr>
+          <a:lstStyle/>
+          <a:p>
+            <a:pPr lvl="0" algn="just">
+              <a:lnSpc>
+                <a:spcPct val="94000"/>
+              </a:lnSpc>
+              <a:spcBef>
+                <a:spcPts val="1000"/>
+              </a:spcBef>
+              <a:spcAft>
+                <a:spcPts val="200"/>
+              </a:spcAft>
+            </a:pPr>
+            <a:r>
+              <a:rPr lang="en-US" sz="1200" dirty="0">
+                <a:latin typeface="Consolas" pitchFamily="49" charset="0"/>
+              </a:rPr>
+              <a:t>#include "stm32f10x.h"                  // Device header</a:t>
+            </a:r>
+          </a:p>
+          <a:p>
+            <a:pPr lvl="0" algn="just">
+              <a:lnSpc>
+                <a:spcPct val="94000"/>
+              </a:lnSpc>
+              <a:spcBef>
+                <a:spcPts val="1000"/>
+              </a:spcBef>
+              <a:spcAft>
+                <a:spcPts val="200"/>
+              </a:spcAft>
+            </a:pPr>
+            <a:r>
+              <a:rPr lang="en-US" sz="1200" dirty="0">
+                <a:latin typeface="Consolas" pitchFamily="49" charset="0"/>
+              </a:rPr>
+              <a:t>void </a:t>
+            </a:r>
+            <a:r>
+              <a:rPr lang="en-US" sz="1200" dirty="0" err="1">
+                <a:latin typeface="Consolas" pitchFamily="49" charset="0"/>
+              </a:rPr>
+              <a:t>gpio_init</a:t>
+            </a:r>
+            <a:r>
+              <a:rPr lang="en-US" sz="1200" dirty="0">
+                <a:latin typeface="Consolas" pitchFamily="49" charset="0"/>
+              </a:rPr>
+              <a:t>();</a:t>
+            </a:r>
+          </a:p>
+          <a:p>
+            <a:pPr lvl="0" algn="just">
+              <a:lnSpc>
+                <a:spcPct val="94000"/>
+              </a:lnSpc>
+              <a:spcBef>
+                <a:spcPts val="1000"/>
+              </a:spcBef>
+              <a:spcAft>
+                <a:spcPts val="200"/>
+              </a:spcAft>
+            </a:pPr>
+            <a:r>
+              <a:rPr lang="en-US" sz="1200" dirty="0">
+                <a:latin typeface="Consolas" pitchFamily="49" charset="0"/>
+              </a:rPr>
+              <a:t>void </a:t>
+            </a:r>
+            <a:r>
+              <a:rPr lang="en-US" sz="1200" dirty="0" err="1">
+                <a:latin typeface="Consolas" pitchFamily="49" charset="0"/>
+              </a:rPr>
+              <a:t>compare_init</a:t>
+            </a:r>
+            <a:r>
+              <a:rPr lang="en-US" sz="1200" dirty="0" smtClean="0">
+                <a:latin typeface="Consolas" pitchFamily="49" charset="0"/>
+              </a:rPr>
+              <a:t>();</a:t>
+            </a:r>
+            <a:endParaRPr lang="en-US" sz="1200" dirty="0">
+              <a:latin typeface="Consolas" pitchFamily="49" charset="0"/>
+            </a:endParaRPr>
+          </a:p>
+          <a:p>
+            <a:pPr lvl="0" algn="just">
+              <a:lnSpc>
+                <a:spcPct val="94000"/>
+              </a:lnSpc>
+              <a:spcBef>
+                <a:spcPts val="1000"/>
+              </a:spcBef>
+              <a:spcAft>
+                <a:spcPts val="200"/>
+              </a:spcAft>
+            </a:pPr>
+            <a:r>
+              <a:rPr lang="en-US" sz="1200" dirty="0" err="1">
+                <a:latin typeface="Consolas" pitchFamily="49" charset="0"/>
+              </a:rPr>
+              <a:t>int</a:t>
+            </a:r>
+            <a:r>
+              <a:rPr lang="en-US" sz="1200" dirty="0">
+                <a:latin typeface="Consolas" pitchFamily="49" charset="0"/>
+              </a:rPr>
+              <a:t> main()</a:t>
+            </a:r>
+          </a:p>
+          <a:p>
+            <a:pPr lvl="0" algn="just">
+              <a:lnSpc>
+                <a:spcPct val="94000"/>
+              </a:lnSpc>
+              <a:spcBef>
+                <a:spcPts val="1000"/>
+              </a:spcBef>
+              <a:spcAft>
+                <a:spcPts val="200"/>
+              </a:spcAft>
+            </a:pPr>
+            <a:r>
+              <a:rPr lang="en-US" sz="1200" dirty="0">
+                <a:latin typeface="Consolas" pitchFamily="49" charset="0"/>
+              </a:rPr>
+              <a:t>{</a:t>
+            </a:r>
+          </a:p>
+          <a:p>
+            <a:pPr lvl="0" algn="just">
+              <a:lnSpc>
+                <a:spcPct val="94000"/>
+              </a:lnSpc>
+              <a:spcBef>
+                <a:spcPts val="1000"/>
+              </a:spcBef>
+              <a:spcAft>
+                <a:spcPts val="200"/>
+              </a:spcAft>
+            </a:pPr>
+            <a:r>
+              <a:rPr lang="en-US" sz="1200" dirty="0">
+                <a:latin typeface="Consolas" pitchFamily="49" charset="0"/>
+              </a:rPr>
+              <a:t>	</a:t>
+            </a:r>
+            <a:r>
+              <a:rPr lang="en-US" sz="1200" dirty="0" err="1">
+                <a:latin typeface="Consolas" pitchFamily="49" charset="0"/>
+              </a:rPr>
+              <a:t>gpio_init</a:t>
+            </a:r>
+            <a:r>
+              <a:rPr lang="en-US" sz="1200" dirty="0">
+                <a:latin typeface="Consolas" pitchFamily="49" charset="0"/>
+              </a:rPr>
+              <a:t>();</a:t>
+            </a:r>
+          </a:p>
+          <a:p>
+            <a:pPr lvl="0" algn="just">
+              <a:lnSpc>
+                <a:spcPct val="94000"/>
+              </a:lnSpc>
+              <a:spcBef>
+                <a:spcPts val="1000"/>
+              </a:spcBef>
+              <a:spcAft>
+                <a:spcPts val="200"/>
+              </a:spcAft>
+            </a:pPr>
+            <a:r>
+              <a:rPr lang="en-US" sz="1200" dirty="0">
+                <a:latin typeface="Consolas" pitchFamily="49" charset="0"/>
+              </a:rPr>
+              <a:t>	</a:t>
+            </a:r>
+            <a:r>
+              <a:rPr lang="en-US" sz="1200" dirty="0" err="1">
+                <a:latin typeface="Consolas" pitchFamily="49" charset="0"/>
+              </a:rPr>
+              <a:t>compare_init</a:t>
+            </a:r>
+            <a:r>
+              <a:rPr lang="en-US" sz="1200" dirty="0">
+                <a:latin typeface="Consolas" pitchFamily="49" charset="0"/>
+              </a:rPr>
+              <a:t>();</a:t>
+            </a:r>
+          </a:p>
+          <a:p>
+            <a:pPr lvl="0" algn="just">
+              <a:lnSpc>
+                <a:spcPct val="94000"/>
+              </a:lnSpc>
+              <a:spcBef>
+                <a:spcPts val="1000"/>
+              </a:spcBef>
+              <a:spcAft>
+                <a:spcPts val="200"/>
+              </a:spcAft>
+            </a:pPr>
+            <a:r>
+              <a:rPr lang="en-US" sz="1200" dirty="0">
+                <a:latin typeface="Consolas" pitchFamily="49" charset="0"/>
+              </a:rPr>
+              <a:t>	while(1)</a:t>
+            </a:r>
+          </a:p>
+          <a:p>
+            <a:pPr lvl="0" algn="just">
+              <a:lnSpc>
+                <a:spcPct val="94000"/>
+              </a:lnSpc>
+              <a:spcBef>
+                <a:spcPts val="1000"/>
+              </a:spcBef>
+              <a:spcAft>
+                <a:spcPts val="200"/>
+              </a:spcAft>
+            </a:pPr>
+            <a:r>
+              <a:rPr lang="en-US" sz="1200" dirty="0">
+                <a:latin typeface="Consolas" pitchFamily="49" charset="0"/>
+              </a:rPr>
+              <a:t>	{</a:t>
+            </a:r>
+          </a:p>
+          <a:p>
+            <a:pPr lvl="0" algn="just">
+              <a:lnSpc>
+                <a:spcPct val="94000"/>
+              </a:lnSpc>
+              <a:spcBef>
+                <a:spcPts val="1000"/>
+              </a:spcBef>
+              <a:spcAft>
+                <a:spcPts val="200"/>
+              </a:spcAft>
+            </a:pPr>
+            <a:r>
+              <a:rPr lang="en-US" sz="1200" dirty="0">
+                <a:latin typeface="Consolas" pitchFamily="49" charset="0"/>
+              </a:rPr>
+              <a:t>		if(TIM2-&gt;SR &amp;(1&lt;&lt;1))</a:t>
+            </a:r>
+          </a:p>
+          <a:p>
+            <a:pPr lvl="0" algn="just">
+              <a:lnSpc>
+                <a:spcPct val="94000"/>
+              </a:lnSpc>
+              <a:spcBef>
+                <a:spcPts val="1000"/>
+              </a:spcBef>
+              <a:spcAft>
+                <a:spcPts val="200"/>
+              </a:spcAft>
+            </a:pPr>
+            <a:r>
+              <a:rPr lang="en-US" sz="1200" dirty="0">
+                <a:latin typeface="Consolas" pitchFamily="49" charset="0"/>
+              </a:rPr>
+              <a:t>		{</a:t>
+            </a:r>
+          </a:p>
+          <a:p>
+            <a:pPr lvl="0" algn="just">
+              <a:lnSpc>
+                <a:spcPct val="94000"/>
+              </a:lnSpc>
+              <a:spcBef>
+                <a:spcPts val="1000"/>
+              </a:spcBef>
+              <a:spcAft>
+                <a:spcPts val="200"/>
+              </a:spcAft>
+            </a:pPr>
+            <a:r>
+              <a:rPr lang="en-US" sz="1200" dirty="0">
+                <a:latin typeface="Consolas" pitchFamily="49" charset="0"/>
+              </a:rPr>
+              <a:t>			TIM2-&gt;SR &amp;=~(1&lt;&lt;1);//compare flag reset</a:t>
+            </a:r>
+          </a:p>
+          <a:p>
+            <a:pPr lvl="0" algn="just">
+              <a:lnSpc>
+                <a:spcPct val="94000"/>
+              </a:lnSpc>
+              <a:spcBef>
+                <a:spcPts val="1000"/>
+              </a:spcBef>
+              <a:spcAft>
+                <a:spcPts val="200"/>
+              </a:spcAft>
+            </a:pPr>
+            <a:r>
+              <a:rPr lang="en-US" sz="1200" dirty="0">
+                <a:latin typeface="Consolas" pitchFamily="49" charset="0"/>
+              </a:rPr>
+              <a:t>		}</a:t>
+            </a:r>
+          </a:p>
+          <a:p>
+            <a:pPr lvl="0" algn="just">
+              <a:lnSpc>
+                <a:spcPct val="94000"/>
+              </a:lnSpc>
+              <a:spcBef>
+                <a:spcPts val="1000"/>
+              </a:spcBef>
+              <a:spcAft>
+                <a:spcPts val="200"/>
+              </a:spcAft>
+            </a:pPr>
+            <a:r>
+              <a:rPr lang="en-US" sz="1200" dirty="0">
+                <a:latin typeface="Consolas" pitchFamily="49" charset="0"/>
+              </a:rPr>
+              <a:t>	}</a:t>
+            </a:r>
+          </a:p>
+          <a:p>
+            <a:pPr lvl="0" algn="just">
+              <a:lnSpc>
+                <a:spcPct val="94000"/>
+              </a:lnSpc>
+              <a:spcBef>
+                <a:spcPts val="1000"/>
+              </a:spcBef>
+              <a:spcAft>
+                <a:spcPts val="200"/>
+              </a:spcAft>
+            </a:pPr>
+            <a:r>
+              <a:rPr lang="en-US" sz="1200" dirty="0">
+                <a:latin typeface="Consolas" pitchFamily="49" charset="0"/>
+              </a:rPr>
+              <a:t>	return 0;</a:t>
+            </a:r>
+          </a:p>
+          <a:p>
+            <a:pPr lvl="0" algn="just">
+              <a:lnSpc>
+                <a:spcPct val="94000"/>
+              </a:lnSpc>
+              <a:spcBef>
+                <a:spcPts val="1000"/>
+              </a:spcBef>
+              <a:spcAft>
+                <a:spcPts val="200"/>
+              </a:spcAft>
+            </a:pPr>
+            <a:r>
+              <a:rPr lang="en-US" sz="1200" dirty="0">
+                <a:latin typeface="Consolas" pitchFamily="49" charset="0"/>
+              </a:rPr>
+              <a:t>}</a:t>
+            </a:r>
+            <a:endParaRPr lang="en-US" sz="1200" dirty="0" smtClean="0">
+              <a:latin typeface="Consolas" pitchFamily="49" charset="0"/>
+            </a:endParaRPr>
+          </a:p>
+        </p:txBody>
+      </p:sp>
+    </p:spTree>
+    <p:extLst>
+      <p:ext uri="{BB962C8B-B14F-4D97-AF65-F5344CB8AC3E}">
+        <p14:creationId xmlns:p14="http://schemas.microsoft.com/office/powerpoint/2010/main" val="560030644"/>
+      </p:ext>
+    </p:extLst>
+  </p:cSld>
+  <p:clrMapOvr>
+    <a:masterClrMapping/>
+  </p:clrMapOvr>
+  <p:timing>
+    <p:tnLst>
+      <p:par>
+        <p:cTn id="1" dur="indefinite" restart="never" nodeType="tmRoot"/>
+      </p:par>
+    </p:tnLst>
+  </p:timing>
+</p:sld>
+</file>
+
+<file path=ppt/slides/slide14.xml><?xml version="1.0" encoding="utf-8"?>
+<p:sld xmlns:a="http://schemas.openxmlformats.org/drawingml/2006/main" xmlns:r="http://schemas.openxmlformats.org/officeDocument/2006/relationships" xmlns:p="http://schemas.openxmlformats.org/presentationml/2006/main">
+  <p:cSld>
+    <p:spTree>
+      <p:nvGrpSpPr>
+        <p:cNvPr id="1" name=""/>
+        <p:cNvGrpSpPr/>
+        <p:nvPr/>
+      </p:nvGrpSpPr>
+      <p:grpSpPr>
+        <a:xfrm>
+          <a:off x="0" y="0"/>
+          <a:ext cx="0" cy="0"/>
+          <a:chOff x="0" y="0"/>
+          <a:chExt cx="0" cy="0"/>
+        </a:xfrm>
+      </p:grpSpPr>
+      <p:pic>
+        <p:nvPicPr>
+          <p:cNvPr id="2" name="Picture 2" descr="Azetech Solutions | LinkedIn"/>
+          <p:cNvPicPr>
+            <a:picLocks noChangeAspect="1" noChangeArrowheads="1"/>
+          </p:cNvPicPr>
+          <p:nvPr/>
+        </p:nvPicPr>
+        <p:blipFill>
+          <a:blip r:embed="rId2" cstate="print">
+            <a:extLst>
+              <a:ext uri="{28A0092B-C50C-407E-A947-70E740481C1C}">
+                <a14:useLocalDpi xmlns:a14="http://schemas.microsoft.com/office/drawing/2010/main" val="0"/>
+              </a:ext>
+            </a:extLst>
+          </a:blip>
+          <a:srcRect/>
+          <a:stretch>
+            <a:fillRect/>
+          </a:stretch>
+        </p:blipFill>
+        <p:spPr bwMode="auto">
+          <a:xfrm>
+            <a:off x="11456223" y="129648"/>
+            <a:ext cx="536848" cy="536848"/>
+          </a:xfrm>
+          <a:prstGeom prst="rect">
+            <a:avLst/>
+          </a:prstGeom>
+          <a:noFill/>
+          <a:extLst>
+            <a:ext uri="{909E8E84-426E-40DD-AFC4-6F175D3DCCD1}">
+              <a14:hiddenFill xmlns:a14="http://schemas.microsoft.com/office/drawing/2010/main">
+                <a:solidFill>
+                  <a:srgbClr val="FFFFFF"/>
+                </a:solidFill>
+              </a14:hiddenFill>
+            </a:ext>
+          </a:extLst>
+        </p:spPr>
+      </p:pic>
+      <p:sp>
+        <p:nvSpPr>
+          <p:cNvPr id="3" name="Footer Placeholder 2"/>
+          <p:cNvSpPr>
+            <a:spLocks noGrp="1"/>
+          </p:cNvSpPr>
+          <p:nvPr>
+            <p:ph type="ftr" sz="quarter" idx="11"/>
+          </p:nvPr>
+        </p:nvSpPr>
+        <p:spPr/>
+        <p:txBody>
+          <a:bodyPr/>
+          <a:lstStyle/>
+          <a:p>
+            <a:r>
+              <a:rPr lang="en-US" smtClean="0"/>
+              <a:t>Azetech Solution, Coimbatore</a:t>
+            </a:r>
+            <a:endParaRPr lang="en-US"/>
+          </a:p>
+        </p:txBody>
+      </p:sp>
+      <p:sp>
+        <p:nvSpPr>
+          <p:cNvPr id="5" name="Title 4"/>
+          <p:cNvSpPr txBox="1">
+            <a:spLocks/>
+          </p:cNvSpPr>
+          <p:nvPr/>
+        </p:nvSpPr>
+        <p:spPr>
+          <a:xfrm>
+            <a:off x="563010" y="556080"/>
+            <a:ext cx="6636281" cy="611932"/>
+          </a:xfrm>
+          <a:prstGeom prst="rect">
+            <a:avLst/>
+          </a:prstGeom>
+        </p:spPr>
+        <p:txBody>
+          <a:bodyPr vert="horz" lIns="91440" tIns="45720" rIns="91440" bIns="45720" rtlCol="0" anchor="b">
+            <a:noAutofit/>
+          </a:bodyPr>
+          <a:lstStyle>
+            <a:lvl1pPr algn="ctr" defTabSz="914400" rtl="0" eaLnBrk="1" latinLnBrk="0" hangingPunct="1">
+              <a:lnSpc>
+                <a:spcPct val="90000"/>
+              </a:lnSpc>
+              <a:spcBef>
+                <a:spcPct val="0"/>
+              </a:spcBef>
+              <a:buNone/>
+              <a:defRPr sz="6000" kern="1200">
+                <a:solidFill>
+                  <a:schemeClr val="tx1"/>
+                </a:solidFill>
+                <a:latin typeface="+mj-lt"/>
+                <a:ea typeface="+mj-ea"/>
+                <a:cs typeface="+mj-cs"/>
+              </a:defRPr>
+            </a:lvl1pPr>
+          </a:lstStyle>
+          <a:p>
+            <a:pPr algn="l"/>
+            <a:endParaRPr lang="en-US" sz="2800" b="1" dirty="0" smtClean="0">
+              <a:solidFill>
+                <a:schemeClr val="accent1">
+                  <a:lumMod val="75000"/>
+                </a:schemeClr>
+              </a:solidFill>
+              <a:latin typeface="Facto Bold" panose="00000800000000000000" pitchFamily="50" charset="0"/>
+            </a:endParaRPr>
+          </a:p>
+        </p:txBody>
+      </p:sp>
+      <p:sp>
+        <p:nvSpPr>
+          <p:cNvPr id="6" name="TextBox 5"/>
+          <p:cNvSpPr txBox="1"/>
+          <p:nvPr/>
+        </p:nvSpPr>
+        <p:spPr>
+          <a:xfrm>
+            <a:off x="371475" y="129647"/>
+            <a:ext cx="11238185" cy="6109227"/>
+          </a:xfrm>
+          <a:prstGeom prst="rect">
+            <a:avLst/>
+          </a:prstGeom>
+          <a:noFill/>
+        </p:spPr>
+        <p:txBody>
+          <a:bodyPr wrap="square" numCol="2" rtlCol="0">
+            <a:spAutoFit/>
+          </a:bodyPr>
+          <a:lstStyle/>
+          <a:p>
+            <a:pPr lvl="0" algn="just">
+              <a:lnSpc>
+                <a:spcPct val="94000"/>
+              </a:lnSpc>
+              <a:spcBef>
+                <a:spcPts val="1000"/>
+              </a:spcBef>
+              <a:spcAft>
+                <a:spcPts val="200"/>
+              </a:spcAft>
+            </a:pPr>
+            <a:r>
+              <a:rPr lang="en-US" sz="1200" dirty="0" smtClean="0"/>
+              <a:t>void </a:t>
+            </a:r>
+            <a:r>
+              <a:rPr lang="en-US" sz="1200" dirty="0" err="1"/>
+              <a:t>gpio_init</a:t>
+            </a:r>
+            <a:r>
+              <a:rPr lang="en-US" sz="1200" dirty="0"/>
+              <a:t>()</a:t>
+            </a:r>
+          </a:p>
+          <a:p>
+            <a:pPr lvl="0" algn="just">
+              <a:lnSpc>
+                <a:spcPct val="94000"/>
+              </a:lnSpc>
+              <a:spcBef>
+                <a:spcPts val="1000"/>
+              </a:spcBef>
+              <a:spcAft>
+                <a:spcPts val="200"/>
+              </a:spcAft>
+            </a:pPr>
+            <a:r>
+              <a:rPr lang="en-US" sz="1200" dirty="0"/>
+              <a:t>{</a:t>
+            </a:r>
+          </a:p>
+          <a:p>
+            <a:pPr lvl="0" algn="just">
+              <a:lnSpc>
+                <a:spcPct val="94000"/>
+              </a:lnSpc>
+              <a:spcBef>
+                <a:spcPts val="1000"/>
+              </a:spcBef>
+              <a:spcAft>
+                <a:spcPts val="200"/>
+              </a:spcAft>
+            </a:pPr>
+            <a:r>
+              <a:rPr lang="en-US" sz="1200" dirty="0"/>
+              <a:t>		RCC-&gt;APB2ENR =(1&lt;&lt;0); //</a:t>
+            </a:r>
+            <a:r>
+              <a:rPr lang="en-US" sz="1200" dirty="0" err="1"/>
+              <a:t>afio</a:t>
+            </a:r>
+            <a:r>
+              <a:rPr lang="en-US" sz="1200" dirty="0"/>
+              <a:t> </a:t>
+            </a:r>
+            <a:r>
+              <a:rPr lang="en-US" sz="1200" dirty="0" err="1"/>
+              <a:t>clk</a:t>
+            </a:r>
+            <a:r>
+              <a:rPr lang="en-US" sz="1200" dirty="0"/>
+              <a:t> enable	</a:t>
+            </a:r>
+          </a:p>
+          <a:p>
+            <a:pPr lvl="0" algn="just">
+              <a:lnSpc>
+                <a:spcPct val="94000"/>
+              </a:lnSpc>
+              <a:spcBef>
+                <a:spcPts val="1000"/>
+              </a:spcBef>
+              <a:spcAft>
+                <a:spcPts val="200"/>
+              </a:spcAft>
+            </a:pPr>
+            <a:r>
+              <a:rPr lang="en-US" sz="1200" dirty="0"/>
+              <a:t>		RCC-&gt;APB2ENR |= (1&lt;&lt;2);//</a:t>
+            </a:r>
+            <a:r>
+              <a:rPr lang="en-US" sz="1200" dirty="0" err="1"/>
+              <a:t>porta</a:t>
+            </a:r>
+            <a:r>
+              <a:rPr lang="en-US" sz="1200" dirty="0"/>
+              <a:t> </a:t>
+            </a:r>
+            <a:r>
+              <a:rPr lang="en-US" sz="1200" dirty="0" err="1"/>
+              <a:t>clk</a:t>
+            </a:r>
+            <a:r>
+              <a:rPr lang="en-US" sz="1200" dirty="0"/>
+              <a:t> enable,	</a:t>
+            </a:r>
+          </a:p>
+          <a:p>
+            <a:pPr lvl="0" algn="just">
+              <a:lnSpc>
+                <a:spcPct val="94000"/>
+              </a:lnSpc>
+              <a:spcBef>
+                <a:spcPts val="1000"/>
+              </a:spcBef>
+              <a:spcAft>
+                <a:spcPts val="200"/>
+              </a:spcAft>
+            </a:pPr>
+            <a:r>
+              <a:rPr lang="en-US" sz="1200" dirty="0"/>
+              <a:t>		GPIOA-&gt;CRL =0x00000000;//reset	</a:t>
+            </a:r>
+          </a:p>
+          <a:p>
+            <a:pPr lvl="0" algn="just">
+              <a:lnSpc>
+                <a:spcPct val="94000"/>
+              </a:lnSpc>
+              <a:spcBef>
+                <a:spcPts val="1000"/>
+              </a:spcBef>
+              <a:spcAft>
+                <a:spcPts val="200"/>
+              </a:spcAft>
+            </a:pPr>
+            <a:r>
+              <a:rPr lang="en-US" sz="1200" dirty="0"/>
+              <a:t>		//pa0	</a:t>
+            </a:r>
+          </a:p>
+          <a:p>
+            <a:pPr lvl="0" algn="just">
+              <a:lnSpc>
+                <a:spcPct val="94000"/>
+              </a:lnSpc>
+              <a:spcBef>
+                <a:spcPts val="1000"/>
+              </a:spcBef>
+              <a:spcAft>
+                <a:spcPts val="200"/>
+              </a:spcAft>
+            </a:pPr>
+            <a:r>
+              <a:rPr lang="en-US" sz="1200" dirty="0"/>
+              <a:t>		GPIOA-&gt;CRL |=(3&lt;&lt;0);//output	</a:t>
+            </a:r>
+          </a:p>
+          <a:p>
+            <a:pPr lvl="0" algn="just">
+              <a:lnSpc>
+                <a:spcPct val="94000"/>
+              </a:lnSpc>
+              <a:spcBef>
+                <a:spcPts val="1000"/>
+              </a:spcBef>
+              <a:spcAft>
+                <a:spcPts val="200"/>
+              </a:spcAft>
+            </a:pPr>
+            <a:r>
+              <a:rPr lang="en-US" sz="1200" dirty="0"/>
+              <a:t>		GPIOA-&gt;CRL |=(2&lt;&lt;2);//</a:t>
+            </a:r>
+            <a:r>
+              <a:rPr lang="en-US" sz="1200" dirty="0" err="1"/>
+              <a:t>afio</a:t>
+            </a:r>
+            <a:r>
+              <a:rPr lang="en-US" sz="1200" dirty="0"/>
+              <a:t> output	</a:t>
+            </a:r>
+          </a:p>
+          <a:p>
+            <a:pPr lvl="0" algn="just">
+              <a:lnSpc>
+                <a:spcPct val="94000"/>
+              </a:lnSpc>
+              <a:spcBef>
+                <a:spcPts val="1000"/>
+              </a:spcBef>
+              <a:spcAft>
+                <a:spcPts val="200"/>
+              </a:spcAft>
+            </a:pPr>
+            <a:r>
+              <a:rPr lang="en-US" sz="1200" dirty="0" smtClean="0"/>
+              <a:t>}</a:t>
+            </a:r>
+            <a:endParaRPr lang="en-US" sz="1200" dirty="0"/>
+          </a:p>
+          <a:p>
+            <a:pPr lvl="0" algn="just">
+              <a:lnSpc>
+                <a:spcPct val="94000"/>
+              </a:lnSpc>
+              <a:spcBef>
+                <a:spcPts val="1000"/>
+              </a:spcBef>
+              <a:spcAft>
+                <a:spcPts val="200"/>
+              </a:spcAft>
+            </a:pPr>
+            <a:r>
+              <a:rPr lang="en-US" sz="1200" dirty="0"/>
+              <a:t>void </a:t>
+            </a:r>
+            <a:r>
+              <a:rPr lang="en-US" sz="1200" dirty="0" err="1"/>
+              <a:t>compare_init</a:t>
+            </a:r>
+            <a:r>
+              <a:rPr lang="en-US" sz="1200" dirty="0"/>
+              <a:t>()</a:t>
+            </a:r>
+          </a:p>
+          <a:p>
+            <a:pPr lvl="0" algn="just">
+              <a:lnSpc>
+                <a:spcPct val="94000"/>
+              </a:lnSpc>
+              <a:spcBef>
+                <a:spcPts val="1000"/>
+              </a:spcBef>
+              <a:spcAft>
+                <a:spcPts val="200"/>
+              </a:spcAft>
+            </a:pPr>
+            <a:r>
+              <a:rPr lang="en-US" sz="1200" dirty="0"/>
+              <a:t>{</a:t>
+            </a:r>
+          </a:p>
+          <a:p>
+            <a:pPr lvl="2" algn="just">
+              <a:lnSpc>
+                <a:spcPct val="94000"/>
+              </a:lnSpc>
+              <a:spcBef>
+                <a:spcPts val="1000"/>
+              </a:spcBef>
+              <a:spcAft>
+                <a:spcPts val="200"/>
+              </a:spcAft>
+            </a:pPr>
+            <a:r>
+              <a:rPr lang="en-US" sz="1200" dirty="0"/>
+              <a:t>	/* Enabling clock for Timer 2*/</a:t>
+            </a:r>
+          </a:p>
+          <a:p>
+            <a:pPr lvl="2" algn="just">
+              <a:lnSpc>
+                <a:spcPct val="94000"/>
+              </a:lnSpc>
+              <a:spcBef>
+                <a:spcPts val="1000"/>
+              </a:spcBef>
+              <a:spcAft>
+                <a:spcPts val="200"/>
+              </a:spcAft>
+            </a:pPr>
+            <a:r>
+              <a:rPr lang="en-US" sz="1200" dirty="0"/>
+              <a:t>	RCC-&gt;APB1ENR = (1&lt;&lt;0);//tim2 </a:t>
+            </a:r>
+            <a:r>
+              <a:rPr lang="en-US" sz="1200" dirty="0" err="1"/>
+              <a:t>clk</a:t>
+            </a:r>
+            <a:r>
+              <a:rPr lang="en-US" sz="1200" dirty="0"/>
+              <a:t> </a:t>
+            </a:r>
+            <a:r>
+              <a:rPr lang="en-US" sz="1200" dirty="0" smtClean="0"/>
+              <a:t>enable</a:t>
+            </a:r>
+            <a:endParaRPr lang="en-US" sz="1200" dirty="0"/>
+          </a:p>
+          <a:p>
+            <a:pPr lvl="4" algn="just">
+              <a:lnSpc>
+                <a:spcPct val="94000"/>
+              </a:lnSpc>
+              <a:spcBef>
+                <a:spcPts val="1000"/>
+              </a:spcBef>
+              <a:spcAft>
+                <a:spcPts val="200"/>
+              </a:spcAft>
+            </a:pPr>
+            <a:r>
+              <a:rPr lang="en-US" sz="1200" dirty="0"/>
+              <a:t>  TIM2-&gt;ARR = 2000;   //for 2s               </a:t>
+            </a:r>
+          </a:p>
+          <a:p>
+            <a:pPr lvl="4" algn="just">
+              <a:lnSpc>
+                <a:spcPct val="94000"/>
+              </a:lnSpc>
+              <a:spcBef>
+                <a:spcPts val="1000"/>
+              </a:spcBef>
+              <a:spcAft>
+                <a:spcPts val="200"/>
+              </a:spcAft>
+            </a:pPr>
+            <a:r>
+              <a:rPr lang="en-US" sz="1200" dirty="0"/>
+              <a:t>  TIM2-&gt;PSC = 7999; </a:t>
+            </a:r>
+            <a:r>
+              <a:rPr lang="en-US" sz="1200" dirty="0" smtClean="0"/>
+              <a:t>                   </a:t>
+            </a:r>
+            <a:endParaRPr lang="en-US" sz="1200" dirty="0"/>
+          </a:p>
+          <a:p>
+            <a:pPr lvl="2" algn="just">
+              <a:lnSpc>
+                <a:spcPct val="94000"/>
+              </a:lnSpc>
+              <a:spcBef>
+                <a:spcPts val="1000"/>
+              </a:spcBef>
+              <a:spcAft>
+                <a:spcPts val="200"/>
+              </a:spcAft>
+            </a:pPr>
+            <a:r>
+              <a:rPr lang="en-US" sz="1200" dirty="0"/>
+              <a:t>	/* Output Compare Mode, ENABLE Preload</a:t>
+            </a:r>
+            <a:r>
+              <a:rPr lang="en-US" sz="1200" dirty="0" smtClean="0"/>
+              <a:t>*/</a:t>
+            </a:r>
+          </a:p>
+          <a:p>
+            <a:pPr lvl="2" algn="just">
+              <a:lnSpc>
+                <a:spcPct val="94000"/>
+              </a:lnSpc>
+              <a:spcBef>
+                <a:spcPts val="1000"/>
+              </a:spcBef>
+              <a:spcAft>
+                <a:spcPts val="200"/>
+              </a:spcAft>
+            </a:pPr>
+            <a:r>
+              <a:rPr lang="en-US" sz="1200" dirty="0"/>
+              <a:t>	//oc1m-toggle ,OC1PE: Output compare 1 preload </a:t>
+            </a:r>
+            <a:r>
+              <a:rPr lang="en-US" sz="1200" dirty="0" smtClean="0"/>
+              <a:t>enable</a:t>
+            </a:r>
+          </a:p>
+          <a:p>
+            <a:pPr lvl="2" algn="just">
+              <a:lnSpc>
+                <a:spcPct val="94000"/>
+              </a:lnSpc>
+              <a:spcBef>
+                <a:spcPts val="1000"/>
+              </a:spcBef>
+              <a:spcAft>
+                <a:spcPts val="200"/>
+              </a:spcAft>
+            </a:pPr>
+            <a:r>
+              <a:rPr lang="en-US" sz="1200" dirty="0"/>
+              <a:t>	</a:t>
+            </a:r>
+            <a:r>
+              <a:rPr lang="en-US" sz="1200" dirty="0" smtClean="0"/>
+              <a:t>  </a:t>
+            </a:r>
+            <a:r>
+              <a:rPr lang="en-US" sz="1200" dirty="0"/>
+              <a:t>TIM2-&gt;CCMR1  =  TIM_CCMR1_OC1PE |(3&lt;&lt;4); </a:t>
+            </a:r>
+          </a:p>
+          <a:p>
+            <a:pPr lvl="0" algn="just">
+              <a:lnSpc>
+                <a:spcPct val="94000"/>
+              </a:lnSpc>
+              <a:spcBef>
+                <a:spcPts val="1000"/>
+              </a:spcBef>
+              <a:spcAft>
+                <a:spcPts val="200"/>
+              </a:spcAft>
+            </a:pPr>
+            <a:r>
+              <a:rPr lang="en-US" sz="1200" dirty="0"/>
+              <a:t>  </a:t>
+            </a:r>
+            <a:r>
+              <a:rPr lang="en-US" sz="1200" dirty="0" smtClean="0"/>
+              <a:t>		TIM2-</a:t>
+            </a:r>
+            <a:r>
+              <a:rPr lang="en-US" sz="1200" dirty="0"/>
+              <a:t>&gt;EGR |= TIM_EGR_UG |TIM_EGR_CC1G </a:t>
+            </a:r>
+            <a:r>
+              <a:rPr lang="en-US" sz="1200" dirty="0" smtClean="0"/>
+              <a:t>;</a:t>
+            </a:r>
+            <a:endParaRPr lang="en-US" sz="1200" dirty="0"/>
+          </a:p>
+          <a:p>
+            <a:pPr lvl="0" algn="just">
+              <a:lnSpc>
+                <a:spcPct val="94000"/>
+              </a:lnSpc>
+              <a:spcBef>
+                <a:spcPts val="1000"/>
+              </a:spcBef>
+              <a:spcAft>
+                <a:spcPts val="200"/>
+              </a:spcAft>
+            </a:pPr>
+            <a:r>
+              <a:rPr lang="en-US" sz="1200" dirty="0"/>
+              <a:t>  /*CC2E : channel 1 enabled; polarity : active low*/ </a:t>
+            </a:r>
+          </a:p>
+          <a:p>
+            <a:pPr lvl="0" algn="just">
+              <a:lnSpc>
+                <a:spcPct val="94000"/>
+              </a:lnSpc>
+              <a:spcBef>
+                <a:spcPts val="1000"/>
+              </a:spcBef>
+              <a:spcAft>
+                <a:spcPts val="200"/>
+              </a:spcAft>
+            </a:pPr>
+            <a:r>
+              <a:rPr lang="en-US" sz="1200" dirty="0"/>
+              <a:t>  TIM2-&gt;CCER = 0;  //compare </a:t>
+            </a:r>
+            <a:r>
+              <a:rPr lang="en-US" sz="1200" dirty="0" smtClean="0"/>
+              <a:t>off</a:t>
+            </a:r>
+            <a:endParaRPr lang="en-US" sz="1200" dirty="0"/>
+          </a:p>
+          <a:p>
+            <a:pPr lvl="0" algn="just">
+              <a:lnSpc>
+                <a:spcPct val="94000"/>
+              </a:lnSpc>
+              <a:spcBef>
+                <a:spcPts val="1000"/>
+              </a:spcBef>
+              <a:spcAft>
+                <a:spcPts val="200"/>
+              </a:spcAft>
+            </a:pPr>
+            <a:r>
+              <a:rPr lang="en-US" sz="1200" dirty="0" smtClean="0"/>
+              <a:t>TIM2-</a:t>
+            </a:r>
+            <a:r>
+              <a:rPr lang="en-US" sz="1200" dirty="0"/>
+              <a:t>&gt;CCR1 = 1000;//compare </a:t>
+            </a:r>
+            <a:r>
+              <a:rPr lang="en-US" sz="1200" dirty="0" err="1" smtClean="0"/>
+              <a:t>val</a:t>
+            </a:r>
+            <a:endParaRPr lang="en-US" sz="1200" dirty="0"/>
+          </a:p>
+          <a:p>
+            <a:pPr lvl="0" algn="just">
+              <a:lnSpc>
+                <a:spcPct val="94000"/>
+              </a:lnSpc>
+              <a:spcBef>
+                <a:spcPts val="1000"/>
+              </a:spcBef>
+              <a:spcAft>
+                <a:spcPts val="200"/>
+              </a:spcAft>
+            </a:pPr>
+            <a:r>
+              <a:rPr lang="en-US" sz="1200" dirty="0"/>
+              <a:t>  /* Auto Reload Enable */</a:t>
+            </a:r>
+          </a:p>
+          <a:p>
+            <a:pPr lvl="0" algn="just">
+              <a:lnSpc>
+                <a:spcPct val="94000"/>
+              </a:lnSpc>
+              <a:spcBef>
+                <a:spcPts val="1000"/>
+              </a:spcBef>
+              <a:spcAft>
+                <a:spcPts val="200"/>
+              </a:spcAft>
+            </a:pPr>
+            <a:r>
+              <a:rPr lang="en-US" sz="1200" dirty="0"/>
+              <a:t>  TIM2-&gt;CR1 |= TIM_CR1_ARPE;//buffer </a:t>
+            </a:r>
+            <a:r>
+              <a:rPr lang="en-US" sz="1200" dirty="0" smtClean="0"/>
+              <a:t>enable</a:t>
+            </a:r>
+            <a:endParaRPr lang="en-US" sz="1200" dirty="0"/>
+          </a:p>
+          <a:p>
+            <a:pPr lvl="0" algn="just">
+              <a:lnSpc>
+                <a:spcPct val="94000"/>
+              </a:lnSpc>
+              <a:spcBef>
+                <a:spcPts val="1000"/>
+              </a:spcBef>
+              <a:spcAft>
+                <a:spcPts val="200"/>
+              </a:spcAft>
+            </a:pPr>
+            <a:r>
+              <a:rPr lang="en-US" sz="1200" dirty="0" smtClean="0"/>
+              <a:t>TIM2-</a:t>
+            </a:r>
+            <a:r>
+              <a:rPr lang="en-US" sz="1200" dirty="0"/>
+              <a:t>&gt;CCER |= TIM_CCER_CC1E;//compare </a:t>
+            </a:r>
+            <a:r>
+              <a:rPr lang="en-US" sz="1200" dirty="0" smtClean="0"/>
+              <a:t>enable</a:t>
+            </a:r>
+            <a:endParaRPr lang="en-US" sz="1200" dirty="0"/>
+          </a:p>
+          <a:p>
+            <a:pPr lvl="0" algn="just">
+              <a:lnSpc>
+                <a:spcPct val="94000"/>
+              </a:lnSpc>
+              <a:spcBef>
+                <a:spcPts val="1000"/>
+              </a:spcBef>
+              <a:spcAft>
+                <a:spcPts val="200"/>
+              </a:spcAft>
+            </a:pPr>
+            <a:r>
+              <a:rPr lang="en-US" sz="1200" dirty="0" smtClean="0"/>
+              <a:t>/* </a:t>
+            </a:r>
+            <a:r>
+              <a:rPr lang="en-US" sz="1200" dirty="0"/>
+              <a:t>Enable Timer Counter */</a:t>
+            </a:r>
+          </a:p>
+          <a:p>
+            <a:pPr lvl="0" algn="just">
+              <a:lnSpc>
+                <a:spcPct val="94000"/>
+              </a:lnSpc>
+              <a:spcBef>
+                <a:spcPts val="1000"/>
+              </a:spcBef>
+              <a:spcAft>
+                <a:spcPts val="200"/>
+              </a:spcAft>
+            </a:pPr>
+            <a:r>
+              <a:rPr lang="en-US" sz="1200" dirty="0"/>
+              <a:t>  TIM2-&gt;CR1 |= TIM_CR1_CEN;   //timer on  </a:t>
+            </a:r>
+          </a:p>
+          <a:p>
+            <a:pPr lvl="0" algn="just">
+              <a:lnSpc>
+                <a:spcPct val="94000"/>
+              </a:lnSpc>
+              <a:spcBef>
+                <a:spcPts val="1000"/>
+              </a:spcBef>
+              <a:spcAft>
+                <a:spcPts val="200"/>
+              </a:spcAft>
+            </a:pPr>
+            <a:r>
+              <a:rPr lang="en-US" sz="1200" dirty="0"/>
+              <a:t>}</a:t>
+            </a:r>
+            <a:endParaRPr lang="en-US" sz="1200" dirty="0" smtClean="0"/>
+          </a:p>
+        </p:txBody>
+      </p:sp>
+    </p:spTree>
+    <p:extLst>
+      <p:ext uri="{BB962C8B-B14F-4D97-AF65-F5344CB8AC3E}">
+        <p14:creationId xmlns:p14="http://schemas.microsoft.com/office/powerpoint/2010/main" val="3893606377"/>
+      </p:ext>
+    </p:extLst>
+  </p:cSld>
+  <p:clrMapOvr>
+    <a:masterClrMapping/>
+  </p:clrMapOvr>
+  <p:timing>
+    <p:tnLst>
+      <p:par>
+        <p:cTn id="1" dur="indefinite" restart="never" nodeType="tmRoot"/>
+      </p:par>
+    </p:tnLst>
+  </p:timing>
+</p:sld>
+</file>
+
+<file path=ppt/slides/slide15.xml><?xml version="1.0" encoding="utf-8"?>
+<p:sld xmlns:a="http://schemas.openxmlformats.org/drawingml/2006/main" xmlns:r="http://schemas.openxmlformats.org/officeDocument/2006/relationships" xmlns:p="http://schemas.openxmlformats.org/presentationml/2006/main">
+  <p:cSld>
+    <p:spTree>
+      <p:nvGrpSpPr>
+        <p:cNvPr id="1" name=""/>
+        <p:cNvGrpSpPr/>
+        <p:nvPr/>
+      </p:nvGrpSpPr>
+      <p:grpSpPr>
+        <a:xfrm>
+          <a:off x="0" y="0"/>
+          <a:ext cx="0" cy="0"/>
+          <a:chOff x="0" y="0"/>
+          <a:chExt cx="0" cy="0"/>
+        </a:xfrm>
+      </p:grpSpPr>
+      <p:pic>
+        <p:nvPicPr>
+          <p:cNvPr id="2" name="Picture 2" descr="Azetech Solutions | LinkedIn"/>
+          <p:cNvPicPr>
+            <a:picLocks noChangeAspect="1" noChangeArrowheads="1"/>
+          </p:cNvPicPr>
+          <p:nvPr/>
+        </p:nvPicPr>
+        <p:blipFill>
+          <a:blip r:embed="rId2" cstate="print">
+            <a:extLst>
+              <a:ext uri="{28A0092B-C50C-407E-A947-70E740481C1C}">
+                <a14:useLocalDpi xmlns:a14="http://schemas.microsoft.com/office/drawing/2010/main" val="0"/>
+              </a:ext>
+            </a:extLst>
+          </a:blip>
+          <a:srcRect/>
+          <a:stretch>
+            <a:fillRect/>
+          </a:stretch>
+        </p:blipFill>
+        <p:spPr bwMode="auto">
+          <a:xfrm>
+            <a:off x="11456223" y="129648"/>
+            <a:ext cx="536848" cy="536848"/>
+          </a:xfrm>
+          <a:prstGeom prst="rect">
+            <a:avLst/>
+          </a:prstGeom>
+          <a:noFill/>
+          <a:extLst>
+            <a:ext uri="{909E8E84-426E-40DD-AFC4-6F175D3DCCD1}">
+              <a14:hiddenFill xmlns:a14="http://schemas.microsoft.com/office/drawing/2010/main">
+                <a:solidFill>
+                  <a:srgbClr val="FFFFFF"/>
+                </a:solidFill>
+              </a14:hiddenFill>
+            </a:ext>
+          </a:extLst>
+        </p:spPr>
+      </p:pic>
+      <p:sp>
+        <p:nvSpPr>
+          <p:cNvPr id="3" name="Footer Placeholder 2"/>
+          <p:cNvSpPr>
+            <a:spLocks noGrp="1"/>
+          </p:cNvSpPr>
+          <p:nvPr>
+            <p:ph type="ftr" sz="quarter" idx="11"/>
+          </p:nvPr>
+        </p:nvSpPr>
+        <p:spPr/>
+        <p:txBody>
+          <a:bodyPr/>
+          <a:lstStyle/>
+          <a:p>
+            <a:r>
+              <a:rPr lang="en-US" smtClean="0"/>
+              <a:t>Azetech Solution, Coimbatore</a:t>
+            </a:r>
+            <a:endParaRPr lang="en-US"/>
+          </a:p>
+        </p:txBody>
+      </p:sp>
+      <p:sp>
+        <p:nvSpPr>
+          <p:cNvPr id="5" name="Title 4"/>
+          <p:cNvSpPr txBox="1">
+            <a:spLocks/>
+          </p:cNvSpPr>
+          <p:nvPr/>
+        </p:nvSpPr>
+        <p:spPr>
+          <a:xfrm>
+            <a:off x="476250" y="266700"/>
+            <a:ext cx="6723041" cy="685800"/>
+          </a:xfrm>
+          <a:prstGeom prst="rect">
+            <a:avLst/>
+          </a:prstGeom>
+        </p:spPr>
+        <p:txBody>
+          <a:bodyPr vert="horz" lIns="91440" tIns="45720" rIns="91440" bIns="45720" rtlCol="0" anchor="b">
+            <a:noAutofit/>
+          </a:bodyPr>
+          <a:lstStyle>
+            <a:lvl1pPr algn="ctr" defTabSz="914400" rtl="0" eaLnBrk="1" latinLnBrk="0" hangingPunct="1">
+              <a:lnSpc>
+                <a:spcPct val="90000"/>
+              </a:lnSpc>
+              <a:spcBef>
+                <a:spcPct val="0"/>
+              </a:spcBef>
+              <a:buNone/>
+              <a:defRPr sz="6000" kern="1200">
+                <a:solidFill>
+                  <a:schemeClr val="tx1"/>
+                </a:solidFill>
+                <a:latin typeface="+mj-lt"/>
+                <a:ea typeface="+mj-ea"/>
+                <a:cs typeface="+mj-cs"/>
+              </a:defRPr>
+            </a:lvl1pPr>
+          </a:lstStyle>
+          <a:p>
+            <a:pPr algn="l"/>
+            <a:r>
+              <a:rPr lang="en-US" sz="2800" b="1" dirty="0" smtClean="0">
+                <a:solidFill>
+                  <a:schemeClr val="accent1">
+                    <a:lumMod val="75000"/>
+                  </a:schemeClr>
+                </a:solidFill>
+                <a:latin typeface="Facto Bold" panose="00000800000000000000" pitchFamily="50" charset="0"/>
+              </a:rPr>
+              <a:t>PWM-Pulse width Modulation</a:t>
+            </a:r>
+            <a:endParaRPr lang="en-US" sz="2800" b="1" dirty="0" smtClean="0">
+              <a:solidFill>
+                <a:schemeClr val="accent1">
+                  <a:lumMod val="75000"/>
+                </a:schemeClr>
+              </a:solidFill>
+              <a:latin typeface="Facto Bold" panose="00000800000000000000" pitchFamily="50" charset="0"/>
+            </a:endParaRPr>
+          </a:p>
+        </p:txBody>
+      </p:sp>
+      <p:sp>
+        <p:nvSpPr>
+          <p:cNvPr id="6" name="TextBox 5"/>
+          <p:cNvSpPr txBox="1"/>
+          <p:nvPr/>
+        </p:nvSpPr>
+        <p:spPr>
+          <a:xfrm>
+            <a:off x="714376" y="952500"/>
+            <a:ext cx="10875198" cy="6069354"/>
+          </a:xfrm>
+          <a:prstGeom prst="rect">
+            <a:avLst/>
+          </a:prstGeom>
+          <a:noFill/>
+        </p:spPr>
+        <p:txBody>
+          <a:bodyPr wrap="square" rtlCol="0">
+            <a:spAutoFit/>
+          </a:bodyPr>
+          <a:lstStyle/>
+          <a:p>
+            <a:pPr marL="384048" lvl="0" indent="-384048">
+              <a:lnSpc>
+                <a:spcPct val="94000"/>
+              </a:lnSpc>
+              <a:spcBef>
+                <a:spcPts val="1000"/>
+              </a:spcBef>
+              <a:spcAft>
+                <a:spcPts val="200"/>
+              </a:spcAft>
+              <a:buFont typeface="Wingdings" panose="05000000000000000000" pitchFamily="2" charset="2"/>
+              <a:buChar char="v"/>
+            </a:pPr>
+            <a:r>
+              <a:rPr lang="en-US" sz="2000" dirty="0"/>
+              <a:t>Pulse width modulation mode allows generating a signal with a frequency determined by the</a:t>
+            </a:r>
+            <a:br>
+              <a:rPr lang="en-US" sz="2000" dirty="0"/>
+            </a:br>
+            <a:r>
+              <a:rPr lang="en-US" sz="2000" dirty="0"/>
+              <a:t>value of the </a:t>
+            </a:r>
+            <a:r>
+              <a:rPr lang="en-US" sz="2000" dirty="0" err="1"/>
+              <a:t>TIMx_ARR</a:t>
+            </a:r>
+            <a:r>
+              <a:rPr lang="en-US" sz="2000" dirty="0"/>
+              <a:t> register and a duty cycle determined by the value of </a:t>
+            </a:r>
+            <a:r>
+              <a:rPr lang="en-US" sz="2000" dirty="0" smtClean="0"/>
+              <a:t>the </a:t>
+            </a:r>
+            <a:r>
+              <a:rPr lang="en-US" sz="2000" dirty="0" err="1" smtClean="0"/>
+              <a:t>TIMx_CCRx</a:t>
+            </a:r>
+            <a:r>
+              <a:rPr lang="en-US" sz="2000" dirty="0" smtClean="0"/>
+              <a:t> </a:t>
+            </a:r>
+            <a:r>
+              <a:rPr lang="en-US" sz="2000" dirty="0"/>
+              <a:t>register</a:t>
+            </a:r>
+            <a:r>
+              <a:rPr lang="en-US" sz="2000" dirty="0" smtClean="0"/>
+              <a:t>.</a:t>
+            </a:r>
+          </a:p>
+          <a:p>
+            <a:pPr marL="384048" lvl="0" indent="-384048">
+              <a:lnSpc>
+                <a:spcPct val="94000"/>
+              </a:lnSpc>
+              <a:spcBef>
+                <a:spcPts val="1000"/>
+              </a:spcBef>
+              <a:spcAft>
+                <a:spcPts val="200"/>
+              </a:spcAft>
+              <a:buFont typeface="Wingdings" panose="05000000000000000000" pitchFamily="2" charset="2"/>
+              <a:buChar char="v"/>
+            </a:pPr>
+            <a:r>
+              <a:rPr lang="en-US" sz="2000" dirty="0" smtClean="0"/>
+              <a:t>The </a:t>
+            </a:r>
+            <a:r>
+              <a:rPr lang="en-US" sz="2000" dirty="0"/>
+              <a:t>PWM mode can be selected independently on each channel (one PWM per </a:t>
+            </a:r>
+            <a:r>
+              <a:rPr lang="en-US" sz="2000" dirty="0" err="1" smtClean="0"/>
+              <a:t>Ocx</a:t>
+            </a:r>
+            <a:r>
+              <a:rPr lang="en-US" sz="2000" dirty="0" smtClean="0"/>
+              <a:t> output</a:t>
+            </a:r>
+            <a:r>
+              <a:rPr lang="en-US" sz="2000" dirty="0"/>
+              <a:t>) by writing 110 (PWM mode 1) or ‘111 (PWM mode 2) in the </a:t>
+            </a:r>
+            <a:r>
+              <a:rPr lang="en-US" sz="2000" dirty="0" err="1"/>
+              <a:t>OCxM</a:t>
+            </a:r>
+            <a:r>
+              <a:rPr lang="en-US" sz="2000" dirty="0"/>
+              <a:t> bits in </a:t>
+            </a:r>
+            <a:r>
+              <a:rPr lang="en-US" sz="2000" dirty="0" smtClean="0"/>
+              <a:t>the </a:t>
+            </a:r>
+            <a:r>
+              <a:rPr lang="en-US" sz="2000" dirty="0" err="1" smtClean="0"/>
+              <a:t>TIMx_CCMRx</a:t>
+            </a:r>
+            <a:r>
+              <a:rPr lang="en-US" sz="2000" dirty="0" smtClean="0"/>
+              <a:t> </a:t>
+            </a:r>
+            <a:r>
+              <a:rPr lang="en-US" sz="2000" dirty="0"/>
+              <a:t>register. The user must enable the corresponding preload register by </a:t>
+            </a:r>
+            <a:r>
+              <a:rPr lang="en-US" sz="2000" dirty="0" smtClean="0"/>
+              <a:t>setting the </a:t>
+            </a:r>
+            <a:r>
+              <a:rPr lang="en-US" sz="2000" dirty="0" err="1"/>
+              <a:t>OCxPE</a:t>
+            </a:r>
+            <a:r>
+              <a:rPr lang="en-US" sz="2000" dirty="0"/>
+              <a:t> bit in the </a:t>
+            </a:r>
+            <a:r>
+              <a:rPr lang="en-US" sz="2000" dirty="0" err="1"/>
+              <a:t>TIMx_CCMRx</a:t>
+            </a:r>
+            <a:r>
+              <a:rPr lang="en-US" sz="2000" dirty="0"/>
+              <a:t> register, and eventually the auto-reload preload </a:t>
+            </a:r>
+            <a:r>
+              <a:rPr lang="en-US" sz="2000" dirty="0" smtClean="0"/>
+              <a:t>register by </a:t>
+            </a:r>
+            <a:r>
+              <a:rPr lang="en-US" sz="2000" dirty="0"/>
+              <a:t>setting the ARPE bit in the TIMx_CR1 register</a:t>
+            </a:r>
+            <a:r>
+              <a:rPr lang="en-US" sz="2000" dirty="0" smtClean="0"/>
+              <a:t>.</a:t>
+            </a:r>
+          </a:p>
+          <a:p>
+            <a:pPr marL="384048" lvl="0" indent="-384048">
+              <a:lnSpc>
+                <a:spcPct val="94000"/>
+              </a:lnSpc>
+              <a:spcBef>
+                <a:spcPts val="1000"/>
+              </a:spcBef>
+              <a:spcAft>
+                <a:spcPts val="200"/>
+              </a:spcAft>
+              <a:buFont typeface="Wingdings" panose="05000000000000000000" pitchFamily="2" charset="2"/>
+              <a:buChar char="v"/>
+            </a:pPr>
+            <a:r>
+              <a:rPr lang="en-US" sz="2000" dirty="0" smtClean="0"/>
+              <a:t>As </a:t>
+            </a:r>
+            <a:r>
+              <a:rPr lang="en-US" sz="2000" dirty="0"/>
+              <a:t>the preload registers are transferred to the shadow registers only when an update event</a:t>
+            </a:r>
+            <a:br>
+              <a:rPr lang="en-US" sz="2000" dirty="0"/>
+            </a:br>
+            <a:r>
+              <a:rPr lang="en-US" sz="2000" dirty="0"/>
+              <a:t>occurs, before starting the counter, the user has to initialize all the registers by setting the</a:t>
+            </a:r>
+            <a:br>
+              <a:rPr lang="en-US" sz="2000" dirty="0"/>
+            </a:br>
+            <a:r>
+              <a:rPr lang="en-US" sz="2000" dirty="0"/>
+              <a:t>UG bit in the </a:t>
+            </a:r>
+            <a:r>
+              <a:rPr lang="en-US" sz="2000" dirty="0" err="1"/>
+              <a:t>TIMx_EGR</a:t>
+            </a:r>
+            <a:r>
+              <a:rPr lang="en-US" sz="2000" dirty="0"/>
+              <a:t> register</a:t>
+            </a:r>
+            <a:r>
+              <a:rPr lang="en-US" sz="2000" dirty="0" smtClean="0"/>
+              <a:t>.</a:t>
+            </a:r>
+          </a:p>
+          <a:p>
+            <a:pPr marL="384048" lvl="0" indent="-384048">
+              <a:lnSpc>
+                <a:spcPct val="94000"/>
+              </a:lnSpc>
+              <a:spcBef>
+                <a:spcPts val="1000"/>
+              </a:spcBef>
+              <a:spcAft>
+                <a:spcPts val="200"/>
+              </a:spcAft>
+              <a:buFont typeface="Wingdings" panose="05000000000000000000" pitchFamily="2" charset="2"/>
+              <a:buChar char="v"/>
+            </a:pPr>
+            <a:r>
+              <a:rPr lang="en-US" sz="2000" dirty="0" err="1" smtClean="0"/>
+              <a:t>OCx</a:t>
+            </a:r>
+            <a:r>
+              <a:rPr lang="en-US" sz="2000" dirty="0" smtClean="0"/>
+              <a:t> </a:t>
+            </a:r>
+            <a:r>
+              <a:rPr lang="en-US" sz="2000" dirty="0"/>
+              <a:t>polarity is software programmable using the </a:t>
+            </a:r>
+            <a:r>
+              <a:rPr lang="en-US" sz="2000" dirty="0" err="1"/>
+              <a:t>CCxP</a:t>
+            </a:r>
+            <a:r>
+              <a:rPr lang="en-US" sz="2000" dirty="0"/>
+              <a:t> bit in the </a:t>
+            </a:r>
+            <a:r>
+              <a:rPr lang="en-US" sz="2000" dirty="0" err="1"/>
+              <a:t>TIMx_CCER</a:t>
+            </a:r>
+            <a:r>
+              <a:rPr lang="en-US" sz="2000" dirty="0"/>
+              <a:t> register. </a:t>
+            </a:r>
+            <a:r>
+              <a:rPr lang="en-US" sz="2000" dirty="0" smtClean="0"/>
+              <a:t>It can </a:t>
+            </a:r>
+            <a:r>
+              <a:rPr lang="en-US" sz="2000" dirty="0"/>
+              <a:t>be programmed as active high or active low. </a:t>
+            </a:r>
+            <a:r>
+              <a:rPr lang="en-US" sz="2000" dirty="0" err="1"/>
+              <a:t>OCx</a:t>
+            </a:r>
+            <a:r>
+              <a:rPr lang="en-US" sz="2000" dirty="0"/>
+              <a:t> output is enabled by the </a:t>
+            </a:r>
+            <a:r>
+              <a:rPr lang="en-US" sz="2000" dirty="0" err="1"/>
+              <a:t>CCxE</a:t>
+            </a:r>
+            <a:r>
+              <a:rPr lang="en-US" sz="2000" dirty="0"/>
+              <a:t> bit </a:t>
+            </a:r>
+            <a:r>
+              <a:rPr lang="en-US" sz="2000" dirty="0" smtClean="0"/>
+              <a:t>in the </a:t>
+            </a:r>
+            <a:r>
+              <a:rPr lang="en-US" sz="2000" dirty="0" err="1"/>
+              <a:t>TIMx_CCER</a:t>
+            </a:r>
+            <a:r>
+              <a:rPr lang="en-US" sz="2000" dirty="0"/>
+              <a:t> register. Refer to the </a:t>
+            </a:r>
+            <a:r>
+              <a:rPr lang="en-US" sz="2000" dirty="0" err="1"/>
+              <a:t>TIMx_CCERx</a:t>
+            </a:r>
+            <a:r>
+              <a:rPr lang="en-US" sz="2000" dirty="0"/>
+              <a:t> register description for more details</a:t>
+            </a:r>
+            <a:r>
+              <a:rPr lang="en-US" sz="2000" dirty="0" smtClean="0"/>
+              <a:t>.</a:t>
+            </a:r>
+          </a:p>
+          <a:p>
+            <a:pPr marL="384048" lvl="0" indent="-384048">
+              <a:lnSpc>
+                <a:spcPct val="94000"/>
+              </a:lnSpc>
+              <a:spcBef>
+                <a:spcPts val="1000"/>
+              </a:spcBef>
+              <a:spcAft>
+                <a:spcPts val="200"/>
+              </a:spcAft>
+              <a:buFont typeface="Wingdings" panose="05000000000000000000" pitchFamily="2" charset="2"/>
+              <a:buChar char="v"/>
+            </a:pPr>
+            <a:r>
+              <a:rPr lang="en-US" sz="2000" dirty="0" smtClean="0"/>
+              <a:t>In </a:t>
+            </a:r>
+            <a:r>
+              <a:rPr lang="en-US" sz="2000" dirty="0"/>
+              <a:t>PWM mode (1 or 2), </a:t>
+            </a:r>
+            <a:r>
+              <a:rPr lang="en-US" sz="2000" dirty="0" err="1"/>
+              <a:t>TIMx_CNT</a:t>
+            </a:r>
+            <a:r>
+              <a:rPr lang="en-US" sz="2000" dirty="0"/>
+              <a:t> and </a:t>
+            </a:r>
+            <a:r>
+              <a:rPr lang="en-US" sz="2000" dirty="0" err="1"/>
+              <a:t>TIMx_CCRx</a:t>
+            </a:r>
+            <a:r>
+              <a:rPr lang="en-US" sz="2000" dirty="0"/>
+              <a:t> are always compared to determine</a:t>
+            </a:r>
+            <a:br>
+              <a:rPr lang="en-US" sz="2000" dirty="0"/>
+            </a:br>
+            <a:r>
+              <a:rPr lang="en-US" sz="2000" dirty="0"/>
+              <a:t>whether </a:t>
+            </a:r>
+            <a:r>
+              <a:rPr lang="en-US" sz="2000" dirty="0" err="1"/>
+              <a:t>TIMx_CCRx≤TIMx_CNT</a:t>
+            </a:r>
+            <a:r>
+              <a:rPr lang="en-US" sz="2000" dirty="0"/>
+              <a:t> or </a:t>
+            </a:r>
+            <a:r>
+              <a:rPr lang="en-US" sz="2000" dirty="0" err="1"/>
+              <a:t>TIMx_CNT≤TIMx_CCRx</a:t>
+            </a:r>
+            <a:r>
+              <a:rPr lang="en-US" sz="2000" dirty="0"/>
+              <a:t> (depending on the direction of</a:t>
+            </a:r>
+            <a:br>
+              <a:rPr lang="en-US" sz="2000" dirty="0"/>
+            </a:br>
+            <a:r>
+              <a:rPr lang="en-US" sz="2000" dirty="0"/>
+              <a:t>the counter). </a:t>
+            </a:r>
+            <a:endParaRPr lang="en-US" sz="2000" dirty="0" smtClean="0"/>
+          </a:p>
+          <a:p>
+            <a:pPr lvl="0">
+              <a:lnSpc>
+                <a:spcPct val="94000"/>
+              </a:lnSpc>
+              <a:spcBef>
+                <a:spcPts val="1000"/>
+              </a:spcBef>
+              <a:spcAft>
+                <a:spcPts val="200"/>
+              </a:spcAft>
+            </a:pPr>
+            <a:r>
+              <a:rPr lang="en-US" sz="2000" dirty="0"/>
+              <a:t/>
+            </a:r>
+            <a:br>
+              <a:rPr lang="en-US" sz="2000" dirty="0"/>
+            </a:br>
+            <a:endParaRPr lang="en-US" sz="2000" dirty="0" smtClean="0"/>
+          </a:p>
+        </p:txBody>
+      </p:sp>
+    </p:spTree>
+    <p:extLst>
+      <p:ext uri="{BB962C8B-B14F-4D97-AF65-F5344CB8AC3E}">
+        <p14:creationId xmlns:p14="http://schemas.microsoft.com/office/powerpoint/2010/main" val="1065927405"/>
+      </p:ext>
+    </p:extLst>
+  </p:cSld>
+  <p:clrMapOvr>
+    <a:masterClrMapping/>
+  </p:clrMapOvr>
+  <p:timing>
+    <p:tnLst>
+      <p:par>
+        <p:cTn id="1" dur="indefinite" restart="never" nodeType="tmRoot"/>
+      </p:par>
+    </p:tnLst>
+  </p:timing>
+</p:sld>
+</file>
+
+<file path=ppt/slides/slide16.xml><?xml version="1.0" encoding="utf-8"?>
+<p:sld xmlns:a="http://schemas.openxmlformats.org/drawingml/2006/main" xmlns:r="http://schemas.openxmlformats.org/officeDocument/2006/relationships" xmlns:p="http://schemas.openxmlformats.org/presentationml/2006/main">
+  <p:cSld>
+    <p:spTree>
+      <p:nvGrpSpPr>
+        <p:cNvPr id="1" name=""/>
+        <p:cNvGrpSpPr/>
+        <p:nvPr/>
+      </p:nvGrpSpPr>
+      <p:grpSpPr>
+        <a:xfrm>
+          <a:off x="0" y="0"/>
+          <a:ext cx="0" cy="0"/>
+          <a:chOff x="0" y="0"/>
+          <a:chExt cx="0" cy="0"/>
+        </a:xfrm>
+      </p:grpSpPr>
+      <p:pic>
+        <p:nvPicPr>
+          <p:cNvPr id="2" name="Picture 2" descr="Azetech Solutions | LinkedIn"/>
+          <p:cNvPicPr>
+            <a:picLocks noChangeAspect="1" noChangeArrowheads="1"/>
+          </p:cNvPicPr>
+          <p:nvPr/>
+        </p:nvPicPr>
+        <p:blipFill>
+          <a:blip r:embed="rId2" cstate="print">
+            <a:extLst>
+              <a:ext uri="{28A0092B-C50C-407E-A947-70E740481C1C}">
+                <a14:useLocalDpi xmlns:a14="http://schemas.microsoft.com/office/drawing/2010/main" val="0"/>
+              </a:ext>
+            </a:extLst>
+          </a:blip>
+          <a:srcRect/>
+          <a:stretch>
+            <a:fillRect/>
+          </a:stretch>
+        </p:blipFill>
+        <p:spPr bwMode="auto">
+          <a:xfrm>
+            <a:off x="11456223" y="129648"/>
+            <a:ext cx="536848" cy="536848"/>
+          </a:xfrm>
+          <a:prstGeom prst="rect">
+            <a:avLst/>
+          </a:prstGeom>
+          <a:noFill/>
+          <a:extLst>
+            <a:ext uri="{909E8E84-426E-40DD-AFC4-6F175D3DCCD1}">
+              <a14:hiddenFill xmlns:a14="http://schemas.microsoft.com/office/drawing/2010/main">
+                <a:solidFill>
+                  <a:srgbClr val="FFFFFF"/>
+                </a:solidFill>
+              </a14:hiddenFill>
+            </a:ext>
+          </a:extLst>
+        </p:spPr>
+      </p:pic>
+      <p:sp>
+        <p:nvSpPr>
+          <p:cNvPr id="3" name="Footer Placeholder 2"/>
+          <p:cNvSpPr>
+            <a:spLocks noGrp="1"/>
+          </p:cNvSpPr>
+          <p:nvPr>
+            <p:ph type="ftr" sz="quarter" idx="11"/>
+          </p:nvPr>
+        </p:nvSpPr>
+        <p:spPr/>
+        <p:txBody>
+          <a:bodyPr/>
+          <a:lstStyle/>
+          <a:p>
+            <a:r>
+              <a:rPr lang="en-US" smtClean="0"/>
+              <a:t>Azetech Solution, Coimbatore</a:t>
+            </a:r>
+            <a:endParaRPr lang="en-US"/>
+          </a:p>
+        </p:txBody>
+      </p:sp>
+      <p:sp>
+        <p:nvSpPr>
+          <p:cNvPr id="6" name="TextBox 5"/>
+          <p:cNvSpPr txBox="1"/>
+          <p:nvPr/>
+        </p:nvSpPr>
+        <p:spPr>
+          <a:xfrm>
+            <a:off x="685800" y="1323976"/>
+            <a:ext cx="10903773" cy="3447098"/>
+          </a:xfrm>
+          <a:prstGeom prst="rect">
+            <a:avLst/>
+          </a:prstGeom>
+          <a:noFill/>
+        </p:spPr>
+        <p:txBody>
+          <a:bodyPr wrap="square" rtlCol="0">
+            <a:spAutoFit/>
+          </a:bodyPr>
+          <a:lstStyle/>
+          <a:p>
+            <a:pPr marL="384048" lvl="0" indent="-384048">
+              <a:lnSpc>
+                <a:spcPct val="94000"/>
+              </a:lnSpc>
+              <a:spcBef>
+                <a:spcPts val="1000"/>
+              </a:spcBef>
+              <a:spcAft>
+                <a:spcPts val="200"/>
+              </a:spcAft>
+              <a:buFont typeface="Wingdings" panose="05000000000000000000" pitchFamily="2" charset="2"/>
+              <a:buChar char="v"/>
+            </a:pPr>
+            <a:r>
+              <a:rPr lang="en-US" sz="2000" dirty="0"/>
+              <a:t>However, to comply with the ETRF (OCREF can be cleared by an external</a:t>
+            </a:r>
+            <a:br>
+              <a:rPr lang="en-US" sz="2000" dirty="0"/>
+            </a:br>
+            <a:r>
+              <a:rPr lang="en-US" sz="2000" dirty="0"/>
+              <a:t>event through the ETR signal until the next PWM period), the OCREF signal is asserted</a:t>
+            </a:r>
+            <a:br>
+              <a:rPr lang="en-US" sz="2000" dirty="0"/>
+            </a:br>
+            <a:r>
+              <a:rPr lang="en-US" sz="2000" dirty="0"/>
+              <a:t>only</a:t>
+            </a:r>
+            <a:r>
+              <a:rPr lang="en-US" sz="2000" dirty="0" smtClean="0"/>
+              <a:t>:</a:t>
+            </a:r>
+          </a:p>
+          <a:p>
+            <a:pPr marL="800100" lvl="1" indent="-342900">
+              <a:lnSpc>
+                <a:spcPct val="94000"/>
+              </a:lnSpc>
+              <a:spcBef>
+                <a:spcPts val="1000"/>
+              </a:spcBef>
+              <a:spcAft>
+                <a:spcPts val="200"/>
+              </a:spcAft>
+              <a:buFont typeface="Arial" pitchFamily="34" charset="0"/>
+              <a:buChar char="•"/>
+            </a:pPr>
+            <a:r>
+              <a:rPr lang="en-US" sz="2000" dirty="0" smtClean="0"/>
+              <a:t>When </a:t>
+            </a:r>
+            <a:r>
+              <a:rPr lang="en-US" sz="2000" dirty="0"/>
+              <a:t>the result of the comparison changes, </a:t>
+            </a:r>
+            <a:r>
+              <a:rPr lang="en-US" sz="2000" dirty="0" smtClean="0"/>
+              <a:t>or When </a:t>
+            </a:r>
+            <a:r>
+              <a:rPr lang="en-US" sz="2000" dirty="0"/>
+              <a:t>the output compare mode (</a:t>
+            </a:r>
+            <a:r>
+              <a:rPr lang="en-US" sz="2000" dirty="0" err="1"/>
+              <a:t>OCxM</a:t>
+            </a:r>
+            <a:r>
+              <a:rPr lang="en-US" sz="2000" dirty="0"/>
+              <a:t> bits in </a:t>
+            </a:r>
+            <a:r>
+              <a:rPr lang="en-US" sz="2000" dirty="0" err="1"/>
+              <a:t>TIMx_CCMRx</a:t>
+            </a:r>
+            <a:r>
+              <a:rPr lang="en-US" sz="2000" dirty="0"/>
+              <a:t> register) switches </a:t>
+            </a:r>
+            <a:r>
+              <a:rPr lang="en-US" sz="2000" dirty="0" smtClean="0"/>
+              <a:t>from the </a:t>
+            </a:r>
+            <a:r>
+              <a:rPr lang="en-US" sz="2000" dirty="0"/>
+              <a:t>“frozen” configuration (no comparison, </a:t>
+            </a:r>
+            <a:r>
+              <a:rPr lang="en-US" sz="2000" dirty="0" err="1"/>
+              <a:t>OCxM</a:t>
+            </a:r>
+            <a:r>
+              <a:rPr lang="en-US" sz="2000" dirty="0"/>
+              <a:t>=‘000) to one of the PWM </a:t>
+            </a:r>
+            <a:r>
+              <a:rPr lang="en-US" sz="2000" dirty="0" smtClean="0"/>
+              <a:t>modes (</a:t>
+            </a:r>
+            <a:r>
+              <a:rPr lang="en-US" sz="2000" dirty="0" err="1"/>
+              <a:t>OCxM</a:t>
+            </a:r>
+            <a:r>
+              <a:rPr lang="en-US" sz="2000" dirty="0"/>
+              <a:t>=‘110 or ‘111</a:t>
+            </a:r>
+            <a:r>
+              <a:rPr lang="en-US" sz="2000" dirty="0" smtClean="0"/>
+              <a:t>).</a:t>
+            </a:r>
+          </a:p>
+          <a:p>
+            <a:pPr marL="800100" lvl="1" indent="-342900">
+              <a:lnSpc>
+                <a:spcPct val="94000"/>
+              </a:lnSpc>
+              <a:spcBef>
+                <a:spcPts val="1000"/>
+              </a:spcBef>
+              <a:spcAft>
+                <a:spcPts val="200"/>
+              </a:spcAft>
+              <a:buFont typeface="Arial" pitchFamily="34" charset="0"/>
+              <a:buChar char="•"/>
+            </a:pPr>
+            <a:r>
+              <a:rPr lang="en-US" sz="2000" dirty="0" smtClean="0"/>
+              <a:t>This </a:t>
+            </a:r>
+            <a:r>
+              <a:rPr lang="en-US" sz="2000" dirty="0"/>
+              <a:t>forces the PWM by software while the timer is running</a:t>
+            </a:r>
+            <a:r>
+              <a:rPr lang="en-US" sz="2000" dirty="0" smtClean="0"/>
+              <a:t>.</a:t>
+            </a:r>
+            <a:endParaRPr lang="en-US" sz="2000" dirty="0"/>
+          </a:p>
+          <a:p>
+            <a:pPr marL="800100" lvl="1" indent="-342900">
+              <a:lnSpc>
+                <a:spcPct val="94000"/>
+              </a:lnSpc>
+              <a:spcBef>
+                <a:spcPts val="1000"/>
+              </a:spcBef>
+              <a:spcAft>
+                <a:spcPts val="200"/>
+              </a:spcAft>
+              <a:buFont typeface="Arial" pitchFamily="34" charset="0"/>
+              <a:buChar char="•"/>
+            </a:pPr>
+            <a:r>
+              <a:rPr lang="en-US" sz="2000" dirty="0"/>
+              <a:t>The timer is able to generate PWM in edge-aligned mode or center-aligned mode</a:t>
+            </a:r>
+            <a:br>
+              <a:rPr lang="en-US" sz="2000" dirty="0"/>
+            </a:br>
+            <a:r>
+              <a:rPr lang="en-US" sz="2000" dirty="0"/>
+              <a:t>depending on the CMS bits in the TIMx_CR1 register</a:t>
+            </a:r>
+            <a:r>
+              <a:rPr lang="en-US" sz="2000" dirty="0"/>
+              <a:t> </a:t>
+            </a:r>
+            <a:br>
+              <a:rPr lang="en-US" sz="2000" dirty="0"/>
+            </a:br>
+            <a:endParaRPr lang="en-US" sz="2000" dirty="0" smtClean="0"/>
+          </a:p>
+        </p:txBody>
+      </p:sp>
+    </p:spTree>
+    <p:extLst>
+      <p:ext uri="{BB962C8B-B14F-4D97-AF65-F5344CB8AC3E}">
+        <p14:creationId xmlns:p14="http://schemas.microsoft.com/office/powerpoint/2010/main" val="4004537301"/>
+      </p:ext>
+    </p:extLst>
+  </p:cSld>
+  <p:clrMapOvr>
+    <a:masterClrMapping/>
+  </p:clrMapOvr>
+  <p:timing>
+    <p:tnLst>
+      <p:par>
+        <p:cTn id="1" dur="indefinite" restart="never" nodeType="tmRoot"/>
+      </p:par>
+    </p:tnLst>
+  </p:timing>
+</p:sld>
+</file>
+
+<file path=ppt/slides/slide17.xml><?xml version="1.0" encoding="utf-8"?>
+<p:sld xmlns:a="http://schemas.openxmlformats.org/drawingml/2006/main" xmlns:r="http://schemas.openxmlformats.org/officeDocument/2006/relationships" xmlns:p="http://schemas.openxmlformats.org/presentationml/2006/main">
+  <p:cSld>
+    <p:spTree>
+      <p:nvGrpSpPr>
+        <p:cNvPr id="1" name=""/>
+        <p:cNvGrpSpPr/>
+        <p:nvPr/>
+      </p:nvGrpSpPr>
+      <p:grpSpPr>
+        <a:xfrm>
+          <a:off x="0" y="0"/>
+          <a:ext cx="0" cy="0"/>
+          <a:chOff x="0" y="0"/>
+          <a:chExt cx="0" cy="0"/>
+        </a:xfrm>
+      </p:grpSpPr>
+      <p:pic>
+        <p:nvPicPr>
+          <p:cNvPr id="2" name="Picture 2" descr="Azetech Solutions | LinkedIn"/>
+          <p:cNvPicPr>
+            <a:picLocks noChangeAspect="1" noChangeArrowheads="1"/>
+          </p:cNvPicPr>
+          <p:nvPr/>
+        </p:nvPicPr>
+        <p:blipFill>
+          <a:blip r:embed="rId2" cstate="print">
+            <a:extLst>
+              <a:ext uri="{28A0092B-C50C-407E-A947-70E740481C1C}">
+                <a14:useLocalDpi xmlns:a14="http://schemas.microsoft.com/office/drawing/2010/main" val="0"/>
+              </a:ext>
+            </a:extLst>
+          </a:blip>
+          <a:srcRect/>
+          <a:stretch>
+            <a:fillRect/>
+          </a:stretch>
+        </p:blipFill>
+        <p:spPr bwMode="auto">
+          <a:xfrm>
+            <a:off x="11456223" y="129648"/>
+            <a:ext cx="536848" cy="536848"/>
+          </a:xfrm>
+          <a:prstGeom prst="rect">
+            <a:avLst/>
+          </a:prstGeom>
+          <a:noFill/>
+          <a:extLst>
+            <a:ext uri="{909E8E84-426E-40DD-AFC4-6F175D3DCCD1}">
+              <a14:hiddenFill xmlns:a14="http://schemas.microsoft.com/office/drawing/2010/main">
+                <a:solidFill>
+                  <a:srgbClr val="FFFFFF"/>
+                </a:solidFill>
+              </a14:hiddenFill>
+            </a:ext>
+          </a:extLst>
+        </p:spPr>
+      </p:pic>
+      <p:sp>
+        <p:nvSpPr>
+          <p:cNvPr id="3" name="Footer Placeholder 2"/>
+          <p:cNvSpPr>
+            <a:spLocks noGrp="1"/>
+          </p:cNvSpPr>
+          <p:nvPr>
+            <p:ph type="ftr" sz="quarter" idx="11"/>
+          </p:nvPr>
+        </p:nvSpPr>
+        <p:spPr/>
+        <p:txBody>
+          <a:bodyPr/>
+          <a:lstStyle/>
+          <a:p>
+            <a:r>
+              <a:rPr lang="en-US" smtClean="0"/>
+              <a:t>Azetech Solution, Coimbatore</a:t>
+            </a:r>
+            <a:endParaRPr lang="en-US"/>
+          </a:p>
+        </p:txBody>
+      </p:sp>
+      <p:sp>
+        <p:nvSpPr>
+          <p:cNvPr id="5" name="Title 4"/>
+          <p:cNvSpPr txBox="1">
+            <a:spLocks/>
+          </p:cNvSpPr>
+          <p:nvPr/>
+        </p:nvSpPr>
+        <p:spPr>
+          <a:xfrm>
+            <a:off x="563010" y="556080"/>
+            <a:ext cx="6636281" cy="611932"/>
+          </a:xfrm>
+          <a:prstGeom prst="rect">
+            <a:avLst/>
+          </a:prstGeom>
+        </p:spPr>
+        <p:txBody>
+          <a:bodyPr vert="horz" lIns="91440" tIns="45720" rIns="91440" bIns="45720" rtlCol="0" anchor="b">
+            <a:noAutofit/>
+          </a:bodyPr>
+          <a:lstStyle>
+            <a:lvl1pPr algn="ctr" defTabSz="914400" rtl="0" eaLnBrk="1" latinLnBrk="0" hangingPunct="1">
+              <a:lnSpc>
+                <a:spcPct val="90000"/>
+              </a:lnSpc>
+              <a:spcBef>
+                <a:spcPct val="0"/>
+              </a:spcBef>
+              <a:buNone/>
+              <a:defRPr sz="6000" kern="1200">
+                <a:solidFill>
+                  <a:schemeClr val="tx1"/>
+                </a:solidFill>
+                <a:latin typeface="+mj-lt"/>
+                <a:ea typeface="+mj-ea"/>
+                <a:cs typeface="+mj-cs"/>
+              </a:defRPr>
+            </a:lvl1pPr>
+          </a:lstStyle>
+          <a:p>
+            <a:pPr algn="l"/>
+            <a:r>
+              <a:rPr lang="en-US" sz="2800" b="1" dirty="0" smtClean="0">
+                <a:solidFill>
+                  <a:schemeClr val="accent1">
+                    <a:lumMod val="75000"/>
+                  </a:schemeClr>
+                </a:solidFill>
+                <a:latin typeface="Facto Bold" panose="00000800000000000000" pitchFamily="50" charset="0"/>
+              </a:rPr>
+              <a:t>PWM Block diagram</a:t>
+            </a:r>
+            <a:endParaRPr lang="en-US" sz="2800" b="1" dirty="0" smtClean="0">
+              <a:solidFill>
+                <a:schemeClr val="accent1">
+                  <a:lumMod val="75000"/>
+                </a:schemeClr>
+              </a:solidFill>
+              <a:latin typeface="Facto Bold" panose="00000800000000000000" pitchFamily="50" charset="0"/>
+            </a:endParaRPr>
+          </a:p>
+        </p:txBody>
+      </p:sp>
+      <p:pic>
+        <p:nvPicPr>
+          <p:cNvPr id="4" name="Picture 3"/>
+          <p:cNvPicPr>
+            <a:picLocks noChangeAspect="1"/>
+          </p:cNvPicPr>
+          <p:nvPr/>
+        </p:nvPicPr>
+        <p:blipFill>
+          <a:blip r:embed="rId3">
+            <a:extLst>
+              <a:ext uri="{28A0092B-C50C-407E-A947-70E740481C1C}">
+                <a14:useLocalDpi xmlns:a14="http://schemas.microsoft.com/office/drawing/2010/main" val="0"/>
+              </a:ext>
+            </a:extLst>
+          </a:blip>
+          <a:stretch>
+            <a:fillRect/>
+          </a:stretch>
+        </p:blipFill>
+        <p:spPr>
+          <a:xfrm>
+            <a:off x="1571625" y="1804832"/>
+            <a:ext cx="6762750" cy="3314856"/>
+          </a:xfrm>
+          <a:prstGeom prst="rect">
+            <a:avLst/>
+          </a:prstGeom>
+        </p:spPr>
+      </p:pic>
+    </p:spTree>
+    <p:extLst>
+      <p:ext uri="{BB962C8B-B14F-4D97-AF65-F5344CB8AC3E}">
+        <p14:creationId xmlns:p14="http://schemas.microsoft.com/office/powerpoint/2010/main" val="4004537301"/>
+      </p:ext>
+    </p:extLst>
+  </p:cSld>
+  <p:clrMapOvr>
+    <a:masterClrMapping/>
+  </p:clrMapOvr>
+  <p:timing>
+    <p:tnLst>
+      <p:par>
+        <p:cTn id="1" dur="indefinite" restart="never" nodeType="tmRoot"/>
+      </p:par>
+    </p:tnLst>
+  </p:timing>
+</p:sld>
+</file>
+
+<file path=ppt/slides/slide18.xml><?xml version="1.0" encoding="utf-8"?>
+<p:sld xmlns:a="http://schemas.openxmlformats.org/drawingml/2006/main" xmlns:r="http://schemas.openxmlformats.org/officeDocument/2006/relationships" xmlns:p="http://schemas.openxmlformats.org/presentationml/2006/main">
+  <p:cSld>
+    <p:spTree>
+      <p:nvGrpSpPr>
+        <p:cNvPr id="1" name=""/>
+        <p:cNvGrpSpPr/>
+        <p:nvPr/>
+      </p:nvGrpSpPr>
+      <p:grpSpPr>
+        <a:xfrm>
+          <a:off x="0" y="0"/>
+          <a:ext cx="0" cy="0"/>
+          <a:chOff x="0" y="0"/>
+          <a:chExt cx="0" cy="0"/>
+        </a:xfrm>
+      </p:grpSpPr>
+      <p:pic>
+        <p:nvPicPr>
+          <p:cNvPr id="2" name="Picture 2" descr="Azetech Solutions | LinkedIn"/>
+          <p:cNvPicPr>
+            <a:picLocks noChangeAspect="1" noChangeArrowheads="1"/>
+          </p:cNvPicPr>
+          <p:nvPr/>
+        </p:nvPicPr>
+        <p:blipFill>
+          <a:blip r:embed="rId2" cstate="print">
+            <a:extLst>
+              <a:ext uri="{28A0092B-C50C-407E-A947-70E740481C1C}">
+                <a14:useLocalDpi xmlns:a14="http://schemas.microsoft.com/office/drawing/2010/main" val="0"/>
+              </a:ext>
+            </a:extLst>
+          </a:blip>
+          <a:srcRect/>
+          <a:stretch>
+            <a:fillRect/>
+          </a:stretch>
+        </p:blipFill>
+        <p:spPr bwMode="auto">
+          <a:xfrm>
+            <a:off x="11456223" y="129648"/>
+            <a:ext cx="536848" cy="536848"/>
+          </a:xfrm>
+          <a:prstGeom prst="rect">
+            <a:avLst/>
+          </a:prstGeom>
+          <a:noFill/>
+          <a:extLst>
+            <a:ext uri="{909E8E84-426E-40DD-AFC4-6F175D3DCCD1}">
+              <a14:hiddenFill xmlns:a14="http://schemas.microsoft.com/office/drawing/2010/main">
+                <a:solidFill>
+                  <a:srgbClr val="FFFFFF"/>
+                </a:solidFill>
+              </a14:hiddenFill>
+            </a:ext>
+          </a:extLst>
+        </p:spPr>
+      </p:pic>
+      <p:sp>
+        <p:nvSpPr>
+          <p:cNvPr id="3" name="Footer Placeholder 2"/>
+          <p:cNvSpPr>
+            <a:spLocks noGrp="1"/>
+          </p:cNvSpPr>
+          <p:nvPr>
+            <p:ph type="ftr" sz="quarter" idx="11"/>
+          </p:nvPr>
+        </p:nvSpPr>
+        <p:spPr/>
+        <p:txBody>
+          <a:bodyPr/>
+          <a:lstStyle/>
+          <a:p>
+            <a:r>
+              <a:rPr lang="en-US" smtClean="0"/>
+              <a:t>Azetech Solution, Coimbatore</a:t>
+            </a:r>
+            <a:endParaRPr lang="en-US"/>
+          </a:p>
+        </p:txBody>
+      </p:sp>
+      <p:sp>
+        <p:nvSpPr>
+          <p:cNvPr id="5" name="Title 4"/>
+          <p:cNvSpPr txBox="1">
+            <a:spLocks/>
+          </p:cNvSpPr>
+          <p:nvPr/>
+        </p:nvSpPr>
+        <p:spPr>
+          <a:xfrm>
+            <a:off x="563010" y="556080"/>
+            <a:ext cx="9863138" cy="611932"/>
+          </a:xfrm>
+          <a:prstGeom prst="rect">
+            <a:avLst/>
+          </a:prstGeom>
+        </p:spPr>
+        <p:txBody>
+          <a:bodyPr vert="horz" lIns="91440" tIns="45720" rIns="91440" bIns="45720" rtlCol="0" anchor="b">
+            <a:noAutofit/>
+          </a:bodyPr>
+          <a:lstStyle>
+            <a:lvl1pPr algn="ctr" defTabSz="914400" rtl="0" eaLnBrk="1" latinLnBrk="0" hangingPunct="1">
+              <a:lnSpc>
+                <a:spcPct val="90000"/>
+              </a:lnSpc>
+              <a:spcBef>
+                <a:spcPct val="0"/>
+              </a:spcBef>
+              <a:buNone/>
+              <a:defRPr sz="6000" kern="1200">
+                <a:solidFill>
+                  <a:schemeClr val="tx1"/>
+                </a:solidFill>
+                <a:latin typeface="+mj-lt"/>
+                <a:ea typeface="+mj-ea"/>
+                <a:cs typeface="+mj-cs"/>
+              </a:defRPr>
+            </a:lvl1pPr>
+          </a:lstStyle>
+          <a:p>
+            <a:pPr algn="l"/>
+            <a:r>
+              <a:rPr lang="en-US" sz="2800" b="1" dirty="0" smtClean="0">
+                <a:solidFill>
+                  <a:schemeClr val="accent1">
+                    <a:lumMod val="75000"/>
+                  </a:schemeClr>
+                </a:solidFill>
+                <a:latin typeface="Facto Bold" panose="00000800000000000000" pitchFamily="50" charset="0"/>
+              </a:rPr>
+              <a:t>CCP Registers-each 16bit Register</a:t>
+            </a:r>
+            <a:endParaRPr lang="en-US" sz="2800" b="1" dirty="0" smtClean="0">
+              <a:solidFill>
+                <a:schemeClr val="accent1">
+                  <a:lumMod val="75000"/>
+                </a:schemeClr>
+              </a:solidFill>
+              <a:latin typeface="Facto Bold" panose="00000800000000000000" pitchFamily="50" charset="0"/>
+            </a:endParaRPr>
+          </a:p>
+        </p:txBody>
+      </p:sp>
+      <p:sp>
+        <p:nvSpPr>
+          <p:cNvPr id="6" name="TextBox 5"/>
+          <p:cNvSpPr txBox="1"/>
+          <p:nvPr/>
+        </p:nvSpPr>
+        <p:spPr>
+          <a:xfrm>
+            <a:off x="815008" y="1549017"/>
+            <a:ext cx="10452371" cy="2154436"/>
+          </a:xfrm>
+          <a:prstGeom prst="rect">
+            <a:avLst/>
+          </a:prstGeom>
+          <a:noFill/>
+        </p:spPr>
+        <p:txBody>
+          <a:bodyPr wrap="square" rtlCol="0">
+            <a:spAutoFit/>
+          </a:bodyPr>
+          <a:lstStyle/>
+          <a:p>
+            <a:pPr marL="384048" lvl="0" indent="-384048" algn="just">
+              <a:lnSpc>
+                <a:spcPct val="94000"/>
+              </a:lnSpc>
+              <a:spcBef>
+                <a:spcPts val="1000"/>
+              </a:spcBef>
+              <a:spcAft>
+                <a:spcPts val="200"/>
+              </a:spcAft>
+              <a:buFont typeface="Wingdings" panose="05000000000000000000" pitchFamily="2" charset="2"/>
+              <a:buChar char="v"/>
+            </a:pPr>
+            <a:r>
+              <a:rPr lang="en-US" sz="2000" dirty="0" smtClean="0"/>
+              <a:t>TIMx_CR</a:t>
+            </a:r>
+            <a:r>
+              <a:rPr lang="en-US" sz="2000" dirty="0" smtClean="0"/>
+              <a:t>1 		- Timer Control Register</a:t>
+            </a:r>
+          </a:p>
+          <a:p>
+            <a:pPr marL="384048" lvl="0" indent="-384048" algn="just">
+              <a:lnSpc>
+                <a:spcPct val="94000"/>
+              </a:lnSpc>
+              <a:spcBef>
+                <a:spcPts val="1000"/>
+              </a:spcBef>
+              <a:spcAft>
+                <a:spcPts val="200"/>
+              </a:spcAft>
+              <a:buFont typeface="Wingdings" panose="05000000000000000000" pitchFamily="2" charset="2"/>
+              <a:buChar char="v"/>
+            </a:pPr>
+            <a:r>
+              <a:rPr lang="en-US" sz="2000" dirty="0" err="1" smtClean="0"/>
+              <a:t>TIMx_SR</a:t>
+            </a:r>
+            <a:r>
+              <a:rPr lang="en-US" sz="2000" dirty="0" smtClean="0"/>
+              <a:t>		-Timer Status Register</a:t>
+            </a:r>
+          </a:p>
+          <a:p>
+            <a:pPr marL="384048" lvl="0" indent="-384048" algn="just">
+              <a:lnSpc>
+                <a:spcPct val="94000"/>
+              </a:lnSpc>
+              <a:spcBef>
+                <a:spcPts val="1000"/>
+              </a:spcBef>
+              <a:spcAft>
+                <a:spcPts val="200"/>
+              </a:spcAft>
+              <a:buFont typeface="Wingdings" panose="05000000000000000000" pitchFamily="2" charset="2"/>
+              <a:buChar char="v"/>
+            </a:pPr>
+            <a:r>
+              <a:rPr lang="en-US" sz="2000" dirty="0" smtClean="0"/>
+              <a:t>TIMx_CCMR1		-Timer  Capture/Compare Mode Register</a:t>
+            </a:r>
+          </a:p>
+          <a:p>
+            <a:pPr marL="384048" indent="-384048" algn="just">
+              <a:lnSpc>
+                <a:spcPct val="94000"/>
+              </a:lnSpc>
+              <a:spcBef>
+                <a:spcPts val="1000"/>
+              </a:spcBef>
+              <a:spcAft>
+                <a:spcPts val="200"/>
+              </a:spcAft>
+              <a:buFont typeface="Wingdings" panose="05000000000000000000" pitchFamily="2" charset="2"/>
+              <a:buChar char="v"/>
+            </a:pPr>
+            <a:r>
+              <a:rPr lang="en-US" sz="2000" dirty="0" err="1" smtClean="0"/>
+              <a:t>TIMx_CCER</a:t>
+            </a:r>
+            <a:r>
+              <a:rPr lang="en-US" sz="2000" dirty="0" smtClean="0"/>
+              <a:t>		-</a:t>
+            </a:r>
+            <a:r>
+              <a:rPr lang="en-US" sz="2000" dirty="0"/>
+              <a:t>Timer  Capture/Compare </a:t>
+            </a:r>
+            <a:r>
+              <a:rPr lang="en-US" sz="2000" dirty="0" smtClean="0"/>
+              <a:t>Enable Register</a:t>
+            </a:r>
+          </a:p>
+          <a:p>
+            <a:pPr marL="384048" indent="-384048" algn="just">
+              <a:lnSpc>
+                <a:spcPct val="94000"/>
+              </a:lnSpc>
+              <a:spcBef>
+                <a:spcPts val="1000"/>
+              </a:spcBef>
+              <a:spcAft>
+                <a:spcPts val="200"/>
+              </a:spcAft>
+              <a:buFont typeface="Wingdings" panose="05000000000000000000" pitchFamily="2" charset="2"/>
+              <a:buChar char="v"/>
+            </a:pPr>
+            <a:r>
+              <a:rPr lang="en-US" sz="2000" dirty="0" smtClean="0"/>
+              <a:t>TIMx_CCR1		-</a:t>
+            </a:r>
+            <a:r>
+              <a:rPr lang="en-US" sz="2000" dirty="0"/>
+              <a:t>Timer  Capture/Compare </a:t>
+            </a:r>
+            <a:r>
+              <a:rPr lang="en-US" sz="2000" dirty="0" smtClean="0"/>
+              <a:t>Register</a:t>
+            </a:r>
+            <a:endParaRPr lang="en-US" sz="2000" dirty="0"/>
+          </a:p>
+        </p:txBody>
+      </p:sp>
+    </p:spTree>
+    <p:extLst>
+      <p:ext uri="{BB962C8B-B14F-4D97-AF65-F5344CB8AC3E}">
+        <p14:creationId xmlns:p14="http://schemas.microsoft.com/office/powerpoint/2010/main" val="3385083381"/>
+      </p:ext>
+    </p:extLst>
+  </p:cSld>
+  <p:clrMapOvr>
+    <a:masterClrMapping/>
+  </p:clrMapOvr>
+  <p:timing>
+    <p:tnLst>
+      <p:par>
+        <p:cTn id="1" dur="indefinite" restart="never" nodeType="tmRoot"/>
+      </p:par>
+    </p:tnLst>
+  </p:timing>
+</p:sld>
+</file>
+
+<file path=ppt/slides/slide19.xml><?xml version="1.0" encoding="utf-8"?>
+<p:sld xmlns:a="http://schemas.openxmlformats.org/drawingml/2006/main" xmlns:r="http://schemas.openxmlformats.org/officeDocument/2006/relationships" xmlns:p="http://schemas.openxmlformats.org/presentationml/2006/main">
+  <p:cSld>
+    <p:spTree>
+      <p:nvGrpSpPr>
+        <p:cNvPr id="1" name=""/>
+        <p:cNvGrpSpPr/>
+        <p:nvPr/>
+      </p:nvGrpSpPr>
+      <p:grpSpPr>
+        <a:xfrm>
+          <a:off x="0" y="0"/>
+          <a:ext cx="0" cy="0"/>
+          <a:chOff x="0" y="0"/>
+          <a:chExt cx="0" cy="0"/>
+        </a:xfrm>
+      </p:grpSpPr>
+      <p:pic>
+        <p:nvPicPr>
+          <p:cNvPr id="2" name="Picture 2" descr="Azetech Solutions | LinkedIn"/>
+          <p:cNvPicPr>
+            <a:picLocks noChangeAspect="1" noChangeArrowheads="1"/>
+          </p:cNvPicPr>
+          <p:nvPr/>
+        </p:nvPicPr>
+        <p:blipFill>
+          <a:blip r:embed="rId2" cstate="print">
+            <a:extLst>
+              <a:ext uri="{28A0092B-C50C-407E-A947-70E740481C1C}">
+                <a14:useLocalDpi xmlns:a14="http://schemas.microsoft.com/office/drawing/2010/main" val="0"/>
+              </a:ext>
+            </a:extLst>
+          </a:blip>
+          <a:srcRect/>
+          <a:stretch>
+            <a:fillRect/>
+          </a:stretch>
+        </p:blipFill>
+        <p:spPr bwMode="auto">
+          <a:xfrm>
+            <a:off x="11456223" y="129648"/>
+            <a:ext cx="536848" cy="536848"/>
+          </a:xfrm>
+          <a:prstGeom prst="rect">
+            <a:avLst/>
+          </a:prstGeom>
+          <a:noFill/>
+          <a:extLst>
+            <a:ext uri="{909E8E84-426E-40DD-AFC4-6F175D3DCCD1}">
+              <a14:hiddenFill xmlns:a14="http://schemas.microsoft.com/office/drawing/2010/main">
+                <a:solidFill>
+                  <a:srgbClr val="FFFFFF"/>
+                </a:solidFill>
+              </a14:hiddenFill>
+            </a:ext>
+          </a:extLst>
+        </p:spPr>
+      </p:pic>
+      <p:sp>
+        <p:nvSpPr>
+          <p:cNvPr id="3" name="Footer Placeholder 2"/>
+          <p:cNvSpPr>
+            <a:spLocks noGrp="1"/>
+          </p:cNvSpPr>
+          <p:nvPr>
+            <p:ph type="ftr" sz="quarter" idx="11"/>
+          </p:nvPr>
+        </p:nvSpPr>
+        <p:spPr/>
+        <p:txBody>
+          <a:bodyPr/>
+          <a:lstStyle/>
+          <a:p>
+            <a:r>
+              <a:rPr lang="en-US" smtClean="0"/>
+              <a:t>Azetech Solution, Coimbatore</a:t>
+            </a:r>
+            <a:endParaRPr lang="en-US"/>
+          </a:p>
+        </p:txBody>
+      </p:sp>
+      <p:sp>
+        <p:nvSpPr>
+          <p:cNvPr id="5" name="Title 4"/>
+          <p:cNvSpPr txBox="1">
+            <a:spLocks/>
+          </p:cNvSpPr>
+          <p:nvPr/>
+        </p:nvSpPr>
+        <p:spPr>
+          <a:xfrm>
+            <a:off x="563010" y="556080"/>
+            <a:ext cx="6636281" cy="611932"/>
+          </a:xfrm>
+          <a:prstGeom prst="rect">
+            <a:avLst/>
+          </a:prstGeom>
+        </p:spPr>
+        <p:txBody>
+          <a:bodyPr vert="horz" lIns="91440" tIns="45720" rIns="91440" bIns="45720" rtlCol="0" anchor="b">
+            <a:noAutofit/>
+          </a:bodyPr>
+          <a:lstStyle>
+            <a:lvl1pPr algn="ctr" defTabSz="914400" rtl="0" eaLnBrk="1" latinLnBrk="0" hangingPunct="1">
+              <a:lnSpc>
+                <a:spcPct val="90000"/>
+              </a:lnSpc>
+              <a:spcBef>
+                <a:spcPct val="0"/>
+              </a:spcBef>
+              <a:buNone/>
+              <a:defRPr sz="6000" kern="1200">
+                <a:solidFill>
+                  <a:schemeClr val="tx1"/>
+                </a:solidFill>
+                <a:latin typeface="+mj-lt"/>
+                <a:ea typeface="+mj-ea"/>
+                <a:cs typeface="+mj-cs"/>
+              </a:defRPr>
+            </a:lvl1pPr>
+          </a:lstStyle>
+          <a:p>
+            <a:pPr algn="l"/>
+            <a:r>
+              <a:rPr lang="en-US" sz="2800" b="1" dirty="0" smtClean="0">
+                <a:solidFill>
+                  <a:schemeClr val="accent1">
+                    <a:lumMod val="75000"/>
+                  </a:schemeClr>
+                </a:solidFill>
+                <a:latin typeface="Facto Bold" panose="00000800000000000000" pitchFamily="50" charset="0"/>
+              </a:rPr>
+              <a:t>PWM Calculation</a:t>
+            </a:r>
+            <a:endParaRPr lang="en-US" sz="2800" b="1" dirty="0" smtClean="0">
+              <a:solidFill>
+                <a:schemeClr val="accent1">
+                  <a:lumMod val="75000"/>
+                </a:schemeClr>
+              </a:solidFill>
+              <a:latin typeface="Facto Bold" panose="00000800000000000000" pitchFamily="50" charset="0"/>
+            </a:endParaRPr>
+          </a:p>
+        </p:txBody>
+      </p:sp>
+      <p:sp>
+        <p:nvSpPr>
+          <p:cNvPr id="6" name="TextBox 5"/>
+          <p:cNvSpPr txBox="1"/>
+          <p:nvPr/>
+        </p:nvSpPr>
+        <p:spPr>
+          <a:xfrm>
+            <a:off x="819150" y="1323977"/>
+            <a:ext cx="10770423" cy="3927229"/>
+          </a:xfrm>
+          <a:prstGeom prst="rect">
+            <a:avLst/>
+          </a:prstGeom>
+          <a:noFill/>
+        </p:spPr>
+        <p:txBody>
+          <a:bodyPr wrap="square" rtlCol="0">
+            <a:spAutoFit/>
+          </a:bodyPr>
+          <a:lstStyle/>
+          <a:p>
+            <a:pPr lvl="0" algn="just">
+              <a:lnSpc>
+                <a:spcPct val="94000"/>
+              </a:lnSpc>
+              <a:spcBef>
+                <a:spcPts val="1000"/>
+              </a:spcBef>
+              <a:spcAft>
+                <a:spcPts val="200"/>
+              </a:spcAft>
+            </a:pPr>
+            <a:r>
+              <a:rPr lang="en-US" sz="2000" dirty="0"/>
+              <a:t>/*******Set timer 3 Period for PWM **************</a:t>
+            </a:r>
+          </a:p>
+          <a:p>
+            <a:pPr lvl="0" algn="just">
+              <a:lnSpc>
+                <a:spcPct val="94000"/>
+              </a:lnSpc>
+              <a:spcBef>
+                <a:spcPts val="1000"/>
+              </a:spcBef>
+              <a:spcAft>
+                <a:spcPts val="200"/>
+              </a:spcAft>
+            </a:pPr>
+            <a:r>
+              <a:rPr lang="en-US" sz="2000" dirty="0"/>
+              <a:t>  PWM Frequency                 = 1000Hz</a:t>
+            </a:r>
+          </a:p>
+          <a:p>
+            <a:pPr lvl="0" algn="just">
+              <a:lnSpc>
+                <a:spcPct val="94000"/>
+              </a:lnSpc>
+              <a:spcBef>
+                <a:spcPts val="1000"/>
+              </a:spcBef>
+              <a:spcAft>
+                <a:spcPts val="200"/>
+              </a:spcAft>
+            </a:pPr>
+            <a:r>
+              <a:rPr lang="en-US" sz="2000" dirty="0"/>
+              <a:t>  Timer Clock                  </a:t>
+            </a:r>
+            <a:r>
+              <a:rPr lang="en-US" sz="2000" dirty="0" smtClean="0"/>
+              <a:t>	 </a:t>
+            </a:r>
+            <a:r>
+              <a:rPr lang="en-US" sz="2000" dirty="0"/>
+              <a:t>= 8mhz = 8000000 Hz</a:t>
+            </a:r>
+          </a:p>
+          <a:p>
+            <a:pPr lvl="0" algn="just">
+              <a:lnSpc>
+                <a:spcPct val="94000"/>
+              </a:lnSpc>
+              <a:spcBef>
+                <a:spcPts val="1000"/>
+              </a:spcBef>
+              <a:spcAft>
+                <a:spcPts val="200"/>
+              </a:spcAft>
+            </a:pPr>
+            <a:r>
+              <a:rPr lang="en-US" sz="2000" dirty="0"/>
+              <a:t>  Time Period Required        </a:t>
+            </a:r>
+            <a:r>
+              <a:rPr lang="en-US" sz="2000" dirty="0" smtClean="0"/>
+              <a:t>= </a:t>
+            </a:r>
+            <a:r>
+              <a:rPr lang="en-US" sz="2000" dirty="0"/>
+              <a:t>(1/1000Hz) = 0.001 Seconds=1ms</a:t>
+            </a:r>
+          </a:p>
+          <a:p>
+            <a:pPr lvl="0" algn="just">
+              <a:lnSpc>
+                <a:spcPct val="94000"/>
+              </a:lnSpc>
+              <a:spcBef>
+                <a:spcPts val="1000"/>
+              </a:spcBef>
+              <a:spcAft>
+                <a:spcPts val="200"/>
+              </a:spcAft>
+            </a:pPr>
+            <a:r>
+              <a:rPr lang="en-US" sz="2000" dirty="0" smtClean="0"/>
+              <a:t>  Timer </a:t>
+            </a:r>
+            <a:r>
+              <a:rPr lang="en-US" sz="2000" dirty="0" err="1"/>
+              <a:t>clk</a:t>
+            </a:r>
+            <a:r>
+              <a:rPr lang="en-US" sz="2000" dirty="0"/>
+              <a:t> Formula	</a:t>
+            </a:r>
+            <a:r>
+              <a:rPr lang="en-US" sz="2000" dirty="0" smtClean="0"/>
+              <a:t> = </a:t>
+            </a:r>
+            <a:r>
+              <a:rPr lang="en-US" sz="2000" dirty="0" err="1"/>
+              <a:t>fosc</a:t>
+            </a:r>
+            <a:r>
+              <a:rPr lang="en-US" sz="2000" dirty="0"/>
+              <a:t>/(pre+1)</a:t>
+            </a:r>
+          </a:p>
+          <a:p>
+            <a:pPr lvl="0" algn="just">
+              <a:lnSpc>
+                <a:spcPct val="94000"/>
+              </a:lnSpc>
+              <a:spcBef>
+                <a:spcPts val="1000"/>
+              </a:spcBef>
+              <a:spcAft>
+                <a:spcPts val="200"/>
+              </a:spcAft>
+            </a:pPr>
+            <a:r>
+              <a:rPr lang="en-US" sz="2000" dirty="0"/>
+              <a:t>  </a:t>
+            </a:r>
+            <a:r>
+              <a:rPr lang="en-US" sz="2000" dirty="0" err="1"/>
+              <a:t>Prescalar</a:t>
+            </a:r>
+            <a:r>
+              <a:rPr lang="en-US" sz="2000" dirty="0"/>
+              <a:t> + 1                 </a:t>
+            </a:r>
+            <a:r>
+              <a:rPr lang="en-US" sz="2000" dirty="0" smtClean="0"/>
+              <a:t>	 = </a:t>
+            </a:r>
+            <a:r>
+              <a:rPr lang="en-US" sz="2000" dirty="0"/>
+              <a:t>8000000/1000hz)</a:t>
+            </a:r>
+          </a:p>
+          <a:p>
+            <a:pPr lvl="0" algn="just">
+              <a:lnSpc>
+                <a:spcPct val="94000"/>
+              </a:lnSpc>
+              <a:spcBef>
+                <a:spcPts val="1000"/>
+              </a:spcBef>
+              <a:spcAft>
+                <a:spcPts val="200"/>
+              </a:spcAft>
+            </a:pPr>
+            <a:r>
+              <a:rPr lang="en-US" sz="2000" dirty="0"/>
+              <a:t>  </a:t>
+            </a:r>
+            <a:r>
+              <a:rPr lang="en-US" sz="2000" dirty="0" err="1"/>
+              <a:t>Prescalar</a:t>
+            </a:r>
+            <a:r>
+              <a:rPr lang="en-US" sz="2000" dirty="0"/>
+              <a:t>                    </a:t>
+            </a:r>
+            <a:r>
+              <a:rPr lang="en-US" sz="2000" dirty="0" smtClean="0"/>
+              <a:t>	 = </a:t>
+            </a:r>
+            <a:r>
+              <a:rPr lang="en-US" sz="2000" dirty="0"/>
+              <a:t>7999  </a:t>
+            </a:r>
+          </a:p>
+          <a:p>
+            <a:pPr lvl="0" algn="just">
+              <a:lnSpc>
+                <a:spcPct val="94000"/>
+              </a:lnSpc>
+              <a:spcBef>
+                <a:spcPts val="1000"/>
+              </a:spcBef>
+              <a:spcAft>
+                <a:spcPts val="200"/>
+              </a:spcAft>
+            </a:pPr>
+            <a:r>
+              <a:rPr lang="en-US" sz="2000" dirty="0" smtClean="0"/>
+              <a:t>  </a:t>
+            </a:r>
+            <a:r>
+              <a:rPr lang="en-US" sz="2000" dirty="0" err="1" smtClean="0"/>
+              <a:t>Auto_Reload</a:t>
+            </a:r>
+            <a:r>
+              <a:rPr lang="en-US" sz="2000" dirty="0"/>
+              <a:t>		</a:t>
+            </a:r>
+            <a:r>
+              <a:rPr lang="en-US" sz="2000" dirty="0" smtClean="0"/>
+              <a:t> = </a:t>
+            </a:r>
+            <a:r>
+              <a:rPr lang="en-US" sz="2000" dirty="0"/>
+              <a:t>2000</a:t>
+            </a:r>
+          </a:p>
+          <a:p>
+            <a:pPr lvl="0" algn="just">
+              <a:lnSpc>
+                <a:spcPct val="94000"/>
+              </a:lnSpc>
+              <a:spcBef>
+                <a:spcPts val="1000"/>
+              </a:spcBef>
+              <a:spcAft>
+                <a:spcPts val="200"/>
+              </a:spcAft>
+            </a:pPr>
+            <a:r>
+              <a:rPr lang="en-US" sz="2000" dirty="0"/>
+              <a:t>***********************************************/</a:t>
+            </a:r>
+            <a:endParaRPr lang="en-US" sz="2000" dirty="0" smtClean="0"/>
+          </a:p>
+        </p:txBody>
+      </p:sp>
+    </p:spTree>
+    <p:extLst>
+      <p:ext uri="{BB962C8B-B14F-4D97-AF65-F5344CB8AC3E}">
+        <p14:creationId xmlns:p14="http://schemas.microsoft.com/office/powerpoint/2010/main" val="4004537301"/>
       </p:ext>
     </p:extLst>
   </p:cSld>
@@ -4019,6 +7807,1122 @@
         <p:spPr>
           <a:xfrm>
             <a:off x="563010" y="556080"/>
+            <a:ext cx="8342451" cy="611932"/>
+          </a:xfrm>
+          <a:prstGeom prst="rect">
+            <a:avLst/>
+          </a:prstGeom>
+        </p:spPr>
+        <p:txBody>
+          <a:bodyPr vert="horz" lIns="91440" tIns="45720" rIns="91440" bIns="45720" rtlCol="0" anchor="b">
+            <a:noAutofit/>
+          </a:bodyPr>
+          <a:lstStyle>
+            <a:lvl1pPr algn="ctr" defTabSz="914400" rtl="0" eaLnBrk="1" latinLnBrk="0" hangingPunct="1">
+              <a:lnSpc>
+                <a:spcPct val="90000"/>
+              </a:lnSpc>
+              <a:spcBef>
+                <a:spcPct val="0"/>
+              </a:spcBef>
+              <a:buNone/>
+              <a:defRPr sz="6000" kern="1200">
+                <a:solidFill>
+                  <a:schemeClr val="tx1"/>
+                </a:solidFill>
+                <a:latin typeface="+mj-lt"/>
+                <a:ea typeface="+mj-ea"/>
+                <a:cs typeface="+mj-cs"/>
+              </a:defRPr>
+            </a:lvl1pPr>
+          </a:lstStyle>
+          <a:p>
+            <a:pPr algn="l"/>
+            <a:r>
+              <a:rPr lang="en-US" sz="2800" b="1" dirty="0" smtClean="0">
+                <a:solidFill>
+                  <a:schemeClr val="accent1">
+                    <a:lumMod val="75000"/>
+                  </a:schemeClr>
+                </a:solidFill>
+                <a:latin typeface="Facto Bold" panose="00000800000000000000" pitchFamily="50" charset="0"/>
+              </a:rPr>
+              <a:t>What is </a:t>
+            </a:r>
+            <a:r>
+              <a:rPr lang="en-US" sz="2800" b="1" dirty="0" smtClean="0">
+                <a:solidFill>
+                  <a:schemeClr val="accent1">
+                    <a:lumMod val="75000"/>
+                  </a:schemeClr>
+                </a:solidFill>
+                <a:latin typeface="Facto Bold" panose="00000800000000000000" pitchFamily="50" charset="0"/>
+              </a:rPr>
+              <a:t>CCP(Capture-Compare-PWM)</a:t>
+            </a:r>
+            <a:endParaRPr lang="en-US" sz="2800" b="1" dirty="0" smtClean="0">
+              <a:solidFill>
+                <a:schemeClr val="accent1">
+                  <a:lumMod val="75000"/>
+                </a:schemeClr>
+              </a:solidFill>
+              <a:latin typeface="Facto Bold" panose="00000800000000000000" pitchFamily="50" charset="0"/>
+            </a:endParaRPr>
+          </a:p>
+        </p:txBody>
+      </p:sp>
+      <p:sp>
+        <p:nvSpPr>
+          <p:cNvPr id="6" name="TextBox 5"/>
+          <p:cNvSpPr txBox="1"/>
+          <p:nvPr/>
+        </p:nvSpPr>
+        <p:spPr>
+          <a:xfrm>
+            <a:off x="1182051" y="1767678"/>
+            <a:ext cx="10274172" cy="3754874"/>
+          </a:xfrm>
+          <a:prstGeom prst="rect">
+            <a:avLst/>
+          </a:prstGeom>
+          <a:noFill/>
+        </p:spPr>
+        <p:txBody>
+          <a:bodyPr wrap="square" rtlCol="0">
+            <a:spAutoFit/>
+          </a:bodyPr>
+          <a:lstStyle/>
+          <a:p>
+            <a:pPr marL="384048" indent="-384048">
+              <a:lnSpc>
+                <a:spcPct val="94000"/>
+              </a:lnSpc>
+              <a:spcBef>
+                <a:spcPts val="1000"/>
+              </a:spcBef>
+              <a:spcAft>
+                <a:spcPts val="200"/>
+              </a:spcAft>
+              <a:buFont typeface="Wingdings" panose="05000000000000000000" pitchFamily="2" charset="2"/>
+              <a:buChar char="v"/>
+            </a:pPr>
+            <a:r>
+              <a:rPr lang="en-US" sz="2000" dirty="0" smtClean="0"/>
+              <a:t>CCP Module </a:t>
+            </a:r>
+            <a:r>
+              <a:rPr lang="en-US" sz="2000" dirty="0" smtClean="0"/>
+              <a:t>is used General purpose timer and advanced timer for its CCP configurations.</a:t>
+            </a:r>
+          </a:p>
+          <a:p>
+            <a:pPr marL="384048" indent="-384048">
+              <a:lnSpc>
+                <a:spcPct val="94000"/>
+              </a:lnSpc>
+              <a:spcBef>
+                <a:spcPts val="1000"/>
+              </a:spcBef>
+              <a:spcAft>
+                <a:spcPts val="200"/>
+              </a:spcAft>
+              <a:buFont typeface="Wingdings" panose="05000000000000000000" pitchFamily="2" charset="2"/>
+              <a:buChar char="v"/>
+            </a:pPr>
+            <a:r>
+              <a:rPr lang="en-US" sz="2000" dirty="0"/>
+              <a:t>Each Capture/Compare channel </a:t>
+            </a:r>
+            <a:r>
+              <a:rPr lang="en-US" sz="2000" dirty="0" smtClean="0"/>
+              <a:t> </a:t>
+            </a:r>
+            <a:r>
+              <a:rPr lang="en-US" sz="2000" dirty="0"/>
+              <a:t>is built around a capture/compare </a:t>
+            </a:r>
+            <a:r>
+              <a:rPr lang="en-US" sz="2000" dirty="0" smtClean="0"/>
+              <a:t>register (</a:t>
+            </a:r>
+            <a:r>
+              <a:rPr lang="en-US" sz="2000" dirty="0"/>
+              <a:t>including a shadow register), an input stage for capture (with digital filter, multiplexing </a:t>
+            </a:r>
+            <a:r>
+              <a:rPr lang="en-US" sz="2000" dirty="0" smtClean="0"/>
+              <a:t>and </a:t>
+            </a:r>
+            <a:r>
+              <a:rPr lang="en-US" sz="2000" dirty="0" err="1" smtClean="0"/>
+              <a:t>prescaler</a:t>
+            </a:r>
+            <a:r>
+              <a:rPr lang="en-US" sz="2000" dirty="0"/>
+              <a:t>) and an output stage (with comparator and output control</a:t>
+            </a:r>
+            <a:r>
+              <a:rPr lang="en-US" sz="2000" dirty="0" smtClean="0"/>
+              <a:t>).</a:t>
+            </a:r>
+          </a:p>
+          <a:p>
+            <a:pPr marL="384048" indent="-384048">
+              <a:lnSpc>
+                <a:spcPct val="94000"/>
+              </a:lnSpc>
+              <a:spcBef>
+                <a:spcPts val="1000"/>
+              </a:spcBef>
+              <a:spcAft>
+                <a:spcPts val="200"/>
+              </a:spcAft>
+              <a:buFont typeface="Wingdings" panose="05000000000000000000" pitchFamily="2" charset="2"/>
+              <a:buChar char="v"/>
+            </a:pPr>
+            <a:r>
+              <a:rPr lang="en-US" sz="2000" dirty="0"/>
+              <a:t>In capture mode, captures are actually done in the shadow register, which is copied into the</a:t>
+            </a:r>
+            <a:br>
+              <a:rPr lang="en-US" sz="2000" dirty="0"/>
+            </a:br>
+            <a:r>
+              <a:rPr lang="en-US" sz="2000" dirty="0"/>
+              <a:t>preload register</a:t>
+            </a:r>
+            <a:r>
+              <a:rPr lang="en-US" sz="2000" dirty="0" smtClean="0"/>
+              <a:t>.</a:t>
+            </a:r>
+          </a:p>
+          <a:p>
+            <a:pPr marL="384048" indent="-384048">
+              <a:lnSpc>
+                <a:spcPct val="94000"/>
+              </a:lnSpc>
+              <a:spcBef>
+                <a:spcPts val="1000"/>
+              </a:spcBef>
+              <a:spcAft>
+                <a:spcPts val="200"/>
+              </a:spcAft>
+              <a:buFont typeface="Wingdings" panose="05000000000000000000" pitchFamily="2" charset="2"/>
+              <a:buChar char="v"/>
+            </a:pPr>
+            <a:r>
+              <a:rPr lang="en-US" sz="2000" dirty="0" smtClean="0"/>
+              <a:t>In </a:t>
+            </a:r>
+            <a:r>
+              <a:rPr lang="en-US" sz="2000" dirty="0"/>
+              <a:t>compare mode, the content of the preload register is copied into the shadow register</a:t>
+            </a:r>
+            <a:br>
+              <a:rPr lang="en-US" sz="2000" dirty="0"/>
+            </a:br>
+            <a:r>
+              <a:rPr lang="en-US" sz="2000" dirty="0"/>
+              <a:t>which is compared to the counter</a:t>
+            </a:r>
+            <a:r>
+              <a:rPr lang="en-US" sz="2000" dirty="0"/>
+              <a:t> </a:t>
+            </a:r>
+            <a:endParaRPr lang="en-US" sz="2000" dirty="0" smtClean="0"/>
+          </a:p>
+          <a:p>
+            <a:pPr marL="384048" indent="-384048">
+              <a:lnSpc>
+                <a:spcPct val="94000"/>
+              </a:lnSpc>
+              <a:spcBef>
+                <a:spcPts val="1000"/>
+              </a:spcBef>
+              <a:spcAft>
+                <a:spcPts val="200"/>
+              </a:spcAft>
+              <a:buFont typeface="Wingdings" panose="05000000000000000000" pitchFamily="2" charset="2"/>
+              <a:buChar char="v"/>
+            </a:pPr>
+            <a:r>
+              <a:rPr lang="en-US" sz="2000" dirty="0" smtClean="0"/>
+              <a:t>It has totally 4 channel</a:t>
+            </a:r>
+          </a:p>
+          <a:p>
+            <a:pPr marL="384048" indent="-384048">
+              <a:lnSpc>
+                <a:spcPct val="94000"/>
+              </a:lnSpc>
+              <a:spcBef>
+                <a:spcPts val="1000"/>
+              </a:spcBef>
+              <a:spcAft>
+                <a:spcPts val="200"/>
+              </a:spcAft>
+              <a:buFont typeface="Wingdings" panose="05000000000000000000" pitchFamily="2" charset="2"/>
+              <a:buChar char="v"/>
+            </a:pPr>
+            <a:endParaRPr lang="en-US" sz="2000" dirty="0"/>
+          </a:p>
+        </p:txBody>
+      </p:sp>
+    </p:spTree>
+    <p:extLst>
+      <p:ext uri="{BB962C8B-B14F-4D97-AF65-F5344CB8AC3E}">
+        <p14:creationId xmlns:p14="http://schemas.microsoft.com/office/powerpoint/2010/main" val="1202735384"/>
+      </p:ext>
+    </p:extLst>
+  </p:cSld>
+  <p:clrMapOvr>
+    <a:masterClrMapping/>
+  </p:clrMapOvr>
+  <p:timing>
+    <p:tnLst>
+      <p:par>
+        <p:cTn id="1" dur="indefinite" restart="never" nodeType="tmRoot"/>
+      </p:par>
+    </p:tnLst>
+  </p:timing>
+</p:sld>
+</file>
+
+<file path=ppt/slides/slide20.xml><?xml version="1.0" encoding="utf-8"?>
+<p:sld xmlns:a="http://schemas.openxmlformats.org/drawingml/2006/main" xmlns:r="http://schemas.openxmlformats.org/officeDocument/2006/relationships" xmlns:p="http://schemas.openxmlformats.org/presentationml/2006/main">
+  <p:cSld>
+    <p:spTree>
+      <p:nvGrpSpPr>
+        <p:cNvPr id="1" name=""/>
+        <p:cNvGrpSpPr/>
+        <p:nvPr/>
+      </p:nvGrpSpPr>
+      <p:grpSpPr>
+        <a:xfrm>
+          <a:off x="0" y="0"/>
+          <a:ext cx="0" cy="0"/>
+          <a:chOff x="0" y="0"/>
+          <a:chExt cx="0" cy="0"/>
+        </a:xfrm>
+      </p:grpSpPr>
+      <p:pic>
+        <p:nvPicPr>
+          <p:cNvPr id="2" name="Picture 2" descr="Azetech Solutions | LinkedIn"/>
+          <p:cNvPicPr>
+            <a:picLocks noChangeAspect="1" noChangeArrowheads="1"/>
+          </p:cNvPicPr>
+          <p:nvPr/>
+        </p:nvPicPr>
+        <p:blipFill>
+          <a:blip r:embed="rId2" cstate="print">
+            <a:extLst>
+              <a:ext uri="{28A0092B-C50C-407E-A947-70E740481C1C}">
+                <a14:useLocalDpi xmlns:a14="http://schemas.microsoft.com/office/drawing/2010/main" val="0"/>
+              </a:ext>
+            </a:extLst>
+          </a:blip>
+          <a:srcRect/>
+          <a:stretch>
+            <a:fillRect/>
+          </a:stretch>
+        </p:blipFill>
+        <p:spPr bwMode="auto">
+          <a:xfrm>
+            <a:off x="11456223" y="129648"/>
+            <a:ext cx="536848" cy="536848"/>
+          </a:xfrm>
+          <a:prstGeom prst="rect">
+            <a:avLst/>
+          </a:prstGeom>
+          <a:noFill/>
+          <a:extLst>
+            <a:ext uri="{909E8E84-426E-40DD-AFC4-6F175D3DCCD1}">
+              <a14:hiddenFill xmlns:a14="http://schemas.microsoft.com/office/drawing/2010/main">
+                <a:solidFill>
+                  <a:srgbClr val="FFFFFF"/>
+                </a:solidFill>
+              </a14:hiddenFill>
+            </a:ext>
+          </a:extLst>
+        </p:spPr>
+      </p:pic>
+      <p:sp>
+        <p:nvSpPr>
+          <p:cNvPr id="3" name="Footer Placeholder 2"/>
+          <p:cNvSpPr>
+            <a:spLocks noGrp="1"/>
+          </p:cNvSpPr>
+          <p:nvPr>
+            <p:ph type="ftr" sz="quarter" idx="11"/>
+          </p:nvPr>
+        </p:nvSpPr>
+        <p:spPr/>
+        <p:txBody>
+          <a:bodyPr/>
+          <a:lstStyle/>
+          <a:p>
+            <a:r>
+              <a:rPr lang="en-US" smtClean="0"/>
+              <a:t>Azetech Solution, Coimbatore</a:t>
+            </a:r>
+            <a:endParaRPr lang="en-US"/>
+          </a:p>
+        </p:txBody>
+      </p:sp>
+      <p:sp>
+        <p:nvSpPr>
+          <p:cNvPr id="5" name="Title 4"/>
+          <p:cNvSpPr txBox="1">
+            <a:spLocks/>
+          </p:cNvSpPr>
+          <p:nvPr/>
+        </p:nvSpPr>
+        <p:spPr>
+          <a:xfrm>
+            <a:off x="563010" y="285750"/>
+            <a:ext cx="6533115" cy="590550"/>
+          </a:xfrm>
+          <a:prstGeom prst="rect">
+            <a:avLst/>
+          </a:prstGeom>
+        </p:spPr>
+        <p:txBody>
+          <a:bodyPr vert="horz" lIns="91440" tIns="45720" rIns="91440" bIns="45720" rtlCol="0" anchor="b">
+            <a:noAutofit/>
+          </a:bodyPr>
+          <a:lstStyle>
+            <a:lvl1pPr algn="ctr" defTabSz="914400" rtl="0" eaLnBrk="1" latinLnBrk="0" hangingPunct="1">
+              <a:lnSpc>
+                <a:spcPct val="90000"/>
+              </a:lnSpc>
+              <a:spcBef>
+                <a:spcPct val="0"/>
+              </a:spcBef>
+              <a:buNone/>
+              <a:defRPr sz="6000" kern="1200">
+                <a:solidFill>
+                  <a:schemeClr val="tx1"/>
+                </a:solidFill>
+                <a:latin typeface="+mj-lt"/>
+                <a:ea typeface="+mj-ea"/>
+                <a:cs typeface="+mj-cs"/>
+              </a:defRPr>
+            </a:lvl1pPr>
+          </a:lstStyle>
+          <a:p>
+            <a:pPr algn="l"/>
+            <a:r>
+              <a:rPr lang="en-US" sz="2800" b="1" dirty="0" smtClean="0">
+                <a:solidFill>
+                  <a:schemeClr val="accent1">
+                    <a:lumMod val="75000"/>
+                  </a:schemeClr>
+                </a:solidFill>
+                <a:latin typeface="Facto Bold" panose="00000800000000000000" pitchFamily="50" charset="0"/>
+              </a:rPr>
+              <a:t>PWM Program</a:t>
+            </a:r>
+            <a:endParaRPr lang="en-US" sz="2800" b="1" dirty="0" smtClean="0">
+              <a:solidFill>
+                <a:schemeClr val="accent1">
+                  <a:lumMod val="75000"/>
+                </a:schemeClr>
+              </a:solidFill>
+              <a:latin typeface="Facto Bold" panose="00000800000000000000" pitchFamily="50" charset="0"/>
+            </a:endParaRPr>
+          </a:p>
+        </p:txBody>
+      </p:sp>
+      <p:sp>
+        <p:nvSpPr>
+          <p:cNvPr id="6" name="TextBox 5"/>
+          <p:cNvSpPr txBox="1"/>
+          <p:nvPr/>
+        </p:nvSpPr>
+        <p:spPr>
+          <a:xfrm>
+            <a:off x="761999" y="1000125"/>
+            <a:ext cx="10827573" cy="6207853"/>
+          </a:xfrm>
+          <a:prstGeom prst="rect">
+            <a:avLst/>
+          </a:prstGeom>
+          <a:noFill/>
+        </p:spPr>
+        <p:txBody>
+          <a:bodyPr wrap="square" numCol="1" rtlCol="0">
+            <a:spAutoFit/>
+          </a:bodyPr>
+          <a:lstStyle/>
+          <a:p>
+            <a:pPr lvl="0" algn="just">
+              <a:lnSpc>
+                <a:spcPct val="94000"/>
+              </a:lnSpc>
+              <a:spcBef>
+                <a:spcPts val="1000"/>
+              </a:spcBef>
+              <a:spcAft>
+                <a:spcPts val="200"/>
+              </a:spcAft>
+            </a:pPr>
+            <a:r>
+              <a:rPr lang="en-US" sz="1000" dirty="0">
+                <a:latin typeface="Consolas" pitchFamily="49" charset="0"/>
+              </a:rPr>
+              <a:t>#include "stm32f10x.h"                  // Device header</a:t>
+            </a:r>
+          </a:p>
+          <a:p>
+            <a:pPr lvl="0" algn="just">
+              <a:lnSpc>
+                <a:spcPct val="94000"/>
+              </a:lnSpc>
+              <a:spcBef>
+                <a:spcPts val="1000"/>
+              </a:spcBef>
+              <a:spcAft>
+                <a:spcPts val="200"/>
+              </a:spcAft>
+            </a:pPr>
+            <a:r>
+              <a:rPr lang="en-US" sz="1000" dirty="0">
+                <a:latin typeface="Consolas" pitchFamily="49" charset="0"/>
+              </a:rPr>
+              <a:t>void </a:t>
+            </a:r>
+            <a:r>
+              <a:rPr lang="en-US" sz="1000" dirty="0" err="1">
+                <a:latin typeface="Consolas" pitchFamily="49" charset="0"/>
+              </a:rPr>
+              <a:t>gpio_init</a:t>
+            </a:r>
+            <a:r>
+              <a:rPr lang="en-US" sz="1000" dirty="0">
+                <a:latin typeface="Consolas" pitchFamily="49" charset="0"/>
+              </a:rPr>
+              <a:t>();	</a:t>
+            </a:r>
+          </a:p>
+          <a:p>
+            <a:pPr lvl="0" algn="just">
+              <a:lnSpc>
+                <a:spcPct val="94000"/>
+              </a:lnSpc>
+              <a:spcBef>
+                <a:spcPts val="1000"/>
+              </a:spcBef>
+              <a:spcAft>
+                <a:spcPts val="200"/>
+              </a:spcAft>
+            </a:pPr>
+            <a:r>
+              <a:rPr lang="en-US" sz="1000" dirty="0">
+                <a:latin typeface="Consolas" pitchFamily="49" charset="0"/>
+              </a:rPr>
+              <a:t>void </a:t>
+            </a:r>
+            <a:r>
+              <a:rPr lang="en-US" sz="1000" dirty="0" err="1">
+                <a:latin typeface="Consolas" pitchFamily="49" charset="0"/>
+              </a:rPr>
+              <a:t>pwm_init</a:t>
+            </a:r>
+            <a:r>
+              <a:rPr lang="en-US" sz="1000" dirty="0">
+                <a:latin typeface="Consolas" pitchFamily="49" charset="0"/>
+              </a:rPr>
+              <a:t>();</a:t>
+            </a:r>
+          </a:p>
+          <a:p>
+            <a:pPr lvl="0" algn="just">
+              <a:lnSpc>
+                <a:spcPct val="94000"/>
+              </a:lnSpc>
+              <a:spcBef>
+                <a:spcPts val="1000"/>
+              </a:spcBef>
+              <a:spcAft>
+                <a:spcPts val="200"/>
+              </a:spcAft>
+            </a:pPr>
+            <a:r>
+              <a:rPr lang="en-US" sz="1000" dirty="0" err="1">
+                <a:latin typeface="Consolas" pitchFamily="49" charset="0"/>
+              </a:rPr>
+              <a:t>int</a:t>
+            </a:r>
+            <a:r>
+              <a:rPr lang="en-US" sz="1000" dirty="0">
+                <a:latin typeface="Consolas" pitchFamily="49" charset="0"/>
+              </a:rPr>
+              <a:t> main()</a:t>
+            </a:r>
+          </a:p>
+          <a:p>
+            <a:pPr lvl="0" algn="just">
+              <a:lnSpc>
+                <a:spcPct val="94000"/>
+              </a:lnSpc>
+              <a:spcBef>
+                <a:spcPts val="1000"/>
+              </a:spcBef>
+              <a:spcAft>
+                <a:spcPts val="200"/>
+              </a:spcAft>
+            </a:pPr>
+            <a:r>
+              <a:rPr lang="en-US" sz="1000" dirty="0" smtClean="0">
+                <a:latin typeface="Consolas" pitchFamily="49" charset="0"/>
+              </a:rPr>
+              <a:t>{</a:t>
+            </a:r>
+          </a:p>
+          <a:p>
+            <a:pPr lvl="0" algn="just">
+              <a:lnSpc>
+                <a:spcPct val="94000"/>
+              </a:lnSpc>
+              <a:spcBef>
+                <a:spcPts val="1000"/>
+              </a:spcBef>
+              <a:spcAft>
+                <a:spcPts val="200"/>
+              </a:spcAft>
+            </a:pPr>
+            <a:r>
+              <a:rPr lang="en-US" sz="1000" dirty="0">
+                <a:latin typeface="Consolas" pitchFamily="49" charset="0"/>
+              </a:rPr>
+              <a:t>	</a:t>
+            </a:r>
+            <a:r>
+              <a:rPr lang="en-US" sz="1000" dirty="0" err="1">
+                <a:latin typeface="Consolas" pitchFamily="49" charset="0"/>
+              </a:rPr>
+              <a:t>gpio_init</a:t>
+            </a:r>
+            <a:r>
+              <a:rPr lang="en-US" sz="1000" dirty="0">
+                <a:latin typeface="Consolas" pitchFamily="49" charset="0"/>
+              </a:rPr>
+              <a:t>();</a:t>
+            </a:r>
+          </a:p>
+          <a:p>
+            <a:pPr lvl="0" algn="just">
+              <a:lnSpc>
+                <a:spcPct val="94000"/>
+              </a:lnSpc>
+              <a:spcBef>
+                <a:spcPts val="1000"/>
+              </a:spcBef>
+              <a:spcAft>
+                <a:spcPts val="200"/>
+              </a:spcAft>
+            </a:pPr>
+            <a:r>
+              <a:rPr lang="en-US" sz="1000" dirty="0">
+                <a:latin typeface="Consolas" pitchFamily="49" charset="0"/>
+              </a:rPr>
+              <a:t>	</a:t>
+            </a:r>
+            <a:r>
+              <a:rPr lang="en-US" sz="1000" dirty="0" err="1">
+                <a:latin typeface="Consolas" pitchFamily="49" charset="0"/>
+              </a:rPr>
+              <a:t>pwm_init</a:t>
+            </a:r>
+            <a:r>
+              <a:rPr lang="en-US" sz="1000" dirty="0">
+                <a:latin typeface="Consolas" pitchFamily="49" charset="0"/>
+              </a:rPr>
+              <a:t>();</a:t>
+            </a:r>
+          </a:p>
+          <a:p>
+            <a:pPr lvl="0" algn="just">
+              <a:lnSpc>
+                <a:spcPct val="94000"/>
+              </a:lnSpc>
+              <a:spcBef>
+                <a:spcPts val="1000"/>
+              </a:spcBef>
+              <a:spcAft>
+                <a:spcPts val="200"/>
+              </a:spcAft>
+            </a:pPr>
+            <a:r>
+              <a:rPr lang="en-US" sz="1000" dirty="0">
+                <a:latin typeface="Consolas" pitchFamily="49" charset="0"/>
+              </a:rPr>
+              <a:t>	while(1</a:t>
+            </a:r>
+            <a:r>
+              <a:rPr lang="en-US" sz="1000" dirty="0" smtClean="0">
+                <a:latin typeface="Consolas" pitchFamily="49" charset="0"/>
+              </a:rPr>
+              <a:t>){}</a:t>
+            </a:r>
+            <a:endParaRPr lang="en-US" sz="1000" dirty="0">
+              <a:latin typeface="Consolas" pitchFamily="49" charset="0"/>
+            </a:endParaRPr>
+          </a:p>
+          <a:p>
+            <a:pPr lvl="0" algn="just">
+              <a:lnSpc>
+                <a:spcPct val="94000"/>
+              </a:lnSpc>
+              <a:spcBef>
+                <a:spcPts val="1000"/>
+              </a:spcBef>
+              <a:spcAft>
+                <a:spcPts val="200"/>
+              </a:spcAft>
+            </a:pPr>
+            <a:r>
+              <a:rPr lang="en-US" sz="1000" dirty="0">
+                <a:latin typeface="Consolas" pitchFamily="49" charset="0"/>
+              </a:rPr>
+              <a:t>	return 0;</a:t>
+            </a:r>
+          </a:p>
+          <a:p>
+            <a:pPr lvl="0" algn="just">
+              <a:lnSpc>
+                <a:spcPct val="94000"/>
+              </a:lnSpc>
+              <a:spcBef>
+                <a:spcPts val="1000"/>
+              </a:spcBef>
+              <a:spcAft>
+                <a:spcPts val="200"/>
+              </a:spcAft>
+            </a:pPr>
+            <a:r>
+              <a:rPr lang="en-US" sz="1000" dirty="0">
+                <a:latin typeface="Consolas" pitchFamily="49" charset="0"/>
+              </a:rPr>
+              <a:t>}</a:t>
+            </a:r>
+          </a:p>
+          <a:p>
+            <a:pPr lvl="0" algn="just">
+              <a:lnSpc>
+                <a:spcPct val="94000"/>
+              </a:lnSpc>
+              <a:spcBef>
+                <a:spcPts val="1000"/>
+              </a:spcBef>
+              <a:spcAft>
+                <a:spcPts val="200"/>
+              </a:spcAft>
+            </a:pPr>
+            <a:r>
+              <a:rPr lang="en-US" sz="1000" dirty="0">
+                <a:latin typeface="Consolas" pitchFamily="49" charset="0"/>
+              </a:rPr>
+              <a:t>void </a:t>
+            </a:r>
+            <a:r>
+              <a:rPr lang="en-US" sz="1000" dirty="0" err="1">
+                <a:latin typeface="Consolas" pitchFamily="49" charset="0"/>
+              </a:rPr>
+              <a:t>gpio_init</a:t>
+            </a:r>
+            <a:r>
+              <a:rPr lang="en-US" sz="1000" dirty="0">
+                <a:latin typeface="Consolas" pitchFamily="49" charset="0"/>
+              </a:rPr>
+              <a:t>()</a:t>
+            </a:r>
+          </a:p>
+          <a:p>
+            <a:pPr lvl="0" algn="just">
+              <a:lnSpc>
+                <a:spcPct val="94000"/>
+              </a:lnSpc>
+              <a:spcBef>
+                <a:spcPts val="1000"/>
+              </a:spcBef>
+              <a:spcAft>
+                <a:spcPts val="200"/>
+              </a:spcAft>
+            </a:pPr>
+            <a:r>
+              <a:rPr lang="en-US" sz="1000" dirty="0">
+                <a:latin typeface="Consolas" pitchFamily="49" charset="0"/>
+              </a:rPr>
+              <a:t>{</a:t>
+            </a:r>
+          </a:p>
+          <a:p>
+            <a:pPr lvl="0" algn="just">
+              <a:lnSpc>
+                <a:spcPct val="94000"/>
+              </a:lnSpc>
+              <a:spcBef>
+                <a:spcPts val="1000"/>
+              </a:spcBef>
+              <a:spcAft>
+                <a:spcPts val="200"/>
+              </a:spcAft>
+            </a:pPr>
+            <a:r>
+              <a:rPr lang="en-US" sz="1000" dirty="0">
+                <a:latin typeface="Consolas" pitchFamily="49" charset="0"/>
+              </a:rPr>
+              <a:t>		RCC-&gt;APB2ENR =(1&lt;&lt;0); //</a:t>
+            </a:r>
+            <a:r>
+              <a:rPr lang="en-US" sz="1000" dirty="0" err="1">
+                <a:latin typeface="Consolas" pitchFamily="49" charset="0"/>
+              </a:rPr>
+              <a:t>afio</a:t>
+            </a:r>
+            <a:r>
+              <a:rPr lang="en-US" sz="1000" dirty="0">
+                <a:latin typeface="Consolas" pitchFamily="49" charset="0"/>
+              </a:rPr>
+              <a:t> </a:t>
+            </a:r>
+            <a:r>
+              <a:rPr lang="en-US" sz="1000" dirty="0" err="1">
+                <a:latin typeface="Consolas" pitchFamily="49" charset="0"/>
+              </a:rPr>
+              <a:t>clk</a:t>
+            </a:r>
+            <a:r>
+              <a:rPr lang="en-US" sz="1000" dirty="0">
+                <a:latin typeface="Consolas" pitchFamily="49" charset="0"/>
+              </a:rPr>
+              <a:t> enable	</a:t>
+            </a:r>
+          </a:p>
+          <a:p>
+            <a:pPr lvl="0" algn="just">
+              <a:lnSpc>
+                <a:spcPct val="94000"/>
+              </a:lnSpc>
+              <a:spcBef>
+                <a:spcPts val="1000"/>
+              </a:spcBef>
+              <a:spcAft>
+                <a:spcPts val="200"/>
+              </a:spcAft>
+            </a:pPr>
+            <a:r>
+              <a:rPr lang="en-US" sz="1000" dirty="0">
+                <a:latin typeface="Consolas" pitchFamily="49" charset="0"/>
+              </a:rPr>
+              <a:t>		RCC-&gt;APB2ENR |= (1&lt;&lt;2);//</a:t>
+            </a:r>
+            <a:r>
+              <a:rPr lang="en-US" sz="1000" dirty="0" err="1">
+                <a:latin typeface="Consolas" pitchFamily="49" charset="0"/>
+              </a:rPr>
+              <a:t>porta</a:t>
+            </a:r>
+            <a:r>
+              <a:rPr lang="en-US" sz="1000" dirty="0">
+                <a:latin typeface="Consolas" pitchFamily="49" charset="0"/>
+              </a:rPr>
+              <a:t> </a:t>
+            </a:r>
+            <a:r>
+              <a:rPr lang="en-US" sz="1000" dirty="0" err="1">
+                <a:latin typeface="Consolas" pitchFamily="49" charset="0"/>
+              </a:rPr>
+              <a:t>clk</a:t>
+            </a:r>
+            <a:r>
+              <a:rPr lang="en-US" sz="1000" dirty="0">
+                <a:latin typeface="Consolas" pitchFamily="49" charset="0"/>
+              </a:rPr>
+              <a:t> enable</a:t>
+            </a:r>
+            <a:r>
+              <a:rPr lang="en-US" sz="1000" dirty="0" smtClean="0">
+                <a:latin typeface="Consolas" pitchFamily="49" charset="0"/>
+              </a:rPr>
+              <a:t>,</a:t>
+            </a:r>
+            <a:endParaRPr lang="en-US" sz="1000" dirty="0">
+              <a:latin typeface="Consolas" pitchFamily="49" charset="0"/>
+            </a:endParaRPr>
+          </a:p>
+          <a:p>
+            <a:pPr lvl="0" algn="just">
+              <a:lnSpc>
+                <a:spcPct val="94000"/>
+              </a:lnSpc>
+              <a:spcBef>
+                <a:spcPts val="1000"/>
+              </a:spcBef>
+              <a:spcAft>
+                <a:spcPts val="200"/>
+              </a:spcAft>
+            </a:pPr>
+            <a:r>
+              <a:rPr lang="en-US" sz="1000" dirty="0">
+                <a:latin typeface="Consolas" pitchFamily="49" charset="0"/>
+              </a:rPr>
+              <a:t>		GPIOA-&gt;CRL =0x00000000;//</a:t>
+            </a:r>
+            <a:r>
+              <a:rPr lang="en-US" sz="1000" dirty="0" smtClean="0">
+                <a:latin typeface="Consolas" pitchFamily="49" charset="0"/>
+              </a:rPr>
+              <a:t>reset</a:t>
+            </a:r>
+            <a:endParaRPr lang="en-US" sz="1000" dirty="0">
+              <a:latin typeface="Consolas" pitchFamily="49" charset="0"/>
+            </a:endParaRPr>
+          </a:p>
+          <a:p>
+            <a:pPr lvl="0" algn="just">
+              <a:lnSpc>
+                <a:spcPct val="94000"/>
+              </a:lnSpc>
+              <a:spcBef>
+                <a:spcPts val="1000"/>
+              </a:spcBef>
+              <a:spcAft>
+                <a:spcPts val="200"/>
+              </a:spcAft>
+            </a:pPr>
+            <a:r>
+              <a:rPr lang="en-US" sz="1000" dirty="0">
+                <a:latin typeface="Consolas" pitchFamily="49" charset="0"/>
+              </a:rPr>
+              <a:t>		//</a:t>
+            </a:r>
+            <a:r>
+              <a:rPr lang="en-US" sz="1000" dirty="0" smtClean="0">
+                <a:latin typeface="Consolas" pitchFamily="49" charset="0"/>
+              </a:rPr>
+              <a:t>pa0</a:t>
+            </a:r>
+            <a:endParaRPr lang="en-US" sz="1000" dirty="0">
+              <a:latin typeface="Consolas" pitchFamily="49" charset="0"/>
+            </a:endParaRPr>
+          </a:p>
+          <a:p>
+            <a:pPr lvl="0" algn="just">
+              <a:lnSpc>
+                <a:spcPct val="94000"/>
+              </a:lnSpc>
+              <a:spcBef>
+                <a:spcPts val="1000"/>
+              </a:spcBef>
+              <a:spcAft>
+                <a:spcPts val="200"/>
+              </a:spcAft>
+            </a:pPr>
+            <a:r>
+              <a:rPr lang="en-US" sz="1000" dirty="0">
+                <a:latin typeface="Consolas" pitchFamily="49" charset="0"/>
+              </a:rPr>
+              <a:t>		GPIOA-&gt;CRL |=(3&lt;&lt;0);//output</a:t>
+            </a:r>
+          </a:p>
+          <a:p>
+            <a:pPr lvl="0" algn="just">
+              <a:lnSpc>
+                <a:spcPct val="94000"/>
+              </a:lnSpc>
+              <a:spcBef>
+                <a:spcPts val="1000"/>
+              </a:spcBef>
+              <a:spcAft>
+                <a:spcPts val="200"/>
+              </a:spcAft>
+            </a:pPr>
+            <a:r>
+              <a:rPr lang="en-US" sz="1000" dirty="0">
+                <a:latin typeface="Consolas" pitchFamily="49" charset="0"/>
+              </a:rPr>
+              <a:t>		GPIOA-&gt;CRL |=(2&lt;&lt;2);//</a:t>
+            </a:r>
+            <a:r>
+              <a:rPr lang="en-US" sz="1000" dirty="0" err="1">
+                <a:latin typeface="Consolas" pitchFamily="49" charset="0"/>
+              </a:rPr>
+              <a:t>afio</a:t>
+            </a:r>
+            <a:r>
+              <a:rPr lang="en-US" sz="1000" dirty="0">
+                <a:latin typeface="Consolas" pitchFamily="49" charset="0"/>
+              </a:rPr>
+              <a:t> output	</a:t>
+            </a:r>
+          </a:p>
+          <a:p>
+            <a:pPr lvl="0" algn="just">
+              <a:lnSpc>
+                <a:spcPct val="94000"/>
+              </a:lnSpc>
+              <a:spcBef>
+                <a:spcPts val="1000"/>
+              </a:spcBef>
+              <a:spcAft>
+                <a:spcPts val="200"/>
+              </a:spcAft>
+            </a:pPr>
+            <a:r>
+              <a:rPr lang="en-US" sz="1000" dirty="0">
+                <a:latin typeface="Consolas" pitchFamily="49" charset="0"/>
+              </a:rPr>
+              <a:t>}</a:t>
+            </a:r>
+          </a:p>
+          <a:p>
+            <a:pPr lvl="0" algn="just">
+              <a:lnSpc>
+                <a:spcPct val="94000"/>
+              </a:lnSpc>
+              <a:spcBef>
+                <a:spcPts val="1000"/>
+              </a:spcBef>
+              <a:spcAft>
+                <a:spcPts val="200"/>
+              </a:spcAft>
+            </a:pPr>
+            <a:endParaRPr lang="en-US" sz="1000" dirty="0">
+              <a:latin typeface="Consolas" pitchFamily="49" charset="0"/>
+            </a:endParaRPr>
+          </a:p>
+          <a:p>
+            <a:pPr lvl="0" algn="just">
+              <a:lnSpc>
+                <a:spcPct val="94000"/>
+              </a:lnSpc>
+              <a:spcBef>
+                <a:spcPts val="1000"/>
+              </a:spcBef>
+              <a:spcAft>
+                <a:spcPts val="200"/>
+              </a:spcAft>
+            </a:pPr>
+            <a:endParaRPr lang="en-US" sz="1000" dirty="0" smtClean="0">
+              <a:latin typeface="Consolas" pitchFamily="49" charset="0"/>
+            </a:endParaRPr>
+          </a:p>
+        </p:txBody>
+      </p:sp>
+    </p:spTree>
+    <p:extLst>
+      <p:ext uri="{BB962C8B-B14F-4D97-AF65-F5344CB8AC3E}">
+        <p14:creationId xmlns:p14="http://schemas.microsoft.com/office/powerpoint/2010/main" val="3349677931"/>
+      </p:ext>
+    </p:extLst>
+  </p:cSld>
+  <p:clrMapOvr>
+    <a:masterClrMapping/>
+  </p:clrMapOvr>
+  <p:timing>
+    <p:tnLst>
+      <p:par>
+        <p:cTn id="1" dur="indefinite" restart="never" nodeType="tmRoot"/>
+      </p:par>
+    </p:tnLst>
+  </p:timing>
+</p:sld>
+</file>
+
+<file path=ppt/slides/slide21.xml><?xml version="1.0" encoding="utf-8"?>
+<p:sld xmlns:a="http://schemas.openxmlformats.org/drawingml/2006/main" xmlns:r="http://schemas.openxmlformats.org/officeDocument/2006/relationships" xmlns:p="http://schemas.openxmlformats.org/presentationml/2006/main">
+  <p:cSld>
+    <p:spTree>
+      <p:nvGrpSpPr>
+        <p:cNvPr id="1" name=""/>
+        <p:cNvGrpSpPr/>
+        <p:nvPr/>
+      </p:nvGrpSpPr>
+      <p:grpSpPr>
+        <a:xfrm>
+          <a:off x="0" y="0"/>
+          <a:ext cx="0" cy="0"/>
+          <a:chOff x="0" y="0"/>
+          <a:chExt cx="0" cy="0"/>
+        </a:xfrm>
+      </p:grpSpPr>
+      <p:pic>
+        <p:nvPicPr>
+          <p:cNvPr id="2" name="Picture 2" descr="Azetech Solutions | LinkedIn"/>
+          <p:cNvPicPr>
+            <a:picLocks noChangeAspect="1" noChangeArrowheads="1"/>
+          </p:cNvPicPr>
+          <p:nvPr/>
+        </p:nvPicPr>
+        <p:blipFill>
+          <a:blip r:embed="rId2" cstate="print">
+            <a:extLst>
+              <a:ext uri="{28A0092B-C50C-407E-A947-70E740481C1C}">
+                <a14:useLocalDpi xmlns:a14="http://schemas.microsoft.com/office/drawing/2010/main" val="0"/>
+              </a:ext>
+            </a:extLst>
+          </a:blip>
+          <a:srcRect/>
+          <a:stretch>
+            <a:fillRect/>
+          </a:stretch>
+        </p:blipFill>
+        <p:spPr bwMode="auto">
+          <a:xfrm>
+            <a:off x="11456223" y="129648"/>
+            <a:ext cx="536848" cy="536848"/>
+          </a:xfrm>
+          <a:prstGeom prst="rect">
+            <a:avLst/>
+          </a:prstGeom>
+          <a:noFill/>
+          <a:extLst>
+            <a:ext uri="{909E8E84-426E-40DD-AFC4-6F175D3DCCD1}">
+              <a14:hiddenFill xmlns:a14="http://schemas.microsoft.com/office/drawing/2010/main">
+                <a:solidFill>
+                  <a:srgbClr val="FFFFFF"/>
+                </a:solidFill>
+              </a14:hiddenFill>
+            </a:ext>
+          </a:extLst>
+        </p:spPr>
+      </p:pic>
+      <p:sp>
+        <p:nvSpPr>
+          <p:cNvPr id="3" name="Footer Placeholder 2"/>
+          <p:cNvSpPr>
+            <a:spLocks noGrp="1"/>
+          </p:cNvSpPr>
+          <p:nvPr>
+            <p:ph type="ftr" sz="quarter" idx="11"/>
+          </p:nvPr>
+        </p:nvSpPr>
+        <p:spPr/>
+        <p:txBody>
+          <a:bodyPr/>
+          <a:lstStyle/>
+          <a:p>
+            <a:r>
+              <a:rPr lang="en-US" smtClean="0"/>
+              <a:t>Azetech Solution, Coimbatore</a:t>
+            </a:r>
+            <a:endParaRPr lang="en-US"/>
+          </a:p>
+        </p:txBody>
+      </p:sp>
+      <p:sp>
+        <p:nvSpPr>
+          <p:cNvPr id="5" name="Title 4"/>
+          <p:cNvSpPr txBox="1">
+            <a:spLocks/>
+          </p:cNvSpPr>
+          <p:nvPr/>
+        </p:nvSpPr>
+        <p:spPr>
+          <a:xfrm>
+            <a:off x="563010" y="556080"/>
             <a:ext cx="6636281" cy="611932"/>
           </a:xfrm>
           <a:prstGeom prst="rect">
@@ -4050,28 +8954,6 @@
           </a:lstStyle>
           <a:p>
             <a:pPr algn="l"/>
-            <a:r>
-              <a:rPr lang="en-US" sz="2800" b="1" dirty="0" smtClean="0">
-                <a:solidFill>
-                  <a:schemeClr val="accent1">
-                    <a:lumMod val="75000"/>
-                  </a:schemeClr>
-                </a:solidFill>
-                <a:latin typeface="Facto Bold" panose="00000800000000000000" pitchFamily="50" charset="0"/>
-              </a:rPr>
-              <a:t>What is </a:t>
-            </a:r>
-            <a:r>
-              <a:rPr lang="en-US" sz="2800" b="1" dirty="0" smtClean="0">
-                <a:solidFill>
-                  <a:schemeClr val="accent1">
-                    <a:lumMod val="75000"/>
-                  </a:schemeClr>
-                </a:solidFill>
-                <a:latin typeface="Facto Bold" panose="00000800000000000000" pitchFamily="50" charset="0"/>
-              </a:rPr>
-              <a:t>CCP</a:t>
-            </a:r>
             <a:endParaRPr lang="en-US" sz="2800" b="1" dirty="0" smtClean="0">
               <a:solidFill>
                 <a:schemeClr val="accent1">
@@ -4091,8 +8973,8 @@
         </p:nvSpPr>
         <p:spPr>
           <a:xfrm>
-            <a:off x="1182051" y="1767678"/>
-            <a:ext cx="10274172" cy="824841"/>
+            <a:off x="438150" y="129648"/>
+            <a:ext cx="11171510" cy="6194952"/>
           </a:xfrm>
           <a:prstGeom prst="rect">
             <a:avLst/>
@@ -4100,63 +8982,425 @@
           <a:noFill/>
         </p:spPr>
         <p:txBody>
-          <a:bodyPr wrap="square" rtlCol="0">
+          <a:bodyPr wrap="square" numCol="2" rtlCol="0">
             <a:spAutoFit/>
           </a:bodyPr>
           <a:lstStyle/>
           <a:p>
-            <a:pPr marL="384048" lvl="0" indent="-384048" algn="just">
-              <a:lnSpc>
-                <a:spcPct val="94000"/>
-              </a:lnSpc>
-              <a:spcBef>
-                <a:spcPts val="1000"/>
-              </a:spcBef>
-              <a:spcAft>
-                <a:spcPts val="200"/>
-              </a:spcAft>
-              <a:buFont typeface="Wingdings" panose="05000000000000000000" pitchFamily="2" charset="2"/>
-              <a:buChar char="v"/>
-            </a:pPr>
-            <a:r>
-              <a:rPr lang="en-US" sz="2000" dirty="0" smtClean="0"/>
-              <a:t>CCP Module is used for </a:t>
-            </a:r>
-            <a:r>
-              <a:rPr lang="en-US" sz="2000" dirty="0" err="1" smtClean="0"/>
-              <a:t>Capture,Compare</a:t>
-            </a:r>
-            <a:r>
-              <a:rPr lang="en-US" sz="2000" dirty="0" smtClean="0"/>
-              <a:t> and PWM Configuration</a:t>
-            </a:r>
-          </a:p>
-          <a:p>
-            <a:pPr marL="384048" lvl="0" indent="-384048" algn="just">
-              <a:lnSpc>
-                <a:spcPct val="94000"/>
-              </a:lnSpc>
-              <a:spcBef>
-                <a:spcPts val="1000"/>
-              </a:spcBef>
-              <a:spcAft>
-                <a:spcPts val="200"/>
-              </a:spcAft>
-              <a:buFont typeface="Wingdings" panose="05000000000000000000" pitchFamily="2" charset="2"/>
-              <a:buChar char="v"/>
-            </a:pPr>
-            <a:r>
-              <a:rPr lang="en-US" sz="2000" dirty="0" smtClean="0"/>
-              <a:t>It has 4 channels </a:t>
-            </a:r>
-            <a:endParaRPr lang="en-US" sz="2000" dirty="0" smtClean="0"/>
+            <a:pPr lvl="0" algn="just">
+              <a:lnSpc>
+                <a:spcPct val="94000"/>
+              </a:lnSpc>
+              <a:spcBef>
+                <a:spcPts val="1000"/>
+              </a:spcBef>
+              <a:spcAft>
+                <a:spcPts val="200"/>
+              </a:spcAft>
+            </a:pPr>
+            <a:r>
+              <a:rPr lang="en-US" sz="1400" dirty="0" smtClean="0"/>
+              <a:t>void </a:t>
+            </a:r>
+            <a:r>
+              <a:rPr lang="en-US" sz="1400" dirty="0" err="1"/>
+              <a:t>pwm_init</a:t>
+            </a:r>
+            <a:r>
+              <a:rPr lang="en-US" sz="1400" dirty="0"/>
+              <a:t>()</a:t>
+            </a:r>
+          </a:p>
+          <a:p>
+            <a:pPr lvl="0" algn="just">
+              <a:lnSpc>
+                <a:spcPct val="94000"/>
+              </a:lnSpc>
+              <a:spcBef>
+                <a:spcPts val="1000"/>
+              </a:spcBef>
+              <a:spcAft>
+                <a:spcPts val="200"/>
+              </a:spcAft>
+            </a:pPr>
+            <a:r>
+              <a:rPr lang="en-US" sz="1400" dirty="0"/>
+              <a:t>{</a:t>
+            </a:r>
+          </a:p>
+          <a:p>
+            <a:pPr lvl="0" algn="just">
+              <a:lnSpc>
+                <a:spcPct val="94000"/>
+              </a:lnSpc>
+              <a:spcBef>
+                <a:spcPts val="1000"/>
+              </a:spcBef>
+              <a:spcAft>
+                <a:spcPts val="200"/>
+              </a:spcAft>
+            </a:pPr>
+            <a:r>
+              <a:rPr lang="en-US" sz="1400" dirty="0"/>
+              <a:t>	/* Enabling clock for Timer 2*/</a:t>
+            </a:r>
+          </a:p>
+          <a:p>
+            <a:pPr lvl="0" algn="just">
+              <a:lnSpc>
+                <a:spcPct val="94000"/>
+              </a:lnSpc>
+              <a:spcBef>
+                <a:spcPts val="1000"/>
+              </a:spcBef>
+              <a:spcAft>
+                <a:spcPts val="200"/>
+              </a:spcAft>
+            </a:pPr>
+            <a:r>
+              <a:rPr lang="en-US" sz="1400" dirty="0"/>
+              <a:t>	RCC-&gt;APB1ENR = (1&lt;&lt;0);//tim2 </a:t>
+            </a:r>
+            <a:r>
+              <a:rPr lang="en-US" sz="1400" dirty="0" err="1"/>
+              <a:t>clk</a:t>
+            </a:r>
+            <a:r>
+              <a:rPr lang="en-US" sz="1400" dirty="0"/>
+              <a:t> </a:t>
+            </a:r>
+            <a:r>
+              <a:rPr lang="en-US" sz="1400" dirty="0" smtClean="0"/>
+              <a:t>enable</a:t>
+            </a:r>
+            <a:endParaRPr lang="en-US" sz="1400" dirty="0"/>
+          </a:p>
+          <a:p>
+            <a:pPr lvl="2" algn="just">
+              <a:lnSpc>
+                <a:spcPct val="94000"/>
+              </a:lnSpc>
+              <a:spcBef>
+                <a:spcPts val="1000"/>
+              </a:spcBef>
+              <a:spcAft>
+                <a:spcPts val="200"/>
+              </a:spcAft>
+            </a:pPr>
+            <a:r>
+              <a:rPr lang="en-US" sz="1400" dirty="0"/>
+              <a:t>  TIM2-&gt;ARR = 2000;   //for 2s               </a:t>
+            </a:r>
+          </a:p>
+          <a:p>
+            <a:pPr lvl="2" algn="just">
+              <a:lnSpc>
+                <a:spcPct val="94000"/>
+              </a:lnSpc>
+              <a:spcBef>
+                <a:spcPts val="1000"/>
+              </a:spcBef>
+              <a:spcAft>
+                <a:spcPts val="200"/>
+              </a:spcAft>
+            </a:pPr>
+            <a:r>
+              <a:rPr lang="en-US" sz="1400" dirty="0"/>
+              <a:t>  TIM2-&gt;PSC = 7999</a:t>
+            </a:r>
+            <a:r>
+              <a:rPr lang="en-US" sz="1400" dirty="0" smtClean="0"/>
+              <a:t>;                   </a:t>
+            </a:r>
+            <a:endParaRPr lang="en-US" sz="1400" dirty="0"/>
+          </a:p>
+          <a:p>
+            <a:pPr lvl="0" algn="just">
+              <a:lnSpc>
+                <a:spcPct val="94000"/>
+              </a:lnSpc>
+              <a:spcBef>
+                <a:spcPts val="1000"/>
+              </a:spcBef>
+              <a:spcAft>
+                <a:spcPts val="200"/>
+              </a:spcAft>
+            </a:pPr>
+            <a:r>
+              <a:rPr lang="en-US" sz="1400" dirty="0"/>
+              <a:t>	/* Output PWM Mode, ENABLE </a:t>
+            </a:r>
+            <a:r>
+              <a:rPr lang="en-US" sz="1400" dirty="0" err="1"/>
+              <a:t>Preload,PWM</a:t>
+            </a:r>
+            <a:r>
+              <a:rPr lang="en-US" sz="1400" dirty="0"/>
+              <a:t>  mode:1</a:t>
+            </a:r>
+            <a:r>
+              <a:rPr lang="en-US" sz="1400" dirty="0" smtClean="0"/>
+              <a:t>*/</a:t>
+            </a:r>
+          </a:p>
+          <a:p>
+            <a:pPr algn="just">
+              <a:lnSpc>
+                <a:spcPct val="94000"/>
+              </a:lnSpc>
+              <a:spcBef>
+                <a:spcPts val="1000"/>
+              </a:spcBef>
+              <a:spcAft>
+                <a:spcPts val="200"/>
+              </a:spcAft>
+            </a:pPr>
+            <a:r>
+              <a:rPr lang="en-US" sz="1400" dirty="0"/>
+              <a:t>	//oc1m-toggle ,OC1PE: Output PWM, 1 preload </a:t>
+            </a:r>
+            <a:r>
+              <a:rPr lang="en-US" sz="1400" dirty="0" smtClean="0"/>
+              <a:t>enable</a:t>
+            </a:r>
+            <a:endParaRPr lang="en-US" sz="1400" dirty="0"/>
+          </a:p>
+          <a:p>
+            <a:pPr lvl="2" algn="just">
+              <a:lnSpc>
+                <a:spcPct val="94000"/>
+              </a:lnSpc>
+              <a:spcBef>
+                <a:spcPts val="1000"/>
+              </a:spcBef>
+              <a:spcAft>
+                <a:spcPts val="200"/>
+              </a:spcAft>
+            </a:pPr>
+            <a:r>
+              <a:rPr lang="en-US" sz="1400" dirty="0"/>
+              <a:t>  TIM2-&gt;CCMR1  =  TIM_CCMR1_OC1PE |(6&lt;&lt;4); </a:t>
+            </a:r>
+            <a:endParaRPr lang="en-US" sz="1400" dirty="0" smtClean="0"/>
+          </a:p>
+          <a:p>
+            <a:pPr lvl="2" algn="just">
+              <a:lnSpc>
+                <a:spcPct val="94000"/>
+              </a:lnSpc>
+              <a:spcBef>
+                <a:spcPts val="1000"/>
+              </a:spcBef>
+              <a:spcAft>
+                <a:spcPts val="200"/>
+              </a:spcAft>
+            </a:pPr>
+            <a:r>
+              <a:rPr lang="en-US" sz="1400" dirty="0" smtClean="0"/>
+              <a:t>  </a:t>
+            </a:r>
+            <a:r>
+              <a:rPr lang="en-US" sz="1400" dirty="0"/>
+              <a:t>//TIM2-&gt;EGR |= TIM_EGR_UG |TIM_EGR_CC1G ; </a:t>
+            </a:r>
+          </a:p>
+          <a:p>
+            <a:pPr lvl="2" algn="just">
+              <a:lnSpc>
+                <a:spcPct val="94000"/>
+              </a:lnSpc>
+              <a:spcBef>
+                <a:spcPts val="1000"/>
+              </a:spcBef>
+              <a:spcAft>
+                <a:spcPts val="200"/>
+              </a:spcAft>
+            </a:pPr>
+            <a:r>
+              <a:rPr lang="en-US" sz="1400" dirty="0"/>
+              <a:t>  /*CC2E : channel 1 enabled; polarity : active low*/ </a:t>
+            </a:r>
+          </a:p>
+          <a:p>
+            <a:pPr lvl="2" algn="just">
+              <a:lnSpc>
+                <a:spcPct val="94000"/>
+              </a:lnSpc>
+              <a:spcBef>
+                <a:spcPts val="1000"/>
+              </a:spcBef>
+              <a:spcAft>
+                <a:spcPts val="200"/>
+              </a:spcAft>
+            </a:pPr>
+            <a:r>
+              <a:rPr lang="en-US" sz="1400" dirty="0"/>
+              <a:t>  TIM2-&gt;CCER = 0;  //</a:t>
+            </a:r>
+            <a:r>
+              <a:rPr lang="en-US" sz="1400" dirty="0" err="1"/>
+              <a:t>pwm</a:t>
+            </a:r>
+            <a:r>
+              <a:rPr lang="en-US" sz="1400" dirty="0"/>
+              <a:t> cahnnel1 </a:t>
+            </a:r>
+            <a:r>
+              <a:rPr lang="en-US" sz="1400" dirty="0" smtClean="0"/>
+              <a:t>off</a:t>
+            </a:r>
+            <a:endParaRPr lang="en-US" sz="1400" dirty="0"/>
+          </a:p>
+          <a:p>
+            <a:pPr lvl="0" algn="just">
+              <a:lnSpc>
+                <a:spcPct val="94000"/>
+              </a:lnSpc>
+              <a:spcBef>
+                <a:spcPts val="1000"/>
+              </a:spcBef>
+              <a:spcAft>
+                <a:spcPts val="200"/>
+              </a:spcAft>
+            </a:pPr>
+            <a:r>
+              <a:rPr lang="en-US" sz="1400" dirty="0"/>
+              <a:t>	TIM2-&gt;CCR1 = 1000;//50% duty </a:t>
+            </a:r>
+            <a:r>
+              <a:rPr lang="en-US" sz="1400" dirty="0" smtClean="0"/>
+              <a:t>cycle</a:t>
+            </a:r>
+            <a:endParaRPr lang="en-US" sz="1400" dirty="0"/>
+          </a:p>
+          <a:p>
+            <a:pPr lvl="2" algn="just">
+              <a:lnSpc>
+                <a:spcPct val="94000"/>
+              </a:lnSpc>
+              <a:spcBef>
+                <a:spcPts val="1000"/>
+              </a:spcBef>
+              <a:spcAft>
+                <a:spcPts val="200"/>
+              </a:spcAft>
+            </a:pPr>
+            <a:r>
+              <a:rPr lang="en-US" sz="1400" dirty="0"/>
+              <a:t>  /* Auto Reload Enable */</a:t>
+            </a:r>
+          </a:p>
+          <a:p>
+            <a:pPr lvl="2" algn="just">
+              <a:lnSpc>
+                <a:spcPct val="94000"/>
+              </a:lnSpc>
+              <a:spcBef>
+                <a:spcPts val="1000"/>
+              </a:spcBef>
+              <a:spcAft>
+                <a:spcPts val="200"/>
+              </a:spcAft>
+            </a:pPr>
+            <a:r>
+              <a:rPr lang="en-US" sz="1400" dirty="0"/>
+              <a:t>  TIM2-&gt;CR1 |= TIM_CR1_ARPE;//buffer </a:t>
+            </a:r>
+            <a:r>
+              <a:rPr lang="en-US" sz="1400" dirty="0" smtClean="0"/>
+              <a:t>enable</a:t>
+            </a:r>
+            <a:endParaRPr lang="en-US" sz="1400" dirty="0"/>
+          </a:p>
+          <a:p>
+            <a:pPr lvl="0" algn="just">
+              <a:lnSpc>
+                <a:spcPct val="94000"/>
+              </a:lnSpc>
+              <a:spcBef>
+                <a:spcPts val="1000"/>
+              </a:spcBef>
+              <a:spcAft>
+                <a:spcPts val="200"/>
+              </a:spcAft>
+            </a:pPr>
+            <a:r>
+              <a:rPr lang="en-US" sz="1400" dirty="0"/>
+              <a:t>	TIM2-&gt;CCER |= TIM_CCER_CC1E;//</a:t>
+            </a:r>
+            <a:r>
+              <a:rPr lang="en-US" sz="1400" dirty="0" err="1"/>
+              <a:t>pwm</a:t>
+            </a:r>
+            <a:r>
+              <a:rPr lang="en-US" sz="1400" dirty="0"/>
+              <a:t> </a:t>
+            </a:r>
+            <a:r>
+              <a:rPr lang="en-US" sz="1400" dirty="0" smtClean="0"/>
+              <a:t>enable</a:t>
+            </a:r>
+            <a:endParaRPr lang="en-US" sz="1400" dirty="0"/>
+          </a:p>
+          <a:p>
+            <a:pPr lvl="0" algn="just">
+              <a:lnSpc>
+                <a:spcPct val="94000"/>
+              </a:lnSpc>
+              <a:spcBef>
+                <a:spcPts val="1000"/>
+              </a:spcBef>
+              <a:spcAft>
+                <a:spcPts val="200"/>
+              </a:spcAft>
+            </a:pPr>
+            <a:r>
+              <a:rPr lang="en-US" sz="1400" dirty="0"/>
+              <a:t>	/* Enable Timer Counter */</a:t>
+            </a:r>
+          </a:p>
+          <a:p>
+            <a:pPr lvl="0" algn="just">
+              <a:lnSpc>
+                <a:spcPct val="94000"/>
+              </a:lnSpc>
+              <a:spcBef>
+                <a:spcPts val="1000"/>
+              </a:spcBef>
+              <a:spcAft>
+                <a:spcPts val="200"/>
+              </a:spcAft>
+            </a:pPr>
+            <a:r>
+              <a:rPr lang="en-US" sz="1400" dirty="0" smtClean="0"/>
+              <a:t>	  TIM2-&gt;CR1 |= TIM_CR1_CEN;   //timer on  </a:t>
+            </a:r>
+            <a:endParaRPr lang="en-US" sz="1400" dirty="0"/>
+          </a:p>
+          <a:p>
+            <a:pPr lvl="0" algn="just">
+              <a:lnSpc>
+                <a:spcPct val="94000"/>
+              </a:lnSpc>
+              <a:spcBef>
+                <a:spcPts val="1000"/>
+              </a:spcBef>
+              <a:spcAft>
+                <a:spcPts val="200"/>
+              </a:spcAft>
+            </a:pPr>
+            <a:r>
+              <a:rPr lang="en-US" sz="1400" dirty="0"/>
+              <a:t>}</a:t>
+            </a:r>
+            <a:endParaRPr lang="en-US" sz="1400" dirty="0" smtClean="0"/>
           </a:p>
         </p:txBody>
       </p:sp>
     </p:spTree>
     <p:extLst>
       <p:ext uri="{BB962C8B-B14F-4D97-AF65-F5344CB8AC3E}">
-        <p14:creationId xmlns:p14="http://schemas.microsoft.com/office/powerpoint/2010/main" val="1202735384"/>
+        <p14:creationId xmlns:p14="http://schemas.microsoft.com/office/powerpoint/2010/main" val="4107444300"/>
       </p:ext>
     </p:extLst>
   </p:cSld>
@@ -4305,8 +9549,16 @@
                 </a:solidFill>
                 <a:latin typeface="Facto Bold" panose="00000800000000000000" pitchFamily="50" charset="0"/>
               </a:rPr>
-              <a:t>STM32 Timer Classifications</a:t>
-            </a:r>
+              <a:t>Capture Mode</a:t>
+            </a:r>
+            <a:endParaRPr lang="en-US" sz="2800" b="1" dirty="0" smtClean="0">
+              <a:solidFill>
+                <a:schemeClr val="accent1">
+                  <a:lumMod val="75000"/>
+                </a:schemeClr>
+              </a:solidFill>
+              <a:latin typeface="Facto Bold" panose="00000800000000000000" pitchFamily="50" charset="0"/>
+            </a:endParaRPr>
           </a:p>
         </p:txBody>
       </p:sp>
@@ -4318,8 +9570,8 @@
         </p:nvSpPr>
         <p:spPr>
           <a:xfrm>
-            <a:off x="1003852" y="1767678"/>
-            <a:ext cx="10452371" cy="1268039"/>
+            <a:off x="715617" y="1341783"/>
+            <a:ext cx="10740606" cy="3736407"/>
           </a:xfrm>
           <a:prstGeom prst="rect">
             <a:avLst/>
@@ -4332,7 +9584,7 @@
           </a:bodyPr>
           <a:lstStyle/>
           <a:p>
-            <a:pPr marL="384048" lvl="0" indent="-384048" algn="just">
+            <a:pPr marL="384048" lvl="0" indent="-384048">
               <a:lnSpc>
                 <a:spcPct val="94000"/>
               </a:lnSpc>
@@ -4346,12 +9598,36 @@
               <a:buChar char="v"/>
             </a:pPr>
             <a:r>
-              <a:rPr lang="en-US" sz="2000" dirty="0" smtClean="0"/>
-              <a:t>Advanced Timers (TIM1 and TIM8)</a:t>
-            </a:r>
-          </a:p>
-          <a:p>
-            <a:pPr marL="384048" lvl="0" indent="-384048" algn="just">
+              <a:rPr lang="en-US" sz="2000" dirty="0"/>
+              <a:t>In Input capture mode, the Capture/Compare Registers (</a:t>
+            </a:r>
+            <a:r>
+              <a:rPr lang="en-US" sz="2000" dirty="0" err="1"/>
+              <a:t>TIMx_CCRx</a:t>
+            </a:r>
+            <a:r>
+              <a:rPr lang="en-US" sz="2000" dirty="0"/>
+              <a:t>) are used to latch the</a:t>
+            </a:r>
+            <a:br>
+              <a:rPr lang="en-US" sz="2000" dirty="0"/>
+            </a:br>
+            <a:r>
+              <a:rPr lang="en-US" sz="2000" dirty="0"/>
+              <a:t>value of the counter after a transition detected by the corresponding </a:t>
+            </a:r>
+            <a:r>
+              <a:rPr lang="en-US" sz="2000" dirty="0" err="1"/>
+              <a:t>ICx</a:t>
+            </a:r>
+            <a:r>
+              <a:rPr lang="en-US" sz="2000" dirty="0"/>
+              <a:t> signal. </a:t>
+            </a:r>
+            <a:endParaRPr lang="en-US" sz="2000" dirty="0" smtClean="0"/>
+          </a:p>
+          <a:p>
+            <a:pPr marL="384048" lvl="0" indent="-384048">
               <a:lnSpc>
                 <a:spcPct val="94000"/>
               </a:lnSpc>
@@ -4365,41 +9641,163 @@
               <a:buChar char="v"/>
             </a:pPr>
             <a:r>
-              <a:rPr lang="en-US" sz="2000" dirty="0"/>
-              <a:t>General Purpose Timers (TIM2 to TIM5 and </a:t>
-            </a:r>
-            <a:r>
               <a:rPr lang="en-US" sz="2000" dirty="0" smtClean="0"/>
-              <a:t>TIM9 </a:t>
-            </a:r>
-            <a:r>
-              <a:rPr lang="en-US" sz="2000" dirty="0"/>
-              <a:t>to </a:t>
+              <a:t>When a capture </a:t>
+            </a:r>
+            <a:r>
+              <a:rPr lang="en-US" sz="2000" dirty="0"/>
+              <a:t>occurs, the corresponding CCXIF flag (</a:t>
+            </a:r>
+            <a:r>
+              <a:rPr lang="en-US" sz="2000" dirty="0" err="1"/>
+              <a:t>TIMx_SR</a:t>
+            </a:r>
+            <a:r>
+              <a:rPr lang="en-US" sz="2000" dirty="0"/>
+              <a:t> register) is set and an interrupt or</a:t>
+            </a:r>
+            <a:br>
+              <a:rPr lang="en-US" sz="2000" dirty="0"/>
+            </a:br>
+            <a:r>
+              <a:rPr lang="en-US" sz="2000" dirty="0"/>
+              <a:t>a DMA request can be sent if they are enabled. If a capture occurs while the </a:t>
+            </a:r>
+            <a:r>
+              <a:rPr lang="en-US" sz="2000" dirty="0" err="1"/>
+              <a:t>CCxIF</a:t>
+            </a:r>
+            <a:r>
+              <a:rPr lang="en-US" sz="2000" dirty="0"/>
+              <a:t> flag </a:t>
             </a:r>
             <a:r>
               <a:rPr lang="en-US" sz="2000" dirty="0" smtClean="0"/>
-              <a:t>TIM14)</a:t>
-            </a:r>
-            <a:endParaRPr lang="en-US" sz="2000" dirty="0"/>
-          </a:p>
-          <a:p>
-            <a:pPr marL="384048" lvl="0" indent="-384048" algn="just">
-              <a:lnSpc>
-                <a:spcPct val="94000"/>
-              </a:lnSpc>
-              <a:spcBef>
-                <a:spcPts val="1000"/>
-              </a:spcBef>
-              <a:spcAft>
-                <a:spcPts val="200"/>
-              </a:spcAft>
-              <a:buFont typeface="Wingdings" panose="05000000000000000000" pitchFamily="2" charset="2"/>
-              <a:buChar char="v"/>
-            </a:pPr>
+              <a:t>was already </a:t>
+            </a:r>
+            <a:r>
+              <a:rPr lang="en-US" sz="2000" dirty="0"/>
+              <a:t>high, then the over-capture flag </a:t>
+            </a:r>
+            <a:r>
+              <a:rPr lang="en-US" sz="2000" dirty="0" err="1"/>
+              <a:t>CCxOF</a:t>
+            </a:r>
+            <a:r>
+              <a:rPr lang="en-US" sz="2000" dirty="0"/>
+              <a:t> (</a:t>
+            </a:r>
+            <a:r>
+              <a:rPr lang="en-US" sz="2000" dirty="0" err="1"/>
+              <a:t>TIMx_SR</a:t>
+            </a:r>
+            <a:r>
+              <a:rPr lang="en-US" sz="2000" dirty="0"/>
+              <a:t> register) is set. </a:t>
+            </a:r>
+            <a:r>
+              <a:rPr lang="en-US" sz="2000" dirty="0" err="1"/>
+              <a:t>CCxIF</a:t>
+            </a:r>
+            <a:r>
+              <a:rPr lang="en-US" sz="2000" dirty="0"/>
+              <a:t> can </a:t>
+            </a:r>
             <a:r>
               <a:rPr lang="en-US" sz="2000" dirty="0" smtClean="0"/>
-              <a:t>Basic Timers(TIM6 and TIM7)</a:t>
-            </a:r>
+              <a:t>be cleared </a:t>
+            </a:r>
+            <a:r>
+              <a:rPr lang="en-US" sz="2000" dirty="0"/>
+              <a:t>by software by writing it to 0 or by reading the captured data stored in </a:t>
+            </a:r>
+            <a:r>
+              <a:rPr lang="en-US" sz="2000" dirty="0" smtClean="0"/>
+              <a:t>the </a:t>
+            </a:r>
+            <a:r>
+              <a:rPr lang="en-US" sz="2000" dirty="0" err="1" smtClean="0"/>
+              <a:t>TIMx_CCRx</a:t>
+            </a:r>
+            <a:r>
+              <a:rPr lang="en-US" sz="2000" dirty="0" smtClean="0"/>
+              <a:t> </a:t>
+            </a:r>
+            <a:r>
+              <a:rPr lang="en-US" sz="2000" dirty="0"/>
+              <a:t>register. </a:t>
+            </a:r>
+            <a:r>
+              <a:rPr lang="en-US" sz="2000" dirty="0" err="1"/>
+              <a:t>CCxOF</a:t>
+            </a:r>
+            <a:r>
+              <a:rPr lang="en-US" sz="2000" dirty="0"/>
+              <a:t> is </a:t>
+            </a:r>
+            <a:r>
+              <a:rPr lang="en-US" sz="2000" dirty="0" smtClean="0"/>
+              <a:t> </a:t>
+            </a:r>
+            <a:r>
+              <a:rPr lang="en-US" sz="2000" dirty="0" err="1" smtClean="0"/>
+              <a:t>leared</a:t>
+            </a:r>
+            <a:r>
+              <a:rPr lang="en-US" sz="2000" dirty="0" smtClean="0"/>
+              <a:t> </a:t>
+            </a:r>
+            <a:r>
+              <a:rPr lang="en-US" sz="2000" dirty="0"/>
+              <a:t>when written to 0.</a:t>
+            </a:r>
+            <a:r>
+              <a:rPr lang="en-US" sz="2000" dirty="0"/>
+              <a:t> </a:t>
+            </a:r>
+            <a:endParaRPr lang="en-US" sz="2000" dirty="0" smtClean="0"/>
+          </a:p>
+          <a:p>
+            <a:pPr lvl="0">
+              <a:lnSpc>
+                <a:spcPct val="94000"/>
+              </a:lnSpc>
+              <a:spcBef>
+                <a:spcPts val="1000"/>
+              </a:spcBef>
+              <a:spcAft>
+                <a:spcPts val="200"/>
+              </a:spcAft>
+            </a:pPr>
+            <a:r>
+              <a:rPr lang="en-US" sz="2000" dirty="0"/>
+              <a:t/>
+            </a:r>
+            <a:br>
+              <a:rPr lang="en-US" sz="2000" dirty="0"/>
+            </a:br>
+            <a:endParaRPr lang="en-US" sz="2000" dirty="0" smtClean="0"/>
+          </a:p>
+          <a:p>
+            <a:pPr lvl="0">
+              <a:lnSpc>
+                <a:spcPct val="94000"/>
+              </a:lnSpc>
+              <a:spcBef>
+                <a:spcPts val="1000"/>
+              </a:spcBef>
+              <a:spcAft>
+                <a:spcPts val="200"/>
+              </a:spcAft>
+            </a:pPr>
+            <a:r>
+              <a:rPr lang="en-US" sz="2000" dirty="0"/>
+              <a:t/>
+            </a:r>
+            <a:br>
+              <a:rPr lang="en-US" sz="2000" dirty="0"/>
+            </a:br>
+            <a:endParaRPr lang="en-US" sz="2000" dirty="0" smtClean="0"/>
           </a:p>
         </p:txBody>
       </p:sp>
@@ -4546,17 +9944,14 @@
           </a:lstStyle>
           <a:p>
             <a:pPr algn="l"/>
-            <a:r>
-              <a:rPr lang="en-US" sz="2800" b="1" dirty="0" smtClean="0">
-                <a:solidFill>
-                  <a:schemeClr val="accent1">
-                    <a:lumMod val="75000"/>
-                  </a:schemeClr>
-                </a:solidFill>
-                <a:latin typeface="Facto Bold" panose="00000800000000000000" pitchFamily="50" charset="0"/>
-              </a:rPr>
-              <a:t>STM32 Timer Classifications</a:t>
-            </a:r>
+            <a:endParaRPr lang="en-US" sz="2800" b="1" dirty="0" smtClean="0">
+              <a:solidFill>
+                <a:schemeClr val="accent1">
+                  <a:lumMod val="75000"/>
+                </a:schemeClr>
+              </a:solidFill>
+              <a:latin typeface="Facto Bold" panose="00000800000000000000" pitchFamily="50" charset="0"/>
+            </a:endParaRPr>
           </a:p>
         </p:txBody>
       </p:sp>
@@ -4568,8 +9963,8 @@
         </p:nvSpPr>
         <p:spPr>
           <a:xfrm>
-            <a:off x="1003852" y="1767678"/>
-            <a:ext cx="10452371" cy="1268039"/>
+            <a:off x="563010" y="771525"/>
+            <a:ext cx="9982408" cy="5548827"/>
           </a:xfrm>
           <a:prstGeom prst="rect">
             <a:avLst/>
@@ -4582,74 +9977,373 @@
           </a:bodyPr>
           <a:lstStyle/>
           <a:p>
-            <a:pPr marL="384048" lvl="0" indent="-384048" algn="just">
-              <a:lnSpc>
-                <a:spcPct val="94000"/>
-              </a:lnSpc>
-              <a:spcBef>
-                <a:spcPts val="1000"/>
-              </a:spcBef>
-              <a:spcAft>
-                <a:spcPts val="200"/>
-              </a:spcAft>
-              <a:buFont typeface="Wingdings" panose="05000000000000000000" pitchFamily="2" charset="2"/>
-              <a:buChar char="v"/>
-            </a:pPr>
-            <a:r>
-              <a:rPr lang="en-US" sz="2000" dirty="0" smtClean="0"/>
-              <a:t>Advanced Timers (TIM1 and TIM8)</a:t>
-            </a:r>
-          </a:p>
-          <a:p>
-            <a:pPr marL="384048" lvl="0" indent="-384048" algn="just">
-              <a:lnSpc>
-                <a:spcPct val="94000"/>
-              </a:lnSpc>
-              <a:spcBef>
-                <a:spcPts val="1000"/>
-              </a:spcBef>
-              <a:spcAft>
-                <a:spcPts val="200"/>
-              </a:spcAft>
-              <a:buFont typeface="Wingdings" panose="05000000000000000000" pitchFamily="2" charset="2"/>
-              <a:buChar char="v"/>
-            </a:pPr>
-            <a:r>
-              <a:rPr lang="en-US" sz="2000" dirty="0"/>
-              <a:t>General Purpose Timers (TIM2 to TIM5 and </a:t>
-            </a:r>
-            <a:r>
-              <a:rPr lang="en-US" sz="2000" dirty="0" smtClean="0"/>
-              <a:t>TIM9 </a:t>
-            </a:r>
-            <a:r>
-              <a:rPr lang="en-US" sz="2000" dirty="0"/>
-              <a:t>to </a:t>
-            </a:r>
-            <a:r>
-              <a:rPr lang="en-US" sz="2000" dirty="0" smtClean="0"/>
-              <a:t>TIM14)</a:t>
-            </a:r>
-            <a:endParaRPr lang="en-US" sz="2000" dirty="0"/>
-          </a:p>
-          <a:p>
-            <a:pPr marL="384048" lvl="0" indent="-384048" algn="just">
-              <a:lnSpc>
-                <a:spcPct val="94000"/>
-              </a:lnSpc>
-              <a:spcBef>
-                <a:spcPts val="1000"/>
-              </a:spcBef>
-              <a:spcAft>
-                <a:spcPts val="200"/>
-              </a:spcAft>
-              <a:buFont typeface="Wingdings" panose="05000000000000000000" pitchFamily="2" charset="2"/>
-              <a:buChar char="v"/>
-            </a:pPr>
-            <a:r>
-              <a:rPr lang="en-US" sz="2000" dirty="0" smtClean="0"/>
-              <a:t>Basic Timers(TIM6 and TIM7)</a:t>
-            </a:r>
+            <a:pPr lvl="0">
+              <a:lnSpc>
+                <a:spcPct val="94000"/>
+              </a:lnSpc>
+              <a:spcBef>
+                <a:spcPts val="1000"/>
+              </a:spcBef>
+              <a:spcAft>
+                <a:spcPts val="200"/>
+              </a:spcAft>
+            </a:pPr>
+            <a:r>
+              <a:rPr lang="en-US" dirty="0"/>
+              <a:t>The following example shows how to capture the counter value in TIMx_CCR1 when TI1</a:t>
+            </a:r>
+            <a:br>
+              <a:rPr lang="en-US" dirty="0"/>
+            </a:br>
+            <a:r>
+              <a:rPr lang="en-US" dirty="0"/>
+              <a:t>input rises. To do this, use the following </a:t>
+            </a:r>
+            <a:r>
+              <a:rPr lang="en-US" dirty="0" smtClean="0"/>
+              <a:t>procedure:</a:t>
+            </a:r>
+          </a:p>
+          <a:p>
+            <a:pPr marL="342900" lvl="0" indent="-342900">
+              <a:lnSpc>
+                <a:spcPct val="94000"/>
+              </a:lnSpc>
+              <a:spcBef>
+                <a:spcPts val="1000"/>
+              </a:spcBef>
+              <a:spcAft>
+                <a:spcPts val="200"/>
+              </a:spcAft>
+              <a:buFont typeface="Arial" pitchFamily="34" charset="0"/>
+              <a:buChar char="•"/>
+            </a:pPr>
+            <a:r>
+              <a:rPr lang="en-US" dirty="0" smtClean="0"/>
+              <a:t>Select </a:t>
+            </a:r>
+            <a:r>
+              <a:rPr lang="en-US" dirty="0"/>
+              <a:t>the active input: TIMx_CCR1 must be linked to the TI1 input, so write the CC1S</a:t>
+            </a:r>
+            <a:br>
+              <a:rPr lang="en-US" dirty="0"/>
+            </a:br>
+            <a:r>
+              <a:rPr lang="en-US" dirty="0"/>
+              <a:t>bits to 01 in the TIMx_CCMR1 register. As soon as CC1S becomes different from 00,</a:t>
+            </a:r>
+            <a:br>
+              <a:rPr lang="en-US" dirty="0"/>
+            </a:br>
+            <a:r>
+              <a:rPr lang="en-US" dirty="0"/>
+              <a:t>the channel is configured in input and the TIMx_CCR1 register becomes read-only</a:t>
+            </a:r>
+            <a:r>
+              <a:rPr lang="en-US" dirty="0" smtClean="0"/>
+              <a:t>.</a:t>
+            </a:r>
+          </a:p>
+          <a:p>
+            <a:pPr marL="342900" lvl="0" indent="-342900">
+              <a:lnSpc>
+                <a:spcPct val="94000"/>
+              </a:lnSpc>
+              <a:spcBef>
+                <a:spcPts val="1000"/>
+              </a:spcBef>
+              <a:spcAft>
+                <a:spcPts val="200"/>
+              </a:spcAft>
+              <a:buFont typeface="Arial" pitchFamily="34" charset="0"/>
+              <a:buChar char="•"/>
+            </a:pPr>
+            <a:r>
+              <a:rPr lang="en-US" dirty="0" smtClean="0"/>
+              <a:t>Program </a:t>
+            </a:r>
+            <a:r>
+              <a:rPr lang="en-US" dirty="0"/>
+              <a:t>the needed input filter duration with respect to the signal connected to the</a:t>
+            </a:r>
+            <a:br>
+              <a:rPr lang="en-US" dirty="0"/>
+            </a:br>
+            <a:r>
+              <a:rPr lang="en-US" dirty="0"/>
+              <a:t>timer (by programming the </a:t>
+            </a:r>
+            <a:r>
+              <a:rPr lang="en-US" dirty="0" err="1"/>
+              <a:t>ICxF</a:t>
+            </a:r>
+            <a:r>
+              <a:rPr lang="en-US" dirty="0"/>
+              <a:t> bits in the </a:t>
+            </a:r>
+            <a:r>
+              <a:rPr lang="en-US" dirty="0" err="1"/>
+              <a:t>TIMx_CCMRx</a:t>
+            </a:r>
+            <a:r>
+              <a:rPr lang="en-US" dirty="0"/>
+              <a:t> register if the input is one of</a:t>
+            </a:r>
+            <a:br>
+              <a:rPr lang="en-US" dirty="0"/>
+            </a:br>
+            <a:r>
+              <a:rPr lang="en-US" dirty="0"/>
+              <a:t>the </a:t>
+            </a:r>
+            <a:r>
+              <a:rPr lang="en-US" dirty="0" err="1"/>
+              <a:t>TIx</a:t>
+            </a:r>
+            <a:r>
+              <a:rPr lang="en-US" dirty="0"/>
+              <a:t> inputs). Let’s imagine that, when toggling, the input signal is not stable during at</a:t>
+            </a:r>
+            <a:br>
+              <a:rPr lang="en-US" dirty="0"/>
+            </a:br>
+            <a:r>
+              <a:rPr lang="en-US" dirty="0"/>
+              <a:t>must five internal clock cycles. We must program a filter duration longer than these five</a:t>
+            </a:r>
+            <a:br>
+              <a:rPr lang="en-US" dirty="0"/>
+            </a:br>
+            <a:r>
+              <a:rPr lang="en-US" dirty="0"/>
+              <a:t>clock cycles. We can validate a transition on TI1 when eight consecutive samples with</a:t>
+            </a:r>
+            <a:br>
+              <a:rPr lang="en-US" dirty="0"/>
+            </a:br>
+            <a:r>
+              <a:rPr lang="en-US" dirty="0"/>
+              <a:t>the new level have been detected (sampled at </a:t>
+            </a:r>
+            <a:r>
+              <a:rPr lang="en-US" dirty="0" err="1"/>
+              <a:t>fDTS</a:t>
+            </a:r>
+            <a:r>
+              <a:rPr lang="en-US" dirty="0"/>
+              <a:t> frequency). Then write IC1F bits to</a:t>
+            </a:r>
+            <a:br>
+              <a:rPr lang="en-US" dirty="0"/>
+            </a:br>
+            <a:r>
+              <a:rPr lang="en-US" dirty="0"/>
+              <a:t>0011 in the TIMx_CCMR1 register</a:t>
+            </a:r>
+            <a:r>
+              <a:rPr lang="en-US" dirty="0" smtClean="0"/>
+              <a:t>.</a:t>
+            </a:r>
+          </a:p>
+          <a:p>
+            <a:pPr marL="342900" lvl="0" indent="-342900">
+              <a:lnSpc>
+                <a:spcPct val="94000"/>
+              </a:lnSpc>
+              <a:spcBef>
+                <a:spcPts val="1000"/>
+              </a:spcBef>
+              <a:spcAft>
+                <a:spcPts val="200"/>
+              </a:spcAft>
+              <a:buFont typeface="Arial" pitchFamily="34" charset="0"/>
+              <a:buChar char="•"/>
+            </a:pPr>
+            <a:r>
+              <a:rPr lang="en-US" dirty="0" smtClean="0"/>
+              <a:t>Select </a:t>
+            </a:r>
+            <a:r>
+              <a:rPr lang="en-US" dirty="0"/>
+              <a:t>the edge of the active transition on the TI1 channel by writing the CC1P bit to 0</a:t>
+            </a:r>
+            <a:br>
+              <a:rPr lang="en-US" dirty="0"/>
+            </a:br>
+            <a:r>
+              <a:rPr lang="en-US" dirty="0"/>
+              <a:t>in the </a:t>
+            </a:r>
+            <a:r>
+              <a:rPr lang="en-US" dirty="0" err="1"/>
+              <a:t>TIMx_CCER</a:t>
+            </a:r>
+            <a:r>
+              <a:rPr lang="en-US" dirty="0"/>
+              <a:t> register (rising edge in this case</a:t>
+            </a:r>
+            <a:r>
+              <a:rPr lang="en-US" dirty="0" smtClean="0"/>
+              <a:t>).</a:t>
+            </a:r>
+          </a:p>
+          <a:p>
+            <a:pPr marL="342900" lvl="0" indent="-342900">
+              <a:lnSpc>
+                <a:spcPct val="94000"/>
+              </a:lnSpc>
+              <a:spcBef>
+                <a:spcPts val="1000"/>
+              </a:spcBef>
+              <a:spcAft>
+                <a:spcPts val="200"/>
+              </a:spcAft>
+              <a:buFont typeface="Arial" pitchFamily="34" charset="0"/>
+              <a:buChar char="•"/>
+            </a:pPr>
+            <a:r>
+              <a:rPr lang="en-US" dirty="0" smtClean="0"/>
+              <a:t>Program </a:t>
+            </a:r>
+            <a:r>
+              <a:rPr lang="en-US" dirty="0"/>
+              <a:t>the input </a:t>
+            </a:r>
+            <a:r>
+              <a:rPr lang="en-US" dirty="0" err="1"/>
+              <a:t>prescaler</a:t>
+            </a:r>
+            <a:r>
+              <a:rPr lang="en-US" dirty="0"/>
+              <a:t>. In our example, we wish the capture to be performed at</a:t>
+            </a:r>
+            <a:br>
+              <a:rPr lang="en-US" dirty="0"/>
+            </a:br>
+            <a:r>
+              <a:rPr lang="en-US" dirty="0"/>
+              <a:t>each valid transition, so the </a:t>
+            </a:r>
+            <a:r>
+              <a:rPr lang="en-US" dirty="0" err="1"/>
+              <a:t>prescaler</a:t>
+            </a:r>
+            <a:r>
+              <a:rPr lang="en-US" dirty="0"/>
+              <a:t> is disabled (write IC1PS bits to 00 in </a:t>
+            </a:r>
+            <a:r>
+              <a:rPr lang="en-US" dirty="0" smtClean="0"/>
+              <a:t>the TIMx_CCMR1 </a:t>
+            </a:r>
+            <a:r>
+              <a:rPr lang="en-US" dirty="0"/>
+              <a:t>register</a:t>
+            </a:r>
+            <a:r>
+              <a:rPr lang="en-US" dirty="0" smtClean="0"/>
+              <a:t>).</a:t>
+            </a:r>
+          </a:p>
+          <a:p>
+            <a:pPr marL="342900" lvl="0" indent="-342900">
+              <a:lnSpc>
+                <a:spcPct val="94000"/>
+              </a:lnSpc>
+              <a:spcBef>
+                <a:spcPts val="1000"/>
+              </a:spcBef>
+              <a:spcAft>
+                <a:spcPts val="200"/>
+              </a:spcAft>
+              <a:buFont typeface="Arial" pitchFamily="34" charset="0"/>
+              <a:buChar char="•"/>
+            </a:pPr>
+            <a:r>
+              <a:rPr lang="en-US" dirty="0" smtClean="0"/>
+              <a:t>Enable </a:t>
+            </a:r>
+            <a:r>
+              <a:rPr lang="en-US" dirty="0"/>
+              <a:t>capture from the counter into the capture register by setting the CC1E bit in the</a:t>
+            </a:r>
+            <a:br>
+              <a:rPr lang="en-US" dirty="0"/>
+            </a:br>
+            <a:r>
+              <a:rPr lang="en-US" dirty="0" err="1"/>
+              <a:t>TIMx_CCER</a:t>
+            </a:r>
+            <a:r>
+              <a:rPr lang="en-US" dirty="0"/>
+              <a:t> register.</a:t>
+            </a:r>
+            <a:endParaRPr lang="en-US" dirty="0" smtClean="0"/>
+          </a:p>
+        </p:txBody>
+      </p:sp>
+      <p:sp>
+        <p:nvSpPr>
+          <p:cNvPr id="7" name="Title 4"/>
+          <p:cNvSpPr txBox="1">
+            <a:spLocks/>
+          </p:cNvSpPr>
+          <p:nvPr/>
+        </p:nvSpPr>
+        <p:spPr>
+          <a:xfrm>
+            <a:off x="428625" y="129648"/>
+            <a:ext cx="9820275" cy="519182"/>
+          </a:xfrm>
+          <a:prstGeom prst="rect">
+            <a:avLst/>
+          </a:prstGeom>
+        </p:spPr>
+        <p:txBody>
+          <a:bodyPr vert="horz" lIns="91440" tIns="45720" rIns="91440" bIns="45720" rtlCol="0" anchor="b">
+            <a:noAutofit/>
+          </a:bodyPr>
+          <a:lstStyle>
+            <a:lvl1pPr algn="ctr" defTabSz="914400" rtl="0" eaLnBrk="1" latinLnBrk="0" hangingPunct="1">
+              <a:lnSpc>
+                <a:spcPct val="90000"/>
+              </a:lnSpc>
+              <a:spcBef>
+                <a:spcPct val="0"/>
+              </a:spcBef>
+              <a:buNone/>
+              <a:defRPr sz="6000" kern="1200">
+                <a:solidFill>
+                  <a:schemeClr val="tx1"/>
+                </a:solidFill>
+                <a:latin typeface="+mj-lt"/>
+                <a:ea typeface="+mj-ea"/>
+                <a:cs typeface="+mj-cs"/>
+              </a:defRPr>
+            </a:lvl1pPr>
+          </a:lstStyle>
+          <a:p>
+            <a:pPr algn="l"/>
+            <a:r>
+              <a:rPr lang="en-US" sz="2800" b="1" dirty="0" smtClean="0">
+                <a:solidFill>
+                  <a:schemeClr val="accent1">
+                    <a:lumMod val="75000"/>
+                  </a:schemeClr>
+                </a:solidFill>
+                <a:latin typeface="Facto Bold" panose="00000800000000000000" pitchFamily="50" charset="0"/>
+              </a:rPr>
+              <a:t>Procedure</a:t>
+            </a:r>
+            <a:endParaRPr lang="en-US" sz="2800" b="1" dirty="0" smtClean="0">
+              <a:solidFill>
+                <a:schemeClr val="accent1">
+                  <a:lumMod val="75000"/>
+                </a:schemeClr>
+              </a:solidFill>
+              <a:latin typeface="Facto Bold" panose="00000800000000000000" pitchFamily="50" charset="0"/>
+            </a:endParaRPr>
           </a:p>
         </p:txBody>
       </p:sp>
@@ -4805,104 +10499,49 @@
                 </a:solidFill>
                 <a:latin typeface="Facto Bold" panose="00000800000000000000" pitchFamily="50" charset="0"/>
               </a:rPr>
-              <a:t>STM32 Timer Classifications</a:t>
-            </a:r>
+              <a:t>Capture Block Diagram</a:t>
+            </a:r>
+            <a:endParaRPr lang="en-US" sz="2800" b="1" dirty="0" smtClean="0">
+              <a:solidFill>
+                <a:schemeClr val="accent1">
+                  <a:lumMod val="75000"/>
+                </a:schemeClr>
+              </a:solidFill>
+              <a:latin typeface="Facto Bold" panose="00000800000000000000" pitchFamily="50" charset="0"/>
+            </a:endParaRPr>
           </a:p>
         </p:txBody>
       </p:sp>
-      <p:sp>
-        <p:nvSpPr>
-          <p:cNvPr id="6" name="TextBox 5"/>
-          <p:cNvSpPr txBox="1"/>
+      <p:pic>
+        <p:nvPicPr>
+          <p:cNvPr id="4" name="Picture 3"/>
+          <p:cNvPicPr>
+            <a:picLocks noChangeAspect="1"/>
+          </p:cNvPicPr>
           <p:nvPr/>
-        </p:nvSpPr>
+        </p:nvPicPr>
+        <p:blipFill>
+          <a:blip r:embed="rId3">
+            <a:extLst>
+              <a:ext uri="{28A0092B-C50C-407E-A947-70E740481C1C}">
+                <a14:useLocalDpi xmlns:a14="http://schemas.microsoft.com/office/drawing/2010/main" val="0"/>
+              </a:ext>
+            </a:extLst>
+          </a:blip>
+          <a:stretch>
+            <a:fillRect/>
+          </a:stretch>
+        </p:blipFill>
         <p:spPr>
           <a:xfrm>
-            <a:off x="1003852" y="1767678"/>
-            <a:ext cx="10452371" cy="1268039"/>
+            <a:off x="1858747" y="1458721"/>
+            <a:ext cx="7104278" cy="3482261"/>
           </a:xfrm>
           <a:prstGeom prst="rect">
             <a:avLst/>
           </a:prstGeom>
-          <a:noFill/>
         </p:spPr>
-        <p:txBody>
-          <a:bodyPr wrap="square" rtlCol="0">
-            <a:spAutoFit/>
-          </a:bodyPr>
-          <a:lstStyle/>
-          <a:p>
-            <a:pPr marL="384048" lvl="0" indent="-384048" algn="just">
-              <a:lnSpc>
-                <a:spcPct val="94000"/>
-              </a:lnSpc>
-              <a:spcBef>
-                <a:spcPts val="1000"/>
-              </a:spcBef>
-              <a:spcAft>
-                <a:spcPts val="200"/>
-              </a:spcAft>
-              <a:buFont typeface="Wingdings" panose="05000000000000000000" pitchFamily="2" charset="2"/>
-              <a:buChar char="v"/>
-            </a:pPr>
-            <a:r>
-              <a:rPr lang="en-US" sz="2000" dirty="0" smtClean="0"/>
-              <a:t>Advanced Timers (TIM1 and TIM8)</a:t>
-            </a:r>
-          </a:p>
-          <a:p>
-            <a:pPr marL="384048" lvl="0" indent="-384048" algn="just">
-              <a:lnSpc>
-                <a:spcPct val="94000"/>
-              </a:lnSpc>
-              <a:spcBef>
-                <a:spcPts val="1000"/>
-              </a:spcBef>
-              <a:spcAft>
-                <a:spcPts val="200"/>
-              </a:spcAft>
-              <a:buFont typeface="Wingdings" panose="05000000000000000000" pitchFamily="2" charset="2"/>
-              <a:buChar char="v"/>
-            </a:pPr>
-            <a:r>
-              <a:rPr lang="en-US" sz="2000" dirty="0"/>
-              <a:t>General Purpose Timers (TIM2 to TIM5 and </a:t>
-            </a:r>
-            <a:r>
-              <a:rPr lang="en-US" sz="2000" dirty="0" smtClean="0"/>
-              <a:t>TIM9 </a:t>
-            </a:r>
-            <a:r>
-              <a:rPr lang="en-US" sz="2000" dirty="0"/>
-              <a:t>to </a:t>
-            </a:r>
-            <a:r>
-              <a:rPr lang="en-US" sz="2000" dirty="0" smtClean="0"/>
-              <a:t>TIM14)</a:t>
-            </a:r>
-            <a:endParaRPr lang="en-US" sz="2000" dirty="0"/>
-          </a:p>
-          <a:p>
-            <a:pPr marL="384048" lvl="0" indent="-384048" algn="just">
-              <a:lnSpc>
-                <a:spcPct val="94000"/>
-              </a:lnSpc>
-              <a:spcBef>
-                <a:spcPts val="1000"/>
-              </a:spcBef>
-              <a:spcAft>
-                <a:spcPts val="200"/>
-              </a:spcAft>
-              <a:buFont typeface="Wingdings" panose="05000000000000000000" pitchFamily="2" charset="2"/>
-              <a:buChar char="v"/>
-            </a:pPr>
-            <a:r>
-              <a:rPr lang="en-US" sz="2000" dirty="0" smtClean="0"/>
-              <a:t>Basic Timers(TIM6 and TIM7)</a:t>
-            </a:r>
-          </a:p>
-        </p:txBody>
-      </p:sp>
+      </p:pic>
     </p:spTree>
     <p:extLst>
       <p:ext uri="{BB962C8B-B14F-4D97-AF65-F5344CB8AC3E}">
@@ -5015,7 +10654,7 @@
         <p:spPr>
           <a:xfrm>
             <a:off x="563010" y="556080"/>
-            <a:ext cx="6636281" cy="611932"/>
+            <a:ext cx="9863138" cy="611932"/>
           </a:xfrm>
           <a:prstGeom prst="rect">
             <a:avLst/>
@@ -5055,8 +10694,16 @@
                 </a:solidFill>
                 <a:latin typeface="Facto Bold" panose="00000800000000000000" pitchFamily="50" charset="0"/>
               </a:rPr>
-              <a:t>STM32 Timer Classifications</a:t>
-            </a:r>
+              <a:t>CCP Registers-each 16bit Register</a:t>
+            </a:r>
+            <a:endParaRPr lang="en-US" sz="2800" b="1" dirty="0" smtClean="0">
+              <a:solidFill>
+                <a:schemeClr val="accent1">
+                  <a:lumMod val="75000"/>
+                </a:schemeClr>
+              </a:solidFill>
+              <a:latin typeface="Facto Bold" panose="00000800000000000000" pitchFamily="50" charset="0"/>
+            </a:endParaRPr>
           </a:p>
         </p:txBody>
       </p:sp>
@@ -5068,8 +10715,8 @@
         </p:nvSpPr>
         <p:spPr>
           <a:xfrm>
-            <a:off x="1003852" y="1767678"/>
-            <a:ext cx="10452371" cy="1268039"/>
+            <a:off x="815008" y="1549017"/>
+            <a:ext cx="10452371" cy="2154436"/>
           </a:xfrm>
           <a:prstGeom prst="rect">
             <a:avLst/>
@@ -5097,7 +10744,11 @@
             </a:pPr>
             <a:r>
               <a:rPr lang="en-US" sz="2000" dirty="0" smtClean="0"/>
-              <a:t>Advanced Timers (TIM1 and TIM8)</a:t>
+              <a:t>TIMx_CR</a:t>
+            </a:r>
+            <a:r>
+              <a:rPr lang="en-US" sz="2000" dirty="0" smtClean="0"/>
+              <a:t>1 		- Timer Control Register</a:t>
             </a:r>
           </a:p>
           <a:p>
@@ -5115,22 +10766,13 @@
               <a:buChar char="v"/>
             </a:pPr>
             <a:r>
-              <a:rPr lang="en-US" sz="2000" dirty="0"/>
-              <a:t>General Purpose Timers (TIM2 to TIM5 and </a:t>
+              <a:rPr lang="en-US" sz="2000" dirty="0" err="1" smtClean="0"/>
+              <a:t>TIMx_SR</a:t>
             </a:r>
             <a:r>
               <a:rPr lang="en-US" sz="2000" dirty="0" smtClean="0"/>
-              <a:t>TIM9 </a:t>
-            </a:r>
-            <a:r>
-              <a:rPr lang="en-US" sz="2000" dirty="0"/>
-              <a:t>to </a:t>
-            </a:r>
-            <a:r>
-              <a:rPr lang="en-US" sz="2000" dirty="0" smtClean="0"/>
-              <a:t>TIM14)</a:t>
-            </a:r>
-            <a:endParaRPr lang="en-US" sz="2000" dirty="0"/>
+              <a:t>		-Timer Status Register</a:t>
+            </a:r>
           </a:p>
           <a:p>
             <a:pPr marL="384048" lvl="0" indent="-384048" algn="just">
@@ -5148,15 +10790,74 @@
             </a:pPr>
             <a:r>
               <a:rPr lang="en-US" sz="2000" dirty="0" smtClean="0"/>
-              <a:t>Basic Timers(TIM6 and TIM7)</a:t>
-            </a:r>
+              <a:t>TIMx_CCMR1		-Timer  Capture/Compare Mode Register</a:t>
+            </a:r>
+          </a:p>
+          <a:p>
+            <a:pPr marL="384048" indent="-384048" algn="just">
+              <a:lnSpc>
+                <a:spcPct val="94000"/>
+              </a:lnSpc>
+              <a:spcBef>
+                <a:spcPts val="1000"/>
+              </a:spcBef>
+              <a:spcAft>
+                <a:spcPts val="200"/>
+              </a:spcAft>
+              <a:buFont typeface="Wingdings" panose="05000000000000000000" pitchFamily="2" charset="2"/>
+              <a:buChar char="v"/>
+            </a:pPr>
+            <a:r>
+              <a:rPr lang="en-US" sz="2000" dirty="0" err="1" smtClean="0"/>
+              <a:t>TIMx_CCER</a:t>
+            </a:r>
+            <a:r>
+              <a:rPr lang="en-US" sz="2000" dirty="0" smtClean="0"/>
+              <a:t>		-</a:t>
+            </a:r>
+            <a:r>
+              <a:rPr lang="en-US" sz="2000" dirty="0"/>
+              <a:t>Timer  Capture/Compare </a:t>
+            </a:r>
+            <a:r>
+              <a:rPr lang="en-US" sz="2000" dirty="0" smtClean="0"/>
+              <a:t>Enable Register</a:t>
+            </a:r>
+          </a:p>
+          <a:p>
+            <a:pPr marL="384048" indent="-384048" algn="just">
+              <a:lnSpc>
+                <a:spcPct val="94000"/>
+              </a:lnSpc>
+              <a:spcBef>
+                <a:spcPts val="1000"/>
+              </a:spcBef>
+              <a:spcAft>
+                <a:spcPts val="200"/>
+              </a:spcAft>
+              <a:buFont typeface="Wingdings" panose="05000000000000000000" pitchFamily="2" charset="2"/>
+              <a:buChar char="v"/>
+            </a:pPr>
+            <a:r>
+              <a:rPr lang="en-US" sz="2000" dirty="0" smtClean="0"/>
+              <a:t>TIMx_CCR1		-</a:t>
+            </a:r>
+            <a:r>
+              <a:rPr lang="en-US" sz="2000" dirty="0"/>
+              <a:t>Timer  Capture/Compare </a:t>
+            </a:r>
+            <a:r>
+              <a:rPr lang="en-US" sz="2000" dirty="0" smtClean="0"/>
+              <a:t>Register</a:t>
+            </a:r>
+            <a:endParaRPr lang="en-US" sz="2000" dirty="0"/>
           </a:p>
         </p:txBody>
       </p:sp>
     </p:spTree>
     <p:extLst>
       <p:ext uri="{BB962C8B-B14F-4D97-AF65-F5344CB8AC3E}">
-        <p14:creationId xmlns:p14="http://schemas.microsoft.com/office/powerpoint/2010/main" val="1065927405"/>
+        <p14:creationId xmlns:p14="http://schemas.microsoft.com/office/powerpoint/2010/main" val="1438230069"/>
       </p:ext>
     </p:extLst>
   </p:cSld>
@@ -5264,8 +10965,8 @@
         </p:nvSpPr>
         <p:spPr>
           <a:xfrm>
-            <a:off x="563010" y="556080"/>
-            <a:ext cx="6636281" cy="611932"/>
+            <a:off x="563010" y="285750"/>
+            <a:ext cx="6533115" cy="590550"/>
           </a:xfrm>
           <a:prstGeom prst="rect">
             <a:avLst/>
@@ -5305,8 +11006,16 @@
                 </a:solidFill>
                 <a:latin typeface="Facto Bold" panose="00000800000000000000" pitchFamily="50" charset="0"/>
               </a:rPr>
-              <a:t>STM32 Timer Classifications</a:t>
-            </a:r>
+              <a:t>Capture Program</a:t>
+            </a:r>
+            <a:endParaRPr lang="en-US" sz="2800" b="1" dirty="0" smtClean="0">
+              <a:solidFill>
+                <a:schemeClr val="accent1">
+                  <a:lumMod val="75000"/>
+                </a:schemeClr>
+              </a:solidFill>
+              <a:latin typeface="Facto Bold" panose="00000800000000000000" pitchFamily="50" charset="0"/>
+            </a:endParaRPr>
           </a:p>
         </p:txBody>
       </p:sp>
@@ -5318,8 +11027,8 @@
         </p:nvSpPr>
         <p:spPr>
           <a:xfrm>
-            <a:off x="1003852" y="1767678"/>
-            <a:ext cx="10452371" cy="1268039"/>
+            <a:off x="685800" y="1000125"/>
+            <a:ext cx="10903773" cy="5610767"/>
           </a:xfrm>
           <a:prstGeom prst="rect">
             <a:avLst/>
@@ -5332,81 +11041,525 @@
           </a:bodyPr>
           <a:lstStyle/>
           <a:p>
-            <a:pPr marL="384048" lvl="0" indent="-384048" algn="just">
-              <a:lnSpc>
-                <a:spcPct val="94000"/>
-              </a:lnSpc>
-              <a:spcBef>
-                <a:spcPts val="1000"/>
-              </a:spcBef>
-              <a:spcAft>
-                <a:spcPts val="200"/>
-              </a:spcAft>
-              <a:buFont typeface="Wingdings" panose="05000000000000000000" pitchFamily="2" charset="2"/>
-              <a:buChar char="v"/>
-            </a:pPr>
-            <a:r>
-              <a:rPr lang="en-US" sz="2000" dirty="0" smtClean="0"/>
-              <a:t>Advanced Timers (TIM1 and TIM8)</a:t>
-            </a:r>
-          </a:p>
-          <a:p>
-            <a:pPr marL="384048" lvl="0" indent="-384048" algn="just">
-              <a:lnSpc>
-                <a:spcPct val="94000"/>
-              </a:lnSpc>
-              <a:spcBef>
-                <a:spcPts val="1000"/>
-              </a:spcBef>
-              <a:spcAft>
-                <a:spcPts val="200"/>
-              </a:spcAft>
-              <a:buFont typeface="Wingdings" panose="05000000000000000000" pitchFamily="2" charset="2"/>
-              <a:buChar char="v"/>
-            </a:pPr>
-            <a:r>
-              <a:rPr lang="en-US" sz="2000" dirty="0"/>
-              <a:t>General Purpose Timers (TIM2 to TIM5 and </a:t>
-            </a:r>
-            <a:r>
-              <a:rPr lang="en-US" sz="2000" dirty="0" smtClean="0"/>
-              <a:t>TIM9 </a:t>
-            </a:r>
-            <a:r>
-              <a:rPr lang="en-US" sz="2000" dirty="0"/>
-              <a:t>to </a:t>
-            </a:r>
-            <a:r>
-              <a:rPr lang="en-US" sz="2000" dirty="0" smtClean="0"/>
-              <a:t>TIM14)</a:t>
-            </a:r>
-            <a:endParaRPr lang="en-US" sz="2000" dirty="0"/>
-          </a:p>
-          <a:p>
-            <a:pPr marL="384048" lvl="0" indent="-384048" algn="just">
-              <a:lnSpc>
-                <a:spcPct val="94000"/>
-              </a:lnSpc>
-              <a:spcBef>
-                <a:spcPts val="1000"/>
-              </a:spcBef>
-              <a:spcAft>
-                <a:spcPts val="200"/>
-              </a:spcAft>
-              <a:buFont typeface="Wingdings" panose="05000000000000000000" pitchFamily="2" charset="2"/>
-              <a:buChar char="v"/>
-            </a:pPr>
-            <a:r>
-              <a:rPr lang="en-US" sz="2000" dirty="0" smtClean="0"/>
-              <a:t>Basic Timers(TIM6 and TIM7)</a:t>
-            </a:r>
+            <a:pPr lvl="0" algn="just">
+              <a:lnSpc>
+                <a:spcPct val="94000"/>
+              </a:lnSpc>
+              <a:spcBef>
+                <a:spcPts val="1000"/>
+              </a:spcBef>
+              <a:spcAft>
+                <a:spcPts val="200"/>
+              </a:spcAft>
+            </a:pPr>
+            <a:r>
+              <a:rPr lang="en-US" sz="1000" dirty="0">
+                <a:latin typeface="Consolas" pitchFamily="49" charset="0"/>
+              </a:rPr>
+              <a:t>#include "stm32f10x.h"                  // Device </a:t>
+            </a:r>
+            <a:r>
+              <a:rPr lang="en-US" sz="1000" dirty="0" smtClean="0">
+                <a:latin typeface="Consolas" pitchFamily="49" charset="0"/>
+              </a:rPr>
+              <a:t>header</a:t>
+            </a:r>
+            <a:endParaRPr lang="en-US" sz="1000" dirty="0">
+              <a:latin typeface="Consolas" pitchFamily="49" charset="0"/>
+            </a:endParaRPr>
+          </a:p>
+          <a:p>
+            <a:pPr lvl="0" algn="just">
+              <a:lnSpc>
+                <a:spcPct val="94000"/>
+              </a:lnSpc>
+              <a:spcBef>
+                <a:spcPts val="1000"/>
+              </a:spcBef>
+              <a:spcAft>
+                <a:spcPts val="200"/>
+              </a:spcAft>
+            </a:pPr>
+            <a:r>
+              <a:rPr lang="en-US" sz="1000" dirty="0">
+                <a:latin typeface="Consolas" pitchFamily="49" charset="0"/>
+              </a:rPr>
+              <a:t>void </a:t>
+            </a:r>
+            <a:r>
+              <a:rPr lang="en-US" sz="1000" dirty="0" err="1">
+                <a:latin typeface="Consolas" pitchFamily="49" charset="0"/>
+              </a:rPr>
+              <a:t>gpio_init</a:t>
+            </a:r>
+            <a:r>
+              <a:rPr lang="en-US" sz="1000" dirty="0" smtClean="0">
+                <a:latin typeface="Consolas" pitchFamily="49" charset="0"/>
+              </a:rPr>
+              <a:t>();</a:t>
+            </a:r>
+            <a:r>
+              <a:rPr lang="en-US" sz="1000" dirty="0">
+                <a:latin typeface="Consolas" pitchFamily="49" charset="0"/>
+              </a:rPr>
+              <a:t>	</a:t>
+            </a:r>
+          </a:p>
+          <a:p>
+            <a:pPr lvl="0" algn="just">
+              <a:lnSpc>
+                <a:spcPct val="94000"/>
+              </a:lnSpc>
+              <a:spcBef>
+                <a:spcPts val="1000"/>
+              </a:spcBef>
+              <a:spcAft>
+                <a:spcPts val="200"/>
+              </a:spcAft>
+            </a:pPr>
+            <a:r>
+              <a:rPr lang="en-US" sz="1000" dirty="0">
+                <a:latin typeface="Consolas" pitchFamily="49" charset="0"/>
+              </a:rPr>
+              <a:t>void </a:t>
+            </a:r>
+            <a:r>
+              <a:rPr lang="en-US" sz="1000" dirty="0" err="1">
+                <a:latin typeface="Consolas" pitchFamily="49" charset="0"/>
+              </a:rPr>
+              <a:t>capture_init</a:t>
+            </a:r>
+            <a:r>
+              <a:rPr lang="en-US" sz="1000" dirty="0" smtClean="0">
+                <a:latin typeface="Consolas" pitchFamily="49" charset="0"/>
+              </a:rPr>
+              <a:t>();</a:t>
+            </a:r>
+            <a:endParaRPr lang="en-US" sz="1000" dirty="0">
+              <a:latin typeface="Consolas" pitchFamily="49" charset="0"/>
+            </a:endParaRPr>
+          </a:p>
+          <a:p>
+            <a:pPr lvl="0" algn="just">
+              <a:lnSpc>
+                <a:spcPct val="94000"/>
+              </a:lnSpc>
+              <a:spcBef>
+                <a:spcPts val="1000"/>
+              </a:spcBef>
+              <a:spcAft>
+                <a:spcPts val="200"/>
+              </a:spcAft>
+            </a:pPr>
+            <a:r>
+              <a:rPr lang="en-US" sz="1000" dirty="0" err="1">
+                <a:latin typeface="Consolas" pitchFamily="49" charset="0"/>
+              </a:rPr>
+              <a:t>int</a:t>
+            </a:r>
+            <a:r>
+              <a:rPr lang="en-US" sz="1000" dirty="0">
+                <a:latin typeface="Consolas" pitchFamily="49" charset="0"/>
+              </a:rPr>
+              <a:t> main()</a:t>
+            </a:r>
+          </a:p>
+          <a:p>
+            <a:pPr lvl="0" algn="just">
+              <a:lnSpc>
+                <a:spcPct val="94000"/>
+              </a:lnSpc>
+              <a:spcBef>
+                <a:spcPts val="1000"/>
+              </a:spcBef>
+              <a:spcAft>
+                <a:spcPts val="200"/>
+              </a:spcAft>
+            </a:pPr>
+            <a:r>
+              <a:rPr lang="en-US" sz="1000" dirty="0" smtClean="0">
+                <a:latin typeface="Consolas" pitchFamily="49" charset="0"/>
+              </a:rPr>
+              <a:t>{</a:t>
+            </a:r>
+          </a:p>
+          <a:p>
+            <a:pPr lvl="0" algn="just">
+              <a:lnSpc>
+                <a:spcPct val="94000"/>
+              </a:lnSpc>
+              <a:spcBef>
+                <a:spcPts val="1000"/>
+              </a:spcBef>
+              <a:spcAft>
+                <a:spcPts val="200"/>
+              </a:spcAft>
+            </a:pPr>
+            <a:r>
+              <a:rPr lang="en-US" sz="1000" dirty="0" smtClean="0">
+                <a:latin typeface="Consolas" pitchFamily="49" charset="0"/>
+              </a:rPr>
+              <a:t>	unsigned short </a:t>
+            </a:r>
+            <a:r>
+              <a:rPr lang="en-US" sz="1000" dirty="0" err="1" smtClean="0">
+                <a:latin typeface="Consolas" pitchFamily="49" charset="0"/>
+              </a:rPr>
+              <a:t>int</a:t>
+            </a:r>
+            <a:r>
+              <a:rPr lang="en-US" sz="1000" dirty="0" smtClean="0">
+                <a:latin typeface="Consolas" pitchFamily="49" charset="0"/>
+              </a:rPr>
+              <a:t> </a:t>
+            </a:r>
+            <a:r>
+              <a:rPr lang="en-US" sz="1000" dirty="0" err="1" smtClean="0">
+                <a:latin typeface="Consolas" pitchFamily="49" charset="0"/>
+              </a:rPr>
+              <a:t>dummy_read</a:t>
+            </a:r>
+            <a:r>
+              <a:rPr lang="en-US" sz="1000" dirty="0" smtClean="0">
+                <a:latin typeface="Consolas" pitchFamily="49" charset="0"/>
+              </a:rPr>
+              <a:t>=0;</a:t>
+            </a:r>
+            <a:r>
+              <a:rPr lang="en-US" sz="1000" dirty="0">
+                <a:latin typeface="Consolas" pitchFamily="49" charset="0"/>
+              </a:rPr>
+              <a:t>	</a:t>
+            </a:r>
+          </a:p>
+          <a:p>
+            <a:pPr lvl="0" algn="just">
+              <a:lnSpc>
+                <a:spcPct val="94000"/>
+              </a:lnSpc>
+              <a:spcBef>
+                <a:spcPts val="1000"/>
+              </a:spcBef>
+              <a:spcAft>
+                <a:spcPts val="200"/>
+              </a:spcAft>
+            </a:pPr>
+            <a:r>
+              <a:rPr lang="en-US" sz="1000" dirty="0">
+                <a:latin typeface="Consolas" pitchFamily="49" charset="0"/>
+              </a:rPr>
+              <a:t>	</a:t>
+            </a:r>
+            <a:r>
+              <a:rPr lang="en-US" sz="1000" dirty="0" err="1">
+                <a:latin typeface="Consolas" pitchFamily="49" charset="0"/>
+              </a:rPr>
+              <a:t>gpio_init</a:t>
+            </a:r>
+            <a:r>
+              <a:rPr lang="en-US" sz="1000" dirty="0" smtClean="0">
+                <a:latin typeface="Consolas" pitchFamily="49" charset="0"/>
+              </a:rPr>
+              <a:t>();</a:t>
+            </a:r>
+            <a:r>
+              <a:rPr lang="en-US" sz="1000" dirty="0">
+                <a:latin typeface="Consolas" pitchFamily="49" charset="0"/>
+              </a:rPr>
+              <a:t>	</a:t>
+            </a:r>
+          </a:p>
+          <a:p>
+            <a:pPr lvl="0" algn="just">
+              <a:lnSpc>
+                <a:spcPct val="94000"/>
+              </a:lnSpc>
+              <a:spcBef>
+                <a:spcPts val="1000"/>
+              </a:spcBef>
+              <a:spcAft>
+                <a:spcPts val="200"/>
+              </a:spcAft>
+            </a:pPr>
+            <a:r>
+              <a:rPr lang="en-US" sz="1000" dirty="0">
+                <a:latin typeface="Consolas" pitchFamily="49" charset="0"/>
+              </a:rPr>
+              <a:t>	</a:t>
+            </a:r>
+            <a:r>
+              <a:rPr lang="en-US" sz="1000" dirty="0" err="1">
+                <a:latin typeface="Consolas" pitchFamily="49" charset="0"/>
+              </a:rPr>
+              <a:t>capture_init</a:t>
+            </a:r>
+            <a:r>
+              <a:rPr lang="en-US" sz="1000" dirty="0" smtClean="0">
+                <a:latin typeface="Consolas" pitchFamily="49" charset="0"/>
+              </a:rPr>
+              <a:t>();</a:t>
+            </a:r>
+            <a:r>
+              <a:rPr lang="en-US" sz="1000" dirty="0">
+                <a:latin typeface="Consolas" pitchFamily="49" charset="0"/>
+              </a:rPr>
+              <a:t>	</a:t>
+            </a:r>
+          </a:p>
+          <a:p>
+            <a:pPr lvl="0" algn="just">
+              <a:lnSpc>
+                <a:spcPct val="94000"/>
+              </a:lnSpc>
+              <a:spcBef>
+                <a:spcPts val="1000"/>
+              </a:spcBef>
+              <a:spcAft>
+                <a:spcPts val="200"/>
+              </a:spcAft>
+            </a:pPr>
+            <a:r>
+              <a:rPr lang="en-US" sz="1000" dirty="0">
+                <a:latin typeface="Consolas" pitchFamily="49" charset="0"/>
+              </a:rPr>
+              <a:t>	while(1)</a:t>
+            </a:r>
+          </a:p>
+          <a:p>
+            <a:pPr lvl="0" algn="just">
+              <a:lnSpc>
+                <a:spcPct val="94000"/>
+              </a:lnSpc>
+              <a:spcBef>
+                <a:spcPts val="1000"/>
+              </a:spcBef>
+              <a:spcAft>
+                <a:spcPts val="200"/>
+              </a:spcAft>
+            </a:pPr>
+            <a:r>
+              <a:rPr lang="en-US" sz="1000" dirty="0">
+                <a:latin typeface="Consolas" pitchFamily="49" charset="0"/>
+              </a:rPr>
+              <a:t>	{</a:t>
+            </a:r>
+          </a:p>
+          <a:p>
+            <a:pPr lvl="0" algn="just">
+              <a:lnSpc>
+                <a:spcPct val="94000"/>
+              </a:lnSpc>
+              <a:spcBef>
+                <a:spcPts val="1000"/>
+              </a:spcBef>
+              <a:spcAft>
+                <a:spcPts val="200"/>
+              </a:spcAft>
+            </a:pPr>
+            <a:r>
+              <a:rPr lang="en-US" sz="1000" dirty="0">
+                <a:latin typeface="Consolas" pitchFamily="49" charset="0"/>
+              </a:rPr>
+              <a:t>		</a:t>
+            </a:r>
+            <a:r>
+              <a:rPr lang="en-US" sz="1000" dirty="0" smtClean="0">
+                <a:latin typeface="Consolas" pitchFamily="49" charset="0"/>
+              </a:rPr>
+              <a:t>if(TIM2-</a:t>
+            </a:r>
+            <a:r>
+              <a:rPr lang="en-US" sz="1000" dirty="0">
+                <a:latin typeface="Consolas" pitchFamily="49" charset="0"/>
+              </a:rPr>
+              <a:t>&gt;SR &amp;(1&lt;&lt;1))</a:t>
+            </a:r>
+          </a:p>
+          <a:p>
+            <a:pPr lvl="0" algn="just">
+              <a:lnSpc>
+                <a:spcPct val="94000"/>
+              </a:lnSpc>
+              <a:spcBef>
+                <a:spcPts val="1000"/>
+              </a:spcBef>
+              <a:spcAft>
+                <a:spcPts val="200"/>
+              </a:spcAft>
+            </a:pPr>
+            <a:r>
+              <a:rPr lang="en-US" sz="1000" dirty="0">
+                <a:latin typeface="Consolas" pitchFamily="49" charset="0"/>
+              </a:rPr>
+              <a:t>		{</a:t>
+            </a:r>
+          </a:p>
+          <a:p>
+            <a:pPr lvl="0" algn="just">
+              <a:lnSpc>
+                <a:spcPct val="94000"/>
+              </a:lnSpc>
+              <a:spcBef>
+                <a:spcPts val="1000"/>
+              </a:spcBef>
+              <a:spcAft>
+                <a:spcPts val="200"/>
+              </a:spcAft>
+            </a:pPr>
+            <a:r>
+              <a:rPr lang="en-US" sz="1000" dirty="0">
+                <a:latin typeface="Consolas" pitchFamily="49" charset="0"/>
+              </a:rPr>
+              <a:t>			TIM2-&gt;SR &amp;=~(1&lt;&lt;1);//capture flag reset</a:t>
+            </a:r>
+          </a:p>
+          <a:p>
+            <a:pPr lvl="0" algn="just">
+              <a:lnSpc>
+                <a:spcPct val="94000"/>
+              </a:lnSpc>
+              <a:spcBef>
+                <a:spcPts val="1000"/>
+              </a:spcBef>
+              <a:spcAft>
+                <a:spcPts val="200"/>
+              </a:spcAft>
+            </a:pPr>
+            <a:r>
+              <a:rPr lang="en-US" sz="1000" dirty="0">
+                <a:latin typeface="Consolas" pitchFamily="49" charset="0"/>
+              </a:rPr>
+              <a:t>		</a:t>
+            </a:r>
+            <a:r>
+              <a:rPr lang="en-US" sz="1000" dirty="0" smtClean="0">
+                <a:latin typeface="Consolas" pitchFamily="49" charset="0"/>
+              </a:rPr>
+              <a:t>}</a:t>
+            </a:r>
+            <a:r>
+              <a:rPr lang="en-US" sz="1000" dirty="0">
+                <a:latin typeface="Consolas" pitchFamily="49" charset="0"/>
+              </a:rPr>
+              <a:t>				</a:t>
+            </a:r>
+          </a:p>
+          <a:p>
+            <a:pPr lvl="0" algn="just">
+              <a:lnSpc>
+                <a:spcPct val="94000"/>
+              </a:lnSpc>
+              <a:spcBef>
+                <a:spcPts val="1000"/>
+              </a:spcBef>
+              <a:spcAft>
+                <a:spcPts val="200"/>
+              </a:spcAft>
+            </a:pPr>
+            <a:r>
+              <a:rPr lang="en-US" sz="1000" dirty="0">
+                <a:latin typeface="Consolas" pitchFamily="49" charset="0"/>
+              </a:rPr>
+              <a:t>		</a:t>
+            </a:r>
+            <a:r>
+              <a:rPr lang="en-US" sz="1000" dirty="0" err="1">
+                <a:latin typeface="Consolas" pitchFamily="49" charset="0"/>
+              </a:rPr>
+              <a:t>dummy_read</a:t>
+            </a:r>
+            <a:r>
+              <a:rPr lang="en-US" sz="1000" dirty="0">
+                <a:latin typeface="Consolas" pitchFamily="49" charset="0"/>
+              </a:rPr>
+              <a:t>=TIM2-&gt;CCR1;</a:t>
+            </a:r>
+          </a:p>
+          <a:p>
+            <a:pPr lvl="0" algn="just">
+              <a:lnSpc>
+                <a:spcPct val="94000"/>
+              </a:lnSpc>
+              <a:spcBef>
+                <a:spcPts val="1000"/>
+              </a:spcBef>
+              <a:spcAft>
+                <a:spcPts val="200"/>
+              </a:spcAft>
+            </a:pPr>
+            <a:r>
+              <a:rPr lang="en-US" sz="1000" dirty="0">
+                <a:latin typeface="Consolas" pitchFamily="49" charset="0"/>
+              </a:rPr>
+              <a:t>	}</a:t>
+            </a:r>
+          </a:p>
+          <a:p>
+            <a:pPr lvl="0" algn="just">
+              <a:lnSpc>
+                <a:spcPct val="94000"/>
+              </a:lnSpc>
+              <a:spcBef>
+                <a:spcPts val="1000"/>
+              </a:spcBef>
+              <a:spcAft>
+                <a:spcPts val="200"/>
+              </a:spcAft>
+            </a:pPr>
+            <a:r>
+              <a:rPr lang="en-US" sz="1000" dirty="0">
+                <a:latin typeface="Consolas" pitchFamily="49" charset="0"/>
+              </a:rPr>
+              <a:t>	</a:t>
+            </a:r>
+          </a:p>
+          <a:p>
+            <a:pPr lvl="0" algn="just">
+              <a:lnSpc>
+                <a:spcPct val="94000"/>
+              </a:lnSpc>
+              <a:spcBef>
+                <a:spcPts val="1000"/>
+              </a:spcBef>
+              <a:spcAft>
+                <a:spcPts val="200"/>
+              </a:spcAft>
+            </a:pPr>
+            <a:r>
+              <a:rPr lang="en-US" sz="1000" dirty="0">
+                <a:latin typeface="Consolas" pitchFamily="49" charset="0"/>
+              </a:rPr>
+              <a:t>	return 0;</a:t>
+            </a:r>
+          </a:p>
+          <a:p>
+            <a:pPr lvl="0" algn="just">
+              <a:lnSpc>
+                <a:spcPct val="94000"/>
+              </a:lnSpc>
+              <a:spcBef>
+                <a:spcPts val="1000"/>
+              </a:spcBef>
+              <a:spcAft>
+                <a:spcPts val="200"/>
+              </a:spcAft>
+            </a:pPr>
+            <a:r>
+              <a:rPr lang="en-US" sz="1000" dirty="0">
+                <a:latin typeface="Consolas" pitchFamily="49" charset="0"/>
+              </a:rPr>
+              <a:t>}</a:t>
+            </a:r>
+            <a:endParaRPr lang="en-US" sz="1000" dirty="0" smtClean="0">
+              <a:latin typeface="Consolas" pitchFamily="49" charset="0"/>
+            </a:endParaRPr>
           </a:p>
         </p:txBody>
       </p:sp>
     </p:spTree>
     <p:extLst>
       <p:ext uri="{BB962C8B-B14F-4D97-AF65-F5344CB8AC3E}">
-        <p14:creationId xmlns:p14="http://schemas.microsoft.com/office/powerpoint/2010/main" val="1065927405"/>
+        <p14:creationId xmlns:p14="http://schemas.microsoft.com/office/powerpoint/2010/main" val="2560901901"/>
       </p:ext>
     </p:extLst>
   </p:cSld>
@@ -5546,17 +11699,14 @@
           </a:lstStyle>
           <a:p>
             <a:pPr algn="l"/>
-            <a:r>
-              <a:rPr lang="en-US" sz="2800" b="1" dirty="0" smtClean="0">
-                <a:solidFill>
-                  <a:schemeClr val="accent1">
-                    <a:lumMod val="75000"/>
-                  </a:schemeClr>
-                </a:solidFill>
-                <a:latin typeface="Facto Bold" panose="00000800000000000000" pitchFamily="50" charset="0"/>
-              </a:rPr>
-              <a:t>STM32 Timer Classifications</a:t>
-            </a:r>
+            <a:endParaRPr lang="en-US" sz="2800" b="1" dirty="0" smtClean="0">
+              <a:solidFill>
+                <a:schemeClr val="accent1">
+                  <a:lumMod val="75000"/>
+                </a:schemeClr>
+              </a:solidFill>
+              <a:latin typeface="Facto Bold" panose="00000800000000000000" pitchFamily="50" charset="0"/>
+            </a:endParaRPr>
           </a:p>
         </p:txBody>
       </p:sp>
@@ -5568,8 +11718,8 @@
         </p:nvSpPr>
         <p:spPr>
           <a:xfrm>
-            <a:off x="1003852" y="1767678"/>
-            <a:ext cx="10452371" cy="1268039"/>
+            <a:off x="638176" y="129648"/>
+            <a:ext cx="10971484" cy="5966352"/>
           </a:xfrm>
           <a:prstGeom prst="rect">
             <a:avLst/>
@@ -5577,86 +11727,635 @@
           <a:noFill/>
         </p:spPr>
         <p:txBody>
-          <a:bodyPr wrap="square" rtlCol="0">
+          <a:bodyPr wrap="square" numCol="2" rtlCol="0">
             <a:spAutoFit/>
           </a:bodyPr>
           <a:lstStyle/>
           <a:p>
-            <a:pPr marL="384048" lvl="0" indent="-384048" algn="just">
-              <a:lnSpc>
-                <a:spcPct val="94000"/>
-              </a:lnSpc>
-              <a:spcBef>
-                <a:spcPts val="1000"/>
-              </a:spcBef>
-              <a:spcAft>
-                <a:spcPts val="200"/>
-              </a:spcAft>
-              <a:buFont typeface="Wingdings" panose="05000000000000000000" pitchFamily="2" charset="2"/>
-              <a:buChar char="v"/>
-            </a:pPr>
-            <a:r>
-              <a:rPr lang="en-US" sz="2000" dirty="0" smtClean="0"/>
-              <a:t>Advanced Timers (TIM1 and TIM8)</a:t>
-            </a:r>
-          </a:p>
-          <a:p>
-            <a:pPr marL="384048" lvl="0" indent="-384048" algn="just">
-              <a:lnSpc>
-                <a:spcPct val="94000"/>
-              </a:lnSpc>
-              <a:spcBef>
-                <a:spcPts val="1000"/>
-              </a:spcBef>
-              <a:spcAft>
-                <a:spcPts val="200"/>
-              </a:spcAft>
-              <a:buFont typeface="Wingdings" panose="05000000000000000000" pitchFamily="2" charset="2"/>
-              <a:buChar char="v"/>
-            </a:pPr>
-            <a:r>
-              <a:rPr lang="en-US" sz="2000" dirty="0"/>
-              <a:t>General Purpose Timers (TIM2 to TIM5 and </a:t>
-            </a:r>
-            <a:r>
-              <a:rPr lang="en-US" sz="2000" dirty="0" smtClean="0"/>
-              <a:t>TIM9 </a:t>
-            </a:r>
-            <a:r>
-              <a:rPr lang="en-US" sz="2000" dirty="0"/>
-              <a:t>to </a:t>
-            </a:r>
-            <a:r>
-              <a:rPr lang="en-US" sz="2000" dirty="0" smtClean="0"/>
-              <a:t>TIM14)</a:t>
-            </a:r>
-            <a:endParaRPr lang="en-US" sz="2000" dirty="0"/>
-          </a:p>
-          <a:p>
-            <a:pPr marL="384048" lvl="0" indent="-384048" algn="just">
-              <a:lnSpc>
-                <a:spcPct val="94000"/>
-              </a:lnSpc>
-              <a:spcBef>
-                <a:spcPts val="1000"/>
-              </a:spcBef>
-              <a:spcAft>
-                <a:spcPts val="200"/>
-              </a:spcAft>
-              <a:buFont typeface="Wingdings" panose="05000000000000000000" pitchFamily="2" charset="2"/>
-              <a:buChar char="v"/>
-            </a:pPr>
-            <a:r>
-              <a:rPr lang="en-US" sz="2000" dirty="0" smtClean="0"/>
-              <a:t>Basic Timers(TIM6 and TIM7)</a:t>
-            </a:r>
+            <a:pPr lvl="0" algn="just">
+              <a:lnSpc>
+                <a:spcPct val="94000"/>
+              </a:lnSpc>
+              <a:spcBef>
+                <a:spcPts val="1000"/>
+              </a:spcBef>
+              <a:spcAft>
+                <a:spcPts val="200"/>
+              </a:spcAft>
+            </a:pPr>
+            <a:r>
+              <a:rPr lang="en-US" sz="1000" dirty="0"/>
+              <a:t>void </a:t>
+            </a:r>
+            <a:r>
+              <a:rPr lang="en-US" sz="1000" dirty="0" err="1"/>
+              <a:t>gpio_init</a:t>
+            </a:r>
+            <a:r>
+              <a:rPr lang="en-US" sz="1000" dirty="0"/>
+              <a:t>()</a:t>
+            </a:r>
+          </a:p>
+          <a:p>
+            <a:pPr lvl="0" algn="just">
+              <a:lnSpc>
+                <a:spcPct val="94000"/>
+              </a:lnSpc>
+              <a:spcBef>
+                <a:spcPts val="1000"/>
+              </a:spcBef>
+              <a:spcAft>
+                <a:spcPts val="200"/>
+              </a:spcAft>
+            </a:pPr>
+            <a:r>
+              <a:rPr lang="en-US" sz="1000" dirty="0"/>
+              <a:t>{</a:t>
+            </a:r>
+          </a:p>
+          <a:p>
+            <a:pPr lvl="0" algn="just">
+              <a:lnSpc>
+                <a:spcPct val="94000"/>
+              </a:lnSpc>
+              <a:spcBef>
+                <a:spcPts val="1000"/>
+              </a:spcBef>
+              <a:spcAft>
+                <a:spcPts val="200"/>
+              </a:spcAft>
+            </a:pPr>
+            <a:r>
+              <a:rPr lang="en-US" sz="1000" dirty="0"/>
+              <a:t>		RCC-&gt;APB2ENR =(1&lt;&lt;0); //</a:t>
+            </a:r>
+            <a:r>
+              <a:rPr lang="en-US" sz="1000" dirty="0" err="1"/>
+              <a:t>afio</a:t>
+            </a:r>
+            <a:r>
+              <a:rPr lang="en-US" sz="1000" dirty="0"/>
+              <a:t> </a:t>
+            </a:r>
+            <a:r>
+              <a:rPr lang="en-US" sz="1000" dirty="0" err="1"/>
+              <a:t>clk</a:t>
+            </a:r>
+            <a:r>
+              <a:rPr lang="en-US" sz="1000" dirty="0"/>
+              <a:t> </a:t>
+            </a:r>
+            <a:r>
+              <a:rPr lang="en-US" sz="1000" dirty="0" smtClean="0"/>
+              <a:t>enable</a:t>
+            </a:r>
+            <a:r>
+              <a:rPr lang="en-US" sz="1000" dirty="0"/>
+              <a:t>	</a:t>
+            </a:r>
+          </a:p>
+          <a:p>
+            <a:pPr lvl="0" algn="just">
+              <a:lnSpc>
+                <a:spcPct val="94000"/>
+              </a:lnSpc>
+              <a:spcBef>
+                <a:spcPts val="1000"/>
+              </a:spcBef>
+              <a:spcAft>
+                <a:spcPts val="200"/>
+              </a:spcAft>
+            </a:pPr>
+            <a:r>
+              <a:rPr lang="en-US" sz="1000" dirty="0"/>
+              <a:t>		RCC-&gt;APB2ENR |= (1&lt;&lt;2);//</a:t>
+            </a:r>
+            <a:r>
+              <a:rPr lang="en-US" sz="1000" dirty="0" err="1"/>
+              <a:t>porta</a:t>
+            </a:r>
+            <a:r>
+              <a:rPr lang="en-US" sz="1000" dirty="0"/>
+              <a:t> </a:t>
+            </a:r>
+            <a:r>
+              <a:rPr lang="en-US" sz="1000" dirty="0" err="1"/>
+              <a:t>clk</a:t>
+            </a:r>
+            <a:r>
+              <a:rPr lang="en-US" sz="1000" dirty="0"/>
+              <a:t> enable</a:t>
+            </a:r>
+            <a:r>
+              <a:rPr lang="en-US" sz="1000" dirty="0" smtClean="0"/>
+              <a:t>,</a:t>
+            </a:r>
+            <a:r>
+              <a:rPr lang="en-US" sz="1000" dirty="0"/>
+              <a:t>	</a:t>
+            </a:r>
+          </a:p>
+          <a:p>
+            <a:pPr lvl="0" algn="just">
+              <a:lnSpc>
+                <a:spcPct val="94000"/>
+              </a:lnSpc>
+              <a:spcBef>
+                <a:spcPts val="1000"/>
+              </a:spcBef>
+              <a:spcAft>
+                <a:spcPts val="200"/>
+              </a:spcAft>
+            </a:pPr>
+            <a:r>
+              <a:rPr lang="en-US" sz="1000" dirty="0"/>
+              <a:t>		GPIOA-&gt;CRL =0x00000000;//</a:t>
+            </a:r>
+            <a:r>
+              <a:rPr lang="en-US" sz="1000" dirty="0" smtClean="0"/>
+              <a:t>reset</a:t>
+            </a:r>
+            <a:r>
+              <a:rPr lang="en-US" sz="1000" dirty="0"/>
+              <a:t>	</a:t>
+            </a:r>
+          </a:p>
+          <a:p>
+            <a:pPr lvl="0" algn="just">
+              <a:lnSpc>
+                <a:spcPct val="94000"/>
+              </a:lnSpc>
+              <a:spcBef>
+                <a:spcPts val="1000"/>
+              </a:spcBef>
+              <a:spcAft>
+                <a:spcPts val="200"/>
+              </a:spcAft>
+            </a:pPr>
+            <a:r>
+              <a:rPr lang="en-US" sz="1000" dirty="0"/>
+              <a:t>		//</a:t>
+            </a:r>
+            <a:r>
+              <a:rPr lang="en-US" sz="1000" dirty="0" smtClean="0"/>
+              <a:t>pa0</a:t>
+            </a:r>
+            <a:r>
+              <a:rPr lang="en-US" sz="1000" dirty="0"/>
+              <a:t>	</a:t>
+            </a:r>
+          </a:p>
+          <a:p>
+            <a:pPr lvl="0" algn="just">
+              <a:lnSpc>
+                <a:spcPct val="94000"/>
+              </a:lnSpc>
+              <a:spcBef>
+                <a:spcPts val="1000"/>
+              </a:spcBef>
+              <a:spcAft>
+                <a:spcPts val="200"/>
+              </a:spcAft>
+            </a:pPr>
+            <a:r>
+              <a:rPr lang="en-US" sz="1000" dirty="0"/>
+              <a:t>		GPIOA-&gt;CRL &amp;=~(3&lt;&lt;0);//</a:t>
+            </a:r>
+            <a:r>
+              <a:rPr lang="en-US" sz="1000" dirty="0" smtClean="0"/>
+              <a:t>input</a:t>
+            </a:r>
+            <a:r>
+              <a:rPr lang="en-US" sz="1000" dirty="0"/>
+              <a:t>	</a:t>
+            </a:r>
+          </a:p>
+          <a:p>
+            <a:pPr lvl="0" algn="just">
+              <a:lnSpc>
+                <a:spcPct val="94000"/>
+              </a:lnSpc>
+              <a:spcBef>
+                <a:spcPts val="1000"/>
+              </a:spcBef>
+              <a:spcAft>
+                <a:spcPts val="200"/>
+              </a:spcAft>
+            </a:pPr>
+            <a:r>
+              <a:rPr lang="en-US" sz="1000" dirty="0"/>
+              <a:t>		GPIOA-&gt;CRL |=(1&lt;&lt;2);//</a:t>
+            </a:r>
+            <a:r>
+              <a:rPr lang="en-US" sz="1000" dirty="0" smtClean="0"/>
+              <a:t>input floating</a:t>
+            </a:r>
+            <a:endParaRPr lang="en-US" sz="1000" dirty="0"/>
+          </a:p>
+          <a:p>
+            <a:pPr lvl="0" algn="just">
+              <a:lnSpc>
+                <a:spcPct val="94000"/>
+              </a:lnSpc>
+              <a:spcBef>
+                <a:spcPts val="1000"/>
+              </a:spcBef>
+              <a:spcAft>
+                <a:spcPts val="200"/>
+              </a:spcAft>
+            </a:pPr>
+            <a:r>
+              <a:rPr lang="en-US" sz="1000" dirty="0"/>
+              <a:t>}</a:t>
+            </a:r>
+          </a:p>
+          <a:p>
+            <a:pPr lvl="0" algn="just">
+              <a:lnSpc>
+                <a:spcPct val="94000"/>
+              </a:lnSpc>
+              <a:spcBef>
+                <a:spcPts val="1000"/>
+              </a:spcBef>
+              <a:spcAft>
+                <a:spcPts val="200"/>
+              </a:spcAft>
+            </a:pPr>
+            <a:r>
+              <a:rPr lang="en-US" sz="1000" dirty="0" smtClean="0"/>
+              <a:t>void </a:t>
+            </a:r>
+            <a:r>
+              <a:rPr lang="en-US" sz="1000" dirty="0" err="1"/>
+              <a:t>capture_init</a:t>
+            </a:r>
+            <a:r>
+              <a:rPr lang="en-US" sz="1000" dirty="0"/>
+              <a:t>()</a:t>
+            </a:r>
+          </a:p>
+          <a:p>
+            <a:pPr lvl="0" algn="just">
+              <a:lnSpc>
+                <a:spcPct val="94000"/>
+              </a:lnSpc>
+              <a:spcBef>
+                <a:spcPts val="1000"/>
+              </a:spcBef>
+              <a:spcAft>
+                <a:spcPts val="200"/>
+              </a:spcAft>
+            </a:pPr>
+            <a:r>
+              <a:rPr lang="en-US" sz="1000" dirty="0"/>
+              <a:t>{</a:t>
+            </a:r>
+          </a:p>
+          <a:p>
+            <a:pPr lvl="2" algn="just">
+              <a:lnSpc>
+                <a:spcPct val="94000"/>
+              </a:lnSpc>
+              <a:spcBef>
+                <a:spcPts val="1000"/>
+              </a:spcBef>
+              <a:spcAft>
+                <a:spcPts val="200"/>
+              </a:spcAft>
+            </a:pPr>
+            <a:r>
+              <a:rPr lang="en-US" sz="1000" dirty="0"/>
+              <a:t>	/* Enabling clock for Timer 2*/</a:t>
+            </a:r>
+          </a:p>
+          <a:p>
+            <a:pPr lvl="2" algn="just">
+              <a:lnSpc>
+                <a:spcPct val="94000"/>
+              </a:lnSpc>
+              <a:spcBef>
+                <a:spcPts val="1000"/>
+              </a:spcBef>
+              <a:spcAft>
+                <a:spcPts val="200"/>
+              </a:spcAft>
+            </a:pPr>
+            <a:r>
+              <a:rPr lang="en-US" sz="1000" dirty="0"/>
+              <a:t>	RCC-&gt;APB1ENR = (1&lt;&lt;0);//tim2 </a:t>
+            </a:r>
+            <a:r>
+              <a:rPr lang="en-US" sz="1000" dirty="0" err="1"/>
+              <a:t>clk</a:t>
+            </a:r>
+            <a:r>
+              <a:rPr lang="en-US" sz="1000" dirty="0"/>
+              <a:t> </a:t>
+            </a:r>
+            <a:r>
+              <a:rPr lang="en-US" sz="1000" dirty="0" smtClean="0"/>
+              <a:t>enable</a:t>
+            </a:r>
+            <a:endParaRPr lang="en-US" sz="1000" dirty="0"/>
+          </a:p>
+          <a:p>
+            <a:pPr lvl="4" algn="just">
+              <a:lnSpc>
+                <a:spcPct val="94000"/>
+              </a:lnSpc>
+              <a:spcBef>
+                <a:spcPts val="1000"/>
+              </a:spcBef>
+              <a:spcAft>
+                <a:spcPts val="200"/>
+              </a:spcAft>
+            </a:pPr>
+            <a:r>
+              <a:rPr lang="en-US" sz="1000" dirty="0"/>
+              <a:t>  TIM2-&gt;ARR = 2000;   //for 2s               </a:t>
+            </a:r>
+          </a:p>
+          <a:p>
+            <a:pPr lvl="4" algn="just">
+              <a:lnSpc>
+                <a:spcPct val="94000"/>
+              </a:lnSpc>
+              <a:spcBef>
+                <a:spcPts val="1000"/>
+              </a:spcBef>
+              <a:spcAft>
+                <a:spcPts val="200"/>
+              </a:spcAft>
+            </a:pPr>
+            <a:r>
+              <a:rPr lang="en-US" sz="1000" dirty="0"/>
+              <a:t>  TIM2-&gt;PSC = 7999;       </a:t>
+            </a:r>
+            <a:r>
+              <a:rPr lang="en-US" sz="1000" dirty="0" smtClean="0"/>
+              <a:t>    </a:t>
+            </a:r>
+            <a:endParaRPr lang="en-US" sz="1000" dirty="0"/>
+          </a:p>
+          <a:p>
+            <a:pPr lvl="2" algn="just">
+              <a:lnSpc>
+                <a:spcPct val="94000"/>
+              </a:lnSpc>
+              <a:spcBef>
+                <a:spcPts val="1000"/>
+              </a:spcBef>
+              <a:spcAft>
+                <a:spcPts val="200"/>
+              </a:spcAft>
+            </a:pPr>
+            <a:r>
+              <a:rPr lang="en-US" sz="1000" dirty="0"/>
+              <a:t>	/* Capture Mode, ENABLE Preload*/</a:t>
+            </a:r>
+          </a:p>
+          <a:p>
+            <a:pPr lvl="4" algn="just">
+              <a:lnSpc>
+                <a:spcPct val="94000"/>
+              </a:lnSpc>
+              <a:spcBef>
+                <a:spcPts val="1000"/>
+              </a:spcBef>
+              <a:spcAft>
+                <a:spcPts val="200"/>
+              </a:spcAft>
+            </a:pPr>
+            <a:r>
+              <a:rPr lang="en-US" sz="1000" dirty="0"/>
+              <a:t>  TIM2-&gt;CCMR1  =  TIM_CCMR1_CC1S_0 ; </a:t>
+            </a:r>
+          </a:p>
+          <a:p>
+            <a:pPr lvl="4" algn="just">
+              <a:lnSpc>
+                <a:spcPct val="94000"/>
+              </a:lnSpc>
+              <a:spcBef>
+                <a:spcPts val="1000"/>
+              </a:spcBef>
+              <a:spcAft>
+                <a:spcPts val="200"/>
+              </a:spcAft>
+            </a:pPr>
+            <a:r>
+              <a:rPr lang="en-US" sz="1000" dirty="0"/>
+              <a:t>  //TIM2-&gt;EGR |= TIM_EGR_UG |TIM_EGR_CC1G ;  </a:t>
+            </a:r>
+          </a:p>
+          <a:p>
+            <a:pPr lvl="4" algn="just">
+              <a:lnSpc>
+                <a:spcPct val="94000"/>
+              </a:lnSpc>
+              <a:spcBef>
+                <a:spcPts val="1000"/>
+              </a:spcBef>
+              <a:spcAft>
+                <a:spcPts val="200"/>
+              </a:spcAft>
+            </a:pPr>
+            <a:r>
+              <a:rPr lang="en-US" sz="1000" dirty="0"/>
+              <a:t>  /*CC2E : channel 1 enabled; polarity : active low*/ </a:t>
+            </a:r>
+          </a:p>
+          <a:p>
+            <a:pPr lvl="4" algn="just">
+              <a:lnSpc>
+                <a:spcPct val="94000"/>
+              </a:lnSpc>
+              <a:spcBef>
+                <a:spcPts val="1000"/>
+              </a:spcBef>
+              <a:spcAft>
+                <a:spcPts val="200"/>
+              </a:spcAft>
+            </a:pPr>
+            <a:r>
+              <a:rPr lang="en-US" sz="1000" dirty="0"/>
+              <a:t>  TIM2-&gt;CCER = 0;  // </a:t>
+            </a:r>
+            <a:r>
+              <a:rPr lang="en-US" sz="1000" dirty="0" smtClean="0"/>
+              <a:t>off</a:t>
+            </a:r>
+            <a:r>
+              <a:rPr lang="en-US" sz="1000" dirty="0"/>
+              <a:t>	</a:t>
+            </a:r>
+          </a:p>
+          <a:p>
+            <a:pPr lvl="2" algn="just">
+              <a:lnSpc>
+                <a:spcPct val="94000"/>
+              </a:lnSpc>
+              <a:spcBef>
+                <a:spcPts val="1000"/>
+              </a:spcBef>
+              <a:spcAft>
+                <a:spcPts val="200"/>
+              </a:spcAft>
+            </a:pPr>
+            <a:r>
+              <a:rPr lang="en-US" sz="1000" dirty="0"/>
+              <a:t>TIM2-&gt;CCR1 = 0; </a:t>
+            </a:r>
+          </a:p>
+          <a:p>
+            <a:pPr lvl="2" algn="just">
+              <a:lnSpc>
+                <a:spcPct val="94000"/>
+              </a:lnSpc>
+              <a:spcBef>
+                <a:spcPts val="1000"/>
+              </a:spcBef>
+              <a:spcAft>
+                <a:spcPts val="200"/>
+              </a:spcAft>
+            </a:pPr>
+            <a:r>
+              <a:rPr lang="en-US" sz="1000" dirty="0"/>
+              <a:t>  /* Auto Reload Enable */</a:t>
+            </a:r>
+          </a:p>
+          <a:p>
+            <a:pPr lvl="2" algn="just">
+              <a:lnSpc>
+                <a:spcPct val="94000"/>
+              </a:lnSpc>
+              <a:spcBef>
+                <a:spcPts val="1000"/>
+              </a:spcBef>
+              <a:spcAft>
+                <a:spcPts val="200"/>
+              </a:spcAft>
+            </a:pPr>
+            <a:r>
+              <a:rPr lang="en-US" sz="1000" dirty="0"/>
+              <a:t>  TIM2-&gt;CR1 |= TIM_CR1_ARPE;//buffer </a:t>
+            </a:r>
+            <a:r>
+              <a:rPr lang="en-US" sz="1000" dirty="0" smtClean="0"/>
+              <a:t>enable</a:t>
+            </a:r>
+            <a:r>
+              <a:rPr lang="en-US" sz="1000" dirty="0"/>
+              <a:t>	</a:t>
+            </a:r>
+          </a:p>
+          <a:p>
+            <a:pPr lvl="0" algn="just">
+              <a:lnSpc>
+                <a:spcPct val="94000"/>
+              </a:lnSpc>
+              <a:spcBef>
+                <a:spcPts val="1000"/>
+              </a:spcBef>
+              <a:spcAft>
+                <a:spcPts val="200"/>
+              </a:spcAft>
+            </a:pPr>
+            <a:r>
+              <a:rPr lang="en-US" sz="1000" dirty="0"/>
+              <a:t>	TIM2-&gt;CCER |= TIM_CCER_CC1E;//</a:t>
+            </a:r>
+            <a:r>
+              <a:rPr lang="en-US" sz="1000" dirty="0" smtClean="0"/>
+              <a:t>enable</a:t>
+            </a:r>
+            <a:endParaRPr lang="en-US" sz="1000" dirty="0"/>
+          </a:p>
+          <a:p>
+            <a:pPr lvl="0" algn="just">
+              <a:lnSpc>
+                <a:spcPct val="94000"/>
+              </a:lnSpc>
+              <a:spcBef>
+                <a:spcPts val="1000"/>
+              </a:spcBef>
+              <a:spcAft>
+                <a:spcPts val="200"/>
+              </a:spcAft>
+            </a:pPr>
+            <a:r>
+              <a:rPr lang="en-US" sz="1000" dirty="0"/>
+              <a:t>	/* Enable Timer Counter */</a:t>
+            </a:r>
+          </a:p>
+          <a:p>
+            <a:pPr lvl="2" algn="just">
+              <a:lnSpc>
+                <a:spcPct val="94000"/>
+              </a:lnSpc>
+              <a:spcBef>
+                <a:spcPts val="1000"/>
+              </a:spcBef>
+              <a:spcAft>
+                <a:spcPts val="200"/>
+              </a:spcAft>
+            </a:pPr>
+            <a:r>
+              <a:rPr lang="en-US" sz="1000" dirty="0"/>
+              <a:t>  TIM2-&gt;CR1 |= TIM_CR1_CEN;   //timer on  </a:t>
+            </a:r>
+          </a:p>
+          <a:p>
+            <a:pPr lvl="0" algn="just">
+              <a:lnSpc>
+                <a:spcPct val="94000"/>
+              </a:lnSpc>
+              <a:spcBef>
+                <a:spcPts val="1000"/>
+              </a:spcBef>
+              <a:spcAft>
+                <a:spcPts val="200"/>
+              </a:spcAft>
+            </a:pPr>
+            <a:endParaRPr lang="en-US" sz="1000" dirty="0"/>
+          </a:p>
+          <a:p>
+            <a:pPr lvl="0" algn="just">
+              <a:lnSpc>
+                <a:spcPct val="94000"/>
+              </a:lnSpc>
+              <a:spcBef>
+                <a:spcPts val="1000"/>
+              </a:spcBef>
+              <a:spcAft>
+                <a:spcPts val="200"/>
+              </a:spcAft>
+            </a:pPr>
+            <a:r>
+              <a:rPr lang="en-US" sz="1000" dirty="0"/>
+              <a:t>}</a:t>
+            </a:r>
+          </a:p>
+          <a:p>
+            <a:pPr lvl="0" algn="just">
+              <a:lnSpc>
+                <a:spcPct val="94000"/>
+              </a:lnSpc>
+              <a:spcBef>
+                <a:spcPts val="1000"/>
+              </a:spcBef>
+              <a:spcAft>
+                <a:spcPts val="200"/>
+              </a:spcAft>
+            </a:pPr>
+            <a:endParaRPr lang="en-US" sz="1000" dirty="0" smtClean="0"/>
           </a:p>
         </p:txBody>
       </p:sp>
     </p:spTree>
     <p:extLst>
       <p:ext uri="{BB962C8B-B14F-4D97-AF65-F5344CB8AC3E}">
-        <p14:creationId xmlns:p14="http://schemas.microsoft.com/office/powerpoint/2010/main" val="1065927405"/>
+        <p14:creationId xmlns:p14="http://schemas.microsoft.com/office/powerpoint/2010/main" val="3603858641"/>
       </p:ext>
     </p:extLst>
   </p:cSld>
@@ -5764,7 +12463,7 @@
         </p:nvSpPr>
         <p:spPr>
           <a:xfrm>
-            <a:off x="563010" y="556080"/>
+            <a:off x="563010" y="411227"/>
             <a:ext cx="6636281" cy="611932"/>
           </a:xfrm>
           <a:prstGeom prst="rect">
@@ -5805,8 +12504,16 @@
                 </a:solidFill>
                 <a:latin typeface="Facto Bold" panose="00000800000000000000" pitchFamily="50" charset="0"/>
               </a:rPr>
-              <a:t>STM32 Timer Classifications</a:t>
-            </a:r>
+              <a:t>Compare</a:t>
+            </a:r>
+            <a:endParaRPr lang="en-US" sz="2800" b="1" dirty="0" smtClean="0">
+              <a:solidFill>
+                <a:schemeClr val="accent1">
+                  <a:lumMod val="75000"/>
+                </a:schemeClr>
+              </a:solidFill>
+              <a:latin typeface="Facto Bold" panose="00000800000000000000" pitchFamily="50" charset="0"/>
+            </a:endParaRPr>
           </a:p>
         </p:txBody>
       </p:sp>
@@ -5818,8 +12525,8 @@
         </p:nvSpPr>
         <p:spPr>
           <a:xfrm>
-            <a:off x="1003852" y="1767678"/>
-            <a:ext cx="10452371" cy="1268039"/>
+            <a:off x="866776" y="1168012"/>
+            <a:ext cx="10589448" cy="5626156"/>
           </a:xfrm>
           <a:prstGeom prst="rect">
             <a:avLst/>
@@ -5832,7 +12539,7 @@
           </a:bodyPr>
           <a:lstStyle/>
           <a:p>
-            <a:pPr marL="384048" lvl="0" indent="-384048" algn="just">
+            <a:pPr marL="384048" lvl="0" indent="-384048">
               <a:lnSpc>
                 <a:spcPct val="94000"/>
               </a:lnSpc>
@@ -5846,12 +12553,23 @@
               <a:buChar char="v"/>
             </a:pPr>
             <a:r>
+              <a:rPr lang="en-US" sz="2000" dirty="0"/>
+              <a:t>This function is used to control an output waveform or indicating when a period of time has</a:t>
+            </a:r>
+            <a:br>
+              <a:rPr lang="en-US" sz="2000" dirty="0"/>
+            </a:br>
+            <a:r>
+              <a:rPr lang="en-US" sz="2000" dirty="0"/>
+              <a:t>elapsed</a:t>
+            </a:r>
+            <a:r>
               <a:rPr lang="en-US" sz="2000" dirty="0" smtClean="0"/>
-              <a:t>Advanced Timers (TIM1 and TIM8)</a:t>
-            </a:r>
-          </a:p>
-          <a:p>
-            <a:pPr marL="384048" lvl="0" indent="-384048" algn="just">
+              <a:t>.</a:t>
+            </a:r>
+          </a:p>
+          <a:p>
+            <a:pPr marL="384048" lvl="0" indent="-384048">
               <a:lnSpc>
                 <a:spcPct val="94000"/>
               </a:lnSpc>
@@ -5865,41 +12583,278 @@
               <a:buChar char="v"/>
             </a:pPr>
             <a:r>
-              <a:rPr lang="en-US" sz="2000" dirty="0"/>
-              <a:t>General Purpose Timers (TIM2 to TIM5 and </a:t>
-            </a:r>
-            <a:r>
               <a:rPr lang="en-US" sz="2000" dirty="0" smtClean="0"/>
-              <a:t>TIM9 </a:t>
-            </a:r>
-            <a:r>
-              <a:rPr lang="en-US" sz="2000" dirty="0"/>
-              <a:t>to </a:t>
+              <a:t>When </a:t>
+            </a:r>
+            <a:r>
+              <a:rPr lang="en-US" sz="2000" dirty="0"/>
+              <a:t>a match is found between the capture/compare register and the counter, the output</a:t>
+            </a:r>
+            <a:br>
+              <a:rPr lang="en-US" sz="2000" dirty="0"/>
+            </a:br>
+            <a:r>
+              <a:rPr lang="en-US" sz="2000" dirty="0"/>
+              <a:t>compare function</a:t>
             </a:r>
             <a:r>
               <a:rPr lang="en-US" sz="2000" dirty="0" smtClean="0"/>
-              <a:t>TIM14)</a:t>
+              <a:t>:</a:t>
             </a:r>
             <a:endParaRPr lang="en-US" sz="2000" dirty="0"/>
           </a:p>
           <a:p>
-            <a:pPr marL="384048" lvl="0" indent="-384048" algn="just">
-              <a:lnSpc>
-                <a:spcPct val="94000"/>
-              </a:lnSpc>
-              <a:spcBef>
-                <a:spcPts val="1000"/>
-              </a:spcBef>
-              <a:spcAft>
-                <a:spcPts val="200"/>
-              </a:spcAft>
-              <a:buFont typeface="Wingdings" panose="05000000000000000000" pitchFamily="2" charset="2"/>
-              <a:buChar char="v"/>
+            <a:pPr marL="800100" lvl="1" indent="-342900">
+              <a:lnSpc>
+                <a:spcPct val="94000"/>
+              </a:lnSpc>
+              <a:spcBef>
+                <a:spcPts val="1000"/>
+              </a:spcBef>
+              <a:spcAft>
+                <a:spcPts val="200"/>
+              </a:spcAft>
+              <a:buFont typeface="Arial" pitchFamily="34" charset="0"/>
+              <a:buChar char="•"/>
             </a:pPr>
             <a:r>
               <a:rPr lang="en-US" sz="2000" dirty="0" smtClean="0"/>
-              <a:t>Basic Timers(TIM6 and TIM7)</a:t>
-            </a:r>
+              <a:t>Assigns </a:t>
+            </a:r>
+            <a:r>
+              <a:rPr lang="en-US" sz="2000" dirty="0"/>
+              <a:t>the corresponding output pin to a programmable value defined by the output</a:t>
+            </a:r>
+            <a:br>
+              <a:rPr lang="en-US" sz="2000" dirty="0"/>
+            </a:br>
+            <a:r>
+              <a:rPr lang="en-US" sz="2000" dirty="0"/>
+              <a:t>compare mode (</a:t>
+            </a:r>
+            <a:r>
+              <a:rPr lang="en-US" sz="2000" dirty="0" err="1"/>
+              <a:t>OCxM</a:t>
+            </a:r>
+            <a:r>
+              <a:rPr lang="en-US" sz="2000" dirty="0"/>
+              <a:t> bits in the </a:t>
+            </a:r>
+            <a:r>
+              <a:rPr lang="en-US" sz="2000" dirty="0" err="1"/>
+              <a:t>TIMx_CCMRx</a:t>
+            </a:r>
+            <a:r>
+              <a:rPr lang="en-US" sz="2000" dirty="0"/>
+              <a:t> register) and the output polarity (</a:t>
+            </a:r>
+            <a:r>
+              <a:rPr lang="en-US" sz="2000" dirty="0" err="1"/>
+              <a:t>CCxP</a:t>
+            </a:r>
+            <a:r>
+              <a:rPr lang="en-US" sz="2000" dirty="0"/>
+              <a:t/>
+            </a:r>
+            <a:br>
+              <a:rPr lang="en-US" sz="2000" dirty="0"/>
+            </a:br>
+            <a:r>
+              <a:rPr lang="en-US" sz="2000" dirty="0"/>
+              <a:t>bit in the </a:t>
+            </a:r>
+            <a:r>
+              <a:rPr lang="en-US" sz="2000" dirty="0" err="1"/>
+              <a:t>TIMx_CCER</a:t>
+            </a:r>
+            <a:r>
+              <a:rPr lang="en-US" sz="2000" dirty="0"/>
+              <a:t> register). The output pin can keep its level (OCXM=000), be set</a:t>
+            </a:r>
+            <a:br>
+              <a:rPr lang="en-US" sz="2000" dirty="0"/>
+            </a:br>
+            <a:r>
+              <a:rPr lang="en-US" sz="2000" dirty="0"/>
+              <a:t>active (</a:t>
+            </a:r>
+            <a:r>
+              <a:rPr lang="en-US" sz="2000" dirty="0" err="1"/>
+              <a:t>OCxM</a:t>
+            </a:r>
+            <a:r>
+              <a:rPr lang="en-US" sz="2000" dirty="0"/>
+              <a:t>=001), be set inactive (</a:t>
+            </a:r>
+            <a:r>
+              <a:rPr lang="en-US" sz="2000" dirty="0" err="1"/>
+              <a:t>OCxM</a:t>
+            </a:r>
+            <a:r>
+              <a:rPr lang="en-US" sz="2000" dirty="0"/>
+              <a:t>=010) or can toggle (</a:t>
+            </a:r>
+            <a:r>
+              <a:rPr lang="en-US" sz="2000" dirty="0" err="1"/>
+              <a:t>OCxM</a:t>
+            </a:r>
+            <a:r>
+              <a:rPr lang="en-US" sz="2000" dirty="0"/>
+              <a:t>=011) on match.</a:t>
+            </a:r>
+            <a:br>
+              <a:rPr lang="en-US" sz="2000" dirty="0"/>
+            </a:br>
+            <a:endParaRPr lang="en-US" sz="2000" dirty="0"/>
+          </a:p>
+          <a:p>
+            <a:pPr marL="800100" lvl="1" indent="-342900">
+              <a:lnSpc>
+                <a:spcPct val="94000"/>
+              </a:lnSpc>
+              <a:spcBef>
+                <a:spcPts val="1000"/>
+              </a:spcBef>
+              <a:spcAft>
+                <a:spcPts val="200"/>
+              </a:spcAft>
+              <a:buFont typeface="Arial" pitchFamily="34" charset="0"/>
+              <a:buChar char="•"/>
+            </a:pPr>
+            <a:r>
+              <a:rPr lang="en-US" sz="2000" dirty="0" smtClean="0"/>
+              <a:t>Sets </a:t>
+            </a:r>
+            <a:r>
+              <a:rPr lang="en-US" sz="2000" dirty="0"/>
+              <a:t>a flag in the interrupt status register (</a:t>
+            </a:r>
+            <a:r>
+              <a:rPr lang="en-US" sz="2000" dirty="0" err="1"/>
+              <a:t>CCxIF</a:t>
+            </a:r>
+            <a:r>
+              <a:rPr lang="en-US" sz="2000" dirty="0"/>
+              <a:t> bit in the </a:t>
+            </a:r>
+            <a:r>
+              <a:rPr lang="en-US" sz="2000" dirty="0" err="1"/>
+              <a:t>TIMx_SR</a:t>
+            </a:r>
+            <a:r>
+              <a:rPr lang="en-US" sz="2000" dirty="0"/>
+              <a:t> register</a:t>
+            </a:r>
+            <a:r>
+              <a:rPr lang="en-US" sz="2000" dirty="0" smtClean="0"/>
+              <a:t>).</a:t>
+            </a:r>
+            <a:r>
+              <a:rPr lang="en-US" sz="2000" dirty="0"/>
+              <a:t/>
+            </a:r>
+            <a:br>
+              <a:rPr lang="en-US" sz="2000" dirty="0"/>
+            </a:br>
+            <a:r>
+              <a:rPr lang="en-US" sz="2000" dirty="0"/>
+              <a:t>The </a:t>
+            </a:r>
+            <a:r>
+              <a:rPr lang="en-US" sz="2000" dirty="0" err="1"/>
+              <a:t>TIMx_CCRx</a:t>
+            </a:r>
+            <a:r>
+              <a:rPr lang="en-US" sz="2000" dirty="0"/>
+              <a:t> registers can be programmed with or without preload registers using the</a:t>
+            </a:r>
+            <a:br>
+              <a:rPr lang="en-US" sz="2000" dirty="0"/>
+            </a:br>
+            <a:r>
+              <a:rPr lang="en-US" sz="2000" dirty="0" err="1"/>
+              <a:t>OCxPE</a:t>
+            </a:r>
+            <a:r>
+              <a:rPr lang="en-US" sz="2000" dirty="0"/>
+              <a:t> bit in the </a:t>
+            </a:r>
+            <a:r>
+              <a:rPr lang="en-US" sz="2000" dirty="0" err="1"/>
+              <a:t>TIMx_CCMRx</a:t>
+            </a:r>
+            <a:r>
+              <a:rPr lang="en-US" sz="2000" dirty="0"/>
+              <a:t> register</a:t>
+            </a:r>
+            <a:r>
+              <a:rPr lang="en-US" sz="2000" dirty="0" smtClean="0"/>
+              <a:t>.</a:t>
+            </a:r>
+          </a:p>
+          <a:p>
+            <a:pPr marL="800100" lvl="1" indent="-342900">
+              <a:lnSpc>
+                <a:spcPct val="94000"/>
+              </a:lnSpc>
+              <a:spcBef>
+                <a:spcPts val="1000"/>
+              </a:spcBef>
+              <a:spcAft>
+                <a:spcPts val="200"/>
+              </a:spcAft>
+              <a:buFont typeface="Arial" pitchFamily="34" charset="0"/>
+              <a:buChar char="•"/>
+            </a:pPr>
+            <a:r>
+              <a:rPr lang="en-US" sz="2000" dirty="0" smtClean="0"/>
+              <a:t>In </a:t>
+            </a:r>
+            <a:r>
+              <a:rPr lang="en-US" sz="2000" dirty="0"/>
+              <a:t>output compare mode, the update event UEV has no effect on </a:t>
+            </a:r>
+            <a:r>
+              <a:rPr lang="en-US" sz="2000" dirty="0" err="1"/>
+              <a:t>ocxref</a:t>
+            </a:r>
+            <a:r>
+              <a:rPr lang="en-US" sz="2000" dirty="0"/>
+              <a:t> and </a:t>
+            </a:r>
+            <a:r>
+              <a:rPr lang="en-US" sz="2000" dirty="0" err="1"/>
+              <a:t>OCx</a:t>
+            </a:r>
+            <a:r>
+              <a:rPr lang="en-US" sz="2000" dirty="0"/>
+              <a:t> output.</a:t>
+            </a:r>
+            <a:br>
+              <a:rPr lang="en-US" sz="2000" dirty="0"/>
+            </a:br>
+            <a:r>
+              <a:rPr lang="en-US" sz="2000" dirty="0"/>
+              <a:t>The timing resolution is one count of the counter. Output compare mode can also be used to</a:t>
+            </a:r>
+            <a:br>
+              <a:rPr lang="en-US" sz="2000" dirty="0"/>
+            </a:br>
+            <a:r>
+              <a:rPr lang="en-US" sz="2000" dirty="0"/>
+              <a:t>output a single pulse (in One-pulse mode).</a:t>
+            </a:r>
+            <a:br>
+              <a:rPr lang="en-US" sz="2000" dirty="0"/>
+            </a:br>
+            <a:r>
+              <a:rPr lang="en-US" sz="2000" dirty="0"/>
+              <a:t/>
+            </a:r>
+            <a:br>
+              <a:rPr lang="en-US" sz="2000" dirty="0"/>
+            </a:br>
+            <a:endParaRPr lang="en-US" sz="2000" dirty="0" smtClean="0"/>
           </a:p>
         </p:txBody>
       </p:sp>
@@ -6178,7 +13133,7 @@
   <a:extraClrSchemeLst/>
   <a:extLst>
     <a:ext uri="{05A4C25C-085E-4340-85A3-A5531E510DB2}">
-      <thm15:themeFamily xmlns="" xmlns:thm15="http://schemas.microsoft.com/office/thememl/2012/main" name="Office Theme" id="{62F939B6-93AF-4DB8-9C6B-D6C7DFDC589F}" vid="{4A3C46E8-61CC-4603-A589-7422A47A8E4A}"/>
+      <thm15:themeFamily xmlns:thm15="http://schemas.microsoft.com/office/thememl/2012/main" xmlns="" name="Office Theme" id="{62F939B6-93AF-4DB8-9C6B-D6C7DFDC589F}" vid="{4A3C46E8-61CC-4603-A589-7422A47A8E4A}"/>
     </a:ext>
   </a:extLst>
 </a:theme>
@@ -6439,7 +13394,7 @@
   <a:extraClrSchemeLst/>
   <a:extLst>
     <a:ext uri="{05A4C25C-085E-4340-85A3-A5531E510DB2}">
-      <thm15:themeFamily xmlns="" xmlns:thm15="http://schemas.microsoft.com/office/thememl/2012/main" name="Office Theme" id="{62F939B6-93AF-4DB8-9C6B-D6C7DFDC589F}" vid="{4A3C46E8-61CC-4603-A589-7422A47A8E4A}"/>
+      <thm15:themeFamily xmlns:thm15="http://schemas.microsoft.com/office/thememl/2012/main" xmlns="" name="Office Theme" id="{62F939B6-93AF-4DB8-9C6B-D6C7DFDC589F}" vid="{4A3C46E8-61CC-4603-A589-7422A47A8E4A}"/>
     </a:ext>
   </a:extLst>
 </a:theme>
@@ -6700,7 +13655,7 @@
   <a:extraClrSchemeLst/>
   <a:extLst>
     <a:ext uri="{05A4C25C-085E-4340-85A3-A5531E510DB2}">
-      <thm15:themeFamily xmlns="" xmlns:thm15="http://schemas.microsoft.com/office/thememl/2012/main" name="Office Theme" id="{62F939B6-93AF-4DB8-9C6B-D6C7DFDC589F}" vid="{4A3C46E8-61CC-4603-A589-7422A47A8E4A}"/>
+      <thm15:themeFamily xmlns:thm15="http://schemas.microsoft.com/office/thememl/2012/main" xmlns="" name="Office Theme" id="{62F939B6-93AF-4DB8-9C6B-D6C7DFDC589F}" vid="{4A3C46E8-61CC-4603-A589-7422A47A8E4A}"/>
     </a:ext>
   </a:extLst>
 </a:theme>

--- a/STM32_DOCS/STM32_CCP.pptx
+++ b/STM32_DOCS/STM32_CCP.pptx
@@ -5,10 +5,10 @@
     <p:sldMasterId id="2147483648" r:id="rId1"/>
   </p:sldMasterIdLst>
   <p:notesMasterIdLst>
-    <p:notesMasterId r:id="rId23"/>
+    <p:notesMasterId r:id="rId24"/>
   </p:notesMasterIdLst>
   <p:handoutMasterIdLst>
-    <p:handoutMasterId r:id="rId24"/>
+    <p:handoutMasterId r:id="rId25"/>
   </p:handoutMasterIdLst>
   <p:sldIdLst>
     <p:sldId id="324" r:id="rId2"/>
@@ -27,11 +27,12 @@
     <p:sldId id="347" r:id="rId15"/>
     <p:sldId id="334" r:id="rId16"/>
     <p:sldId id="337" r:id="rId17"/>
-    <p:sldId id="338" r:id="rId18"/>
-    <p:sldId id="343" r:id="rId19"/>
-    <p:sldId id="341" r:id="rId20"/>
-    <p:sldId id="348" r:id="rId21"/>
-    <p:sldId id="349" r:id="rId22"/>
+    <p:sldId id="350" r:id="rId18"/>
+    <p:sldId id="338" r:id="rId19"/>
+    <p:sldId id="343" r:id="rId20"/>
+    <p:sldId id="341" r:id="rId21"/>
+    <p:sldId id="348" r:id="rId22"/>
+    <p:sldId id="349" r:id="rId23"/>
   </p:sldIdLst>
   <p:sldSz cx="12192000" cy="6858000"/>
   <p:notesSz cx="6858000" cy="9144000"/>
@@ -132,7 +133,7 @@
   </p:defaultTextStyle>
   <p:extLst>
     <p:ext uri="{EFAFB233-063F-42B5-8137-9DF3F51BA10A}">
-      <p15:sldGuideLst xmlns:p15="http://schemas.microsoft.com/office/powerpoint/2012/main" xmlns=""/>
+      <p15:sldGuideLst xmlns="" xmlns:p15="http://schemas.microsoft.com/office/powerpoint/2012/main"/>
     </p:ext>
   </p:extLst>
 </p:presentation>
@@ -3814,14 +3815,6 @@
               </a:rPr>
               <a:t>Procedure</a:t>
             </a:r>
-            <a:endParaRPr lang="en-US" sz="2800" b="1" dirty="0" smtClean="0">
-              <a:solidFill>
-                <a:schemeClr val="accent1">
-                  <a:lumMod val="75000"/>
-                </a:schemeClr>
-              </a:solidFill>
-              <a:latin typeface="Facto Bold" panose="00000800000000000000" pitchFamily="50" charset="0"/>
-            </a:endParaRPr>
           </a:p>
         </p:txBody>
       </p:sp>
@@ -4201,14 +4194,6 @@
               </a:rPr>
               <a:t>Compare Block Diagram</a:t>
             </a:r>
-            <a:endParaRPr lang="en-US" sz="2800" b="1" dirty="0" smtClean="0">
-              <a:solidFill>
-                <a:schemeClr val="accent1">
-                  <a:lumMod val="75000"/>
-                </a:schemeClr>
-              </a:solidFill>
-              <a:latin typeface="Facto Bold" panose="00000800000000000000" pitchFamily="50" charset="0"/>
-            </a:endParaRPr>
           </a:p>
         </p:txBody>
       </p:sp>
@@ -4396,14 +4381,6 @@
               </a:rPr>
               <a:t>CCP Registers-each 16bit Register</a:t>
             </a:r>
-            <a:endParaRPr lang="en-US" sz="2800" b="1" dirty="0" smtClean="0">
-              <a:solidFill>
-                <a:schemeClr val="accent1">
-                  <a:lumMod val="75000"/>
-                </a:schemeClr>
-              </a:solidFill>
-              <a:latin typeface="Facto Bold" panose="00000800000000000000" pitchFamily="50" charset="0"/>
-            </a:endParaRPr>
           </a:p>
         </p:txBody>
       </p:sp>
@@ -4444,11 +4421,7 @@
             </a:pPr>
             <a:r>
               <a:rPr lang="en-US" sz="2000" dirty="0" smtClean="0"/>
-              <a:t>TIMx_CR</a:t>
-            </a:r>
-            <a:r>
-              <a:rPr lang="en-US" sz="2000" dirty="0" smtClean="0"/>
-              <a:t>1 		- Timer Control Register</a:t>
+              <a:t>TIMx_CR1 		- Timer Control Register</a:t>
             </a:r>
           </a:p>
           <a:p>
@@ -4708,14 +4681,6 @@
               </a:rPr>
               <a:t>Compare Program</a:t>
             </a:r>
-            <a:endParaRPr lang="en-US" sz="2800" b="1" dirty="0" smtClean="0">
-              <a:solidFill>
-                <a:schemeClr val="accent1">
-                  <a:lumMod val="75000"/>
-                </a:schemeClr>
-              </a:solidFill>
-              <a:latin typeface="Facto Bold" panose="00000800000000000000" pitchFamily="50" charset="0"/>
-            </a:endParaRPr>
           </a:p>
         </p:txBody>
       </p:sp>
@@ -6050,14 +6015,6 @@
               </a:rPr>
               <a:t>PWM-Pulse width Modulation</a:t>
             </a:r>
-            <a:endParaRPr lang="en-US" sz="2800" b="1" dirty="0" smtClean="0">
-              <a:solidFill>
-                <a:schemeClr val="accent1">
-                  <a:lumMod val="75000"/>
-                </a:schemeClr>
-              </a:solidFill>
-              <a:latin typeface="Facto Bold" panose="00000800000000000000" pitchFamily="50" charset="0"/>
-            </a:endParaRPr>
           </a:p>
         </p:txBody>
       </p:sp>
@@ -6749,11 +6706,7 @@
             </a:br>
             <a:r>
               <a:rPr lang="en-US" sz="2000" dirty="0"/>
-              <a:t>depending on the CMS bits in the TIMx_CR1 register</a:t>
-            </a:r>
-            <a:r>
-              <a:rPr lang="en-US" sz="2000" dirty="0"/>
-              <a:t> </a:t>
+              <a:t>depending on the CMS bits in the TIMx_CR1 register </a:t>
             </a:r>
             <a:br>
               <a:rPr lang="en-US" sz="2000" dirty="0"/>
@@ -6873,8 +6826,8 @@
         </p:nvSpPr>
         <p:spPr>
           <a:xfrm>
-            <a:off x="563010" y="556080"/>
-            <a:ext cx="6636281" cy="611932"/>
+            <a:off x="563010" y="219076"/>
+            <a:ext cx="9863138" cy="474468"/>
           </a:xfrm>
           <a:prstGeom prst="rect">
             <a:avLst/>
@@ -6914,7 +6867,7 @@
                 </a:solidFill>
                 <a:latin typeface="Facto Bold" panose="00000800000000000000" pitchFamily="50" charset="0"/>
               </a:rPr>
-              <a:t>PWM Block diagram</a:t>
+              <a:t>Duty Cycle</a:t>
             </a:r>
             <a:endParaRPr lang="en-US" sz="2800" b="1" dirty="0" smtClean="0">
               <a:solidFill>
@@ -6927,40 +6880,1283 @@
           </a:p>
         </p:txBody>
       </p:sp>
-      <p:pic>
-        <p:nvPicPr>
-          <p:cNvPr id="4" name="Picture 3"/>
-          <p:cNvPicPr>
-            <a:picLocks noChangeAspect="1"/>
-          </p:cNvPicPr>
+      <p:sp>
+        <p:nvSpPr>
+          <p:cNvPr id="6" name="TextBox 5"/>
+          <p:cNvSpPr txBox="1"/>
           <p:nvPr/>
-        </p:nvPicPr>
-        <p:blipFill>
-          <a:blip r:embed="rId3">
-            <a:extLst>
-              <a:ext uri="{28A0092B-C50C-407E-A947-70E740481C1C}">
-                <a14:useLocalDpi xmlns:a14="http://schemas.microsoft.com/office/drawing/2010/main" val="0"/>
-              </a:ext>
-            </a:extLst>
-          </a:blip>
-          <a:stretch>
-            <a:fillRect/>
-          </a:stretch>
-        </p:blipFill>
+        </p:nvSpPr>
         <p:spPr>
           <a:xfrm>
-            <a:off x="1571625" y="1804832"/>
-            <a:ext cx="6762750" cy="3314856"/>
+            <a:off x="563010" y="819151"/>
+            <a:ext cx="8504789" cy="5700022"/>
           </a:xfrm>
           <a:prstGeom prst="rect">
             <a:avLst/>
           </a:prstGeom>
+          <a:noFill/>
         </p:spPr>
-      </p:pic>
+        <p:txBody>
+          <a:bodyPr wrap="square" rtlCol="0">
+            <a:spAutoFit/>
+          </a:bodyPr>
+          <a:lstStyle/>
+          <a:p>
+            <a:pPr lvl="0" algn="just">
+              <a:lnSpc>
+                <a:spcPct val="94000"/>
+              </a:lnSpc>
+              <a:spcBef>
+                <a:spcPts val="1000"/>
+              </a:spcBef>
+              <a:spcAft>
+                <a:spcPts val="200"/>
+              </a:spcAft>
+            </a:pPr>
+            <a:r>
+              <a:rPr lang="en-US" sz="2000" dirty="0" smtClean="0"/>
+              <a:t>Duty Cycle % =On Time /(On Time +Off Time) *100</a:t>
+            </a:r>
+            <a:endParaRPr lang="en-US" sz="2000" dirty="0"/>
+          </a:p>
+          <a:p>
+            <a:pPr marL="384048" lvl="0" indent="-384048" algn="just">
+              <a:lnSpc>
+                <a:spcPct val="94000"/>
+              </a:lnSpc>
+              <a:spcBef>
+                <a:spcPts val="1000"/>
+              </a:spcBef>
+              <a:spcAft>
+                <a:spcPts val="200"/>
+              </a:spcAft>
+              <a:buFont typeface="Wingdings" panose="05000000000000000000" pitchFamily="2" charset="2"/>
+              <a:buChar char="v"/>
+            </a:pPr>
+            <a:r>
+              <a:rPr lang="en-US" sz="2000" dirty="0" smtClean="0"/>
+              <a:t>25% Duty</a:t>
+            </a:r>
+          </a:p>
+          <a:p>
+            <a:pPr lvl="0" algn="just">
+              <a:lnSpc>
+                <a:spcPct val="94000"/>
+              </a:lnSpc>
+              <a:spcBef>
+                <a:spcPts val="1000"/>
+              </a:spcBef>
+              <a:spcAft>
+                <a:spcPts val="200"/>
+              </a:spcAft>
+            </a:pPr>
+            <a:endParaRPr lang="en-US" sz="2000" dirty="0" smtClean="0"/>
+          </a:p>
+          <a:p>
+            <a:pPr lvl="0" algn="just">
+              <a:lnSpc>
+                <a:spcPct val="94000"/>
+              </a:lnSpc>
+              <a:spcBef>
+                <a:spcPts val="1000"/>
+              </a:spcBef>
+              <a:spcAft>
+                <a:spcPts val="200"/>
+              </a:spcAft>
+            </a:pPr>
+            <a:endParaRPr lang="en-US" sz="2000" dirty="0"/>
+          </a:p>
+          <a:p>
+            <a:pPr lvl="0" algn="just">
+              <a:lnSpc>
+                <a:spcPct val="94000"/>
+              </a:lnSpc>
+              <a:spcBef>
+                <a:spcPts val="1000"/>
+              </a:spcBef>
+              <a:spcAft>
+                <a:spcPts val="200"/>
+              </a:spcAft>
+            </a:pPr>
+            <a:endParaRPr lang="en-US" sz="2000" dirty="0" smtClean="0"/>
+          </a:p>
+          <a:p>
+            <a:pPr lvl="0" algn="just">
+              <a:lnSpc>
+                <a:spcPct val="94000"/>
+              </a:lnSpc>
+              <a:spcBef>
+                <a:spcPts val="1000"/>
+              </a:spcBef>
+              <a:spcAft>
+                <a:spcPts val="200"/>
+              </a:spcAft>
+            </a:pPr>
+            <a:endParaRPr lang="en-US" sz="2000" dirty="0"/>
+          </a:p>
+          <a:p>
+            <a:pPr marL="342900" lvl="0" indent="-342900" algn="just">
+              <a:lnSpc>
+                <a:spcPct val="94000"/>
+              </a:lnSpc>
+              <a:spcBef>
+                <a:spcPts val="1000"/>
+              </a:spcBef>
+              <a:spcAft>
+                <a:spcPts val="200"/>
+              </a:spcAft>
+              <a:buFont typeface="Wingdings" pitchFamily="2" charset="2"/>
+              <a:buChar char="v"/>
+            </a:pPr>
+            <a:r>
+              <a:rPr lang="en-US" sz="2000" dirty="0" smtClean="0"/>
+              <a:t>50% Duty</a:t>
+            </a:r>
+          </a:p>
+          <a:p>
+            <a:pPr marL="342900" lvl="0" indent="-342900" algn="just">
+              <a:lnSpc>
+                <a:spcPct val="94000"/>
+              </a:lnSpc>
+              <a:spcBef>
+                <a:spcPts val="1000"/>
+              </a:spcBef>
+              <a:spcAft>
+                <a:spcPts val="200"/>
+              </a:spcAft>
+              <a:buFont typeface="Wingdings" pitchFamily="2" charset="2"/>
+              <a:buChar char="v"/>
+            </a:pPr>
+            <a:endParaRPr lang="en-US" sz="2000" dirty="0" smtClean="0"/>
+          </a:p>
+          <a:p>
+            <a:pPr lvl="0" algn="just">
+              <a:lnSpc>
+                <a:spcPct val="94000"/>
+              </a:lnSpc>
+              <a:spcBef>
+                <a:spcPts val="1000"/>
+              </a:spcBef>
+              <a:spcAft>
+                <a:spcPts val="200"/>
+              </a:spcAft>
+            </a:pPr>
+            <a:endParaRPr lang="en-US" sz="2000" dirty="0"/>
+          </a:p>
+          <a:p>
+            <a:pPr marL="342900" lvl="0" indent="-342900" algn="just">
+              <a:lnSpc>
+                <a:spcPct val="94000"/>
+              </a:lnSpc>
+              <a:spcBef>
+                <a:spcPts val="1000"/>
+              </a:spcBef>
+              <a:spcAft>
+                <a:spcPts val="200"/>
+              </a:spcAft>
+              <a:buFont typeface="Wingdings" pitchFamily="2" charset="2"/>
+              <a:buChar char="v"/>
+            </a:pPr>
+            <a:r>
+              <a:rPr lang="en-US" sz="2000" dirty="0" smtClean="0"/>
+              <a:t>75% Duty</a:t>
+            </a:r>
+          </a:p>
+          <a:p>
+            <a:pPr marL="342900" lvl="0" indent="-342900" algn="just">
+              <a:lnSpc>
+                <a:spcPct val="94000"/>
+              </a:lnSpc>
+              <a:spcBef>
+                <a:spcPts val="1000"/>
+              </a:spcBef>
+              <a:spcAft>
+                <a:spcPts val="200"/>
+              </a:spcAft>
+              <a:buFont typeface="Wingdings" pitchFamily="2" charset="2"/>
+              <a:buChar char="v"/>
+            </a:pPr>
+            <a:endParaRPr lang="en-US" sz="2000" dirty="0"/>
+          </a:p>
+          <a:p>
+            <a:pPr marL="342900" lvl="0" indent="-342900" algn="just">
+              <a:lnSpc>
+                <a:spcPct val="94000"/>
+              </a:lnSpc>
+              <a:spcBef>
+                <a:spcPts val="1000"/>
+              </a:spcBef>
+              <a:spcAft>
+                <a:spcPts val="200"/>
+              </a:spcAft>
+              <a:buFont typeface="Wingdings" pitchFamily="2" charset="2"/>
+              <a:buChar char="v"/>
+            </a:pPr>
+            <a:endParaRPr lang="en-US" sz="2000" dirty="0"/>
+          </a:p>
+          <a:p>
+            <a:pPr marL="342900" lvl="0" indent="-342900" algn="just">
+              <a:lnSpc>
+                <a:spcPct val="94000"/>
+              </a:lnSpc>
+              <a:spcBef>
+                <a:spcPts val="1000"/>
+              </a:spcBef>
+              <a:spcAft>
+                <a:spcPts val="200"/>
+              </a:spcAft>
+              <a:buFont typeface="Wingdings" pitchFamily="2" charset="2"/>
+              <a:buChar char="v"/>
+            </a:pPr>
+            <a:endParaRPr lang="en-US" sz="2000" dirty="0"/>
+          </a:p>
+        </p:txBody>
+      </p:sp>
+      <p:cxnSp>
+        <p:nvCxnSpPr>
+          <p:cNvPr id="30" name="Straight Connector 29"/>
+          <p:cNvCxnSpPr/>
+          <p:nvPr/>
+        </p:nvCxnSpPr>
+        <p:spPr>
+          <a:xfrm flipV="1">
+            <a:off x="1813003" y="5172069"/>
+            <a:ext cx="647701" cy="9524"/>
+          </a:xfrm>
+          <a:prstGeom prst="line">
+            <a:avLst/>
+          </a:prstGeom>
+          <a:ln>
+            <a:solidFill>
+              <a:schemeClr val="tx1"/>
+            </a:solidFill>
+          </a:ln>
+        </p:spPr>
+        <p:style>
+          <a:lnRef idx="1">
+            <a:schemeClr val="accent1"/>
+          </a:lnRef>
+          <a:fillRef idx="0">
+            <a:schemeClr val="accent1"/>
+          </a:fillRef>
+          <a:effectRef idx="0">
+            <a:schemeClr val="accent1"/>
+          </a:effectRef>
+          <a:fontRef idx="minor">
+            <a:schemeClr val="tx1"/>
+          </a:fontRef>
+        </p:style>
+      </p:cxnSp>
+      <p:cxnSp>
+        <p:nvCxnSpPr>
+          <p:cNvPr id="31" name="Straight Connector 30"/>
+          <p:cNvCxnSpPr/>
+          <p:nvPr/>
+        </p:nvCxnSpPr>
+        <p:spPr>
+          <a:xfrm flipH="1">
+            <a:off x="1813002" y="5181593"/>
+            <a:ext cx="1" cy="523875"/>
+          </a:xfrm>
+          <a:prstGeom prst="line">
+            <a:avLst/>
+          </a:prstGeom>
+          <a:ln>
+            <a:solidFill>
+              <a:schemeClr val="tx1"/>
+            </a:solidFill>
+          </a:ln>
+        </p:spPr>
+        <p:style>
+          <a:lnRef idx="1">
+            <a:schemeClr val="accent1"/>
+          </a:lnRef>
+          <a:fillRef idx="0">
+            <a:schemeClr val="accent1"/>
+          </a:fillRef>
+          <a:effectRef idx="0">
+            <a:schemeClr val="accent1"/>
+          </a:effectRef>
+          <a:fontRef idx="minor">
+            <a:schemeClr val="tx1"/>
+          </a:fontRef>
+        </p:style>
+      </p:cxnSp>
+      <p:cxnSp>
+        <p:nvCxnSpPr>
+          <p:cNvPr id="32" name="Straight Connector 31"/>
+          <p:cNvCxnSpPr/>
+          <p:nvPr/>
+        </p:nvCxnSpPr>
+        <p:spPr>
+          <a:xfrm flipH="1">
+            <a:off x="2464184" y="5172068"/>
+            <a:ext cx="1" cy="523875"/>
+          </a:xfrm>
+          <a:prstGeom prst="line">
+            <a:avLst/>
+          </a:prstGeom>
+          <a:ln>
+            <a:solidFill>
+              <a:schemeClr val="tx1"/>
+            </a:solidFill>
+          </a:ln>
+        </p:spPr>
+        <p:style>
+          <a:lnRef idx="1">
+            <a:schemeClr val="accent1"/>
+          </a:lnRef>
+          <a:fillRef idx="0">
+            <a:schemeClr val="accent1"/>
+          </a:fillRef>
+          <a:effectRef idx="0">
+            <a:schemeClr val="accent1"/>
+          </a:effectRef>
+          <a:fontRef idx="minor">
+            <a:schemeClr val="tx1"/>
+          </a:fontRef>
+        </p:style>
+      </p:cxnSp>
+      <p:cxnSp>
+        <p:nvCxnSpPr>
+          <p:cNvPr id="33" name="Straight Connector 32"/>
+          <p:cNvCxnSpPr/>
+          <p:nvPr/>
+        </p:nvCxnSpPr>
+        <p:spPr>
+          <a:xfrm>
+            <a:off x="2460703" y="5695944"/>
+            <a:ext cx="417983" cy="9524"/>
+          </a:xfrm>
+          <a:prstGeom prst="line">
+            <a:avLst/>
+          </a:prstGeom>
+          <a:ln>
+            <a:solidFill>
+              <a:schemeClr val="tx1"/>
+            </a:solidFill>
+          </a:ln>
+        </p:spPr>
+        <p:style>
+          <a:lnRef idx="1">
+            <a:schemeClr val="accent1"/>
+          </a:lnRef>
+          <a:fillRef idx="0">
+            <a:schemeClr val="accent1"/>
+          </a:fillRef>
+          <a:effectRef idx="0">
+            <a:schemeClr val="accent1"/>
+          </a:effectRef>
+          <a:fontRef idx="minor">
+            <a:schemeClr val="tx1"/>
+          </a:fontRef>
+        </p:style>
+      </p:cxnSp>
+      <p:cxnSp>
+        <p:nvCxnSpPr>
+          <p:cNvPr id="34" name="Straight Connector 33"/>
+          <p:cNvCxnSpPr/>
+          <p:nvPr/>
+        </p:nvCxnSpPr>
+        <p:spPr>
+          <a:xfrm flipH="1">
+            <a:off x="2878686" y="5172067"/>
+            <a:ext cx="1" cy="523875"/>
+          </a:xfrm>
+          <a:prstGeom prst="line">
+            <a:avLst/>
+          </a:prstGeom>
+          <a:ln>
+            <a:solidFill>
+              <a:schemeClr val="tx1"/>
+            </a:solidFill>
+          </a:ln>
+        </p:spPr>
+        <p:style>
+          <a:lnRef idx="1">
+            <a:schemeClr val="accent1"/>
+          </a:lnRef>
+          <a:fillRef idx="0">
+            <a:schemeClr val="accent1"/>
+          </a:fillRef>
+          <a:effectRef idx="0">
+            <a:schemeClr val="accent1"/>
+          </a:effectRef>
+          <a:fontRef idx="minor">
+            <a:schemeClr val="tx1"/>
+          </a:fontRef>
+        </p:style>
+      </p:cxnSp>
+      <p:cxnSp>
+        <p:nvCxnSpPr>
+          <p:cNvPr id="36" name="Straight Connector 35"/>
+          <p:cNvCxnSpPr/>
+          <p:nvPr/>
+        </p:nvCxnSpPr>
+        <p:spPr>
+          <a:xfrm>
+            <a:off x="2878687" y="5172069"/>
+            <a:ext cx="605791" cy="9524"/>
+          </a:xfrm>
+          <a:prstGeom prst="line">
+            <a:avLst/>
+          </a:prstGeom>
+          <a:ln>
+            <a:solidFill>
+              <a:schemeClr val="tx1"/>
+            </a:solidFill>
+          </a:ln>
+        </p:spPr>
+        <p:style>
+          <a:lnRef idx="1">
+            <a:schemeClr val="accent1"/>
+          </a:lnRef>
+          <a:fillRef idx="0">
+            <a:schemeClr val="accent1"/>
+          </a:fillRef>
+          <a:effectRef idx="0">
+            <a:schemeClr val="accent1"/>
+          </a:effectRef>
+          <a:fontRef idx="minor">
+            <a:schemeClr val="tx1"/>
+          </a:fontRef>
+        </p:style>
+      </p:cxnSp>
+      <p:cxnSp>
+        <p:nvCxnSpPr>
+          <p:cNvPr id="37" name="Straight Connector 36"/>
+          <p:cNvCxnSpPr/>
+          <p:nvPr/>
+        </p:nvCxnSpPr>
+        <p:spPr>
+          <a:xfrm>
+            <a:off x="3487729" y="5695943"/>
+            <a:ext cx="417983" cy="9524"/>
+          </a:xfrm>
+          <a:prstGeom prst="line">
+            <a:avLst/>
+          </a:prstGeom>
+          <a:ln>
+            <a:solidFill>
+              <a:schemeClr val="tx1"/>
+            </a:solidFill>
+          </a:ln>
+        </p:spPr>
+        <p:style>
+          <a:lnRef idx="1">
+            <a:schemeClr val="accent1"/>
+          </a:lnRef>
+          <a:fillRef idx="0">
+            <a:schemeClr val="accent1"/>
+          </a:fillRef>
+          <a:effectRef idx="0">
+            <a:schemeClr val="accent1"/>
+          </a:effectRef>
+          <a:fontRef idx="minor">
+            <a:schemeClr val="tx1"/>
+          </a:fontRef>
+        </p:style>
+      </p:cxnSp>
+      <p:cxnSp>
+        <p:nvCxnSpPr>
+          <p:cNvPr id="38" name="Straight Connector 37"/>
+          <p:cNvCxnSpPr/>
+          <p:nvPr/>
+        </p:nvCxnSpPr>
+        <p:spPr>
+          <a:xfrm flipH="1">
+            <a:off x="3484478" y="5181593"/>
+            <a:ext cx="1" cy="523875"/>
+          </a:xfrm>
+          <a:prstGeom prst="line">
+            <a:avLst/>
+          </a:prstGeom>
+          <a:ln>
+            <a:solidFill>
+              <a:schemeClr val="tx1"/>
+            </a:solidFill>
+          </a:ln>
+        </p:spPr>
+        <p:style>
+          <a:lnRef idx="1">
+            <a:schemeClr val="accent1"/>
+          </a:lnRef>
+          <a:fillRef idx="0">
+            <a:schemeClr val="accent1"/>
+          </a:fillRef>
+          <a:effectRef idx="0">
+            <a:schemeClr val="accent1"/>
+          </a:effectRef>
+          <a:fontRef idx="minor">
+            <a:schemeClr val="tx1"/>
+          </a:fontRef>
+        </p:style>
+      </p:cxnSp>
+      <p:cxnSp>
+        <p:nvCxnSpPr>
+          <p:cNvPr id="39" name="Straight Connector 38"/>
+          <p:cNvCxnSpPr/>
+          <p:nvPr/>
+        </p:nvCxnSpPr>
+        <p:spPr>
+          <a:xfrm>
+            <a:off x="1876425" y="1819275"/>
+            <a:ext cx="400050" cy="0"/>
+          </a:xfrm>
+          <a:prstGeom prst="line">
+            <a:avLst/>
+          </a:prstGeom>
+          <a:ln>
+            <a:solidFill>
+              <a:schemeClr val="tx1"/>
+            </a:solidFill>
+          </a:ln>
+        </p:spPr>
+        <p:style>
+          <a:lnRef idx="1">
+            <a:schemeClr val="accent1"/>
+          </a:lnRef>
+          <a:fillRef idx="0">
+            <a:schemeClr val="accent1"/>
+          </a:fillRef>
+          <a:effectRef idx="0">
+            <a:schemeClr val="accent1"/>
+          </a:effectRef>
+          <a:fontRef idx="minor">
+            <a:schemeClr val="tx1"/>
+          </a:fontRef>
+        </p:style>
+      </p:cxnSp>
+      <p:cxnSp>
+        <p:nvCxnSpPr>
+          <p:cNvPr id="40" name="Straight Connector 39"/>
+          <p:cNvCxnSpPr/>
+          <p:nvPr/>
+        </p:nvCxnSpPr>
+        <p:spPr>
+          <a:xfrm flipH="1">
+            <a:off x="2276475" y="1819275"/>
+            <a:ext cx="1" cy="523875"/>
+          </a:xfrm>
+          <a:prstGeom prst="line">
+            <a:avLst/>
+          </a:prstGeom>
+          <a:ln>
+            <a:solidFill>
+              <a:schemeClr val="tx1"/>
+            </a:solidFill>
+          </a:ln>
+        </p:spPr>
+        <p:style>
+          <a:lnRef idx="1">
+            <a:schemeClr val="accent1"/>
+          </a:lnRef>
+          <a:fillRef idx="0">
+            <a:schemeClr val="accent1"/>
+          </a:fillRef>
+          <a:effectRef idx="0">
+            <a:schemeClr val="accent1"/>
+          </a:effectRef>
+          <a:fontRef idx="minor">
+            <a:schemeClr val="tx1"/>
+          </a:fontRef>
+        </p:style>
+      </p:cxnSp>
+      <p:cxnSp>
+        <p:nvCxnSpPr>
+          <p:cNvPr id="41" name="Straight Connector 40"/>
+          <p:cNvCxnSpPr/>
+          <p:nvPr/>
+        </p:nvCxnSpPr>
+        <p:spPr>
+          <a:xfrm>
+            <a:off x="2276475" y="2343150"/>
+            <a:ext cx="771525" cy="0"/>
+          </a:xfrm>
+          <a:prstGeom prst="line">
+            <a:avLst/>
+          </a:prstGeom>
+          <a:ln>
+            <a:solidFill>
+              <a:schemeClr val="tx1"/>
+            </a:solidFill>
+          </a:ln>
+        </p:spPr>
+        <p:style>
+          <a:lnRef idx="1">
+            <a:schemeClr val="accent1"/>
+          </a:lnRef>
+          <a:fillRef idx="0">
+            <a:schemeClr val="accent1"/>
+          </a:fillRef>
+          <a:effectRef idx="0">
+            <a:schemeClr val="accent1"/>
+          </a:effectRef>
+          <a:fontRef idx="minor">
+            <a:schemeClr val="tx1"/>
+          </a:fontRef>
+        </p:style>
+      </p:cxnSp>
+      <p:cxnSp>
+        <p:nvCxnSpPr>
+          <p:cNvPr id="42" name="Straight Connector 41"/>
+          <p:cNvCxnSpPr/>
+          <p:nvPr/>
+        </p:nvCxnSpPr>
+        <p:spPr>
+          <a:xfrm flipH="1">
+            <a:off x="3028950" y="1819275"/>
+            <a:ext cx="1" cy="523875"/>
+          </a:xfrm>
+          <a:prstGeom prst="line">
+            <a:avLst/>
+          </a:prstGeom>
+          <a:ln>
+            <a:solidFill>
+              <a:schemeClr val="tx1"/>
+            </a:solidFill>
+          </a:ln>
+        </p:spPr>
+        <p:style>
+          <a:lnRef idx="1">
+            <a:schemeClr val="accent1"/>
+          </a:lnRef>
+          <a:fillRef idx="0">
+            <a:schemeClr val="accent1"/>
+          </a:fillRef>
+          <a:effectRef idx="0">
+            <a:schemeClr val="accent1"/>
+          </a:effectRef>
+          <a:fontRef idx="minor">
+            <a:schemeClr val="tx1"/>
+          </a:fontRef>
+        </p:style>
+      </p:cxnSp>
+      <p:cxnSp>
+        <p:nvCxnSpPr>
+          <p:cNvPr id="43" name="Straight Connector 42"/>
+          <p:cNvCxnSpPr/>
+          <p:nvPr/>
+        </p:nvCxnSpPr>
+        <p:spPr>
+          <a:xfrm flipH="1">
+            <a:off x="1876425" y="1833562"/>
+            <a:ext cx="1" cy="523875"/>
+          </a:xfrm>
+          <a:prstGeom prst="line">
+            <a:avLst/>
+          </a:prstGeom>
+          <a:ln>
+            <a:solidFill>
+              <a:schemeClr val="tx1"/>
+            </a:solidFill>
+          </a:ln>
+        </p:spPr>
+        <p:style>
+          <a:lnRef idx="1">
+            <a:schemeClr val="accent1"/>
+          </a:lnRef>
+          <a:fillRef idx="0">
+            <a:schemeClr val="accent1"/>
+          </a:fillRef>
+          <a:effectRef idx="0">
+            <a:schemeClr val="accent1"/>
+          </a:effectRef>
+          <a:fontRef idx="minor">
+            <a:schemeClr val="tx1"/>
+          </a:fontRef>
+        </p:style>
+      </p:cxnSp>
+      <p:cxnSp>
+        <p:nvCxnSpPr>
+          <p:cNvPr id="44" name="Straight Connector 43"/>
+          <p:cNvCxnSpPr/>
+          <p:nvPr/>
+        </p:nvCxnSpPr>
+        <p:spPr>
+          <a:xfrm>
+            <a:off x="3028950" y="1833562"/>
+            <a:ext cx="400050" cy="0"/>
+          </a:xfrm>
+          <a:prstGeom prst="line">
+            <a:avLst/>
+          </a:prstGeom>
+          <a:ln>
+            <a:solidFill>
+              <a:schemeClr val="tx1"/>
+            </a:solidFill>
+          </a:ln>
+        </p:spPr>
+        <p:style>
+          <a:lnRef idx="1">
+            <a:schemeClr val="accent1"/>
+          </a:lnRef>
+          <a:fillRef idx="0">
+            <a:schemeClr val="accent1"/>
+          </a:fillRef>
+          <a:effectRef idx="0">
+            <a:schemeClr val="accent1"/>
+          </a:effectRef>
+          <a:fontRef idx="minor">
+            <a:schemeClr val="tx1"/>
+          </a:fontRef>
+        </p:style>
+      </p:cxnSp>
+      <p:cxnSp>
+        <p:nvCxnSpPr>
+          <p:cNvPr id="45" name="Straight Connector 44"/>
+          <p:cNvCxnSpPr/>
+          <p:nvPr/>
+        </p:nvCxnSpPr>
+        <p:spPr>
+          <a:xfrm flipH="1">
+            <a:off x="3429000" y="1833562"/>
+            <a:ext cx="1" cy="523875"/>
+          </a:xfrm>
+          <a:prstGeom prst="line">
+            <a:avLst/>
+          </a:prstGeom>
+          <a:ln>
+            <a:solidFill>
+              <a:schemeClr val="tx1"/>
+            </a:solidFill>
+          </a:ln>
+        </p:spPr>
+        <p:style>
+          <a:lnRef idx="1">
+            <a:schemeClr val="accent1"/>
+          </a:lnRef>
+          <a:fillRef idx="0">
+            <a:schemeClr val="accent1"/>
+          </a:fillRef>
+          <a:effectRef idx="0">
+            <a:schemeClr val="accent1"/>
+          </a:effectRef>
+          <a:fontRef idx="minor">
+            <a:schemeClr val="tx1"/>
+          </a:fontRef>
+        </p:style>
+      </p:cxnSp>
+      <p:cxnSp>
+        <p:nvCxnSpPr>
+          <p:cNvPr id="46" name="Straight Connector 45"/>
+          <p:cNvCxnSpPr/>
+          <p:nvPr/>
+        </p:nvCxnSpPr>
+        <p:spPr>
+          <a:xfrm>
+            <a:off x="3429000" y="2357437"/>
+            <a:ext cx="771525" cy="0"/>
+          </a:xfrm>
+          <a:prstGeom prst="line">
+            <a:avLst/>
+          </a:prstGeom>
+          <a:ln>
+            <a:solidFill>
+              <a:schemeClr val="tx1"/>
+            </a:solidFill>
+          </a:ln>
+        </p:spPr>
+        <p:style>
+          <a:lnRef idx="1">
+            <a:schemeClr val="accent1"/>
+          </a:lnRef>
+          <a:fillRef idx="0">
+            <a:schemeClr val="accent1"/>
+          </a:fillRef>
+          <a:effectRef idx="0">
+            <a:schemeClr val="accent1"/>
+          </a:effectRef>
+          <a:fontRef idx="minor">
+            <a:schemeClr val="tx1"/>
+          </a:fontRef>
+        </p:style>
+      </p:cxnSp>
+      <p:cxnSp>
+        <p:nvCxnSpPr>
+          <p:cNvPr id="47" name="Straight Arrow Connector 46"/>
+          <p:cNvCxnSpPr/>
+          <p:nvPr/>
+        </p:nvCxnSpPr>
+        <p:spPr>
+          <a:xfrm>
+            <a:off x="1876426" y="2571750"/>
+            <a:ext cx="400050" cy="0"/>
+          </a:xfrm>
+          <a:prstGeom prst="straightConnector1">
+            <a:avLst/>
+          </a:prstGeom>
+          <a:ln>
+            <a:solidFill>
+              <a:srgbClr val="FF0000"/>
+            </a:solidFill>
+            <a:headEnd type="arrow"/>
+            <a:tailEnd type="arrow"/>
+          </a:ln>
+        </p:spPr>
+        <p:style>
+          <a:lnRef idx="1">
+            <a:schemeClr val="accent1"/>
+          </a:lnRef>
+          <a:fillRef idx="0">
+            <a:schemeClr val="accent1"/>
+          </a:fillRef>
+          <a:effectRef idx="0">
+            <a:schemeClr val="accent1"/>
+          </a:effectRef>
+          <a:fontRef idx="minor">
+            <a:schemeClr val="tx1"/>
+          </a:fontRef>
+        </p:style>
+      </p:cxnSp>
+      <p:sp>
+        <p:nvSpPr>
+          <p:cNvPr id="48" name="TextBox 47"/>
+          <p:cNvSpPr txBox="1"/>
+          <p:nvPr/>
+        </p:nvSpPr>
+        <p:spPr>
+          <a:xfrm>
+            <a:off x="1720954" y="2581275"/>
+            <a:ext cx="659155" cy="261610"/>
+          </a:xfrm>
+          <a:prstGeom prst="rect">
+            <a:avLst/>
+          </a:prstGeom>
+          <a:noFill/>
+        </p:spPr>
+        <p:txBody>
+          <a:bodyPr wrap="none" rtlCol="0">
+            <a:spAutoFit/>
+          </a:bodyPr>
+          <a:lstStyle/>
+          <a:p>
+            <a:r>
+              <a:rPr lang="en-US" sz="1100" b="1" dirty="0" smtClean="0"/>
+              <a:t>On time</a:t>
+            </a:r>
+            <a:endParaRPr lang="en-US" sz="1100" b="1" dirty="0"/>
+          </a:p>
+        </p:txBody>
+      </p:sp>
+      <p:cxnSp>
+        <p:nvCxnSpPr>
+          <p:cNvPr id="49" name="Straight Arrow Connector 48"/>
+          <p:cNvCxnSpPr/>
+          <p:nvPr/>
+        </p:nvCxnSpPr>
+        <p:spPr>
+          <a:xfrm>
+            <a:off x="2276476" y="2571750"/>
+            <a:ext cx="752475" cy="0"/>
+          </a:xfrm>
+          <a:prstGeom prst="straightConnector1">
+            <a:avLst/>
+          </a:prstGeom>
+          <a:ln>
+            <a:solidFill>
+              <a:srgbClr val="FF0000"/>
+            </a:solidFill>
+            <a:headEnd type="arrow"/>
+            <a:tailEnd type="arrow"/>
+          </a:ln>
+        </p:spPr>
+        <p:style>
+          <a:lnRef idx="1">
+            <a:schemeClr val="accent1"/>
+          </a:lnRef>
+          <a:fillRef idx="0">
+            <a:schemeClr val="accent1"/>
+          </a:fillRef>
+          <a:effectRef idx="0">
+            <a:schemeClr val="accent1"/>
+          </a:effectRef>
+          <a:fontRef idx="minor">
+            <a:schemeClr val="tx1"/>
+          </a:fontRef>
+        </p:style>
+      </p:cxnSp>
+      <p:sp>
+        <p:nvSpPr>
+          <p:cNvPr id="50" name="TextBox 49"/>
+          <p:cNvSpPr txBox="1"/>
+          <p:nvPr/>
+        </p:nvSpPr>
+        <p:spPr>
+          <a:xfrm>
+            <a:off x="2365682" y="2602870"/>
+            <a:ext cx="673582" cy="261610"/>
+          </a:xfrm>
+          <a:prstGeom prst="rect">
+            <a:avLst/>
+          </a:prstGeom>
+          <a:noFill/>
+        </p:spPr>
+        <p:txBody>
+          <a:bodyPr wrap="none" rtlCol="0">
+            <a:spAutoFit/>
+          </a:bodyPr>
+          <a:lstStyle/>
+          <a:p>
+            <a:r>
+              <a:rPr lang="en-US" sz="1100" b="1" dirty="0" smtClean="0"/>
+              <a:t>Off time</a:t>
+            </a:r>
+            <a:endParaRPr lang="en-US" sz="1100" b="1" dirty="0"/>
+          </a:p>
+        </p:txBody>
+      </p:sp>
+      <p:cxnSp>
+        <p:nvCxnSpPr>
+          <p:cNvPr id="51" name="Straight Arrow Connector 50"/>
+          <p:cNvCxnSpPr/>
+          <p:nvPr/>
+        </p:nvCxnSpPr>
+        <p:spPr>
+          <a:xfrm>
+            <a:off x="1828802" y="3000375"/>
+            <a:ext cx="1200149" cy="0"/>
+          </a:xfrm>
+          <a:prstGeom prst="straightConnector1">
+            <a:avLst/>
+          </a:prstGeom>
+          <a:ln>
+            <a:solidFill>
+              <a:srgbClr val="FF0000"/>
+            </a:solidFill>
+            <a:headEnd type="arrow"/>
+            <a:tailEnd type="arrow"/>
+          </a:ln>
+        </p:spPr>
+        <p:style>
+          <a:lnRef idx="1">
+            <a:schemeClr val="accent1"/>
+          </a:lnRef>
+          <a:fillRef idx="0">
+            <a:schemeClr val="accent1"/>
+          </a:fillRef>
+          <a:effectRef idx="0">
+            <a:schemeClr val="accent1"/>
+          </a:effectRef>
+          <a:fontRef idx="minor">
+            <a:schemeClr val="tx1"/>
+          </a:fontRef>
+        </p:style>
+      </p:cxnSp>
+      <p:sp>
+        <p:nvSpPr>
+          <p:cNvPr id="52" name="TextBox 51"/>
+          <p:cNvSpPr txBox="1"/>
+          <p:nvPr/>
+        </p:nvSpPr>
+        <p:spPr>
+          <a:xfrm>
+            <a:off x="1876426" y="3005465"/>
+            <a:ext cx="1194432" cy="261610"/>
+          </a:xfrm>
+          <a:prstGeom prst="rect">
+            <a:avLst/>
+          </a:prstGeom>
+          <a:noFill/>
+        </p:spPr>
+        <p:txBody>
+          <a:bodyPr wrap="square" rtlCol="0">
+            <a:spAutoFit/>
+          </a:bodyPr>
+          <a:lstStyle/>
+          <a:p>
+            <a:r>
+              <a:rPr lang="en-US" sz="1100" b="1" dirty="0" smtClean="0"/>
+              <a:t>Time Period</a:t>
+            </a:r>
+            <a:endParaRPr lang="en-US" sz="1100" b="1" dirty="0"/>
+          </a:p>
+        </p:txBody>
+      </p:sp>
+      <p:cxnSp>
+        <p:nvCxnSpPr>
+          <p:cNvPr id="53" name="Straight Connector 52"/>
+          <p:cNvCxnSpPr/>
+          <p:nvPr/>
+        </p:nvCxnSpPr>
+        <p:spPr>
+          <a:xfrm>
+            <a:off x="1865786" y="3881237"/>
+            <a:ext cx="400050" cy="0"/>
+          </a:xfrm>
+          <a:prstGeom prst="line">
+            <a:avLst/>
+          </a:prstGeom>
+          <a:ln>
+            <a:solidFill>
+              <a:schemeClr val="tx1"/>
+            </a:solidFill>
+          </a:ln>
+        </p:spPr>
+        <p:style>
+          <a:lnRef idx="1">
+            <a:schemeClr val="accent1"/>
+          </a:lnRef>
+          <a:fillRef idx="0">
+            <a:schemeClr val="accent1"/>
+          </a:fillRef>
+          <a:effectRef idx="0">
+            <a:schemeClr val="accent1"/>
+          </a:effectRef>
+          <a:fontRef idx="minor">
+            <a:schemeClr val="tx1"/>
+          </a:fontRef>
+        </p:style>
+      </p:cxnSp>
+      <p:cxnSp>
+        <p:nvCxnSpPr>
+          <p:cNvPr id="54" name="Straight Connector 53"/>
+          <p:cNvCxnSpPr/>
+          <p:nvPr/>
+        </p:nvCxnSpPr>
+        <p:spPr>
+          <a:xfrm flipH="1">
+            <a:off x="1865784" y="3881237"/>
+            <a:ext cx="1" cy="523875"/>
+          </a:xfrm>
+          <a:prstGeom prst="line">
+            <a:avLst/>
+          </a:prstGeom>
+          <a:ln>
+            <a:solidFill>
+              <a:schemeClr val="tx1"/>
+            </a:solidFill>
+          </a:ln>
+        </p:spPr>
+        <p:style>
+          <a:lnRef idx="1">
+            <a:schemeClr val="accent1"/>
+          </a:lnRef>
+          <a:fillRef idx="0">
+            <a:schemeClr val="accent1"/>
+          </a:fillRef>
+          <a:effectRef idx="0">
+            <a:schemeClr val="accent1"/>
+          </a:effectRef>
+          <a:fontRef idx="minor">
+            <a:schemeClr val="tx1"/>
+          </a:fontRef>
+        </p:style>
+      </p:cxnSp>
+      <p:cxnSp>
+        <p:nvCxnSpPr>
+          <p:cNvPr id="55" name="Straight Connector 54"/>
+          <p:cNvCxnSpPr/>
+          <p:nvPr/>
+        </p:nvCxnSpPr>
+        <p:spPr>
+          <a:xfrm flipH="1">
+            <a:off x="2269316" y="3881236"/>
+            <a:ext cx="1" cy="523875"/>
+          </a:xfrm>
+          <a:prstGeom prst="line">
+            <a:avLst/>
+          </a:prstGeom>
+          <a:ln>
+            <a:solidFill>
+              <a:schemeClr val="tx1"/>
+            </a:solidFill>
+          </a:ln>
+        </p:spPr>
+        <p:style>
+          <a:lnRef idx="1">
+            <a:schemeClr val="accent1"/>
+          </a:lnRef>
+          <a:fillRef idx="0">
+            <a:schemeClr val="accent1"/>
+          </a:fillRef>
+          <a:effectRef idx="0">
+            <a:schemeClr val="accent1"/>
+          </a:effectRef>
+          <a:fontRef idx="minor">
+            <a:schemeClr val="tx1"/>
+          </a:fontRef>
+        </p:style>
+      </p:cxnSp>
+      <p:cxnSp>
+        <p:nvCxnSpPr>
+          <p:cNvPr id="56" name="Straight Connector 55"/>
+          <p:cNvCxnSpPr/>
+          <p:nvPr/>
+        </p:nvCxnSpPr>
+        <p:spPr>
+          <a:xfrm>
+            <a:off x="2265835" y="4405112"/>
+            <a:ext cx="417983" cy="9524"/>
+          </a:xfrm>
+          <a:prstGeom prst="line">
+            <a:avLst/>
+          </a:prstGeom>
+          <a:ln>
+            <a:solidFill>
+              <a:schemeClr val="tx1"/>
+            </a:solidFill>
+          </a:ln>
+        </p:spPr>
+        <p:style>
+          <a:lnRef idx="1">
+            <a:schemeClr val="accent1"/>
+          </a:lnRef>
+          <a:fillRef idx="0">
+            <a:schemeClr val="accent1"/>
+          </a:fillRef>
+          <a:effectRef idx="0">
+            <a:schemeClr val="accent1"/>
+          </a:effectRef>
+          <a:fontRef idx="minor">
+            <a:schemeClr val="tx1"/>
+          </a:fontRef>
+        </p:style>
+      </p:cxnSp>
+      <p:cxnSp>
+        <p:nvCxnSpPr>
+          <p:cNvPr id="57" name="Straight Connector 56"/>
+          <p:cNvCxnSpPr/>
+          <p:nvPr/>
+        </p:nvCxnSpPr>
+        <p:spPr>
+          <a:xfrm flipH="1">
+            <a:off x="2683818" y="3881235"/>
+            <a:ext cx="1" cy="523875"/>
+          </a:xfrm>
+          <a:prstGeom prst="line">
+            <a:avLst/>
+          </a:prstGeom>
+          <a:ln>
+            <a:solidFill>
+              <a:schemeClr val="tx1"/>
+            </a:solidFill>
+          </a:ln>
+        </p:spPr>
+        <p:style>
+          <a:lnRef idx="1">
+            <a:schemeClr val="accent1"/>
+          </a:lnRef>
+          <a:fillRef idx="0">
+            <a:schemeClr val="accent1"/>
+          </a:fillRef>
+          <a:effectRef idx="0">
+            <a:schemeClr val="accent1"/>
+          </a:effectRef>
+          <a:fontRef idx="minor">
+            <a:schemeClr val="tx1"/>
+          </a:fontRef>
+        </p:style>
+      </p:cxnSp>
+      <p:cxnSp>
+        <p:nvCxnSpPr>
+          <p:cNvPr id="58" name="Straight Connector 57"/>
+          <p:cNvCxnSpPr/>
+          <p:nvPr/>
+        </p:nvCxnSpPr>
+        <p:spPr>
+          <a:xfrm>
+            <a:off x="2683819" y="3881237"/>
+            <a:ext cx="400050" cy="0"/>
+          </a:xfrm>
+          <a:prstGeom prst="line">
+            <a:avLst/>
+          </a:prstGeom>
+          <a:ln>
+            <a:solidFill>
+              <a:schemeClr val="tx1"/>
+            </a:solidFill>
+          </a:ln>
+        </p:spPr>
+        <p:style>
+          <a:lnRef idx="1">
+            <a:schemeClr val="accent1"/>
+          </a:lnRef>
+          <a:fillRef idx="0">
+            <a:schemeClr val="accent1"/>
+          </a:fillRef>
+          <a:effectRef idx="0">
+            <a:schemeClr val="accent1"/>
+          </a:effectRef>
+          <a:fontRef idx="minor">
+            <a:schemeClr val="tx1"/>
+          </a:fontRef>
+        </p:style>
+      </p:cxnSp>
+      <p:cxnSp>
+        <p:nvCxnSpPr>
+          <p:cNvPr id="59" name="Straight Connector 58"/>
+          <p:cNvCxnSpPr/>
+          <p:nvPr/>
+        </p:nvCxnSpPr>
+        <p:spPr>
+          <a:xfrm>
+            <a:off x="3083870" y="4405111"/>
+            <a:ext cx="417983" cy="9524"/>
+          </a:xfrm>
+          <a:prstGeom prst="line">
+            <a:avLst/>
+          </a:prstGeom>
+          <a:ln>
+            <a:solidFill>
+              <a:schemeClr val="tx1"/>
+            </a:solidFill>
+          </a:ln>
+        </p:spPr>
+        <p:style>
+          <a:lnRef idx="1">
+            <a:schemeClr val="accent1"/>
+          </a:lnRef>
+          <a:fillRef idx="0">
+            <a:schemeClr val="accent1"/>
+          </a:fillRef>
+          <a:effectRef idx="0">
+            <a:schemeClr val="accent1"/>
+          </a:effectRef>
+          <a:fontRef idx="minor">
+            <a:schemeClr val="tx1"/>
+          </a:fontRef>
+        </p:style>
+      </p:cxnSp>
+      <p:cxnSp>
+        <p:nvCxnSpPr>
+          <p:cNvPr id="60" name="Straight Connector 59"/>
+          <p:cNvCxnSpPr/>
+          <p:nvPr/>
+        </p:nvCxnSpPr>
+        <p:spPr>
+          <a:xfrm flipH="1">
+            <a:off x="3083869" y="3890761"/>
+            <a:ext cx="1" cy="523875"/>
+          </a:xfrm>
+          <a:prstGeom prst="line">
+            <a:avLst/>
+          </a:prstGeom>
+          <a:ln>
+            <a:solidFill>
+              <a:schemeClr val="tx1"/>
+            </a:solidFill>
+          </a:ln>
+        </p:spPr>
+        <p:style>
+          <a:lnRef idx="1">
+            <a:schemeClr val="accent1"/>
+          </a:lnRef>
+          <a:fillRef idx="0">
+            <a:schemeClr val="accent1"/>
+          </a:fillRef>
+          <a:effectRef idx="0">
+            <a:schemeClr val="accent1"/>
+          </a:effectRef>
+          <a:fontRef idx="minor">
+            <a:schemeClr val="tx1"/>
+          </a:fontRef>
+        </p:style>
+      </p:cxnSp>
     </p:spTree>
     <p:extLst>
       <p:ext uri="{BB962C8B-B14F-4D97-AF65-F5344CB8AC3E}">
-        <p14:creationId xmlns:p14="http://schemas.microsoft.com/office/powerpoint/2010/main" val="4004537301"/>
+        <p14:creationId xmlns:p14="http://schemas.microsoft.com/office/powerpoint/2010/main" val="3037110607"/>
       </p:ext>
     </p:extLst>
   </p:cSld>
@@ -7069,7 +8265,7 @@
         <p:spPr>
           <a:xfrm>
             <a:off x="563010" y="556080"/>
-            <a:ext cx="9863138" cy="611932"/>
+            <a:ext cx="6636281" cy="611932"/>
           </a:xfrm>
           <a:prstGeom prst="rect">
             <a:avLst/>
@@ -7109,170 +8305,45 @@
                 </a:solidFill>
                 <a:latin typeface="Facto Bold" panose="00000800000000000000" pitchFamily="50" charset="0"/>
               </a:rPr>
-              <a:t>CCP Registers-each 16bit Register</a:t>
-            </a:r>
-            <a:endParaRPr lang="en-US" sz="2800" b="1" dirty="0" smtClean="0">
-              <a:solidFill>
-                <a:schemeClr val="accent1">
-                  <a:lumMod val="75000"/>
-                </a:schemeClr>
-              </a:solidFill>
-              <a:latin typeface="Facto Bold" panose="00000800000000000000" pitchFamily="50" charset="0"/>
-            </a:endParaRPr>
+              <a:t>PWM Block diagram</a:t>
+            </a:r>
           </a:p>
         </p:txBody>
       </p:sp>
-      <p:sp>
-        <p:nvSpPr>
-          <p:cNvPr id="6" name="TextBox 5"/>
-          <p:cNvSpPr txBox="1"/>
+      <p:pic>
+        <p:nvPicPr>
+          <p:cNvPr id="4" name="Picture 3"/>
+          <p:cNvPicPr>
+            <a:picLocks noChangeAspect="1"/>
+          </p:cNvPicPr>
           <p:nvPr/>
-        </p:nvSpPr>
+        </p:nvPicPr>
+        <p:blipFill>
+          <a:blip r:embed="rId3">
+            <a:extLst>
+              <a:ext uri="{28A0092B-C50C-407E-A947-70E740481C1C}">
+                <a14:useLocalDpi xmlns:a14="http://schemas.microsoft.com/office/drawing/2010/main" val="0"/>
+              </a:ext>
+            </a:extLst>
+          </a:blip>
+          <a:stretch>
+            <a:fillRect/>
+          </a:stretch>
+        </p:blipFill>
         <p:spPr>
           <a:xfrm>
-            <a:off x="815008" y="1549017"/>
-            <a:ext cx="10452371" cy="2154436"/>
+            <a:off x="1571625" y="1804832"/>
+            <a:ext cx="6762750" cy="3314856"/>
           </a:xfrm>
           <a:prstGeom prst="rect">
             <a:avLst/>
           </a:prstGeom>
-          <a:noFill/>
         </p:spPr>
-        <p:txBody>
-          <a:bodyPr wrap="square" rtlCol="0">
-            <a:spAutoFit/>
-          </a:bodyPr>
-          <a:lstStyle/>
-          <a:p>
-            <a:pPr marL="384048" lvl="0" indent="-384048" algn="just">
-              <a:lnSpc>
-                <a:spcPct val="94000"/>
-              </a:lnSpc>
-              <a:spcBef>
-                <a:spcPts val="1000"/>
-              </a:spcBef>
-              <a:spcAft>
-                <a:spcPts val="200"/>
-              </a:spcAft>
-              <a:buFont typeface="Wingdings" panose="05000000000000000000" pitchFamily="2" charset="2"/>
-              <a:buChar char="v"/>
-            </a:pPr>
-            <a:r>
-              <a:rPr lang="en-US" sz="2000" dirty="0" smtClean="0"/>
-              <a:t>TIMx_CR</a:t>
-            </a:r>
-            <a:r>
-              <a:rPr lang="en-US" sz="2000" dirty="0" smtClean="0"/>
-              <a:t>1 		- Timer Control Register</a:t>
-            </a:r>
-          </a:p>
-          <a:p>
-            <a:pPr marL="384048" lvl="0" indent="-384048" algn="just">
-              <a:lnSpc>
-                <a:spcPct val="94000"/>
-              </a:lnSpc>
-              <a:spcBef>
-                <a:spcPts val="1000"/>
-              </a:spcBef>
-              <a:spcAft>
-                <a:spcPts val="200"/>
-              </a:spcAft>
-              <a:buFont typeface="Wingdings" panose="05000000000000000000" pitchFamily="2" charset="2"/>
-              <a:buChar char="v"/>
-            </a:pPr>
-            <a:r>
-              <a:rPr lang="en-US" sz="2000" dirty="0" err="1" smtClean="0"/>
-              <a:t>TIMx_SR</a:t>
-            </a:r>
-            <a:r>
-              <a:rPr lang="en-US" sz="2000" dirty="0" smtClean="0"/>
-              <a:t>		-Timer Status Register</a:t>
-            </a:r>
-          </a:p>
-          <a:p>
-            <a:pPr marL="384048" lvl="0" indent="-384048" algn="just">
-              <a:lnSpc>
-                <a:spcPct val="94000"/>
-              </a:lnSpc>
-              <a:spcBef>
-                <a:spcPts val="1000"/>
-              </a:spcBef>
-              <a:spcAft>
-                <a:spcPts val="200"/>
-              </a:spcAft>
-              <a:buFont typeface="Wingdings" panose="05000000000000000000" pitchFamily="2" charset="2"/>
-              <a:buChar char="v"/>
-            </a:pPr>
-            <a:r>
-              <a:rPr lang="en-US" sz="2000" dirty="0" smtClean="0"/>
-              <a:t>TIMx_CCMR1		-Timer  Capture/Compare Mode Register</a:t>
-            </a:r>
-          </a:p>
-          <a:p>
-            <a:pPr marL="384048" indent="-384048" algn="just">
-              <a:lnSpc>
-                <a:spcPct val="94000"/>
-              </a:lnSpc>
-              <a:spcBef>
-                <a:spcPts val="1000"/>
-              </a:spcBef>
-              <a:spcAft>
-                <a:spcPts val="200"/>
-              </a:spcAft>
-              <a:buFont typeface="Wingdings" panose="05000000000000000000" pitchFamily="2" charset="2"/>
-              <a:buChar char="v"/>
-            </a:pPr>
-            <a:r>
-              <a:rPr lang="en-US" sz="2000" dirty="0" err="1" smtClean="0"/>
-              <a:t>TIMx_CCER</a:t>
-            </a:r>
-            <a:r>
-              <a:rPr lang="en-US" sz="2000" dirty="0" smtClean="0"/>
-              <a:t>		-</a:t>
-            </a:r>
-            <a:r>
-              <a:rPr lang="en-US" sz="2000" dirty="0"/>
-              <a:t>Timer  Capture/Compare </a:t>
-            </a:r>
-            <a:r>
-              <a:rPr lang="en-US" sz="2000" dirty="0" smtClean="0"/>
-              <a:t>Enable Register</a:t>
-            </a:r>
-          </a:p>
-          <a:p>
-            <a:pPr marL="384048" indent="-384048" algn="just">
-              <a:lnSpc>
-                <a:spcPct val="94000"/>
-              </a:lnSpc>
-              <a:spcBef>
-                <a:spcPts val="1000"/>
-              </a:spcBef>
-              <a:spcAft>
-                <a:spcPts val="200"/>
-              </a:spcAft>
-              <a:buFont typeface="Wingdings" panose="05000000000000000000" pitchFamily="2" charset="2"/>
-              <a:buChar char="v"/>
-            </a:pPr>
-            <a:r>
-              <a:rPr lang="en-US" sz="2000" dirty="0" smtClean="0"/>
-              <a:t>TIMx_CCR1		-</a:t>
-            </a:r>
-            <a:r>
-              <a:rPr lang="en-US" sz="2000" dirty="0"/>
-              <a:t>Timer  Capture/Compare </a:t>
-            </a:r>
-            <a:r>
-              <a:rPr lang="en-US" sz="2000" dirty="0" smtClean="0"/>
-              <a:t>Register</a:t>
-            </a:r>
-            <a:endParaRPr lang="en-US" sz="2000" dirty="0"/>
-          </a:p>
-        </p:txBody>
-      </p:sp>
+      </p:pic>
     </p:spTree>
     <p:extLst>
       <p:ext uri="{BB962C8B-B14F-4D97-AF65-F5344CB8AC3E}">
-        <p14:creationId xmlns:p14="http://schemas.microsoft.com/office/powerpoint/2010/main" val="3385083381"/>
+        <p14:creationId xmlns:p14="http://schemas.microsoft.com/office/powerpoint/2010/main" val="4004537301"/>
       </p:ext>
     </p:extLst>
   </p:cSld>
@@ -7381,7 +8452,7 @@
         <p:spPr>
           <a:xfrm>
             <a:off x="563010" y="556080"/>
-            <a:ext cx="6636281" cy="611932"/>
+            <a:ext cx="9863138" cy="611932"/>
           </a:xfrm>
           <a:prstGeom prst="rect">
             <a:avLst/>
@@ -7421,16 +8492,8 @@
                 </a:solidFill>
                 <a:latin typeface="Facto Bold" panose="00000800000000000000" pitchFamily="50" charset="0"/>
               </a:rPr>
-              <a:t>PWM Calculation</a:t>
-            </a:r>
-            <a:endParaRPr lang="en-US" sz="2800" b="1" dirty="0" smtClean="0">
-              <a:solidFill>
-                <a:schemeClr val="accent1">
-                  <a:lumMod val="75000"/>
-                </a:schemeClr>
-              </a:solidFill>
-              <a:latin typeface="Facto Bold" panose="00000800000000000000" pitchFamily="50" charset="0"/>
-            </a:endParaRPr>
+              <a:t>CCP Registers-each 16bit Register</a:t>
+            </a:r>
           </a:p>
         </p:txBody>
       </p:sp>
@@ -7442,8 +8505,8 @@
         </p:nvSpPr>
         <p:spPr>
           <a:xfrm>
-            <a:off x="819150" y="1323977"/>
-            <a:ext cx="10770423" cy="3927229"/>
+            <a:off x="815008" y="1549017"/>
+            <a:ext cx="10452371" cy="2154436"/>
           </a:xfrm>
           <a:prstGeom prst="rect">
             <a:avLst/>
@@ -7456,249 +8519,131 @@
           </a:bodyPr>
           <a:lstStyle/>
           <a:p>
-            <a:pPr lvl="0" algn="just">
-              <a:lnSpc>
-                <a:spcPct val="94000"/>
-              </a:lnSpc>
-              <a:spcBef>
-                <a:spcPts val="1000"/>
-              </a:spcBef>
-              <a:spcAft>
-                <a:spcPts val="200"/>
-              </a:spcAft>
-            </a:pPr>
-            <a:r>
-              <a:rPr lang="en-US" sz="2000" dirty="0"/>
-              <a:t>/*******Set timer 3 Period for PWM **************</a:t>
-            </a:r>
-          </a:p>
-          <a:p>
-            <a:pPr lvl="0" algn="just">
-              <a:lnSpc>
-                <a:spcPct val="94000"/>
-              </a:lnSpc>
-              <a:spcBef>
-                <a:spcPts val="1000"/>
-              </a:spcBef>
-              <a:spcAft>
-                <a:spcPts val="200"/>
-              </a:spcAft>
-            </a:pPr>
-            <a:r>
-              <a:rPr lang="en-US" sz="2000" dirty="0"/>
-              <a:t>  PWM Frequency                 = 1000Hz</a:t>
-            </a:r>
-          </a:p>
-          <a:p>
-            <a:pPr lvl="0" algn="just">
-              <a:lnSpc>
-                <a:spcPct val="94000"/>
-              </a:lnSpc>
-              <a:spcBef>
-                <a:spcPts val="1000"/>
-              </a:spcBef>
-              <a:spcAft>
-                <a:spcPts val="200"/>
-              </a:spcAft>
-            </a:pPr>
-            <a:r>
-              <a:rPr lang="en-US" sz="2000" dirty="0"/>
-              <a:t>  Timer Clock                  </a:t>
-            </a:r>
+            <a:pPr marL="384048" lvl="0" indent="-384048" algn="just">
+              <a:lnSpc>
+                <a:spcPct val="94000"/>
+              </a:lnSpc>
+              <a:spcBef>
+                <a:spcPts val="1000"/>
+              </a:spcBef>
+              <a:spcAft>
+                <a:spcPts val="200"/>
+              </a:spcAft>
+              <a:buFont typeface="Wingdings" panose="05000000000000000000" pitchFamily="2" charset="2"/>
+              <a:buChar char="v"/>
+            </a:pPr>
             <a:r>
               <a:rPr lang="en-US" sz="2000" dirty="0" smtClean="0"/>
-              <a:t>	 </a:t>
-            </a:r>
-            <a:r>
-              <a:rPr lang="en-US" sz="2000" dirty="0"/>
-              <a:t>= 8mhz = 8000000 Hz</a:t>
-            </a:r>
-          </a:p>
-          <a:p>
-            <a:pPr lvl="0" algn="just">
-              <a:lnSpc>
-                <a:spcPct val="94000"/>
-              </a:lnSpc>
-              <a:spcBef>
-                <a:spcPts val="1000"/>
-              </a:spcBef>
-              <a:spcAft>
-                <a:spcPts val="200"/>
-              </a:spcAft>
-            </a:pPr>
-            <a:r>
-              <a:rPr lang="en-US" sz="2000" dirty="0"/>
-              <a:t>  Time Period Required        </a:t>
+              <a:t>TIMx_CR1 		- Timer Control Register</a:t>
+            </a:r>
+          </a:p>
+          <a:p>
+            <a:pPr marL="384048" lvl="0" indent="-384048" algn="just">
+              <a:lnSpc>
+                <a:spcPct val="94000"/>
+              </a:lnSpc>
+              <a:spcBef>
+                <a:spcPts val="1000"/>
+              </a:spcBef>
+              <a:spcAft>
+                <a:spcPts val="200"/>
+              </a:spcAft>
+              <a:buFont typeface="Wingdings" panose="05000000000000000000" pitchFamily="2" charset="2"/>
+              <a:buChar char="v"/>
+            </a:pPr>
+            <a:r>
+              <a:rPr lang="en-US" sz="2000" dirty="0" err="1" smtClean="0"/>
+              <a:t>TIMx_SR</a:t>
             </a:r>
             <a:r>
               <a:rPr lang="en-US" sz="2000" dirty="0" smtClean="0"/>
-              <a:t>= </a:t>
-            </a:r>
-            <a:r>
-              <a:rPr lang="en-US" sz="2000" dirty="0"/>
-              <a:t>(1/1000Hz) = 0.001 Seconds=1ms</a:t>
-            </a:r>
-          </a:p>
-          <a:p>
-            <a:pPr lvl="0" algn="just">
-              <a:lnSpc>
-                <a:spcPct val="94000"/>
-              </a:lnSpc>
-              <a:spcBef>
-                <a:spcPts val="1000"/>
-              </a:spcBef>
-              <a:spcAft>
-                <a:spcPts val="200"/>
-              </a:spcAft>
+              <a:t>		-Timer Status Register</a:t>
+            </a:r>
+          </a:p>
+          <a:p>
+            <a:pPr marL="384048" lvl="0" indent="-384048" algn="just">
+              <a:lnSpc>
+                <a:spcPct val="94000"/>
+              </a:lnSpc>
+              <a:spcBef>
+                <a:spcPts val="1000"/>
+              </a:spcBef>
+              <a:spcAft>
+                <a:spcPts val="200"/>
+              </a:spcAft>
+              <a:buFont typeface="Wingdings" panose="05000000000000000000" pitchFamily="2" charset="2"/>
+              <a:buChar char="v"/>
             </a:pPr>
             <a:r>
               <a:rPr lang="en-US" sz="2000" dirty="0" smtClean="0"/>
-              <a:t>  Timer </a:t>
-            </a:r>
-            <a:r>
-              <a:rPr lang="en-US" sz="2000" dirty="0" err="1"/>
-              <a:t>clk</a:t>
-            </a:r>
-            <a:r>
-              <a:rPr lang="en-US" sz="2000" dirty="0"/>
-              <a:t> Formula	</a:t>
+              <a:t>TIMx_CCMR1		-Timer  Capture/Compare Mode Register</a:t>
+            </a:r>
+          </a:p>
+          <a:p>
+            <a:pPr marL="384048" indent="-384048" algn="just">
+              <a:lnSpc>
+                <a:spcPct val="94000"/>
+              </a:lnSpc>
+              <a:spcBef>
+                <a:spcPts val="1000"/>
+              </a:spcBef>
+              <a:spcAft>
+                <a:spcPts val="200"/>
+              </a:spcAft>
+              <a:buFont typeface="Wingdings" panose="05000000000000000000" pitchFamily="2" charset="2"/>
+              <a:buChar char="v"/>
+            </a:pPr>
+            <a:r>
+              <a:rPr lang="en-US" sz="2000" dirty="0" err="1" smtClean="0"/>
+              <a:t>TIMx_CCER</a:t>
             </a:r>
             <a:r>
               <a:rPr lang="en-US" sz="2000" dirty="0" smtClean="0"/>
-              <a:t> = </a:t>
-            </a:r>
-            <a:r>
-              <a:rPr lang="en-US" sz="2000" dirty="0" err="1"/>
-              <a:t>fosc</a:t>
-            </a:r>
-            <a:r>
-              <a:rPr lang="en-US" sz="2000" dirty="0"/>
-              <a:t>/(pre+1)</a:t>
-            </a:r>
-          </a:p>
-          <a:p>
-            <a:pPr lvl="0" algn="just">
-              <a:lnSpc>
-                <a:spcPct val="94000"/>
-              </a:lnSpc>
-              <a:spcBef>
-                <a:spcPts val="1000"/>
-              </a:spcBef>
-              <a:spcAft>
-                <a:spcPts val="200"/>
-              </a:spcAft>
-            </a:pPr>
-            <a:r>
-              <a:rPr lang="en-US" sz="2000" dirty="0"/>
-              <a:t>  </a:t>
-            </a:r>
-            <a:r>
-              <a:rPr lang="en-US" sz="2000" dirty="0" err="1"/>
-              <a:t>Prescalar</a:t>
-            </a:r>
-            <a:r>
-              <a:rPr lang="en-US" sz="2000" dirty="0"/>
-              <a:t> + 1                 </a:t>
+              <a:t>		-</a:t>
+            </a:r>
+            <a:r>
+              <a:rPr lang="en-US" sz="2000" dirty="0"/>
+              <a:t>Timer  Capture/Compare </a:t>
             </a:r>
             <a:r>
               <a:rPr lang="en-US" sz="2000" dirty="0" smtClean="0"/>
-              <a:t>	 = </a:t>
-            </a:r>
-            <a:r>
-              <a:rPr lang="en-US" sz="2000" dirty="0"/>
-              <a:t>8000000/1000hz)</a:t>
-            </a:r>
-          </a:p>
-          <a:p>
-            <a:pPr lvl="0" algn="just">
-              <a:lnSpc>
-                <a:spcPct val="94000"/>
-              </a:lnSpc>
-              <a:spcBef>
-                <a:spcPts val="1000"/>
-              </a:spcBef>
-              <a:spcAft>
-                <a:spcPts val="200"/>
-              </a:spcAft>
-            </a:pPr>
-            <a:r>
-              <a:rPr lang="en-US" sz="2000" dirty="0"/>
-              <a:t>  </a:t>
-            </a:r>
-            <a:r>
-              <a:rPr lang="en-US" sz="2000" dirty="0" err="1"/>
-              <a:t>Prescalar</a:t>
-            </a:r>
-            <a:r>
-              <a:rPr lang="en-US" sz="2000" dirty="0"/>
-              <a:t>                    </a:t>
-            </a:r>
+              <a:t>Enable Register</a:t>
+            </a:r>
+          </a:p>
+          <a:p>
+            <a:pPr marL="384048" indent="-384048" algn="just">
+              <a:lnSpc>
+                <a:spcPct val="94000"/>
+              </a:lnSpc>
+              <a:spcBef>
+                <a:spcPts val="1000"/>
+              </a:spcBef>
+              <a:spcAft>
+                <a:spcPts val="200"/>
+              </a:spcAft>
+              <a:buFont typeface="Wingdings" panose="05000000000000000000" pitchFamily="2" charset="2"/>
+              <a:buChar char="v"/>
+            </a:pPr>
             <a:r>
               <a:rPr lang="en-US" sz="2000" dirty="0" smtClean="0"/>
-              <a:t>	 = </a:t>
-            </a:r>
-            <a:r>
-              <a:rPr lang="en-US" sz="2000" dirty="0"/>
-              <a:t>7999  </a:t>
-            </a:r>
-          </a:p>
-          <a:p>
-            <a:pPr lvl="0" algn="just">
-              <a:lnSpc>
-                <a:spcPct val="94000"/>
-              </a:lnSpc>
-              <a:spcBef>
-                <a:spcPts val="1000"/>
-              </a:spcBef>
-              <a:spcAft>
-                <a:spcPts val="200"/>
-              </a:spcAft>
-            </a:pPr>
+              <a:t>TIMx_CCR1		-</a:t>
+            </a:r>
+            <a:r>
+              <a:rPr lang="en-US" sz="2000" dirty="0"/>
+              <a:t>Timer  Capture/Compare </a:t>
+            </a:r>
             <a:r>
               <a:rPr lang="en-US" sz="2000" dirty="0" smtClean="0"/>
-              <a:t>  </a:t>
-            </a:r>
-            <a:r>
-              <a:rPr lang="en-US" sz="2000" dirty="0" err="1" smtClean="0"/>
-              <a:t>Auto_Reload</a:t>
-            </a:r>
-            <a:r>
-              <a:rPr lang="en-US" sz="2000" dirty="0"/>
-              <a:t>		</a:t>
-            </a:r>
-            <a:r>
-              <a:rPr lang="en-US" sz="2000" dirty="0" smtClean="0"/>
-              <a:t> = </a:t>
-            </a:r>
-            <a:r>
-              <a:rPr lang="en-US" sz="2000" dirty="0"/>
-              <a:t>2000</a:t>
-            </a:r>
-          </a:p>
-          <a:p>
-            <a:pPr lvl="0" algn="just">
-              <a:lnSpc>
-                <a:spcPct val="94000"/>
-              </a:lnSpc>
-              <a:spcBef>
-                <a:spcPts val="1000"/>
-              </a:spcBef>
-              <a:spcAft>
-                <a:spcPts val="200"/>
-              </a:spcAft>
-            </a:pPr>
-            <a:r>
-              <a:rPr lang="en-US" sz="2000" dirty="0"/>
-              <a:t>***********************************************/</a:t>
-            </a:r>
-            <a:endParaRPr lang="en-US" sz="2000" dirty="0" smtClean="0"/>
+              <a:t>Register</a:t>
+            </a:r>
+            <a:endParaRPr lang="en-US" sz="2000" dirty="0"/>
           </a:p>
         </p:txBody>
       </p:sp>
     </p:spTree>
     <p:extLst>
       <p:ext uri="{BB962C8B-B14F-4D97-AF65-F5344CB8AC3E}">
-        <p14:creationId xmlns:p14="http://schemas.microsoft.com/office/powerpoint/2010/main" val="4004537301"/>
+        <p14:creationId xmlns:p14="http://schemas.microsoft.com/office/powerpoint/2010/main" val="3385083381"/>
       </p:ext>
     </p:extLst>
   </p:cSld>
@@ -7847,27 +8792,8 @@
                 </a:solidFill>
                 <a:latin typeface="Facto Bold" panose="00000800000000000000" pitchFamily="50" charset="0"/>
               </a:rPr>
-              <a:t>What is </a:t>
-            </a:r>
-            <a:r>
-              <a:rPr lang="en-US" sz="2800" b="1" dirty="0" smtClean="0">
-                <a:solidFill>
-                  <a:schemeClr val="accent1">
-                    <a:lumMod val="75000"/>
-                  </a:schemeClr>
-                </a:solidFill>
-                <a:latin typeface="Facto Bold" panose="00000800000000000000" pitchFamily="50" charset="0"/>
-              </a:rPr>
-              <a:t>CCP(Capture-Compare-PWM)</a:t>
-            </a:r>
-            <a:endParaRPr lang="en-US" sz="2800" b="1" dirty="0" smtClean="0">
-              <a:solidFill>
-                <a:schemeClr val="accent1">
-                  <a:lumMod val="75000"/>
-                </a:schemeClr>
-              </a:solidFill>
-              <a:latin typeface="Facto Bold" panose="00000800000000000000" pitchFamily="50" charset="0"/>
-            </a:endParaRPr>
+              <a:t>What is CCP(Capture-Compare-PWM)</a:t>
+            </a:r>
           </a:p>
         </p:txBody>
       </p:sp>
@@ -7908,11 +8834,7 @@
             </a:pPr>
             <a:r>
               <a:rPr lang="en-US" sz="2000" dirty="0" smtClean="0"/>
-              <a:t>CCP Module </a:t>
-            </a:r>
-            <a:r>
-              <a:rPr lang="en-US" sz="2000" dirty="0" smtClean="0"/>
-              <a:t>is used General purpose timer and advanced timer for its CCP configurations.</a:t>
+              <a:t>CCP Module is used General purpose timer and advanced timer for its CCP configurations.</a:t>
             </a:r>
           </a:p>
           <a:p>
@@ -8023,11 +8945,7 @@
             </a:br>
             <a:r>
               <a:rPr lang="en-US" sz="2000" dirty="0"/>
-              <a:t>which is compared to the counter</a:t>
-            </a:r>
-            <a:r>
-              <a:rPr lang="en-US" sz="2000" dirty="0"/>
-              <a:t> </a:t>
+              <a:t>which is compared to the counter </a:t>
             </a:r>
             <a:endParaRPr lang="en-US" sz="2000" dirty="0" smtClean="0"/>
           </a:p>
@@ -8179,6 +9097,424 @@
         </p:nvSpPr>
         <p:spPr>
           <a:xfrm>
+            <a:off x="563010" y="556080"/>
+            <a:ext cx="6636281" cy="611932"/>
+          </a:xfrm>
+          <a:prstGeom prst="rect">
+            <a:avLst/>
+          </a:prstGeom>
+        </p:spPr>
+        <p:txBody>
+          <a:bodyPr vert="horz" lIns="91440" tIns="45720" rIns="91440" bIns="45720" rtlCol="0" anchor="b">
+            <a:noAutofit/>
+          </a:bodyPr>
+          <a:lstStyle>
+            <a:lvl1pPr algn="ctr" defTabSz="914400" rtl="0" eaLnBrk="1" latinLnBrk="0" hangingPunct="1">
+              <a:lnSpc>
+                <a:spcPct val="90000"/>
+              </a:lnSpc>
+              <a:spcBef>
+                <a:spcPct val="0"/>
+              </a:spcBef>
+              <a:buNone/>
+              <a:defRPr sz="6000" kern="1200">
+                <a:solidFill>
+                  <a:schemeClr val="tx1"/>
+                </a:solidFill>
+                <a:latin typeface="+mj-lt"/>
+                <a:ea typeface="+mj-ea"/>
+                <a:cs typeface="+mj-cs"/>
+              </a:defRPr>
+            </a:lvl1pPr>
+          </a:lstStyle>
+          <a:p>
+            <a:pPr algn="l"/>
+            <a:r>
+              <a:rPr lang="en-US" sz="2800" b="1" dirty="0" smtClean="0">
+                <a:solidFill>
+                  <a:schemeClr val="accent1">
+                    <a:lumMod val="75000"/>
+                  </a:schemeClr>
+                </a:solidFill>
+                <a:latin typeface="Facto Bold" panose="00000800000000000000" pitchFamily="50" charset="0"/>
+              </a:rPr>
+              <a:t>PWM Calculation</a:t>
+            </a:r>
+          </a:p>
+        </p:txBody>
+      </p:sp>
+      <p:sp>
+        <p:nvSpPr>
+          <p:cNvPr id="6" name="TextBox 5"/>
+          <p:cNvSpPr txBox="1"/>
+          <p:nvPr/>
+        </p:nvSpPr>
+        <p:spPr>
+          <a:xfrm>
+            <a:off x="819150" y="1323977"/>
+            <a:ext cx="10770423" cy="3927229"/>
+          </a:xfrm>
+          <a:prstGeom prst="rect">
+            <a:avLst/>
+          </a:prstGeom>
+          <a:noFill/>
+        </p:spPr>
+        <p:txBody>
+          <a:bodyPr wrap="square" rtlCol="0">
+            <a:spAutoFit/>
+          </a:bodyPr>
+          <a:lstStyle/>
+          <a:p>
+            <a:pPr lvl="0" algn="just">
+              <a:lnSpc>
+                <a:spcPct val="94000"/>
+              </a:lnSpc>
+              <a:spcBef>
+                <a:spcPts val="1000"/>
+              </a:spcBef>
+              <a:spcAft>
+                <a:spcPts val="200"/>
+              </a:spcAft>
+            </a:pPr>
+            <a:r>
+              <a:rPr lang="en-US" sz="2000" dirty="0"/>
+              <a:t>/*******Set timer 3 Period for PWM **************</a:t>
+            </a:r>
+          </a:p>
+          <a:p>
+            <a:pPr lvl="0" algn="just">
+              <a:lnSpc>
+                <a:spcPct val="94000"/>
+              </a:lnSpc>
+              <a:spcBef>
+                <a:spcPts val="1000"/>
+              </a:spcBef>
+              <a:spcAft>
+                <a:spcPts val="200"/>
+              </a:spcAft>
+            </a:pPr>
+            <a:r>
+              <a:rPr lang="en-US" sz="2000" dirty="0"/>
+              <a:t>  PWM Frequency                 = 1000Hz</a:t>
+            </a:r>
+          </a:p>
+          <a:p>
+            <a:pPr lvl="0" algn="just">
+              <a:lnSpc>
+                <a:spcPct val="94000"/>
+              </a:lnSpc>
+              <a:spcBef>
+                <a:spcPts val="1000"/>
+              </a:spcBef>
+              <a:spcAft>
+                <a:spcPts val="200"/>
+              </a:spcAft>
+            </a:pPr>
+            <a:r>
+              <a:rPr lang="en-US" sz="2000" dirty="0"/>
+              <a:t>  Timer Clock                  </a:t>
+            </a:r>
+            <a:r>
+              <a:rPr lang="en-US" sz="2000" dirty="0" smtClean="0"/>
+              <a:t>	 </a:t>
+            </a:r>
+            <a:r>
+              <a:rPr lang="en-US" sz="2000" dirty="0"/>
+              <a:t>= 8mhz = 8000000 Hz</a:t>
+            </a:r>
+          </a:p>
+          <a:p>
+            <a:pPr lvl="0" algn="just">
+              <a:lnSpc>
+                <a:spcPct val="94000"/>
+              </a:lnSpc>
+              <a:spcBef>
+                <a:spcPts val="1000"/>
+              </a:spcBef>
+              <a:spcAft>
+                <a:spcPts val="200"/>
+              </a:spcAft>
+            </a:pPr>
+            <a:r>
+              <a:rPr lang="en-US" sz="2000" dirty="0"/>
+              <a:t>  Time Period Required        </a:t>
+            </a:r>
+            <a:r>
+              <a:rPr lang="en-US" sz="2000" dirty="0" smtClean="0"/>
+              <a:t>= </a:t>
+            </a:r>
+            <a:r>
+              <a:rPr lang="en-US" sz="2000" dirty="0"/>
+              <a:t>(1/1000Hz) = 0.001 Seconds=1ms</a:t>
+            </a:r>
+          </a:p>
+          <a:p>
+            <a:pPr lvl="0" algn="just">
+              <a:lnSpc>
+                <a:spcPct val="94000"/>
+              </a:lnSpc>
+              <a:spcBef>
+                <a:spcPts val="1000"/>
+              </a:spcBef>
+              <a:spcAft>
+                <a:spcPts val="200"/>
+              </a:spcAft>
+            </a:pPr>
+            <a:r>
+              <a:rPr lang="en-US" sz="2000" dirty="0" smtClean="0"/>
+              <a:t>  Timer </a:t>
+            </a:r>
+            <a:r>
+              <a:rPr lang="en-US" sz="2000" dirty="0" err="1"/>
+              <a:t>clk</a:t>
+            </a:r>
+            <a:r>
+              <a:rPr lang="en-US" sz="2000" dirty="0"/>
+              <a:t> Formula	</a:t>
+            </a:r>
+            <a:r>
+              <a:rPr lang="en-US" sz="2000" dirty="0" smtClean="0"/>
+              <a:t> = </a:t>
+            </a:r>
+            <a:r>
+              <a:rPr lang="en-US" sz="2000" dirty="0" err="1"/>
+              <a:t>fosc</a:t>
+            </a:r>
+            <a:r>
+              <a:rPr lang="en-US" sz="2000" dirty="0"/>
+              <a:t>/(pre+1)</a:t>
+            </a:r>
+          </a:p>
+          <a:p>
+            <a:pPr lvl="0" algn="just">
+              <a:lnSpc>
+                <a:spcPct val="94000"/>
+              </a:lnSpc>
+              <a:spcBef>
+                <a:spcPts val="1000"/>
+              </a:spcBef>
+              <a:spcAft>
+                <a:spcPts val="200"/>
+              </a:spcAft>
+            </a:pPr>
+            <a:r>
+              <a:rPr lang="en-US" sz="2000" dirty="0"/>
+              <a:t>  </a:t>
+            </a:r>
+            <a:r>
+              <a:rPr lang="en-US" sz="2000" dirty="0" err="1"/>
+              <a:t>Prescalar</a:t>
+            </a:r>
+            <a:r>
+              <a:rPr lang="en-US" sz="2000" dirty="0"/>
+              <a:t> + 1                 </a:t>
+            </a:r>
+            <a:r>
+              <a:rPr lang="en-US" sz="2000" dirty="0" smtClean="0"/>
+              <a:t>	 = </a:t>
+            </a:r>
+            <a:r>
+              <a:rPr lang="en-US" sz="2000" dirty="0"/>
+              <a:t>8000000/1000hz)</a:t>
+            </a:r>
+          </a:p>
+          <a:p>
+            <a:pPr lvl="0" algn="just">
+              <a:lnSpc>
+                <a:spcPct val="94000"/>
+              </a:lnSpc>
+              <a:spcBef>
+                <a:spcPts val="1000"/>
+              </a:spcBef>
+              <a:spcAft>
+                <a:spcPts val="200"/>
+              </a:spcAft>
+            </a:pPr>
+            <a:r>
+              <a:rPr lang="en-US" sz="2000" dirty="0"/>
+              <a:t>  </a:t>
+            </a:r>
+            <a:r>
+              <a:rPr lang="en-US" sz="2000" dirty="0" err="1"/>
+              <a:t>Prescalar</a:t>
+            </a:r>
+            <a:r>
+              <a:rPr lang="en-US" sz="2000" dirty="0"/>
+              <a:t>                    </a:t>
+            </a:r>
+            <a:r>
+              <a:rPr lang="en-US" sz="2000" dirty="0" smtClean="0"/>
+              <a:t>	 = </a:t>
+            </a:r>
+            <a:r>
+              <a:rPr lang="en-US" sz="2000" dirty="0"/>
+              <a:t>7999  </a:t>
+            </a:r>
+          </a:p>
+          <a:p>
+            <a:pPr lvl="0" algn="just">
+              <a:lnSpc>
+                <a:spcPct val="94000"/>
+              </a:lnSpc>
+              <a:spcBef>
+                <a:spcPts val="1000"/>
+              </a:spcBef>
+              <a:spcAft>
+                <a:spcPts val="200"/>
+              </a:spcAft>
+            </a:pPr>
+            <a:r>
+              <a:rPr lang="en-US" sz="2000" dirty="0" smtClean="0"/>
+              <a:t>  </a:t>
+            </a:r>
+            <a:r>
+              <a:rPr lang="en-US" sz="2000" dirty="0" err="1" smtClean="0"/>
+              <a:t>Auto_Reload</a:t>
+            </a:r>
+            <a:r>
+              <a:rPr lang="en-US" sz="2000" dirty="0"/>
+              <a:t>		</a:t>
+            </a:r>
+            <a:r>
+              <a:rPr lang="en-US" sz="2000" dirty="0" smtClean="0"/>
+              <a:t> = </a:t>
+            </a:r>
+            <a:r>
+              <a:rPr lang="en-US" sz="2000" dirty="0"/>
+              <a:t>2000</a:t>
+            </a:r>
+          </a:p>
+          <a:p>
+            <a:pPr lvl="0" algn="just">
+              <a:lnSpc>
+                <a:spcPct val="94000"/>
+              </a:lnSpc>
+              <a:spcBef>
+                <a:spcPts val="1000"/>
+              </a:spcBef>
+              <a:spcAft>
+                <a:spcPts val="200"/>
+              </a:spcAft>
+            </a:pPr>
+            <a:r>
+              <a:rPr lang="en-US" sz="2000" dirty="0"/>
+              <a:t>***********************************************/</a:t>
+            </a:r>
+            <a:endParaRPr lang="en-US" sz="2000" dirty="0" smtClean="0"/>
+          </a:p>
+        </p:txBody>
+      </p:sp>
+    </p:spTree>
+    <p:extLst>
+      <p:ext uri="{BB962C8B-B14F-4D97-AF65-F5344CB8AC3E}">
+        <p14:creationId xmlns:p14="http://schemas.microsoft.com/office/powerpoint/2010/main" val="4004537301"/>
+      </p:ext>
+    </p:extLst>
+  </p:cSld>
+  <p:clrMapOvr>
+    <a:masterClrMapping/>
+  </p:clrMapOvr>
+  <p:timing>
+    <p:tnLst>
+      <p:par>
+        <p:cTn id="1" dur="indefinite" restart="never" nodeType="tmRoot"/>
+      </p:par>
+    </p:tnLst>
+  </p:timing>
+</p:sld>
+</file>
+
+<file path=ppt/slides/slide21.xml><?xml version="1.0" encoding="utf-8"?>
+<p:sld xmlns:a="http://schemas.openxmlformats.org/drawingml/2006/main" xmlns:r="http://schemas.openxmlformats.org/officeDocument/2006/relationships" xmlns:p="http://schemas.openxmlformats.org/presentationml/2006/main">
+  <p:cSld>
+    <p:spTree>
+      <p:nvGrpSpPr>
+        <p:cNvPr id="1" name=""/>
+        <p:cNvGrpSpPr/>
+        <p:nvPr/>
+      </p:nvGrpSpPr>
+      <p:grpSpPr>
+        <a:xfrm>
+          <a:off x="0" y="0"/>
+          <a:ext cx="0" cy="0"/>
+          <a:chOff x="0" y="0"/>
+          <a:chExt cx="0" cy="0"/>
+        </a:xfrm>
+      </p:grpSpPr>
+      <p:pic>
+        <p:nvPicPr>
+          <p:cNvPr id="2" name="Picture 2" descr="Azetech Solutions | LinkedIn"/>
+          <p:cNvPicPr>
+            <a:picLocks noChangeAspect="1" noChangeArrowheads="1"/>
+          </p:cNvPicPr>
+          <p:nvPr/>
+        </p:nvPicPr>
+        <p:blipFill>
+          <a:blip r:embed="rId2" cstate="print">
+            <a:extLst>
+              <a:ext uri="{28A0092B-C50C-407E-A947-70E740481C1C}">
+                <a14:useLocalDpi xmlns:a14="http://schemas.microsoft.com/office/drawing/2010/main" val="0"/>
+              </a:ext>
+            </a:extLst>
+          </a:blip>
+          <a:srcRect/>
+          <a:stretch>
+            <a:fillRect/>
+          </a:stretch>
+        </p:blipFill>
+        <p:spPr bwMode="auto">
+          <a:xfrm>
+            <a:off x="11456223" y="129648"/>
+            <a:ext cx="536848" cy="536848"/>
+          </a:xfrm>
+          <a:prstGeom prst="rect">
+            <a:avLst/>
+          </a:prstGeom>
+          <a:noFill/>
+          <a:extLst>
+            <a:ext uri="{909E8E84-426E-40DD-AFC4-6F175D3DCCD1}">
+              <a14:hiddenFill xmlns:a14="http://schemas.microsoft.com/office/drawing/2010/main">
+                <a:solidFill>
+                  <a:srgbClr val="FFFFFF"/>
+                </a:solidFill>
+              </a14:hiddenFill>
+            </a:ext>
+          </a:extLst>
+        </p:spPr>
+      </p:pic>
+      <p:sp>
+        <p:nvSpPr>
+          <p:cNvPr id="3" name="Footer Placeholder 2"/>
+          <p:cNvSpPr>
+            <a:spLocks noGrp="1"/>
+          </p:cNvSpPr>
+          <p:nvPr>
+            <p:ph type="ftr" sz="quarter" idx="11"/>
+          </p:nvPr>
+        </p:nvSpPr>
+        <p:spPr/>
+        <p:txBody>
+          <a:bodyPr/>
+          <a:lstStyle/>
+          <a:p>
+            <a:r>
+              <a:rPr lang="en-US" smtClean="0"/>
+              <a:t>Azetech Solution, Coimbatore</a:t>
+            </a:r>
+            <a:endParaRPr lang="en-US"/>
+          </a:p>
+        </p:txBody>
+      </p:sp>
+      <p:sp>
+        <p:nvSpPr>
+          <p:cNvPr id="5" name="Title 4"/>
+          <p:cNvSpPr txBox="1">
+            <a:spLocks/>
+          </p:cNvSpPr>
+          <p:nvPr/>
+        </p:nvSpPr>
+        <p:spPr>
+          <a:xfrm>
             <a:off x="563010" y="285750"/>
             <a:ext cx="6533115" cy="590550"/>
           </a:xfrm>
@@ -8222,14 +9558,6 @@
               </a:rPr>
               <a:t>PWM Program</a:t>
             </a:r>
-            <a:endParaRPr lang="en-US" sz="2800" b="1" dirty="0" smtClean="0">
-              <a:solidFill>
-                <a:schemeClr val="accent1">
-                  <a:lumMod val="75000"/>
-                </a:schemeClr>
-              </a:solidFill>
-              <a:latin typeface="Facto Bold" panose="00000800000000000000" pitchFamily="50" charset="0"/>
-            </a:endParaRPr>
           </a:p>
         </p:txBody>
       </p:sp>
@@ -8831,7 +10159,7 @@
 </p:sld>
 </file>
 
-<file path=ppt/slides/slide21.xml><?xml version="1.0" encoding="utf-8"?>
+<file path=ppt/slides/slide22.xml><?xml version="1.0" encoding="utf-8"?>
 <p:sld xmlns:a="http://schemas.openxmlformats.org/drawingml/2006/main" xmlns:r="http://schemas.openxmlformats.org/officeDocument/2006/relationships" xmlns:p="http://schemas.openxmlformats.org/presentationml/2006/main">
   <p:cSld>
     <p:spTree>
@@ -9551,14 +10879,6 @@
               </a:rPr>
               <a:t>Capture Mode</a:t>
             </a:r>
-            <a:endParaRPr lang="en-US" sz="2800" b="1" dirty="0" smtClean="0">
-              <a:solidFill>
-                <a:schemeClr val="accent1">
-                  <a:lumMod val="75000"/>
-                </a:schemeClr>
-              </a:solidFill>
-              <a:latin typeface="Facto Bold" panose="00000800000000000000" pitchFamily="50" charset="0"/>
-            </a:endParaRPr>
           </a:p>
         </p:txBody>
       </p:sp>
@@ -9749,11 +11069,7 @@
             </a:r>
             <a:r>
               <a:rPr lang="en-US" sz="2000" dirty="0"/>
-              <a:t>when written to 0.</a:t>
-            </a:r>
-            <a:r>
-              <a:rPr lang="en-US" sz="2000" dirty="0"/>
-              <a:t> </a:t>
+              <a:t>when written to 0. </a:t>
             </a:r>
             <a:endParaRPr lang="en-US" sz="2000" dirty="0" smtClean="0"/>
           </a:p>
@@ -10336,14 +11652,6 @@
               </a:rPr>
               <a:t>Procedure</a:t>
             </a:r>
-            <a:endParaRPr lang="en-US" sz="2800" b="1" dirty="0" smtClean="0">
-              <a:solidFill>
-                <a:schemeClr val="accent1">
-                  <a:lumMod val="75000"/>
-                </a:schemeClr>
-              </a:solidFill>
-              <a:latin typeface="Facto Bold" panose="00000800000000000000" pitchFamily="50" charset="0"/>
-            </a:endParaRPr>
           </a:p>
         </p:txBody>
       </p:sp>
@@ -10501,14 +11809,6 @@
               </a:rPr>
               <a:t>Capture Block Diagram</a:t>
             </a:r>
-            <a:endParaRPr lang="en-US" sz="2800" b="1" dirty="0" smtClean="0">
-              <a:solidFill>
-                <a:schemeClr val="accent1">
-                  <a:lumMod val="75000"/>
-                </a:schemeClr>
-              </a:solidFill>
-              <a:latin typeface="Facto Bold" panose="00000800000000000000" pitchFamily="50" charset="0"/>
-            </a:endParaRPr>
           </a:p>
         </p:txBody>
       </p:sp>
@@ -10696,14 +11996,6 @@
               </a:rPr>
               <a:t>CCP Registers-each 16bit Register</a:t>
             </a:r>
-            <a:endParaRPr lang="en-US" sz="2800" b="1" dirty="0" smtClean="0">
-              <a:solidFill>
-                <a:schemeClr val="accent1">
-                  <a:lumMod val="75000"/>
-                </a:schemeClr>
-              </a:solidFill>
-              <a:latin typeface="Facto Bold" panose="00000800000000000000" pitchFamily="50" charset="0"/>
-            </a:endParaRPr>
           </a:p>
         </p:txBody>
       </p:sp>
@@ -10744,11 +12036,7 @@
             </a:pPr>
             <a:r>
               <a:rPr lang="en-US" sz="2000" dirty="0" smtClean="0"/>
-              <a:t>TIMx_CR</a:t>
-            </a:r>
-            <a:r>
-              <a:rPr lang="en-US" sz="2000" dirty="0" smtClean="0"/>
-              <a:t>1 		- Timer Control Register</a:t>
+              <a:t>TIMx_CR1 		- Timer Control Register</a:t>
             </a:r>
           </a:p>
           <a:p>
@@ -11008,14 +12296,6 @@
               </a:rPr>
               <a:t>Capture Program</a:t>
             </a:r>
-            <a:endParaRPr lang="en-US" sz="2800" b="1" dirty="0" smtClean="0">
-              <a:solidFill>
-                <a:schemeClr val="accent1">
-                  <a:lumMod val="75000"/>
-                </a:schemeClr>
-              </a:solidFill>
-              <a:latin typeface="Facto Bold" panose="00000800000000000000" pitchFamily="50" charset="0"/>
-            </a:endParaRPr>
           </a:p>
         </p:txBody>
       </p:sp>
@@ -12506,14 +13786,6 @@
               </a:rPr>
               <a:t>Compare</a:t>
             </a:r>
-            <a:endParaRPr lang="en-US" sz="2800" b="1" dirty="0" smtClean="0">
-              <a:solidFill>
-                <a:schemeClr val="accent1">
-                  <a:lumMod val="75000"/>
-                </a:schemeClr>
-              </a:solidFill>
-              <a:latin typeface="Facto Bold" panose="00000800000000000000" pitchFamily="50" charset="0"/>
-            </a:endParaRPr>
           </a:p>
         </p:txBody>
       </p:sp>
@@ -13133,7 +14405,7 @@
   <a:extraClrSchemeLst/>
   <a:extLst>
     <a:ext uri="{05A4C25C-085E-4340-85A3-A5531E510DB2}">
-      <thm15:themeFamily xmlns:thm15="http://schemas.microsoft.com/office/thememl/2012/main" xmlns="" name="Office Theme" id="{62F939B6-93AF-4DB8-9C6B-D6C7DFDC589F}" vid="{4A3C46E8-61CC-4603-A589-7422A47A8E4A}"/>
+      <thm15:themeFamily xmlns="" xmlns:thm15="http://schemas.microsoft.com/office/thememl/2012/main" name="Office Theme" id="{62F939B6-93AF-4DB8-9C6B-D6C7DFDC589F}" vid="{4A3C46E8-61CC-4603-A589-7422A47A8E4A}"/>
     </a:ext>
   </a:extLst>
 </a:theme>
@@ -13394,7 +14666,7 @@
   <a:extraClrSchemeLst/>
   <a:extLst>
     <a:ext uri="{05A4C25C-085E-4340-85A3-A5531E510DB2}">
-      <thm15:themeFamily xmlns:thm15="http://schemas.microsoft.com/office/thememl/2012/main" xmlns="" name="Office Theme" id="{62F939B6-93AF-4DB8-9C6B-D6C7DFDC589F}" vid="{4A3C46E8-61CC-4603-A589-7422A47A8E4A}"/>
+      <thm15:themeFamily xmlns="" xmlns:thm15="http://schemas.microsoft.com/office/thememl/2012/main" name="Office Theme" id="{62F939B6-93AF-4DB8-9C6B-D6C7DFDC589F}" vid="{4A3C46E8-61CC-4603-A589-7422A47A8E4A}"/>
     </a:ext>
   </a:extLst>
 </a:theme>
@@ -13655,7 +14927,7 @@
   <a:extraClrSchemeLst/>
   <a:extLst>
     <a:ext uri="{05A4C25C-085E-4340-85A3-A5531E510DB2}">
-      <thm15:themeFamily xmlns:thm15="http://schemas.microsoft.com/office/thememl/2012/main" xmlns="" name="Office Theme" id="{62F939B6-93AF-4DB8-9C6B-D6C7DFDC589F}" vid="{4A3C46E8-61CC-4603-A589-7422A47A8E4A}"/>
+      <thm15:themeFamily xmlns="" xmlns:thm15="http://schemas.microsoft.com/office/thememl/2012/main" name="Office Theme" id="{62F939B6-93AF-4DB8-9C6B-D6C7DFDC589F}" vid="{4A3C46E8-61CC-4603-A589-7422A47A8E4A}"/>
     </a:ext>
   </a:extLst>
 </a:theme>
